--- a/es.pptx
+++ b/es.pptx
@@ -28,13 +28,15 @@
     <p:sldId id="284" r:id="rId22"/>
     <p:sldId id="285" r:id="rId23"/>
     <p:sldId id="286" r:id="rId24"/>
-    <p:sldId id="259" r:id="rId25"/>
-    <p:sldId id="263" r:id="rId26"/>
-    <p:sldId id="264" r:id="rId27"/>
-    <p:sldId id="265" r:id="rId28"/>
-    <p:sldId id="266" r:id="rId29"/>
-    <p:sldId id="261" r:id="rId30"/>
-    <p:sldId id="260" r:id="rId31"/>
+    <p:sldId id="288" r:id="rId25"/>
+    <p:sldId id="287" r:id="rId26"/>
+    <p:sldId id="259" r:id="rId27"/>
+    <p:sldId id="263" r:id="rId28"/>
+    <p:sldId id="264" r:id="rId29"/>
+    <p:sldId id="265" r:id="rId30"/>
+    <p:sldId id="266" r:id="rId31"/>
+    <p:sldId id="261" r:id="rId32"/>
+    <p:sldId id="260" r:id="rId33"/>
   </p:sldIdLst>
   <p:sldSz cx="9144000" cy="6858000" type="screen4x3"/>
   <p:notesSz cx="6858000" cy="9144000"/>
@@ -5057,50 +5059,42 @@
           <a:lstStyle/>
           <a:p>
             <a:r>
-              <a:rPr lang="en-US" dirty="0" err="1" smtClean="0"/>
-              <a:t>Elasticsearch</a:t>
-            </a:r>
-            <a:r>
-              <a:rPr lang="en-US" dirty="0" smtClean="0"/>
-              <a:t> alternatives?</a:t>
+              <a:rPr lang="en-US" dirty="0" smtClean="0"/>
+              <a:t>Quick check on symbols.</a:t>
             </a:r>
             <a:endParaRPr lang="en-US" dirty="0"/>
           </a:p>
         </p:txBody>
       </p:sp>
-      <p:sp>
-        <p:nvSpPr>
-          <p:cNvPr id="3" name="Content Placeholder 2"/>
-          <p:cNvSpPr>
-            <a:spLocks noGrp="1"/>
-          </p:cNvSpPr>
+      <p:pic>
+        <p:nvPicPr>
+          <p:cNvPr id="4" name="Content Placeholder 3" descr="Screen Shot 2014-05-13 at 3.31.46 PM.png"/>
+          <p:cNvPicPr>
+            <a:picLocks noGrp="1" noChangeAspect="1"/>
+          </p:cNvPicPr>
           <p:nvPr>
             <p:ph sz="quarter" idx="13"/>
           </p:nvPr>
-        </p:nvSpPr>
-        <p:spPr/>
-        <p:txBody>
-          <a:bodyPr/>
-          <a:lstStyle/>
-          <a:p>
-            <a:r>
-              <a:rPr lang="en-US" dirty="0" err="1" smtClean="0"/>
-              <a:t>Solr</a:t>
-            </a:r>
-            <a:endParaRPr lang="en-US" dirty="0" smtClean="0"/>
-          </a:p>
-          <a:p>
-            <a:pPr marL="0" indent="0">
-              <a:buNone/>
-            </a:pPr>
-            <a:endParaRPr lang="en-US" dirty="0"/>
-          </a:p>
-        </p:txBody>
-      </p:sp>
+        </p:nvPicPr>
+        <p:blipFill>
+          <a:blip r:embed="rId2">
+            <a:extLst>
+              <a:ext uri="{28A0092B-C50C-407E-A947-70E740481C1C}">
+                <a14:useLocalDpi xmlns:a14="http://schemas.microsoft.com/office/drawing/2010/main" val="0"/>
+              </a:ext>
+            </a:extLst>
+          </a:blip>
+          <a:srcRect t="-1881" b="-1881"/>
+          <a:stretch>
+            <a:fillRect/>
+          </a:stretch>
+        </p:blipFill>
+        <p:spPr/>
+      </p:pic>
     </p:spTree>
     <p:extLst>
       <p:ext uri="{BB962C8B-B14F-4D97-AF65-F5344CB8AC3E}">
-        <p14:creationId xmlns:p14="http://schemas.microsoft.com/office/powerpoint/2010/main" val="3165192188"/>
+        <p14:creationId xmlns:p14="http://schemas.microsoft.com/office/powerpoint/2010/main" val="3272432676"/>
       </p:ext>
     </p:extLst>
   </p:cSld>
@@ -5144,84 +5138,49 @@
           <a:p>
             <a:r>
               <a:rPr lang="en-US" dirty="0" smtClean="0"/>
-              <a:t>setup</a:t>
+              <a:t>Sense. Chrome Plugin for </a:t>
+            </a:r>
+            <a:r>
+              <a:rPr lang="en-US" dirty="0" err="1" smtClean="0"/>
+              <a:t>json</a:t>
+            </a:r>
+            <a:r>
+              <a:rPr lang="en-US" dirty="0" smtClean="0"/>
+              <a:t>.</a:t>
             </a:r>
             <a:endParaRPr lang="en-US" dirty="0"/>
           </a:p>
         </p:txBody>
       </p:sp>
-      <p:sp>
-        <p:nvSpPr>
-          <p:cNvPr id="3" name="Content Placeholder 2"/>
-          <p:cNvSpPr>
-            <a:spLocks noGrp="1"/>
-          </p:cNvSpPr>
+      <p:pic>
+        <p:nvPicPr>
+          <p:cNvPr id="4" name="Content Placeholder 3" descr="Screen Shot 2014-05-13 at 10.38.54 AM.png"/>
+          <p:cNvPicPr>
+            <a:picLocks noGrp="1" noChangeAspect="1"/>
+          </p:cNvPicPr>
           <p:nvPr>
             <p:ph sz="quarter" idx="13"/>
           </p:nvPr>
-        </p:nvSpPr>
-        <p:spPr/>
-        <p:txBody>
-          <a:bodyPr/>
-          <a:lstStyle/>
-          <a:p>
-            <a:r>
-              <a:rPr lang="en-US" dirty="0" err="1" smtClean="0"/>
-              <a:t>wget</a:t>
-            </a:r>
-            <a:r>
-              <a:rPr lang="en-US" dirty="0" smtClean="0"/>
-              <a:t> </a:t>
-            </a:r>
-            <a:r>
-              <a:rPr lang="en-US" dirty="0" err="1" smtClean="0"/>
-              <a:t>elasticsearch.tar.gz</a:t>
-            </a:r>
-            <a:endParaRPr lang="en-US" dirty="0" smtClean="0"/>
-          </a:p>
-          <a:p>
-            <a:r>
-              <a:rPr lang="en-US" dirty="0" smtClean="0"/>
-              <a:t>tar </a:t>
-            </a:r>
-            <a:r>
-              <a:rPr lang="en-US" dirty="0" err="1" smtClean="0"/>
-              <a:t>xzvf</a:t>
-            </a:r>
-            <a:r>
-              <a:rPr lang="en-US" dirty="0" smtClean="0"/>
-              <a:t>   </a:t>
-            </a:r>
-            <a:r>
-              <a:rPr lang="en-US" dirty="0" err="1"/>
-              <a:t>elasticsearch.tar.gz</a:t>
-            </a:r>
-            <a:endParaRPr lang="en-US" dirty="0"/>
-          </a:p>
-          <a:p>
-            <a:r>
-              <a:rPr lang="en-US" dirty="0" smtClean="0"/>
-              <a:t>bin/</a:t>
-            </a:r>
-            <a:r>
-              <a:rPr lang="en-US" dirty="0" err="1" smtClean="0"/>
-              <a:t>elasticsearch</a:t>
-            </a:r>
-            <a:endParaRPr lang="en-US" dirty="0" smtClean="0"/>
-          </a:p>
-          <a:p>
-            <a:r>
-              <a:rPr lang="en-US" dirty="0" smtClean="0"/>
-              <a:t>curl localhost:9200</a:t>
-            </a:r>
-            <a:endParaRPr lang="en-US" dirty="0"/>
-          </a:p>
-        </p:txBody>
-      </p:sp>
+        </p:nvPicPr>
+        <p:blipFill>
+          <a:blip r:embed="rId2">
+            <a:extLst>
+              <a:ext uri="{28A0092B-C50C-407E-A947-70E740481C1C}">
+                <a14:useLocalDpi xmlns:a14="http://schemas.microsoft.com/office/drawing/2010/main" val="0"/>
+              </a:ext>
+            </a:extLst>
+          </a:blip>
+          <a:srcRect l="-41770" r="-41770"/>
+          <a:stretch>
+            <a:fillRect/>
+          </a:stretch>
+        </p:blipFill>
+        <p:spPr/>
+      </p:pic>
     </p:spTree>
     <p:extLst>
       <p:ext uri="{BB962C8B-B14F-4D97-AF65-F5344CB8AC3E}">
-        <p14:creationId xmlns:p14="http://schemas.microsoft.com/office/powerpoint/2010/main" val="4074957073"/>
+        <p14:creationId xmlns:p14="http://schemas.microsoft.com/office/powerpoint/2010/main" val="2825510861"/>
       </p:ext>
     </p:extLst>
   </p:cSld>
@@ -5264,8 +5223,12 @@
           <a:lstStyle/>
           <a:p>
             <a:r>
-              <a:rPr lang="en-US" dirty="0" smtClean="0"/>
-              <a:t>the data in. Documents in.</a:t>
+              <a:rPr lang="en-US" dirty="0" err="1" smtClean="0"/>
+              <a:t>Elasticsearch</a:t>
+            </a:r>
+            <a:r>
+              <a:rPr lang="en-US" dirty="0" smtClean="0"/>
+              <a:t> alternatives?</a:t>
             </a:r>
             <a:endParaRPr lang="en-US" dirty="0"/>
           </a:p>
@@ -5287,62 +5250,15 @@
           <a:lstStyle/>
           <a:p>
             <a:r>
-              <a:rPr lang="en-US" dirty="0" smtClean="0"/>
-              <a:t>curl –XPUT localhost:9200/game/name/</a:t>
-            </a:r>
-            <a:r>
               <a:rPr lang="en-US" dirty="0" err="1" smtClean="0"/>
-              <a:t>lucky_words</a:t>
-            </a:r>
-            <a:r>
-              <a:rPr lang="en-US" dirty="0" smtClean="0"/>
-              <a:t> –d `{“some” : </a:t>
-            </a:r>
-            <a:r>
-              <a:rPr lang="en-US" dirty="0" err="1" smtClean="0"/>
-              <a:t>json</a:t>
-            </a:r>
-            <a:r>
-              <a:rPr lang="en-US" dirty="0" smtClean="0"/>
-              <a:t> }`</a:t>
-            </a:r>
-          </a:p>
-          <a:p>
-            <a:r>
-              <a:rPr lang="en-US" dirty="0"/>
-              <a:t>curl –</a:t>
-            </a:r>
-            <a:r>
-              <a:rPr lang="en-US" dirty="0" smtClean="0"/>
-              <a:t>XGET </a:t>
-            </a:r>
-            <a:r>
-              <a:rPr lang="en-US" dirty="0"/>
-              <a:t>localhost:9200/game/name/</a:t>
-            </a:r>
-            <a:r>
-              <a:rPr lang="en-US" dirty="0" err="1" smtClean="0"/>
-              <a:t>lucky_words</a:t>
+              <a:t>Solr</a:t>
             </a:r>
             <a:endParaRPr lang="en-US" dirty="0" smtClean="0"/>
           </a:p>
           <a:p>
-            <a:r>
-              <a:rPr lang="en-US" dirty="0"/>
-              <a:t>curl –</a:t>
-            </a:r>
-            <a:r>
-              <a:rPr lang="en-US" dirty="0" smtClean="0"/>
-              <a:t>XDELETE </a:t>
-            </a:r>
-            <a:r>
-              <a:rPr lang="en-US" dirty="0"/>
-              <a:t>localhost:9200/game/name/</a:t>
-            </a:r>
-            <a:r>
-              <a:rPr lang="en-US" dirty="0" err="1"/>
-              <a:t>lucky_words</a:t>
-            </a:r>
+            <a:pPr marL="0" indent="0">
+              <a:buNone/>
+            </a:pPr>
             <a:endParaRPr lang="en-US" dirty="0"/>
           </a:p>
         </p:txBody>
@@ -5350,7 +5266,7 @@
     </p:spTree>
     <p:extLst>
       <p:ext uri="{BB962C8B-B14F-4D97-AF65-F5344CB8AC3E}">
-        <p14:creationId xmlns:p14="http://schemas.microsoft.com/office/powerpoint/2010/main" val="1232051042"/>
+        <p14:creationId xmlns:p14="http://schemas.microsoft.com/office/powerpoint/2010/main" val="3165192188"/>
       </p:ext>
     </p:extLst>
   </p:cSld>
@@ -5394,7 +5310,7 @@
           <a:p>
             <a:r>
               <a:rPr lang="en-US" dirty="0" smtClean="0"/>
-              <a:t>Search</a:t>
+              <a:t>setup</a:t>
             </a:r>
             <a:endParaRPr lang="en-US" dirty="0"/>
           </a:p>
@@ -5416,136 +5332,54 @@
           <a:lstStyle/>
           <a:p>
             <a:r>
-              <a:rPr lang="en-US" dirty="0"/>
-              <a:t>curl –</a:t>
-            </a:r>
-            <a:r>
-              <a:rPr lang="en-US" dirty="0" smtClean="0"/>
-              <a:t>XGET </a:t>
-            </a:r>
-            <a:r>
-              <a:rPr lang="en-US" dirty="0"/>
-              <a:t>localhost:9200</a:t>
-            </a:r>
-            <a:r>
-              <a:rPr lang="en-US" dirty="0" smtClean="0"/>
-              <a:t>/_</a:t>
-            </a:r>
-            <a:r>
               <a:rPr lang="en-US" dirty="0" err="1" smtClean="0"/>
-              <a:t>search?q</a:t>
-            </a:r>
-            <a:r>
-              <a:rPr lang="en-US" dirty="0" smtClean="0"/>
-              <a:t>=</a:t>
+              <a:t>wget</a:t>
+            </a:r>
+            <a:r>
+              <a:rPr lang="en-US" dirty="0" smtClean="0"/>
+              <a:t> </a:t>
             </a:r>
             <a:r>
               <a:rPr lang="en-US" dirty="0" err="1" smtClean="0"/>
-              <a:t>best_game</a:t>
+              <a:t>elasticsearch.tar.gz</a:t>
             </a:r>
             <a:endParaRPr lang="en-US" dirty="0" smtClean="0"/>
           </a:p>
           <a:p>
+            <a:r>
+              <a:rPr lang="en-US" dirty="0" smtClean="0"/>
+              <a:t>tar </a:t>
+            </a:r>
+            <a:r>
+              <a:rPr lang="en-US" dirty="0" err="1" smtClean="0"/>
+              <a:t>xzvf</a:t>
+            </a:r>
+            <a:r>
+              <a:rPr lang="en-US" dirty="0" smtClean="0"/>
+              <a:t>   </a:t>
+            </a:r>
+            <a:r>
+              <a:rPr lang="en-US" dirty="0" err="1"/>
+              <a:t>elasticsearch.tar.gz</a:t>
+            </a:r>
+            <a:endParaRPr lang="en-US" dirty="0"/>
+          </a:p>
+          <a:p>
+            <a:r>
+              <a:rPr lang="en-US" dirty="0" smtClean="0"/>
+              <a:t>bin/</a:t>
+            </a:r>
+            <a:r>
+              <a:rPr lang="en-US" dirty="0" err="1" smtClean="0"/>
+              <a:t>elasticsearch</a:t>
+            </a:r>
             <a:endParaRPr lang="en-US" dirty="0" smtClean="0"/>
           </a:p>
           <a:p>
             <a:r>
-              <a:rPr lang="en-US" dirty="0"/>
-              <a:t>curl –XGET localhost:9200/</a:t>
-            </a:r>
-            <a:r>
-              <a:rPr lang="en-US" dirty="0" smtClean="0"/>
-              <a:t>_search –d `{</a:t>
-            </a:r>
-          </a:p>
-          <a:p>
-            <a:pPr marL="457200" lvl="1" indent="0">
-              <a:buNone/>
-            </a:pPr>
-            <a:r>
-              <a:rPr lang="en-US" dirty="0"/>
-              <a:t> </a:t>
-            </a:r>
-            <a:r>
-              <a:rPr lang="en-US" dirty="0" smtClean="0"/>
-              <a:t>“query”:  {</a:t>
-            </a:r>
-          </a:p>
-          <a:p>
-            <a:pPr marL="457200" lvl="1" indent="0">
-              <a:buNone/>
-            </a:pPr>
-            <a:r>
-              <a:rPr lang="en-US" dirty="0"/>
-              <a:t>	</a:t>
-            </a:r>
-            <a:r>
-              <a:rPr lang="en-US" dirty="0" smtClean="0"/>
-              <a:t>“</a:t>
-            </a:r>
-            <a:r>
-              <a:rPr lang="en-US" dirty="0" err="1" smtClean="0"/>
-              <a:t>query_string</a:t>
-            </a:r>
-            <a:r>
-              <a:rPr lang="en-US" dirty="0" smtClean="0"/>
-              <a:t>”: {</a:t>
-            </a:r>
-          </a:p>
-          <a:p>
-            <a:pPr marL="457200" lvl="1" indent="0">
-              <a:buNone/>
-            </a:pPr>
-            <a:r>
-              <a:rPr lang="en-US" dirty="0"/>
-              <a:t>	</a:t>
-            </a:r>
-            <a:r>
-              <a:rPr lang="en-US" dirty="0" smtClean="0"/>
-              <a:t>	“query”: “</a:t>
-            </a:r>
-            <a:r>
-              <a:rPr lang="en-US" dirty="0" err="1" smtClean="0"/>
-              <a:t>lucky_words</a:t>
-            </a:r>
-            <a:r>
-              <a:rPr lang="en-US" dirty="0" smtClean="0"/>
-              <a:t> AND rtp:95”</a:t>
-            </a:r>
-          </a:p>
-          <a:p>
-            <a:pPr marL="457200" lvl="1" indent="0">
-              <a:buNone/>
-            </a:pPr>
-            <a:r>
-              <a:rPr lang="en-US" dirty="0"/>
-              <a:t>	</a:t>
-            </a:r>
-            <a:r>
-              <a:rPr lang="en-US" dirty="0" smtClean="0"/>
-              <a:t>	}</a:t>
-            </a:r>
-          </a:p>
-          <a:p>
-            <a:pPr marL="457200" lvl="1" indent="0">
-              <a:buNone/>
-            </a:pPr>
-            <a:r>
-              <a:rPr lang="en-US" dirty="0" smtClean="0"/>
-              <a:t>	}</a:t>
-            </a:r>
-          </a:p>
-          <a:p>
-            <a:pPr marL="457200" lvl="1" indent="0">
-              <a:buNone/>
-            </a:pPr>
-            <a:r>
-              <a:rPr lang="en-US" dirty="0" smtClean="0"/>
-              <a:t>}`</a:t>
-            </a:r>
-            <a:endParaRPr lang="en-US" dirty="0"/>
-          </a:p>
-          <a:p>
+              <a:rPr lang="en-US" dirty="0" smtClean="0"/>
+              <a:t>curl localhost:9200</a:t>
+            </a:r>
             <a:endParaRPr lang="en-US" dirty="0"/>
           </a:p>
         </p:txBody>
@@ -5553,7 +5387,7 @@
     </p:spTree>
     <p:extLst>
       <p:ext uri="{BB962C8B-B14F-4D97-AF65-F5344CB8AC3E}">
-        <p14:creationId xmlns:p14="http://schemas.microsoft.com/office/powerpoint/2010/main" val="1726973554"/>
+        <p14:creationId xmlns:p14="http://schemas.microsoft.com/office/powerpoint/2010/main" val="4074957073"/>
       </p:ext>
     </p:extLst>
   </p:cSld>
@@ -5597,7 +5431,7 @@
           <a:p>
             <a:r>
               <a:rPr lang="en-US" dirty="0" smtClean="0"/>
-              <a:t>Query your data</a:t>
+              <a:t>the data in. Documents in.</a:t>
             </a:r>
             <a:endParaRPr lang="en-US" dirty="0"/>
           </a:p>
@@ -5620,27 +5454,60 @@
           <a:p>
             <a:r>
               <a:rPr lang="en-US" dirty="0" smtClean="0"/>
-              <a:t>Query format – JSON</a:t>
-            </a:r>
-          </a:p>
-          <a:p>
-            <a:r>
-              <a:rPr lang="en-US" dirty="0" smtClean="0"/>
-              <a:t>Build in filters</a:t>
-            </a:r>
-          </a:p>
-          <a:p>
-            <a:r>
-              <a:rPr lang="en-US" dirty="0" smtClean="0"/>
-              <a:t>Queries </a:t>
+              <a:t>curl –XPUT localhost:9200/game/name/</a:t>
             </a:r>
             <a:r>
               <a:rPr lang="en-US" dirty="0" err="1" smtClean="0"/>
-              <a:t>vs</a:t>
-            </a:r>
-            <a:r>
-              <a:rPr lang="en-US" dirty="0" smtClean="0"/>
-              <a:t> Filters</a:t>
+              <a:t>lucky_words</a:t>
+            </a:r>
+            <a:r>
+              <a:rPr lang="en-US" dirty="0" smtClean="0"/>
+              <a:t> –d `{“some” : </a:t>
+            </a:r>
+            <a:r>
+              <a:rPr lang="en-US" dirty="0" err="1" smtClean="0"/>
+              <a:t>json</a:t>
+            </a:r>
+            <a:r>
+              <a:rPr lang="en-US" dirty="0" smtClean="0"/>
+              <a:t> }`</a:t>
+            </a:r>
+          </a:p>
+          <a:p>
+            <a:r>
+              <a:rPr lang="en-US" dirty="0"/>
+              <a:t>curl –</a:t>
+            </a:r>
+            <a:r>
+              <a:rPr lang="en-US" dirty="0" smtClean="0"/>
+              <a:t>XGET </a:t>
+            </a:r>
+            <a:r>
+              <a:rPr lang="en-US" dirty="0"/>
+              <a:t>localhost:9200/game/name/</a:t>
+            </a:r>
+            <a:r>
+              <a:rPr lang="en-US" dirty="0" err="1" smtClean="0"/>
+              <a:t>lucky_words</a:t>
+            </a:r>
+            <a:endParaRPr lang="en-US" dirty="0" smtClean="0"/>
+          </a:p>
+          <a:p>
+            <a:r>
+              <a:rPr lang="en-US" dirty="0"/>
+              <a:t>curl –</a:t>
+            </a:r>
+            <a:r>
+              <a:rPr lang="en-US" dirty="0" smtClean="0"/>
+              <a:t>XDELETE </a:t>
+            </a:r>
+            <a:r>
+              <a:rPr lang="en-US" dirty="0"/>
+              <a:t>localhost:9200/game/name/</a:t>
+            </a:r>
+            <a:r>
+              <a:rPr lang="en-US" dirty="0" err="1"/>
+              <a:t>lucky_words</a:t>
             </a:r>
             <a:endParaRPr lang="en-US" dirty="0"/>
           </a:p>
@@ -5649,7 +5516,7 @@
     </p:spTree>
     <p:extLst>
       <p:ext uri="{BB962C8B-B14F-4D97-AF65-F5344CB8AC3E}">
-        <p14:creationId xmlns:p14="http://schemas.microsoft.com/office/powerpoint/2010/main" val="2580380204"/>
+        <p14:creationId xmlns:p14="http://schemas.microsoft.com/office/powerpoint/2010/main" val="1232051042"/>
       </p:ext>
     </p:extLst>
   </p:cSld>
@@ -5693,41 +5560,166 @@
           <a:p>
             <a:r>
               <a:rPr lang="en-US" dirty="0" smtClean="0"/>
-              <a:t>ES</a:t>
+              <a:t>Search</a:t>
             </a:r>
             <a:endParaRPr lang="en-US" dirty="0"/>
           </a:p>
         </p:txBody>
       </p:sp>
-      <p:pic>
-        <p:nvPicPr>
-          <p:cNvPr id="4" name="Content Placeholder 3" descr="Screen Shot 2014-04-21 at 10.19.50 AM.png"/>
-          <p:cNvPicPr>
-            <a:picLocks noGrp="1" noChangeAspect="1"/>
-          </p:cNvPicPr>
+      <p:sp>
+        <p:nvSpPr>
+          <p:cNvPr id="3" name="Content Placeholder 2"/>
+          <p:cNvSpPr>
+            <a:spLocks noGrp="1"/>
+          </p:cNvSpPr>
           <p:nvPr>
             <p:ph sz="quarter" idx="13"/>
           </p:nvPr>
-        </p:nvPicPr>
-        <p:blipFill>
-          <a:blip r:embed="rId2">
-            <a:extLst>
-              <a:ext uri="{28A0092B-C50C-407E-A947-70E740481C1C}">
-                <a14:useLocalDpi xmlns:a14="http://schemas.microsoft.com/office/drawing/2010/main" val="0"/>
-              </a:ext>
-            </a:extLst>
-          </a:blip>
-          <a:srcRect l="-23777" r="-23777"/>
-          <a:stretch>
-            <a:fillRect/>
-          </a:stretch>
-        </p:blipFill>
-        <p:spPr/>
-      </p:pic>
+        </p:nvSpPr>
+        <p:spPr/>
+        <p:txBody>
+          <a:bodyPr/>
+          <a:lstStyle/>
+          <a:p>
+            <a:r>
+              <a:rPr lang="en-US" dirty="0"/>
+              <a:t>curl –</a:t>
+            </a:r>
+            <a:r>
+              <a:rPr lang="en-US" dirty="0" smtClean="0"/>
+              <a:t>XGET </a:t>
+            </a:r>
+            <a:r>
+              <a:rPr lang="en-US" dirty="0"/>
+              <a:t>localhost:9200</a:t>
+            </a:r>
+            <a:r>
+              <a:rPr lang="en-US" dirty="0" smtClean="0"/>
+              <a:t>/_</a:t>
+            </a:r>
+            <a:r>
+              <a:rPr lang="en-US" dirty="0" err="1" smtClean="0"/>
+              <a:t>search?q</a:t>
+            </a:r>
+            <a:r>
+              <a:rPr lang="en-US" dirty="0" smtClean="0"/>
+              <a:t>=</a:t>
+            </a:r>
+            <a:r>
+              <a:rPr lang="en-US" dirty="0" err="1" smtClean="0"/>
+              <a:t>best_game</a:t>
+            </a:r>
+            <a:endParaRPr lang="en-US" dirty="0" smtClean="0"/>
+          </a:p>
+          <a:p>
+            <a:endParaRPr lang="en-US" dirty="0" smtClean="0"/>
+          </a:p>
+          <a:p>
+            <a:r>
+              <a:rPr lang="en-US" dirty="0"/>
+              <a:t>curl –XGET localhost:9200/</a:t>
+            </a:r>
+            <a:r>
+              <a:rPr lang="en-US" dirty="0" smtClean="0"/>
+              <a:t>_search –d `{</a:t>
+            </a:r>
+          </a:p>
+          <a:p>
+            <a:pPr marL="457200" lvl="1" indent="0">
+              <a:buNone/>
+            </a:pPr>
+            <a:r>
+              <a:rPr lang="en-US" dirty="0"/>
+              <a:t> </a:t>
+            </a:r>
+            <a:r>
+              <a:rPr lang="en-US" dirty="0" smtClean="0"/>
+              <a:t>“query”:  {</a:t>
+            </a:r>
+          </a:p>
+          <a:p>
+            <a:pPr marL="457200" lvl="1" indent="0">
+              <a:buNone/>
+            </a:pPr>
+            <a:r>
+              <a:rPr lang="en-US" dirty="0"/>
+              <a:t>	</a:t>
+            </a:r>
+            <a:r>
+              <a:rPr lang="en-US" dirty="0" smtClean="0"/>
+              <a:t>“</a:t>
+            </a:r>
+            <a:r>
+              <a:rPr lang="en-US" dirty="0" err="1" smtClean="0"/>
+              <a:t>query_string</a:t>
+            </a:r>
+            <a:r>
+              <a:rPr lang="en-US" dirty="0" smtClean="0"/>
+              <a:t>”: {</a:t>
+            </a:r>
+          </a:p>
+          <a:p>
+            <a:pPr marL="457200" lvl="1" indent="0">
+              <a:buNone/>
+            </a:pPr>
+            <a:r>
+              <a:rPr lang="en-US" dirty="0"/>
+              <a:t>	</a:t>
+            </a:r>
+            <a:r>
+              <a:rPr lang="en-US" dirty="0" smtClean="0"/>
+              <a:t>	“query”: “</a:t>
+            </a:r>
+            <a:r>
+              <a:rPr lang="en-US" dirty="0" err="1" smtClean="0"/>
+              <a:t>lucky_words</a:t>
+            </a:r>
+            <a:r>
+              <a:rPr lang="en-US" dirty="0" smtClean="0"/>
+              <a:t> AND rtp:95”</a:t>
+            </a:r>
+          </a:p>
+          <a:p>
+            <a:pPr marL="457200" lvl="1" indent="0">
+              <a:buNone/>
+            </a:pPr>
+            <a:r>
+              <a:rPr lang="en-US" dirty="0"/>
+              <a:t>	</a:t>
+            </a:r>
+            <a:r>
+              <a:rPr lang="en-US" dirty="0" smtClean="0"/>
+              <a:t>	}</a:t>
+            </a:r>
+          </a:p>
+          <a:p>
+            <a:pPr marL="457200" lvl="1" indent="0">
+              <a:buNone/>
+            </a:pPr>
+            <a:r>
+              <a:rPr lang="en-US" dirty="0" smtClean="0"/>
+              <a:t>	}</a:t>
+            </a:r>
+          </a:p>
+          <a:p>
+            <a:pPr marL="457200" lvl="1" indent="0">
+              <a:buNone/>
+            </a:pPr>
+            <a:r>
+              <a:rPr lang="en-US" dirty="0" smtClean="0"/>
+              <a:t>}`</a:t>
+            </a:r>
+            <a:endParaRPr lang="en-US" dirty="0"/>
+          </a:p>
+          <a:p>
+            <a:endParaRPr lang="en-US" dirty="0"/>
+          </a:p>
+        </p:txBody>
+      </p:sp>
     </p:spTree>
     <p:extLst>
       <p:ext uri="{BB962C8B-B14F-4D97-AF65-F5344CB8AC3E}">
-        <p14:creationId xmlns:p14="http://schemas.microsoft.com/office/powerpoint/2010/main" val="267365519"/>
+        <p14:creationId xmlns:p14="http://schemas.microsoft.com/office/powerpoint/2010/main" val="1726973554"/>
       </p:ext>
     </p:extLst>
   </p:cSld>
@@ -5842,6 +5834,180 @@
 </file>
 
 <file path=ppt/slides/slide30.xml><?xml version="1.0" encoding="utf-8"?>
+<p:sld xmlns:a="http://schemas.openxmlformats.org/drawingml/2006/main" xmlns:r="http://schemas.openxmlformats.org/officeDocument/2006/relationships" xmlns:p="http://schemas.openxmlformats.org/presentationml/2006/main">
+  <p:cSld>
+    <p:spTree>
+      <p:nvGrpSpPr>
+        <p:cNvPr id="1" name=""/>
+        <p:cNvGrpSpPr/>
+        <p:nvPr/>
+      </p:nvGrpSpPr>
+      <p:grpSpPr>
+        <a:xfrm>
+          <a:off x="0" y="0"/>
+          <a:ext cx="0" cy="0"/>
+          <a:chOff x="0" y="0"/>
+          <a:chExt cx="0" cy="0"/>
+        </a:xfrm>
+      </p:grpSpPr>
+      <p:sp>
+        <p:nvSpPr>
+          <p:cNvPr id="2" name="Title 1"/>
+          <p:cNvSpPr>
+            <a:spLocks noGrp="1"/>
+          </p:cNvSpPr>
+          <p:nvPr>
+            <p:ph type="title"/>
+          </p:nvPr>
+        </p:nvSpPr>
+        <p:spPr/>
+        <p:txBody>
+          <a:bodyPr/>
+          <a:lstStyle/>
+          <a:p>
+            <a:r>
+              <a:rPr lang="en-US" dirty="0" smtClean="0"/>
+              <a:t>Query your data</a:t>
+            </a:r>
+            <a:endParaRPr lang="en-US" dirty="0"/>
+          </a:p>
+        </p:txBody>
+      </p:sp>
+      <p:sp>
+        <p:nvSpPr>
+          <p:cNvPr id="3" name="Content Placeholder 2"/>
+          <p:cNvSpPr>
+            <a:spLocks noGrp="1"/>
+          </p:cNvSpPr>
+          <p:nvPr>
+            <p:ph sz="quarter" idx="13"/>
+          </p:nvPr>
+        </p:nvSpPr>
+        <p:spPr/>
+        <p:txBody>
+          <a:bodyPr/>
+          <a:lstStyle/>
+          <a:p>
+            <a:r>
+              <a:rPr lang="en-US" dirty="0" smtClean="0"/>
+              <a:t>Query format – JSON</a:t>
+            </a:r>
+          </a:p>
+          <a:p>
+            <a:r>
+              <a:rPr lang="en-US" dirty="0" smtClean="0"/>
+              <a:t>Build in filters</a:t>
+            </a:r>
+          </a:p>
+          <a:p>
+            <a:r>
+              <a:rPr lang="en-US" dirty="0" smtClean="0"/>
+              <a:t>Queries </a:t>
+            </a:r>
+            <a:r>
+              <a:rPr lang="en-US" dirty="0" err="1" smtClean="0"/>
+              <a:t>vs</a:t>
+            </a:r>
+            <a:r>
+              <a:rPr lang="en-US" dirty="0" smtClean="0"/>
+              <a:t> Filters</a:t>
+            </a:r>
+            <a:endParaRPr lang="en-US" dirty="0"/>
+          </a:p>
+        </p:txBody>
+      </p:sp>
+    </p:spTree>
+    <p:extLst>
+      <p:ext uri="{BB962C8B-B14F-4D97-AF65-F5344CB8AC3E}">
+        <p14:creationId xmlns:p14="http://schemas.microsoft.com/office/powerpoint/2010/main" val="2580380204"/>
+      </p:ext>
+    </p:extLst>
+  </p:cSld>
+  <p:clrMapOvr>
+    <a:masterClrMapping/>
+  </p:clrMapOvr>
+</p:sld>
+</file>
+
+<file path=ppt/slides/slide31.xml><?xml version="1.0" encoding="utf-8"?>
+<p:sld xmlns:a="http://schemas.openxmlformats.org/drawingml/2006/main" xmlns:r="http://schemas.openxmlformats.org/officeDocument/2006/relationships" xmlns:p="http://schemas.openxmlformats.org/presentationml/2006/main">
+  <p:cSld>
+    <p:spTree>
+      <p:nvGrpSpPr>
+        <p:cNvPr id="1" name=""/>
+        <p:cNvGrpSpPr/>
+        <p:nvPr/>
+      </p:nvGrpSpPr>
+      <p:grpSpPr>
+        <a:xfrm>
+          <a:off x="0" y="0"/>
+          <a:ext cx="0" cy="0"/>
+          <a:chOff x="0" y="0"/>
+          <a:chExt cx="0" cy="0"/>
+        </a:xfrm>
+      </p:grpSpPr>
+      <p:sp>
+        <p:nvSpPr>
+          <p:cNvPr id="2" name="Title 1"/>
+          <p:cNvSpPr>
+            <a:spLocks noGrp="1"/>
+          </p:cNvSpPr>
+          <p:nvPr>
+            <p:ph type="title"/>
+          </p:nvPr>
+        </p:nvSpPr>
+        <p:spPr/>
+        <p:txBody>
+          <a:bodyPr/>
+          <a:lstStyle/>
+          <a:p>
+            <a:r>
+              <a:rPr lang="en-US" dirty="0" smtClean="0"/>
+              <a:t>ES</a:t>
+            </a:r>
+            <a:endParaRPr lang="en-US" dirty="0"/>
+          </a:p>
+        </p:txBody>
+      </p:sp>
+      <p:pic>
+        <p:nvPicPr>
+          <p:cNvPr id="4" name="Content Placeholder 3" descr="Screen Shot 2014-04-21 at 10.19.50 AM.png"/>
+          <p:cNvPicPr>
+            <a:picLocks noGrp="1" noChangeAspect="1"/>
+          </p:cNvPicPr>
+          <p:nvPr>
+            <p:ph sz="quarter" idx="13"/>
+          </p:nvPr>
+        </p:nvPicPr>
+        <p:blipFill>
+          <a:blip r:embed="rId2">
+            <a:extLst>
+              <a:ext uri="{28A0092B-C50C-407E-A947-70E740481C1C}">
+                <a14:useLocalDpi xmlns:a14="http://schemas.microsoft.com/office/drawing/2010/main" val="0"/>
+              </a:ext>
+            </a:extLst>
+          </a:blip>
+          <a:srcRect l="-23777" r="-23777"/>
+          <a:stretch>
+            <a:fillRect/>
+          </a:stretch>
+        </p:blipFill>
+        <p:spPr/>
+      </p:pic>
+    </p:spTree>
+    <p:extLst>
+      <p:ext uri="{BB962C8B-B14F-4D97-AF65-F5344CB8AC3E}">
+        <p14:creationId xmlns:p14="http://schemas.microsoft.com/office/powerpoint/2010/main" val="267365519"/>
+      </p:ext>
+    </p:extLst>
+  </p:cSld>
+  <p:clrMapOvr>
+    <a:masterClrMapping/>
+  </p:clrMapOvr>
+</p:sld>
+</file>
+
+<file path=ppt/slides/slide32.xml><?xml version="1.0" encoding="utf-8"?>
 <p:sld xmlns:a="http://schemas.openxmlformats.org/drawingml/2006/main" xmlns:r="http://schemas.openxmlformats.org/officeDocument/2006/relationships" xmlns:p="http://schemas.openxmlformats.org/presentationml/2006/main">
   <p:cSld>
     <p:spTree>

--- a/es.pptx
+++ b/es.pptx
@@ -21,22 +21,25 @@
     <p:sldId id="269" r:id="rId15"/>
     <p:sldId id="271" r:id="rId16"/>
     <p:sldId id="270" r:id="rId17"/>
-    <p:sldId id="281" r:id="rId18"/>
-    <p:sldId id="258" r:id="rId19"/>
-    <p:sldId id="282" r:id="rId20"/>
-    <p:sldId id="283" r:id="rId21"/>
-    <p:sldId id="284" r:id="rId22"/>
-    <p:sldId id="285" r:id="rId23"/>
-    <p:sldId id="286" r:id="rId24"/>
-    <p:sldId id="288" r:id="rId25"/>
-    <p:sldId id="287" r:id="rId26"/>
-    <p:sldId id="259" r:id="rId27"/>
-    <p:sldId id="263" r:id="rId28"/>
-    <p:sldId id="264" r:id="rId29"/>
-    <p:sldId id="265" r:id="rId30"/>
-    <p:sldId id="266" r:id="rId31"/>
-    <p:sldId id="261" r:id="rId32"/>
-    <p:sldId id="260" r:id="rId33"/>
+    <p:sldId id="291" r:id="rId18"/>
+    <p:sldId id="281" r:id="rId19"/>
+    <p:sldId id="258" r:id="rId20"/>
+    <p:sldId id="282" r:id="rId21"/>
+    <p:sldId id="283" r:id="rId22"/>
+    <p:sldId id="284" r:id="rId23"/>
+    <p:sldId id="285" r:id="rId24"/>
+    <p:sldId id="286" r:id="rId25"/>
+    <p:sldId id="288" r:id="rId26"/>
+    <p:sldId id="289" r:id="rId27"/>
+    <p:sldId id="290" r:id="rId28"/>
+    <p:sldId id="287" r:id="rId29"/>
+    <p:sldId id="259" r:id="rId30"/>
+    <p:sldId id="263" r:id="rId31"/>
+    <p:sldId id="264" r:id="rId32"/>
+    <p:sldId id="265" r:id="rId33"/>
+    <p:sldId id="266" r:id="rId34"/>
+    <p:sldId id="261" r:id="rId35"/>
+    <p:sldId id="260" r:id="rId36"/>
   </p:sldIdLst>
   <p:sldSz cx="9144000" cy="6858000" type="screen4x3"/>
   <p:notesSz cx="6858000" cy="9144000"/>
@@ -4201,6 +4204,84 @@
           <a:lstStyle/>
           <a:p>
             <a:r>
+              <a:rPr lang="en-US" dirty="0" smtClean="0"/>
+              <a:t>Reels. Position Aggregation and The theoretical reel. </a:t>
+            </a:r>
+            <a:endParaRPr lang="en-US" dirty="0"/>
+          </a:p>
+        </p:txBody>
+      </p:sp>
+      <p:pic>
+        <p:nvPicPr>
+          <p:cNvPr id="6" name="Content Placeholder 5" descr="Screen Shot 2014-05-14 at 6.05.19 PM.png"/>
+          <p:cNvPicPr>
+            <a:picLocks noGrp="1" noChangeAspect="1"/>
+          </p:cNvPicPr>
+          <p:nvPr>
+            <p:ph sz="quarter" idx="13"/>
+          </p:nvPr>
+        </p:nvPicPr>
+        <p:blipFill>
+          <a:blip r:embed="rId2">
+            <a:extLst>
+              <a:ext uri="{28A0092B-C50C-407E-A947-70E740481C1C}">
+                <a14:useLocalDpi xmlns:a14="http://schemas.microsoft.com/office/drawing/2010/main" val="0"/>
+              </a:ext>
+            </a:extLst>
+          </a:blip>
+          <a:srcRect l="-9848" r="-9848"/>
+          <a:stretch>
+            <a:fillRect/>
+          </a:stretch>
+        </p:blipFill>
+        <p:spPr/>
+      </p:pic>
+    </p:spTree>
+    <p:extLst>
+      <p:ext uri="{BB962C8B-B14F-4D97-AF65-F5344CB8AC3E}">
+        <p14:creationId xmlns:p14="http://schemas.microsoft.com/office/powerpoint/2010/main" val="3811251667"/>
+      </p:ext>
+    </p:extLst>
+  </p:cSld>
+  <p:clrMapOvr>
+    <a:masterClrMapping/>
+  </p:clrMapOvr>
+</p:sld>
+</file>
+
+<file path=ppt/slides/slide18.xml><?xml version="1.0" encoding="utf-8"?>
+<p:sld xmlns:a="http://schemas.openxmlformats.org/drawingml/2006/main" xmlns:r="http://schemas.openxmlformats.org/officeDocument/2006/relationships" xmlns:p="http://schemas.openxmlformats.org/presentationml/2006/main">
+  <p:cSld>
+    <p:spTree>
+      <p:nvGrpSpPr>
+        <p:cNvPr id="1" name=""/>
+        <p:cNvGrpSpPr/>
+        <p:nvPr/>
+      </p:nvGrpSpPr>
+      <p:grpSpPr>
+        <a:xfrm>
+          <a:off x="0" y="0"/>
+          <a:ext cx="0" cy="0"/>
+          <a:chOff x="0" y="0"/>
+          <a:chExt cx="0" cy="0"/>
+        </a:xfrm>
+      </p:grpSpPr>
+      <p:sp>
+        <p:nvSpPr>
+          <p:cNvPr id="2" name="Title 1"/>
+          <p:cNvSpPr>
+            <a:spLocks noGrp="1"/>
+          </p:cNvSpPr>
+          <p:nvPr>
+            <p:ph type="title"/>
+          </p:nvPr>
+        </p:nvSpPr>
+        <p:spPr/>
+        <p:txBody>
+          <a:bodyPr/>
+          <a:lstStyle/>
+          <a:p>
+            <a:r>
               <a:rPr lang="en-US" dirty="0" err="1" smtClean="0"/>
               <a:t>BigDesk</a:t>
             </a:r>
@@ -4244,7 +4325,7 @@
 </p:sld>
 </file>
 
-<file path=ppt/slides/slide18.xml><?xml version="1.0" encoding="utf-8"?>
+<file path=ppt/slides/slide19.xml><?xml version="1.0" encoding="utf-8"?>
 <p:sld xmlns:a="http://schemas.openxmlformats.org/drawingml/2006/main" xmlns:r="http://schemas.openxmlformats.org/officeDocument/2006/relationships" xmlns:p="http://schemas.openxmlformats.org/presentationml/2006/main">
   <p:cSld>
     <p:spTree>
@@ -4350,84 +4431,6 @@
 </p:sld>
 </file>
 
-<file path=ppt/slides/slide19.xml><?xml version="1.0" encoding="utf-8"?>
-<p:sld xmlns:a="http://schemas.openxmlformats.org/drawingml/2006/main" xmlns:r="http://schemas.openxmlformats.org/officeDocument/2006/relationships" xmlns:p="http://schemas.openxmlformats.org/presentationml/2006/main">
-  <p:cSld>
-    <p:spTree>
-      <p:nvGrpSpPr>
-        <p:cNvPr id="1" name=""/>
-        <p:cNvGrpSpPr/>
-        <p:nvPr/>
-      </p:nvGrpSpPr>
-      <p:grpSpPr>
-        <a:xfrm>
-          <a:off x="0" y="0"/>
-          <a:ext cx="0" cy="0"/>
-          <a:chOff x="0" y="0"/>
-          <a:chExt cx="0" cy="0"/>
-        </a:xfrm>
-      </p:grpSpPr>
-      <p:sp>
-        <p:nvSpPr>
-          <p:cNvPr id="2" name="Title 1"/>
-          <p:cNvSpPr>
-            <a:spLocks noGrp="1"/>
-          </p:cNvSpPr>
-          <p:nvPr>
-            <p:ph type="title"/>
-          </p:nvPr>
-        </p:nvSpPr>
-        <p:spPr/>
-        <p:txBody>
-          <a:bodyPr/>
-          <a:lstStyle/>
-          <a:p>
-            <a:r>
-              <a:rPr lang="en-US" dirty="0" smtClean="0"/>
-              <a:t>JDBC River Plugin. How and WHY?</a:t>
-            </a:r>
-            <a:endParaRPr lang="en-US" dirty="0"/>
-          </a:p>
-        </p:txBody>
-      </p:sp>
-      <p:pic>
-        <p:nvPicPr>
-          <p:cNvPr id="4" name="Content Placeholder 3" descr="Screen Shot 2014-05-12 at 11.09.32 AM.png"/>
-          <p:cNvPicPr>
-            <a:picLocks noGrp="1" noChangeAspect="1"/>
-          </p:cNvPicPr>
-          <p:nvPr>
-            <p:ph sz="quarter" idx="13"/>
-          </p:nvPr>
-        </p:nvPicPr>
-        <p:blipFill>
-          <a:blip r:embed="rId2">
-            <a:extLst>
-              <a:ext uri="{28A0092B-C50C-407E-A947-70E740481C1C}">
-                <a14:useLocalDpi xmlns:a14="http://schemas.microsoft.com/office/drawing/2010/main" val="0"/>
-              </a:ext>
-            </a:extLst>
-          </a:blip>
-          <a:srcRect l="-25235" r="-25235"/>
-          <a:stretch>
-            <a:fillRect/>
-          </a:stretch>
-        </p:blipFill>
-        <p:spPr/>
-      </p:pic>
-    </p:spTree>
-    <p:extLst>
-      <p:ext uri="{BB962C8B-B14F-4D97-AF65-F5344CB8AC3E}">
-        <p14:creationId xmlns:p14="http://schemas.microsoft.com/office/powerpoint/2010/main" val="1682887055"/>
-      </p:ext>
-    </p:extLst>
-  </p:cSld>
-  <p:clrMapOvr>
-    <a:masterClrMapping/>
-  </p:clrMapOvr>
-</p:sld>
-</file>
-
 <file path=ppt/slides/slide2.xml><?xml version="1.0" encoding="utf-8"?>
 <p:sld xmlns:a="http://schemas.openxmlformats.org/drawingml/2006/main" xmlns:r="http://schemas.openxmlformats.org/officeDocument/2006/relationships" xmlns:p="http://schemas.openxmlformats.org/presentationml/2006/main">
   <p:cSld>
@@ -4583,6 +4586,84 @@
           <a:p>
             <a:r>
               <a:rPr lang="en-US" dirty="0" smtClean="0"/>
+              <a:t>JDBC River Plugin. How and WHY?</a:t>
+            </a:r>
+            <a:endParaRPr lang="en-US" dirty="0"/>
+          </a:p>
+        </p:txBody>
+      </p:sp>
+      <p:pic>
+        <p:nvPicPr>
+          <p:cNvPr id="4" name="Content Placeholder 3" descr="Screen Shot 2014-05-12 at 11.09.32 AM.png"/>
+          <p:cNvPicPr>
+            <a:picLocks noGrp="1" noChangeAspect="1"/>
+          </p:cNvPicPr>
+          <p:nvPr>
+            <p:ph sz="quarter" idx="13"/>
+          </p:nvPr>
+        </p:nvPicPr>
+        <p:blipFill>
+          <a:blip r:embed="rId2">
+            <a:extLst>
+              <a:ext uri="{28A0092B-C50C-407E-A947-70E740481C1C}">
+                <a14:useLocalDpi xmlns:a14="http://schemas.microsoft.com/office/drawing/2010/main" val="0"/>
+              </a:ext>
+            </a:extLst>
+          </a:blip>
+          <a:srcRect l="-25235" r="-25235"/>
+          <a:stretch>
+            <a:fillRect/>
+          </a:stretch>
+        </p:blipFill>
+        <p:spPr/>
+      </p:pic>
+    </p:spTree>
+    <p:extLst>
+      <p:ext uri="{BB962C8B-B14F-4D97-AF65-F5344CB8AC3E}">
+        <p14:creationId xmlns:p14="http://schemas.microsoft.com/office/powerpoint/2010/main" val="1682887055"/>
+      </p:ext>
+    </p:extLst>
+  </p:cSld>
+  <p:clrMapOvr>
+    <a:masterClrMapping/>
+  </p:clrMapOvr>
+</p:sld>
+</file>
+
+<file path=ppt/slides/slide21.xml><?xml version="1.0" encoding="utf-8"?>
+<p:sld xmlns:a="http://schemas.openxmlformats.org/drawingml/2006/main" xmlns:r="http://schemas.openxmlformats.org/officeDocument/2006/relationships" xmlns:p="http://schemas.openxmlformats.org/presentationml/2006/main">
+  <p:cSld>
+    <p:spTree>
+      <p:nvGrpSpPr>
+        <p:cNvPr id="1" name=""/>
+        <p:cNvGrpSpPr/>
+        <p:nvPr/>
+      </p:nvGrpSpPr>
+      <p:grpSpPr>
+        <a:xfrm>
+          <a:off x="0" y="0"/>
+          <a:ext cx="0" cy="0"/>
+          <a:chOff x="0" y="0"/>
+          <a:chExt cx="0" cy="0"/>
+        </a:xfrm>
+      </p:grpSpPr>
+      <p:sp>
+        <p:nvSpPr>
+          <p:cNvPr id="2" name="Title 1"/>
+          <p:cNvSpPr>
+            <a:spLocks noGrp="1"/>
+          </p:cNvSpPr>
+          <p:nvPr>
+            <p:ph type="title"/>
+          </p:nvPr>
+        </p:nvSpPr>
+        <p:spPr/>
+        <p:txBody>
+          <a:bodyPr/>
+          <a:lstStyle/>
+          <a:p>
+            <a:r>
+              <a:rPr lang="en-US" dirty="0" smtClean="0"/>
               <a:t>JDBC River plugin. Architecture.</a:t>
             </a:r>
             <a:endParaRPr lang="en-US" dirty="0"/>
@@ -4627,7 +4708,7 @@
 </p:sld>
 </file>
 
-<file path=ppt/slides/slide21.xml><?xml version="1.0" encoding="utf-8"?>
+<file path=ppt/slides/slide22.xml><?xml version="1.0" encoding="utf-8"?>
 <p:sld xmlns:a="http://schemas.openxmlformats.org/drawingml/2006/main" xmlns:r="http://schemas.openxmlformats.org/officeDocument/2006/relationships" xmlns:p="http://schemas.openxmlformats.org/presentationml/2006/main">
   <p:cSld>
     <p:spTree>
@@ -4866,88 +4947,6 @@
 </p:sld>
 </file>
 
-<file path=ppt/slides/slide22.xml><?xml version="1.0" encoding="utf-8"?>
-<p:sld xmlns:a="http://schemas.openxmlformats.org/drawingml/2006/main" xmlns:r="http://schemas.openxmlformats.org/officeDocument/2006/relationships" xmlns:p="http://schemas.openxmlformats.org/presentationml/2006/main">
-  <p:cSld>
-    <p:spTree>
-      <p:nvGrpSpPr>
-        <p:cNvPr id="1" name=""/>
-        <p:cNvGrpSpPr/>
-        <p:nvPr/>
-      </p:nvGrpSpPr>
-      <p:grpSpPr>
-        <a:xfrm>
-          <a:off x="0" y="0"/>
-          <a:ext cx="0" cy="0"/>
-          <a:chOff x="0" y="0"/>
-          <a:chExt cx="0" cy="0"/>
-        </a:xfrm>
-      </p:grpSpPr>
-      <p:sp>
-        <p:nvSpPr>
-          <p:cNvPr id="2" name="Title 1"/>
-          <p:cNvSpPr>
-            <a:spLocks noGrp="1"/>
-          </p:cNvSpPr>
-          <p:nvPr>
-            <p:ph type="title"/>
-          </p:nvPr>
-        </p:nvSpPr>
-        <p:spPr/>
-        <p:txBody>
-          <a:bodyPr/>
-          <a:lstStyle/>
-          <a:p>
-            <a:r>
-              <a:rPr lang="en-US" dirty="0" err="1" smtClean="0"/>
-              <a:t>Kibana</a:t>
-            </a:r>
-            <a:r>
-              <a:rPr lang="en-US" dirty="0" smtClean="0"/>
-              <a:t> Data view</a:t>
-            </a:r>
-            <a:endParaRPr lang="en-US" dirty="0"/>
-          </a:p>
-        </p:txBody>
-      </p:sp>
-      <p:pic>
-        <p:nvPicPr>
-          <p:cNvPr id="4" name="Content Placeholder 3" descr="Screen Shot 2014-05-12 at 7.57.58 PM.png"/>
-          <p:cNvPicPr>
-            <a:picLocks noGrp="1" noChangeAspect="1"/>
-          </p:cNvPicPr>
-          <p:nvPr>
-            <p:ph sz="quarter" idx="13"/>
-          </p:nvPr>
-        </p:nvPicPr>
-        <p:blipFill>
-          <a:blip r:embed="rId2">
-            <a:extLst>
-              <a:ext uri="{28A0092B-C50C-407E-A947-70E740481C1C}">
-                <a14:useLocalDpi xmlns:a14="http://schemas.microsoft.com/office/drawing/2010/main" val="0"/>
-              </a:ext>
-            </a:extLst>
-          </a:blip>
-          <a:srcRect l="-10626" r="-10626"/>
-          <a:stretch>
-            <a:fillRect/>
-          </a:stretch>
-        </p:blipFill>
-        <p:spPr/>
-      </p:pic>
-    </p:spTree>
-    <p:extLst>
-      <p:ext uri="{BB962C8B-B14F-4D97-AF65-F5344CB8AC3E}">
-        <p14:creationId xmlns:p14="http://schemas.microsoft.com/office/powerpoint/2010/main" val="1756834039"/>
-      </p:ext>
-    </p:extLst>
-  </p:cSld>
-  <p:clrMapOvr>
-    <a:masterClrMapping/>
-  </p:clrMapOvr>
-</p:sld>
-</file>
-
 <file path=ppt/slides/slide23.xml><?xml version="1.0" encoding="utf-8"?>
 <p:sld xmlns:a="http://schemas.openxmlformats.org/drawingml/2006/main" xmlns:r="http://schemas.openxmlformats.org/officeDocument/2006/relationships" xmlns:p="http://schemas.openxmlformats.org/presentationml/2006/main">
   <p:cSld>
@@ -4981,8 +4980,12 @@
           <a:lstStyle/>
           <a:p>
             <a:r>
-              <a:rPr lang="en-US" dirty="0" smtClean="0"/>
-              <a:t>Reels View</a:t>
+              <a:rPr lang="en-US" dirty="0" err="1" smtClean="0"/>
+              <a:t>Kibana</a:t>
+            </a:r>
+            <a:r>
+              <a:rPr lang="en-US" dirty="0" smtClean="0"/>
+              <a:t> Data view</a:t>
             </a:r>
             <a:endParaRPr lang="en-US" dirty="0"/>
           </a:p>
@@ -4990,7 +4993,7 @@
       </p:sp>
       <p:pic>
         <p:nvPicPr>
-          <p:cNvPr id="4" name="Content Placeholder 3" descr="Screen Shot 2014-05-12 at 7.58.26 PM.png"/>
+          <p:cNvPr id="4" name="Content Placeholder 3" descr="Screen Shot 2014-05-12 at 7.57.58 PM.png"/>
           <p:cNvPicPr>
             <a:picLocks noGrp="1" noChangeAspect="1"/>
           </p:cNvPicPr>
@@ -5006,7 +5009,7 @@
               </a:ext>
             </a:extLst>
           </a:blip>
-          <a:srcRect l="-1685" r="-1685"/>
+          <a:srcRect l="-10626" r="-10626"/>
           <a:stretch>
             <a:fillRect/>
           </a:stretch>
@@ -5016,7 +5019,7 @@
     </p:spTree>
     <p:extLst>
       <p:ext uri="{BB962C8B-B14F-4D97-AF65-F5344CB8AC3E}">
-        <p14:creationId xmlns:p14="http://schemas.microsoft.com/office/powerpoint/2010/main" val="3016900089"/>
+        <p14:creationId xmlns:p14="http://schemas.microsoft.com/office/powerpoint/2010/main" val="1756834039"/>
       </p:ext>
     </p:extLst>
   </p:cSld>
@@ -5060,7 +5063,7 @@
           <a:p>
             <a:r>
               <a:rPr lang="en-US" dirty="0" smtClean="0"/>
-              <a:t>Quick check on symbols.</a:t>
+              <a:t>Reels View</a:t>
             </a:r>
             <a:endParaRPr lang="en-US" dirty="0"/>
           </a:p>
@@ -5068,7 +5071,7 @@
       </p:sp>
       <p:pic>
         <p:nvPicPr>
-          <p:cNvPr id="4" name="Content Placeholder 3" descr="Screen Shot 2014-05-13 at 3.31.46 PM.png"/>
+          <p:cNvPr id="4" name="Content Placeholder 3" descr="Screen Shot 2014-05-12 at 7.58.26 PM.png"/>
           <p:cNvPicPr>
             <a:picLocks noGrp="1" noChangeAspect="1"/>
           </p:cNvPicPr>
@@ -5084,7 +5087,7 @@
               </a:ext>
             </a:extLst>
           </a:blip>
-          <a:srcRect t="-1881" b="-1881"/>
+          <a:srcRect l="-1685" r="-1685"/>
           <a:stretch>
             <a:fillRect/>
           </a:stretch>
@@ -5094,7 +5097,7 @@
     </p:spTree>
     <p:extLst>
       <p:ext uri="{BB962C8B-B14F-4D97-AF65-F5344CB8AC3E}">
-        <p14:creationId xmlns:p14="http://schemas.microsoft.com/office/powerpoint/2010/main" val="3272432676"/>
+        <p14:creationId xmlns:p14="http://schemas.microsoft.com/office/powerpoint/2010/main" val="3016900089"/>
       </p:ext>
     </p:extLst>
   </p:cSld>
@@ -5138,15 +5141,7 @@
           <a:p>
             <a:r>
               <a:rPr lang="en-US" dirty="0" smtClean="0"/>
-              <a:t>Sense. Chrome Plugin for </a:t>
-            </a:r>
-            <a:r>
-              <a:rPr lang="en-US" dirty="0" err="1" smtClean="0"/>
-              <a:t>json</a:t>
-            </a:r>
-            <a:r>
-              <a:rPr lang="en-US" dirty="0" smtClean="0"/>
-              <a:t>.</a:t>
+              <a:t>Quick check on symbols.</a:t>
             </a:r>
             <a:endParaRPr lang="en-US" dirty="0"/>
           </a:p>
@@ -5154,7 +5149,7 @@
       </p:sp>
       <p:pic>
         <p:nvPicPr>
-          <p:cNvPr id="4" name="Content Placeholder 3" descr="Screen Shot 2014-05-13 at 10.38.54 AM.png"/>
+          <p:cNvPr id="4" name="Content Placeholder 3" descr="Screen Shot 2014-05-13 at 3.31.46 PM.png"/>
           <p:cNvPicPr>
             <a:picLocks noGrp="1" noChangeAspect="1"/>
           </p:cNvPicPr>
@@ -5170,7 +5165,7 @@
               </a:ext>
             </a:extLst>
           </a:blip>
-          <a:srcRect l="-41770" r="-41770"/>
+          <a:srcRect t="-1881" b="-1881"/>
           <a:stretch>
             <a:fillRect/>
           </a:stretch>
@@ -5180,7 +5175,7 @@
     </p:spTree>
     <p:extLst>
       <p:ext uri="{BB962C8B-B14F-4D97-AF65-F5344CB8AC3E}">
-        <p14:creationId xmlns:p14="http://schemas.microsoft.com/office/powerpoint/2010/main" val="2825510861"/>
+        <p14:creationId xmlns:p14="http://schemas.microsoft.com/office/powerpoint/2010/main" val="3272432676"/>
       </p:ext>
     </p:extLst>
   </p:cSld>
@@ -5223,50 +5218,42 @@
           <a:lstStyle/>
           <a:p>
             <a:r>
-              <a:rPr lang="en-US" dirty="0" err="1" smtClean="0"/>
-              <a:t>Elasticsearch</a:t>
-            </a:r>
-            <a:r>
-              <a:rPr lang="en-US" dirty="0" smtClean="0"/>
-              <a:t> alternatives?</a:t>
+              <a:rPr lang="en-US" dirty="0" smtClean="0"/>
+              <a:t>Quick RTP</a:t>
             </a:r>
             <a:endParaRPr lang="en-US" dirty="0"/>
           </a:p>
         </p:txBody>
       </p:sp>
-      <p:sp>
-        <p:nvSpPr>
-          <p:cNvPr id="3" name="Content Placeholder 2"/>
-          <p:cNvSpPr>
-            <a:spLocks noGrp="1"/>
-          </p:cNvSpPr>
+      <p:pic>
+        <p:nvPicPr>
+          <p:cNvPr id="4" name="Content Placeholder 3" descr="Screen Shot 2014-05-13 at 4.10.41 PM.png"/>
+          <p:cNvPicPr>
+            <a:picLocks noGrp="1" noChangeAspect="1"/>
+          </p:cNvPicPr>
           <p:nvPr>
             <p:ph sz="quarter" idx="13"/>
           </p:nvPr>
-        </p:nvSpPr>
-        <p:spPr/>
-        <p:txBody>
-          <a:bodyPr/>
-          <a:lstStyle/>
-          <a:p>
-            <a:r>
-              <a:rPr lang="en-US" dirty="0" err="1" smtClean="0"/>
-              <a:t>Solr</a:t>
-            </a:r>
-            <a:endParaRPr lang="en-US" dirty="0" smtClean="0"/>
-          </a:p>
-          <a:p>
-            <a:pPr marL="0" indent="0">
-              <a:buNone/>
-            </a:pPr>
-            <a:endParaRPr lang="en-US" dirty="0"/>
-          </a:p>
-        </p:txBody>
-      </p:sp>
+        </p:nvPicPr>
+        <p:blipFill>
+          <a:blip r:embed="rId2">
+            <a:extLst>
+              <a:ext uri="{28A0092B-C50C-407E-A947-70E740481C1C}">
+                <a14:useLocalDpi xmlns:a14="http://schemas.microsoft.com/office/drawing/2010/main" val="0"/>
+              </a:ext>
+            </a:extLst>
+          </a:blip>
+          <a:srcRect l="-64118" r="-64118"/>
+          <a:stretch>
+            <a:fillRect/>
+          </a:stretch>
+        </p:blipFill>
+        <p:spPr/>
+      </p:pic>
     </p:spTree>
     <p:extLst>
       <p:ext uri="{BB962C8B-B14F-4D97-AF65-F5344CB8AC3E}">
-        <p14:creationId xmlns:p14="http://schemas.microsoft.com/office/powerpoint/2010/main" val="3165192188"/>
+        <p14:creationId xmlns:p14="http://schemas.microsoft.com/office/powerpoint/2010/main" val="2598528484"/>
       </p:ext>
     </p:extLst>
   </p:cSld>
@@ -5310,84 +5297,41 @@
           <a:p>
             <a:r>
               <a:rPr lang="en-US" dirty="0" smtClean="0"/>
-              <a:t>setup</a:t>
+              <a:t>Symbols Distribution over Time</a:t>
             </a:r>
             <a:endParaRPr lang="en-US" dirty="0"/>
           </a:p>
         </p:txBody>
       </p:sp>
-      <p:sp>
-        <p:nvSpPr>
-          <p:cNvPr id="3" name="Content Placeholder 2"/>
-          <p:cNvSpPr>
-            <a:spLocks noGrp="1"/>
-          </p:cNvSpPr>
+      <p:pic>
+        <p:nvPicPr>
+          <p:cNvPr id="4" name="Content Placeholder 3" descr="Screen Shot 2014-05-13 at 4.12.23 PM.png"/>
+          <p:cNvPicPr>
+            <a:picLocks noGrp="1" noChangeAspect="1"/>
+          </p:cNvPicPr>
           <p:nvPr>
             <p:ph sz="quarter" idx="13"/>
           </p:nvPr>
-        </p:nvSpPr>
-        <p:spPr/>
-        <p:txBody>
-          <a:bodyPr/>
-          <a:lstStyle/>
-          <a:p>
-            <a:r>
-              <a:rPr lang="en-US" dirty="0" err="1" smtClean="0"/>
-              <a:t>wget</a:t>
-            </a:r>
-            <a:r>
-              <a:rPr lang="en-US" dirty="0" smtClean="0"/>
-              <a:t> </a:t>
-            </a:r>
-            <a:r>
-              <a:rPr lang="en-US" dirty="0" err="1" smtClean="0"/>
-              <a:t>elasticsearch.tar.gz</a:t>
-            </a:r>
-            <a:endParaRPr lang="en-US" dirty="0" smtClean="0"/>
-          </a:p>
-          <a:p>
-            <a:r>
-              <a:rPr lang="en-US" dirty="0" smtClean="0"/>
-              <a:t>tar </a:t>
-            </a:r>
-            <a:r>
-              <a:rPr lang="en-US" dirty="0" err="1" smtClean="0"/>
-              <a:t>xzvf</a:t>
-            </a:r>
-            <a:r>
-              <a:rPr lang="en-US" dirty="0" smtClean="0"/>
-              <a:t>   </a:t>
-            </a:r>
-            <a:r>
-              <a:rPr lang="en-US" dirty="0" err="1"/>
-              <a:t>elasticsearch.tar.gz</a:t>
-            </a:r>
-            <a:endParaRPr lang="en-US" dirty="0"/>
-          </a:p>
-          <a:p>
-            <a:r>
-              <a:rPr lang="en-US" dirty="0" smtClean="0"/>
-              <a:t>bin/</a:t>
-            </a:r>
-            <a:r>
-              <a:rPr lang="en-US" dirty="0" err="1" smtClean="0"/>
-              <a:t>elasticsearch</a:t>
-            </a:r>
-            <a:endParaRPr lang="en-US" dirty="0" smtClean="0"/>
-          </a:p>
-          <a:p>
-            <a:r>
-              <a:rPr lang="en-US" dirty="0" smtClean="0"/>
-              <a:t>curl localhost:9200</a:t>
-            </a:r>
-            <a:endParaRPr lang="en-US" dirty="0"/>
-          </a:p>
-        </p:txBody>
-      </p:sp>
+        </p:nvPicPr>
+        <p:blipFill>
+          <a:blip r:embed="rId2">
+            <a:extLst>
+              <a:ext uri="{28A0092B-C50C-407E-A947-70E740481C1C}">
+                <a14:useLocalDpi xmlns:a14="http://schemas.microsoft.com/office/drawing/2010/main" val="0"/>
+              </a:ext>
+            </a:extLst>
+          </a:blip>
+          <a:srcRect t="-6285" b="-6285"/>
+          <a:stretch>
+            <a:fillRect/>
+          </a:stretch>
+        </p:blipFill>
+        <p:spPr/>
+      </p:pic>
     </p:spTree>
     <p:extLst>
       <p:ext uri="{BB962C8B-B14F-4D97-AF65-F5344CB8AC3E}">
-        <p14:creationId xmlns:p14="http://schemas.microsoft.com/office/powerpoint/2010/main" val="4074957073"/>
+        <p14:creationId xmlns:p14="http://schemas.microsoft.com/office/powerpoint/2010/main" val="2202675871"/>
       </p:ext>
     </p:extLst>
   </p:cSld>
@@ -5431,38 +5375,7 @@
           <a:p>
             <a:r>
               <a:rPr lang="en-US" dirty="0" smtClean="0"/>
-              <a:t>the data in. Documents in.</a:t>
-            </a:r>
-            <a:endParaRPr lang="en-US" dirty="0"/>
-          </a:p>
-        </p:txBody>
-      </p:sp>
-      <p:sp>
-        <p:nvSpPr>
-          <p:cNvPr id="3" name="Content Placeholder 2"/>
-          <p:cNvSpPr>
-            <a:spLocks noGrp="1"/>
-          </p:cNvSpPr>
-          <p:nvPr>
-            <p:ph sz="quarter" idx="13"/>
-          </p:nvPr>
-        </p:nvSpPr>
-        <p:spPr/>
-        <p:txBody>
-          <a:bodyPr/>
-          <a:lstStyle/>
-          <a:p>
-            <a:r>
-              <a:rPr lang="en-US" dirty="0" smtClean="0"/>
-              <a:t>curl –XPUT localhost:9200/game/name/</a:t>
-            </a:r>
-            <a:r>
-              <a:rPr lang="en-US" dirty="0" err="1" smtClean="0"/>
-              <a:t>lucky_words</a:t>
-            </a:r>
-            <a:r>
-              <a:rPr lang="en-US" dirty="0" smtClean="0"/>
-              <a:t> –d `{“some” : </a:t>
+              <a:t>Sense. Chrome Plugin for </a:t>
             </a:r>
             <a:r>
               <a:rPr lang="en-US" dirty="0" err="1" smtClean="0"/>
@@ -5470,53 +5383,41 @@
             </a:r>
             <a:r>
               <a:rPr lang="en-US" dirty="0" smtClean="0"/>
-              <a:t> }`</a:t>
-            </a:r>
-          </a:p>
-          <a:p>
-            <a:r>
-              <a:rPr lang="en-US" dirty="0"/>
-              <a:t>curl –</a:t>
-            </a:r>
-            <a:r>
-              <a:rPr lang="en-US" dirty="0" smtClean="0"/>
-              <a:t>XGET </a:t>
-            </a:r>
-            <a:r>
-              <a:rPr lang="en-US" dirty="0"/>
-              <a:t>localhost:9200/game/name/</a:t>
-            </a:r>
-            <a:r>
-              <a:rPr lang="en-US" dirty="0" err="1" smtClean="0"/>
-              <a:t>lucky_words</a:t>
-            </a:r>
-            <a:endParaRPr lang="en-US" dirty="0" smtClean="0"/>
-          </a:p>
-          <a:p>
-            <a:r>
-              <a:rPr lang="en-US" dirty="0"/>
-              <a:t>curl –</a:t>
-            </a:r>
-            <a:r>
-              <a:rPr lang="en-US" dirty="0" smtClean="0"/>
-              <a:t>XDELETE </a:t>
-            </a:r>
-            <a:r>
-              <a:rPr lang="en-US" dirty="0"/>
-              <a:t>localhost:9200/game/name/</a:t>
-            </a:r>
-            <a:r>
-              <a:rPr lang="en-US" dirty="0" err="1"/>
-              <a:t>lucky_words</a:t>
+              <a:t>.</a:t>
             </a:r>
             <a:endParaRPr lang="en-US" dirty="0"/>
           </a:p>
         </p:txBody>
       </p:sp>
+      <p:pic>
+        <p:nvPicPr>
+          <p:cNvPr id="4" name="Content Placeholder 3" descr="Screen Shot 2014-05-13 at 10.38.54 AM.png"/>
+          <p:cNvPicPr>
+            <a:picLocks noGrp="1" noChangeAspect="1"/>
+          </p:cNvPicPr>
+          <p:nvPr>
+            <p:ph sz="quarter" idx="13"/>
+          </p:nvPr>
+        </p:nvPicPr>
+        <p:blipFill>
+          <a:blip r:embed="rId2">
+            <a:extLst>
+              <a:ext uri="{28A0092B-C50C-407E-A947-70E740481C1C}">
+                <a14:useLocalDpi xmlns:a14="http://schemas.microsoft.com/office/drawing/2010/main" val="0"/>
+              </a:ext>
+            </a:extLst>
+          </a:blip>
+          <a:srcRect l="-41770" r="-41770"/>
+          <a:stretch>
+            <a:fillRect/>
+          </a:stretch>
+        </p:blipFill>
+        <p:spPr/>
+      </p:pic>
     </p:spTree>
     <p:extLst>
       <p:ext uri="{BB962C8B-B14F-4D97-AF65-F5344CB8AC3E}">
-        <p14:creationId xmlns:p14="http://schemas.microsoft.com/office/powerpoint/2010/main" val="1232051042"/>
+        <p14:creationId xmlns:p14="http://schemas.microsoft.com/office/powerpoint/2010/main" val="2825510861"/>
       </p:ext>
     </p:extLst>
   </p:cSld>
@@ -5559,8 +5460,12 @@
           <a:lstStyle/>
           <a:p>
             <a:r>
-              <a:rPr lang="en-US" dirty="0" smtClean="0"/>
-              <a:t>Search</a:t>
+              <a:rPr lang="en-US" dirty="0" err="1" smtClean="0"/>
+              <a:t>Elasticsearch</a:t>
+            </a:r>
+            <a:r>
+              <a:rPr lang="en-US" dirty="0" smtClean="0"/>
+              <a:t> alternatives?</a:t>
             </a:r>
             <a:endParaRPr lang="en-US" dirty="0"/>
           </a:p>
@@ -5582,136 +5487,15 @@
           <a:lstStyle/>
           <a:p>
             <a:r>
-              <a:rPr lang="en-US" dirty="0"/>
-              <a:t>curl –</a:t>
-            </a:r>
-            <a:r>
-              <a:rPr lang="en-US" dirty="0" smtClean="0"/>
-              <a:t>XGET </a:t>
-            </a:r>
-            <a:r>
-              <a:rPr lang="en-US" dirty="0"/>
-              <a:t>localhost:9200</a:t>
-            </a:r>
-            <a:r>
-              <a:rPr lang="en-US" dirty="0" smtClean="0"/>
-              <a:t>/_</a:t>
-            </a:r>
-            <a:r>
               <a:rPr lang="en-US" dirty="0" err="1" smtClean="0"/>
-              <a:t>search?q</a:t>
-            </a:r>
-            <a:r>
-              <a:rPr lang="en-US" dirty="0" smtClean="0"/>
-              <a:t>=</a:t>
-            </a:r>
-            <a:r>
-              <a:rPr lang="en-US" dirty="0" err="1" smtClean="0"/>
-              <a:t>best_game</a:t>
+              <a:t>Solr</a:t>
             </a:r>
             <a:endParaRPr lang="en-US" dirty="0" smtClean="0"/>
           </a:p>
           <a:p>
-            <a:endParaRPr lang="en-US" dirty="0" smtClean="0"/>
-          </a:p>
-          <a:p>
-            <a:r>
-              <a:rPr lang="en-US" dirty="0"/>
-              <a:t>curl –XGET localhost:9200/</a:t>
-            </a:r>
-            <a:r>
-              <a:rPr lang="en-US" dirty="0" smtClean="0"/>
-              <a:t>_search –d `{</a:t>
-            </a:r>
-          </a:p>
-          <a:p>
-            <a:pPr marL="457200" lvl="1" indent="0">
+            <a:pPr marL="0" indent="0">
               <a:buNone/>
             </a:pPr>
-            <a:r>
-              <a:rPr lang="en-US" dirty="0"/>
-              <a:t> </a:t>
-            </a:r>
-            <a:r>
-              <a:rPr lang="en-US" dirty="0" smtClean="0"/>
-              <a:t>“query”:  {</a:t>
-            </a:r>
-          </a:p>
-          <a:p>
-            <a:pPr marL="457200" lvl="1" indent="0">
-              <a:buNone/>
-            </a:pPr>
-            <a:r>
-              <a:rPr lang="en-US" dirty="0"/>
-              <a:t>	</a:t>
-            </a:r>
-            <a:r>
-              <a:rPr lang="en-US" dirty="0" smtClean="0"/>
-              <a:t>“</a:t>
-            </a:r>
-            <a:r>
-              <a:rPr lang="en-US" dirty="0" err="1" smtClean="0"/>
-              <a:t>query_string</a:t>
-            </a:r>
-            <a:r>
-              <a:rPr lang="en-US" dirty="0" smtClean="0"/>
-              <a:t>”: {</a:t>
-            </a:r>
-          </a:p>
-          <a:p>
-            <a:pPr marL="457200" lvl="1" indent="0">
-              <a:buNone/>
-            </a:pPr>
-            <a:r>
-              <a:rPr lang="en-US" dirty="0"/>
-              <a:t>	</a:t>
-            </a:r>
-            <a:r>
-              <a:rPr lang="en-US" dirty="0" smtClean="0"/>
-              <a:t>	“query”: “</a:t>
-            </a:r>
-            <a:r>
-              <a:rPr lang="en-US" dirty="0" err="1" smtClean="0"/>
-              <a:t>lucky_words</a:t>
-            </a:r>
-            <a:r>
-              <a:rPr lang="en-US" dirty="0" smtClean="0"/>
-              <a:t> AND rtp:95”</a:t>
-            </a:r>
-          </a:p>
-          <a:p>
-            <a:pPr marL="457200" lvl="1" indent="0">
-              <a:buNone/>
-            </a:pPr>
-            <a:r>
-              <a:rPr lang="en-US" dirty="0"/>
-              <a:t>	</a:t>
-            </a:r>
-            <a:r>
-              <a:rPr lang="en-US" dirty="0" smtClean="0"/>
-              <a:t>	}</a:t>
-            </a:r>
-          </a:p>
-          <a:p>
-            <a:pPr marL="457200" lvl="1" indent="0">
-              <a:buNone/>
-            </a:pPr>
-            <a:r>
-              <a:rPr lang="en-US" dirty="0" smtClean="0"/>
-              <a:t>	}</a:t>
-            </a:r>
-          </a:p>
-          <a:p>
-            <a:pPr marL="457200" lvl="1" indent="0">
-              <a:buNone/>
-            </a:pPr>
-            <a:r>
-              <a:rPr lang="en-US" dirty="0" smtClean="0"/>
-              <a:t>}`</a:t>
-            </a:r>
-            <a:endParaRPr lang="en-US" dirty="0"/>
-          </a:p>
-          <a:p>
             <a:endParaRPr lang="en-US" dirty="0"/>
           </a:p>
         </p:txBody>
@@ -5719,7 +5503,7 @@
     </p:spTree>
     <p:extLst>
       <p:ext uri="{BB962C8B-B14F-4D97-AF65-F5344CB8AC3E}">
-        <p14:creationId xmlns:p14="http://schemas.microsoft.com/office/powerpoint/2010/main" val="1726973554"/>
+        <p14:creationId xmlns:p14="http://schemas.microsoft.com/office/powerpoint/2010/main" val="3165192188"/>
       </p:ext>
     </p:extLst>
   </p:cSld>
@@ -5867,7 +5651,7 @@
           <a:p>
             <a:r>
               <a:rPr lang="en-US" dirty="0" smtClean="0"/>
-              <a:t>Query your data</a:t>
+              <a:t>setup</a:t>
             </a:r>
             <a:endParaRPr lang="en-US" dirty="0"/>
           </a:p>
@@ -5889,28 +5673,53 @@
           <a:lstStyle/>
           <a:p>
             <a:r>
-              <a:rPr lang="en-US" dirty="0" smtClean="0"/>
-              <a:t>Query format – JSON</a:t>
-            </a:r>
-          </a:p>
-          <a:p>
-            <a:r>
-              <a:rPr lang="en-US" dirty="0" smtClean="0"/>
-              <a:t>Build in filters</a:t>
-            </a:r>
-          </a:p>
-          <a:p>
-            <a:r>
-              <a:rPr lang="en-US" dirty="0" smtClean="0"/>
-              <a:t>Queries </a:t>
-            </a:r>
-            <a:r>
               <a:rPr lang="en-US" dirty="0" err="1" smtClean="0"/>
-              <a:t>vs</a:t>
-            </a:r>
-            <a:r>
-              <a:rPr lang="en-US" dirty="0" smtClean="0"/>
-              <a:t> Filters</a:t>
+              <a:t>wget</a:t>
+            </a:r>
+            <a:r>
+              <a:rPr lang="en-US" dirty="0" smtClean="0"/>
+              <a:t> </a:t>
+            </a:r>
+            <a:r>
+              <a:rPr lang="en-US" dirty="0" err="1" smtClean="0"/>
+              <a:t>elasticsearch.tar.gz</a:t>
+            </a:r>
+            <a:endParaRPr lang="en-US" dirty="0" smtClean="0"/>
+          </a:p>
+          <a:p>
+            <a:r>
+              <a:rPr lang="en-US" dirty="0" smtClean="0"/>
+              <a:t>tar </a:t>
+            </a:r>
+            <a:r>
+              <a:rPr lang="en-US" dirty="0" err="1" smtClean="0"/>
+              <a:t>xzvf</a:t>
+            </a:r>
+            <a:r>
+              <a:rPr lang="en-US" dirty="0" smtClean="0"/>
+              <a:t>   </a:t>
+            </a:r>
+            <a:r>
+              <a:rPr lang="en-US" dirty="0" err="1"/>
+              <a:t>elasticsearch.tar.gz</a:t>
+            </a:r>
+            <a:endParaRPr lang="en-US" dirty="0"/>
+          </a:p>
+          <a:p>
+            <a:r>
+              <a:rPr lang="en-US" dirty="0" smtClean="0"/>
+              <a:t>bin/</a:t>
+            </a:r>
+            <a:r>
+              <a:rPr lang="en-US" dirty="0" err="1" smtClean="0"/>
+              <a:t>elasticsearch</a:t>
+            </a:r>
+            <a:endParaRPr lang="en-US" dirty="0" smtClean="0"/>
+          </a:p>
+          <a:p>
+            <a:r>
+              <a:rPr lang="en-US" dirty="0" smtClean="0"/>
+              <a:t>curl localhost:9200</a:t>
             </a:r>
             <a:endParaRPr lang="en-US" dirty="0"/>
           </a:p>
@@ -5919,7 +5728,7 @@
     </p:spTree>
     <p:extLst>
       <p:ext uri="{BB962C8B-B14F-4D97-AF65-F5344CB8AC3E}">
-        <p14:creationId xmlns:p14="http://schemas.microsoft.com/office/powerpoint/2010/main" val="2580380204"/>
+        <p14:creationId xmlns:p14="http://schemas.microsoft.com/office/powerpoint/2010/main" val="4074957073"/>
       </p:ext>
     </p:extLst>
   </p:cSld>
@@ -5963,6 +5772,434 @@
           <a:p>
             <a:r>
               <a:rPr lang="en-US" dirty="0" smtClean="0"/>
+              <a:t>the data in. Documents in.</a:t>
+            </a:r>
+            <a:endParaRPr lang="en-US" dirty="0"/>
+          </a:p>
+        </p:txBody>
+      </p:sp>
+      <p:sp>
+        <p:nvSpPr>
+          <p:cNvPr id="3" name="Content Placeholder 2"/>
+          <p:cNvSpPr>
+            <a:spLocks noGrp="1"/>
+          </p:cNvSpPr>
+          <p:nvPr>
+            <p:ph sz="quarter" idx="13"/>
+          </p:nvPr>
+        </p:nvSpPr>
+        <p:spPr/>
+        <p:txBody>
+          <a:bodyPr/>
+          <a:lstStyle/>
+          <a:p>
+            <a:r>
+              <a:rPr lang="en-US" dirty="0" smtClean="0"/>
+              <a:t>curl –XPUT localhost:9200/game/name/</a:t>
+            </a:r>
+            <a:r>
+              <a:rPr lang="en-US" dirty="0" err="1" smtClean="0"/>
+              <a:t>lucky_words</a:t>
+            </a:r>
+            <a:r>
+              <a:rPr lang="en-US" dirty="0" smtClean="0"/>
+              <a:t> –d `{“some” : </a:t>
+            </a:r>
+            <a:r>
+              <a:rPr lang="en-US" dirty="0" err="1" smtClean="0"/>
+              <a:t>json</a:t>
+            </a:r>
+            <a:r>
+              <a:rPr lang="en-US" dirty="0" smtClean="0"/>
+              <a:t> }`</a:t>
+            </a:r>
+          </a:p>
+          <a:p>
+            <a:r>
+              <a:rPr lang="en-US" dirty="0"/>
+              <a:t>curl –</a:t>
+            </a:r>
+            <a:r>
+              <a:rPr lang="en-US" dirty="0" smtClean="0"/>
+              <a:t>XGET </a:t>
+            </a:r>
+            <a:r>
+              <a:rPr lang="en-US" dirty="0"/>
+              <a:t>localhost:9200/game/name/</a:t>
+            </a:r>
+            <a:r>
+              <a:rPr lang="en-US" dirty="0" err="1" smtClean="0"/>
+              <a:t>lucky_words</a:t>
+            </a:r>
+            <a:endParaRPr lang="en-US" dirty="0" smtClean="0"/>
+          </a:p>
+          <a:p>
+            <a:r>
+              <a:rPr lang="en-US" dirty="0"/>
+              <a:t>curl –</a:t>
+            </a:r>
+            <a:r>
+              <a:rPr lang="en-US" dirty="0" smtClean="0"/>
+              <a:t>XDELETE </a:t>
+            </a:r>
+            <a:r>
+              <a:rPr lang="en-US" dirty="0"/>
+              <a:t>localhost:9200/game/name/</a:t>
+            </a:r>
+            <a:r>
+              <a:rPr lang="en-US" dirty="0" err="1"/>
+              <a:t>lucky_words</a:t>
+            </a:r>
+            <a:endParaRPr lang="en-US" dirty="0"/>
+          </a:p>
+        </p:txBody>
+      </p:sp>
+    </p:spTree>
+    <p:extLst>
+      <p:ext uri="{BB962C8B-B14F-4D97-AF65-F5344CB8AC3E}">
+        <p14:creationId xmlns:p14="http://schemas.microsoft.com/office/powerpoint/2010/main" val="1232051042"/>
+      </p:ext>
+    </p:extLst>
+  </p:cSld>
+  <p:clrMapOvr>
+    <a:masterClrMapping/>
+  </p:clrMapOvr>
+</p:sld>
+</file>
+
+<file path=ppt/slides/slide32.xml><?xml version="1.0" encoding="utf-8"?>
+<p:sld xmlns:a="http://schemas.openxmlformats.org/drawingml/2006/main" xmlns:r="http://schemas.openxmlformats.org/officeDocument/2006/relationships" xmlns:p="http://schemas.openxmlformats.org/presentationml/2006/main">
+  <p:cSld>
+    <p:spTree>
+      <p:nvGrpSpPr>
+        <p:cNvPr id="1" name=""/>
+        <p:cNvGrpSpPr/>
+        <p:nvPr/>
+      </p:nvGrpSpPr>
+      <p:grpSpPr>
+        <a:xfrm>
+          <a:off x="0" y="0"/>
+          <a:ext cx="0" cy="0"/>
+          <a:chOff x="0" y="0"/>
+          <a:chExt cx="0" cy="0"/>
+        </a:xfrm>
+      </p:grpSpPr>
+      <p:sp>
+        <p:nvSpPr>
+          <p:cNvPr id="2" name="Title 1"/>
+          <p:cNvSpPr>
+            <a:spLocks noGrp="1"/>
+          </p:cNvSpPr>
+          <p:nvPr>
+            <p:ph type="title"/>
+          </p:nvPr>
+        </p:nvSpPr>
+        <p:spPr/>
+        <p:txBody>
+          <a:bodyPr/>
+          <a:lstStyle/>
+          <a:p>
+            <a:r>
+              <a:rPr lang="en-US" dirty="0" smtClean="0"/>
+              <a:t>Search</a:t>
+            </a:r>
+            <a:endParaRPr lang="en-US" dirty="0"/>
+          </a:p>
+        </p:txBody>
+      </p:sp>
+      <p:sp>
+        <p:nvSpPr>
+          <p:cNvPr id="3" name="Content Placeholder 2"/>
+          <p:cNvSpPr>
+            <a:spLocks noGrp="1"/>
+          </p:cNvSpPr>
+          <p:nvPr>
+            <p:ph sz="quarter" idx="13"/>
+          </p:nvPr>
+        </p:nvSpPr>
+        <p:spPr/>
+        <p:txBody>
+          <a:bodyPr/>
+          <a:lstStyle/>
+          <a:p>
+            <a:r>
+              <a:rPr lang="en-US" dirty="0"/>
+              <a:t>curl –</a:t>
+            </a:r>
+            <a:r>
+              <a:rPr lang="en-US" dirty="0" smtClean="0"/>
+              <a:t>XGET </a:t>
+            </a:r>
+            <a:r>
+              <a:rPr lang="en-US" dirty="0"/>
+              <a:t>localhost:9200</a:t>
+            </a:r>
+            <a:r>
+              <a:rPr lang="en-US" dirty="0" smtClean="0"/>
+              <a:t>/_</a:t>
+            </a:r>
+            <a:r>
+              <a:rPr lang="en-US" dirty="0" err="1" smtClean="0"/>
+              <a:t>search?q</a:t>
+            </a:r>
+            <a:r>
+              <a:rPr lang="en-US" dirty="0" smtClean="0"/>
+              <a:t>=</a:t>
+            </a:r>
+            <a:r>
+              <a:rPr lang="en-US" dirty="0" err="1" smtClean="0"/>
+              <a:t>best_game</a:t>
+            </a:r>
+            <a:endParaRPr lang="en-US" dirty="0" smtClean="0"/>
+          </a:p>
+          <a:p>
+            <a:endParaRPr lang="en-US" dirty="0" smtClean="0"/>
+          </a:p>
+          <a:p>
+            <a:r>
+              <a:rPr lang="en-US" dirty="0"/>
+              <a:t>curl –XGET localhost:9200/</a:t>
+            </a:r>
+            <a:r>
+              <a:rPr lang="en-US" dirty="0" smtClean="0"/>
+              <a:t>_search –d `{</a:t>
+            </a:r>
+          </a:p>
+          <a:p>
+            <a:pPr marL="457200" lvl="1" indent="0">
+              <a:buNone/>
+            </a:pPr>
+            <a:r>
+              <a:rPr lang="en-US" dirty="0"/>
+              <a:t> </a:t>
+            </a:r>
+            <a:r>
+              <a:rPr lang="en-US" dirty="0" smtClean="0"/>
+              <a:t>“query”:  {</a:t>
+            </a:r>
+          </a:p>
+          <a:p>
+            <a:pPr marL="457200" lvl="1" indent="0">
+              <a:buNone/>
+            </a:pPr>
+            <a:r>
+              <a:rPr lang="en-US" dirty="0"/>
+              <a:t>	</a:t>
+            </a:r>
+            <a:r>
+              <a:rPr lang="en-US" dirty="0" smtClean="0"/>
+              <a:t>“</a:t>
+            </a:r>
+            <a:r>
+              <a:rPr lang="en-US" dirty="0" err="1" smtClean="0"/>
+              <a:t>query_string</a:t>
+            </a:r>
+            <a:r>
+              <a:rPr lang="en-US" dirty="0" smtClean="0"/>
+              <a:t>”: {</a:t>
+            </a:r>
+          </a:p>
+          <a:p>
+            <a:pPr marL="457200" lvl="1" indent="0">
+              <a:buNone/>
+            </a:pPr>
+            <a:r>
+              <a:rPr lang="en-US" dirty="0"/>
+              <a:t>	</a:t>
+            </a:r>
+            <a:r>
+              <a:rPr lang="en-US" dirty="0" smtClean="0"/>
+              <a:t>	“query”: “</a:t>
+            </a:r>
+            <a:r>
+              <a:rPr lang="en-US" dirty="0" err="1" smtClean="0"/>
+              <a:t>lucky_words</a:t>
+            </a:r>
+            <a:r>
+              <a:rPr lang="en-US" dirty="0" smtClean="0"/>
+              <a:t> AND rtp:95”</a:t>
+            </a:r>
+          </a:p>
+          <a:p>
+            <a:pPr marL="457200" lvl="1" indent="0">
+              <a:buNone/>
+            </a:pPr>
+            <a:r>
+              <a:rPr lang="en-US" dirty="0"/>
+              <a:t>	</a:t>
+            </a:r>
+            <a:r>
+              <a:rPr lang="en-US" dirty="0" smtClean="0"/>
+              <a:t>	}</a:t>
+            </a:r>
+          </a:p>
+          <a:p>
+            <a:pPr marL="457200" lvl="1" indent="0">
+              <a:buNone/>
+            </a:pPr>
+            <a:r>
+              <a:rPr lang="en-US" dirty="0" smtClean="0"/>
+              <a:t>	}</a:t>
+            </a:r>
+          </a:p>
+          <a:p>
+            <a:pPr marL="457200" lvl="1" indent="0">
+              <a:buNone/>
+            </a:pPr>
+            <a:r>
+              <a:rPr lang="en-US" dirty="0" smtClean="0"/>
+              <a:t>}`</a:t>
+            </a:r>
+            <a:endParaRPr lang="en-US" dirty="0"/>
+          </a:p>
+          <a:p>
+            <a:endParaRPr lang="en-US" dirty="0"/>
+          </a:p>
+        </p:txBody>
+      </p:sp>
+    </p:spTree>
+    <p:extLst>
+      <p:ext uri="{BB962C8B-B14F-4D97-AF65-F5344CB8AC3E}">
+        <p14:creationId xmlns:p14="http://schemas.microsoft.com/office/powerpoint/2010/main" val="1726973554"/>
+      </p:ext>
+    </p:extLst>
+  </p:cSld>
+  <p:clrMapOvr>
+    <a:masterClrMapping/>
+  </p:clrMapOvr>
+</p:sld>
+</file>
+
+<file path=ppt/slides/slide33.xml><?xml version="1.0" encoding="utf-8"?>
+<p:sld xmlns:a="http://schemas.openxmlformats.org/drawingml/2006/main" xmlns:r="http://schemas.openxmlformats.org/officeDocument/2006/relationships" xmlns:p="http://schemas.openxmlformats.org/presentationml/2006/main">
+  <p:cSld>
+    <p:spTree>
+      <p:nvGrpSpPr>
+        <p:cNvPr id="1" name=""/>
+        <p:cNvGrpSpPr/>
+        <p:nvPr/>
+      </p:nvGrpSpPr>
+      <p:grpSpPr>
+        <a:xfrm>
+          <a:off x="0" y="0"/>
+          <a:ext cx="0" cy="0"/>
+          <a:chOff x="0" y="0"/>
+          <a:chExt cx="0" cy="0"/>
+        </a:xfrm>
+      </p:grpSpPr>
+      <p:sp>
+        <p:nvSpPr>
+          <p:cNvPr id="2" name="Title 1"/>
+          <p:cNvSpPr>
+            <a:spLocks noGrp="1"/>
+          </p:cNvSpPr>
+          <p:nvPr>
+            <p:ph type="title"/>
+          </p:nvPr>
+        </p:nvSpPr>
+        <p:spPr/>
+        <p:txBody>
+          <a:bodyPr/>
+          <a:lstStyle/>
+          <a:p>
+            <a:r>
+              <a:rPr lang="en-US" dirty="0" smtClean="0"/>
+              <a:t>Query your data</a:t>
+            </a:r>
+            <a:endParaRPr lang="en-US" dirty="0"/>
+          </a:p>
+        </p:txBody>
+      </p:sp>
+      <p:sp>
+        <p:nvSpPr>
+          <p:cNvPr id="3" name="Content Placeholder 2"/>
+          <p:cNvSpPr>
+            <a:spLocks noGrp="1"/>
+          </p:cNvSpPr>
+          <p:nvPr>
+            <p:ph sz="quarter" idx="13"/>
+          </p:nvPr>
+        </p:nvSpPr>
+        <p:spPr/>
+        <p:txBody>
+          <a:bodyPr/>
+          <a:lstStyle/>
+          <a:p>
+            <a:r>
+              <a:rPr lang="en-US" dirty="0" smtClean="0"/>
+              <a:t>Query format – JSON</a:t>
+            </a:r>
+          </a:p>
+          <a:p>
+            <a:r>
+              <a:rPr lang="en-US" dirty="0" smtClean="0"/>
+              <a:t>Build in filters</a:t>
+            </a:r>
+          </a:p>
+          <a:p>
+            <a:r>
+              <a:rPr lang="en-US" dirty="0" smtClean="0"/>
+              <a:t>Queries </a:t>
+            </a:r>
+            <a:r>
+              <a:rPr lang="en-US" dirty="0" err="1" smtClean="0"/>
+              <a:t>vs</a:t>
+            </a:r>
+            <a:r>
+              <a:rPr lang="en-US" dirty="0" smtClean="0"/>
+              <a:t> Filters</a:t>
+            </a:r>
+            <a:endParaRPr lang="en-US" dirty="0"/>
+          </a:p>
+        </p:txBody>
+      </p:sp>
+    </p:spTree>
+    <p:extLst>
+      <p:ext uri="{BB962C8B-B14F-4D97-AF65-F5344CB8AC3E}">
+        <p14:creationId xmlns:p14="http://schemas.microsoft.com/office/powerpoint/2010/main" val="2580380204"/>
+      </p:ext>
+    </p:extLst>
+  </p:cSld>
+  <p:clrMapOvr>
+    <a:masterClrMapping/>
+  </p:clrMapOvr>
+</p:sld>
+</file>
+
+<file path=ppt/slides/slide34.xml><?xml version="1.0" encoding="utf-8"?>
+<p:sld xmlns:a="http://schemas.openxmlformats.org/drawingml/2006/main" xmlns:r="http://schemas.openxmlformats.org/officeDocument/2006/relationships" xmlns:p="http://schemas.openxmlformats.org/presentationml/2006/main">
+  <p:cSld>
+    <p:spTree>
+      <p:nvGrpSpPr>
+        <p:cNvPr id="1" name=""/>
+        <p:cNvGrpSpPr/>
+        <p:nvPr/>
+      </p:nvGrpSpPr>
+      <p:grpSpPr>
+        <a:xfrm>
+          <a:off x="0" y="0"/>
+          <a:ext cx="0" cy="0"/>
+          <a:chOff x="0" y="0"/>
+          <a:chExt cx="0" cy="0"/>
+        </a:xfrm>
+      </p:grpSpPr>
+      <p:sp>
+        <p:nvSpPr>
+          <p:cNvPr id="2" name="Title 1"/>
+          <p:cNvSpPr>
+            <a:spLocks noGrp="1"/>
+          </p:cNvSpPr>
+          <p:nvPr>
+            <p:ph type="title"/>
+          </p:nvPr>
+        </p:nvSpPr>
+        <p:spPr/>
+        <p:txBody>
+          <a:bodyPr/>
+          <a:lstStyle/>
+          <a:p>
+            <a:r>
+              <a:rPr lang="en-US" dirty="0" smtClean="0"/>
               <a:t>ES</a:t>
             </a:r>
             <a:endParaRPr lang="en-US" dirty="0"/>
@@ -6007,7 +6244,7 @@
 </p:sld>
 </file>
 
-<file path=ppt/slides/slide32.xml><?xml version="1.0" encoding="utf-8"?>
+<file path=ppt/slides/slide35.xml><?xml version="1.0" encoding="utf-8"?>
 <p:sld xmlns:a="http://schemas.openxmlformats.org/drawingml/2006/main" xmlns:r="http://schemas.openxmlformats.org/officeDocument/2006/relationships" xmlns:p="http://schemas.openxmlformats.org/presentationml/2006/main">
   <p:cSld>
     <p:spTree>

--- a/es.pptx
+++ b/es.pptx
@@ -9,37 +9,36 @@
     <p:sldId id="262" r:id="rId3"/>
     <p:sldId id="276" r:id="rId4"/>
     <p:sldId id="278" r:id="rId5"/>
-    <p:sldId id="277" r:id="rId6"/>
-    <p:sldId id="279" r:id="rId7"/>
-    <p:sldId id="272" r:id="rId8"/>
-    <p:sldId id="273" r:id="rId9"/>
-    <p:sldId id="274" r:id="rId10"/>
-    <p:sldId id="275" r:id="rId11"/>
-    <p:sldId id="267" r:id="rId12"/>
-    <p:sldId id="280" r:id="rId13"/>
-    <p:sldId id="268" r:id="rId14"/>
-    <p:sldId id="269" r:id="rId15"/>
-    <p:sldId id="271" r:id="rId16"/>
-    <p:sldId id="270" r:id="rId17"/>
-    <p:sldId id="291" r:id="rId18"/>
-    <p:sldId id="281" r:id="rId19"/>
-    <p:sldId id="258" r:id="rId20"/>
-    <p:sldId id="282" r:id="rId21"/>
-    <p:sldId id="283" r:id="rId22"/>
-    <p:sldId id="284" r:id="rId23"/>
-    <p:sldId id="285" r:id="rId24"/>
-    <p:sldId id="286" r:id="rId25"/>
-    <p:sldId id="288" r:id="rId26"/>
-    <p:sldId id="289" r:id="rId27"/>
-    <p:sldId id="290" r:id="rId28"/>
-    <p:sldId id="287" r:id="rId29"/>
-    <p:sldId id="259" r:id="rId30"/>
-    <p:sldId id="263" r:id="rId31"/>
-    <p:sldId id="264" r:id="rId32"/>
-    <p:sldId id="265" r:id="rId33"/>
-    <p:sldId id="266" r:id="rId34"/>
-    <p:sldId id="261" r:id="rId35"/>
-    <p:sldId id="260" r:id="rId36"/>
+    <p:sldId id="279" r:id="rId6"/>
+    <p:sldId id="272" r:id="rId7"/>
+    <p:sldId id="273" r:id="rId8"/>
+    <p:sldId id="274" r:id="rId9"/>
+    <p:sldId id="275" r:id="rId10"/>
+    <p:sldId id="267" r:id="rId11"/>
+    <p:sldId id="280" r:id="rId12"/>
+    <p:sldId id="268" r:id="rId13"/>
+    <p:sldId id="269" r:id="rId14"/>
+    <p:sldId id="271" r:id="rId15"/>
+    <p:sldId id="270" r:id="rId16"/>
+    <p:sldId id="291" r:id="rId17"/>
+    <p:sldId id="282" r:id="rId18"/>
+    <p:sldId id="283" r:id="rId19"/>
+    <p:sldId id="284" r:id="rId20"/>
+    <p:sldId id="285" r:id="rId21"/>
+    <p:sldId id="286" r:id="rId22"/>
+    <p:sldId id="288" r:id="rId23"/>
+    <p:sldId id="289" r:id="rId24"/>
+    <p:sldId id="290" r:id="rId25"/>
+    <p:sldId id="287" r:id="rId26"/>
+    <p:sldId id="259" r:id="rId27"/>
+    <p:sldId id="281" r:id="rId28"/>
+    <p:sldId id="258" r:id="rId29"/>
+    <p:sldId id="263" r:id="rId30"/>
+    <p:sldId id="264" r:id="rId31"/>
+    <p:sldId id="265" r:id="rId32"/>
+    <p:sldId id="266" r:id="rId33"/>
+    <p:sldId id="261" r:id="rId34"/>
+    <p:sldId id="260" r:id="rId35"/>
   </p:sldIdLst>
   <p:sldSz cx="9144000" cy="6858000" type="screen4x3"/>
   <p:notesSz cx="6858000" cy="9144000"/>
@@ -201,7 +200,7 @@
             <a:fld id="{2233D26B-DFC2-4248-8ED0-AD3E108CBDD7}" type="datetime1">
               <a:rPr lang="en-US" smtClean="0"/>
               <a:pPr/>
-              <a:t>5/12/14</a:t>
+              <a:t>5/17/14</a:t>
             </a:fld>
             <a:endParaRPr lang="en-US"/>
           </a:p>
@@ -519,7 +518,7 @@
             <a:fld id="{E694C003-38E8-486A-9BFD-47E55D87241C}" type="datetime1">
               <a:rPr lang="en-US" smtClean="0"/>
               <a:pPr/>
-              <a:t>5/12/14</a:t>
+              <a:t>5/17/14</a:t>
             </a:fld>
             <a:endParaRPr lang="en-US"/>
           </a:p>
@@ -696,7 +695,7 @@
             <a:fld id="{E059EAA3-934B-41DB-B3B1-806F4BE5CC37}" type="datetime1">
               <a:rPr lang="en-US" smtClean="0"/>
               <a:pPr/>
-              <a:t>5/12/14</a:t>
+              <a:t>5/17/14</a:t>
             </a:fld>
             <a:endParaRPr lang="en-US"/>
           </a:p>
@@ -816,7 +815,7 @@
             <a:fld id="{8F97F932-D99A-4087-BFB1-EA42FAFC8D2C}" type="datetime1">
               <a:rPr lang="en-US" smtClean="0"/>
               <a:pPr/>
-              <a:t>5/12/14</a:t>
+              <a:t>5/17/14</a:t>
             </a:fld>
             <a:endParaRPr lang="en-US"/>
           </a:p>
@@ -1116,7 +1115,7 @@
             <a:fld id="{79C96367-2F2B-4F6E-ACF4-15FA13738E10}" type="datetime1">
               <a:rPr lang="en-US" smtClean="0"/>
               <a:pPr/>
-              <a:t>5/12/14</a:t>
+              <a:t>5/17/14</a:t>
             </a:fld>
             <a:endParaRPr lang="en-US"/>
           </a:p>
@@ -1411,7 +1410,7 @@
             <a:fld id="{8FB3498D-21C7-408B-8EF5-5B55DEF0BFD5}" type="datetime1">
               <a:rPr lang="en-US" smtClean="0"/>
               <a:pPr/>
-              <a:t>5/12/14</a:t>
+              <a:t>5/17/14</a:t>
             </a:fld>
             <a:endParaRPr lang="en-US"/>
           </a:p>
@@ -1841,7 +1840,7 @@
             <a:fld id="{84DB246E-8FD1-42FF-94A4-E4133095C37A}" type="datetime1">
               <a:rPr lang="en-US" smtClean="0"/>
               <a:pPr/>
-              <a:t>5/12/14</a:t>
+              <a:t>5/17/14</a:t>
             </a:fld>
             <a:endParaRPr lang="en-US"/>
           </a:p>
@@ -1961,7 +1960,7 @@
             <a:fld id="{A93939D4-B818-4372-B1EE-7CB6D5BBC74A}" type="datetime1">
               <a:rPr lang="en-US" smtClean="0"/>
               <a:pPr/>
-              <a:t>5/12/14</a:t>
+              <a:t>5/17/14</a:t>
             </a:fld>
             <a:endParaRPr lang="en-US"/>
           </a:p>
@@ -2053,7 +2052,7 @@
             <a:fld id="{2F35E438-4D0D-4834-B658-A90420491D98}" type="datetime1">
               <a:rPr lang="en-US" smtClean="0"/>
               <a:pPr/>
-              <a:t>5/12/14</a:t>
+              <a:t>5/17/14</a:t>
             </a:fld>
             <a:endParaRPr lang="en-US"/>
           </a:p>
@@ -2305,7 +2304,7 @@
             <a:fld id="{76F8ADFA-7142-4015-85E6-1712F15FA709}" type="datetime1">
               <a:rPr lang="en-US" smtClean="0"/>
               <a:pPr/>
-              <a:t>5/12/14</a:t>
+              <a:t>5/17/14</a:t>
             </a:fld>
             <a:endParaRPr lang="en-US"/>
           </a:p>
@@ -2823,7 +2822,7 @@
             <a:fld id="{34A581E0-D653-4D78-A48F-41D80498BC7E}" type="datetime1">
               <a:rPr lang="en-US" smtClean="0"/>
               <a:pPr/>
-              <a:t>5/12/14</a:t>
+              <a:t>5/17/14</a:t>
             </a:fld>
             <a:endParaRPr lang="en-US"/>
           </a:p>
@@ -3055,7 +3054,7 @@
             <a:fld id="{8B3AFFF1-9C47-49F0-AE12-AF188F3F4E82}" type="datetime1">
               <a:rPr lang="en-US" smtClean="0"/>
               <a:pPr/>
-              <a:t>5/12/14</a:t>
+              <a:t>5/17/14</a:t>
             </a:fld>
             <a:endParaRPr lang="en-US" dirty="0"/>
           </a:p>
@@ -3652,20 +3651,16 @@
           <a:lstStyle/>
           <a:p>
             <a:r>
-              <a:rPr lang="en-US" sz="1800" dirty="0" err="1" smtClean="0"/>
-              <a:t>Logstash</a:t>
-            </a:r>
-            <a:r>
-              <a:rPr lang="en-US" sz="1800" dirty="0" smtClean="0"/>
-              <a:t> Configuration and log4j.properties</a:t>
-            </a:r>
-            <a:endParaRPr lang="en-US" sz="1800" dirty="0"/>
+              <a:rPr lang="en-US" dirty="0" smtClean="0"/>
+              <a:t>Facets - Aggregations</a:t>
+            </a:r>
+            <a:endParaRPr lang="en-US" dirty="0"/>
           </a:p>
         </p:txBody>
       </p:sp>
       <p:pic>
         <p:nvPicPr>
-          <p:cNvPr id="4" name="Content Placeholder 3" descr="Screen Shot 2014-04-30 at 3.45.02 PM.png"/>
+          <p:cNvPr id="6" name="Content Placeholder 5" descr="Screen Shot 2014-04-30 at 11.51.06 AM.png"/>
           <p:cNvPicPr>
             <a:picLocks noGrp="1" noChangeAspect="1"/>
           </p:cNvPicPr>
@@ -3681,7 +3676,7 @@
               </a:ext>
             </a:extLst>
           </a:blip>
-          <a:srcRect t="7920" b="7920"/>
+          <a:srcRect l="-47081" r="-47081"/>
           <a:stretch>
             <a:fillRect/>
           </a:stretch>
@@ -3691,7 +3686,7 @@
     </p:spTree>
     <p:extLst>
       <p:ext uri="{BB962C8B-B14F-4D97-AF65-F5344CB8AC3E}">
-        <p14:creationId xmlns:p14="http://schemas.microsoft.com/office/powerpoint/2010/main" val="206715592"/>
+        <p14:creationId xmlns:p14="http://schemas.microsoft.com/office/powerpoint/2010/main" val="1083240868"/>
       </p:ext>
     </p:extLst>
   </p:cSld>
@@ -3735,41 +3730,108 @@
           <a:p>
             <a:r>
               <a:rPr lang="en-US" dirty="0" smtClean="0"/>
-              <a:t>Facets - Aggregations</a:t>
+              <a:t>What are </a:t>
+            </a:r>
+            <a:r>
+              <a:rPr lang="en-US" dirty="0" smtClean="0"/>
+              <a:t>Facets? Why? How?</a:t>
             </a:r>
             <a:endParaRPr lang="en-US" dirty="0"/>
           </a:p>
         </p:txBody>
       </p:sp>
-      <p:pic>
-        <p:nvPicPr>
-          <p:cNvPr id="6" name="Content Placeholder 5" descr="Screen Shot 2014-04-30 at 11.51.06 AM.png"/>
-          <p:cNvPicPr>
-            <a:picLocks noGrp="1" noChangeAspect="1"/>
-          </p:cNvPicPr>
+      <p:sp>
+        <p:nvSpPr>
+          <p:cNvPr id="3" name="Content Placeholder 2"/>
+          <p:cNvSpPr>
+            <a:spLocks noGrp="1"/>
+          </p:cNvSpPr>
           <p:nvPr>
             <p:ph sz="quarter" idx="13"/>
           </p:nvPr>
-        </p:nvPicPr>
-        <p:blipFill>
-          <a:blip r:embed="rId2">
-            <a:extLst>
-              <a:ext uri="{28A0092B-C50C-407E-A947-70E740481C1C}">
-                <a14:useLocalDpi xmlns:a14="http://schemas.microsoft.com/office/drawing/2010/main" val="0"/>
-              </a:ext>
-            </a:extLst>
-          </a:blip>
-          <a:srcRect l="-47081" r="-47081"/>
-          <a:stretch>
-            <a:fillRect/>
-          </a:stretch>
-        </p:blipFill>
-        <p:spPr/>
-      </p:pic>
+        </p:nvSpPr>
+        <p:spPr/>
+        <p:txBody>
+          <a:bodyPr/>
+          <a:lstStyle/>
+          <a:p>
+            <a:r>
+              <a:rPr lang="en-US" dirty="0" smtClean="0"/>
+              <a:t>Facets – ability to find subcategories within your data.</a:t>
+            </a:r>
+          </a:p>
+          <a:p>
+            <a:pPr lvl="1"/>
+            <a:r>
+              <a:rPr lang="en-US" dirty="0" smtClean="0"/>
+              <a:t>Improve results</a:t>
+            </a:r>
+            <a:r>
+              <a:rPr lang="en-US" dirty="0"/>
+              <a:t>	</a:t>
+            </a:r>
+            <a:endParaRPr lang="en-US" dirty="0" smtClean="0"/>
+          </a:p>
+          <a:p>
+            <a:pPr lvl="1"/>
+            <a:r>
+              <a:rPr lang="en-US" dirty="0" smtClean="0"/>
+              <a:t>Faceting is an additional step in the query processing</a:t>
+            </a:r>
+          </a:p>
+          <a:p>
+            <a:pPr lvl="1"/>
+            <a:r>
+              <a:rPr lang="en-US" dirty="0" smtClean="0"/>
+              <a:t>They allow to execute </a:t>
+            </a:r>
+          </a:p>
+          <a:p>
+            <a:pPr lvl="2"/>
+            <a:r>
+              <a:rPr lang="en-US" dirty="0" smtClean="0"/>
+              <a:t>Histogram </a:t>
+            </a:r>
+          </a:p>
+          <a:p>
+            <a:pPr lvl="2"/>
+            <a:r>
+              <a:rPr lang="en-US" dirty="0" smtClean="0"/>
+              <a:t>Counting</a:t>
+            </a:r>
+          </a:p>
+          <a:p>
+            <a:pPr lvl="2"/>
+            <a:r>
+              <a:rPr lang="en-US" dirty="0" smtClean="0"/>
+              <a:t>Statistics</a:t>
+            </a:r>
+          </a:p>
+          <a:p>
+            <a:pPr lvl="2"/>
+            <a:r>
+              <a:rPr lang="en-US" dirty="0" smtClean="0"/>
+              <a:t>Geo distance aggregation</a:t>
+            </a:r>
+            <a:endParaRPr lang="en-US" dirty="0"/>
+          </a:p>
+          <a:p>
+            <a:pPr lvl="2"/>
+            <a:endParaRPr lang="en-US" dirty="0" smtClean="0"/>
+          </a:p>
+          <a:p>
+            <a:pPr lvl="1"/>
+            <a:r>
+              <a:rPr lang="en-US" dirty="0" smtClean="0"/>
+              <a:t>The main usage of facets is to provide additional data to the search results to improve the results quality.</a:t>
+            </a:r>
+          </a:p>
+        </p:txBody>
+      </p:sp>
     </p:spTree>
     <p:extLst>
       <p:ext uri="{BB962C8B-B14F-4D97-AF65-F5344CB8AC3E}">
-        <p14:creationId xmlns:p14="http://schemas.microsoft.com/office/powerpoint/2010/main" val="1083240868"/>
+        <p14:creationId xmlns:p14="http://schemas.microsoft.com/office/powerpoint/2010/main" val="4257706603"/>
       </p:ext>
     </p:extLst>
   </p:cSld>
@@ -3813,35 +3875,41 @@
           <a:p>
             <a:r>
               <a:rPr lang="en-US" dirty="0" smtClean="0"/>
-              <a:t>What are Facets, Filters and others terms..</a:t>
+              <a:t>Facets. Examples. BBC Crawled -Data</a:t>
             </a:r>
             <a:endParaRPr lang="en-US" dirty="0"/>
           </a:p>
         </p:txBody>
       </p:sp>
-      <p:sp>
-        <p:nvSpPr>
-          <p:cNvPr id="3" name="Content Placeholder 2"/>
-          <p:cNvSpPr>
-            <a:spLocks noGrp="1"/>
-          </p:cNvSpPr>
+      <p:pic>
+        <p:nvPicPr>
+          <p:cNvPr id="4" name="Content Placeholder 3" descr="Screen Shot 2014-04-30 at 11.53.57 AM.png"/>
+          <p:cNvPicPr>
+            <a:picLocks noGrp="1" noChangeAspect="1"/>
+          </p:cNvPicPr>
           <p:nvPr>
             <p:ph sz="quarter" idx="13"/>
           </p:nvPr>
-        </p:nvSpPr>
-        <p:spPr/>
-        <p:txBody>
-          <a:bodyPr/>
-          <a:lstStyle/>
-          <a:p>
-            <a:endParaRPr lang="en-US" dirty="0"/>
-          </a:p>
-        </p:txBody>
-      </p:sp>
+        </p:nvPicPr>
+        <p:blipFill>
+          <a:blip r:embed="rId2">
+            <a:extLst>
+              <a:ext uri="{28A0092B-C50C-407E-A947-70E740481C1C}">
+                <a14:useLocalDpi xmlns:a14="http://schemas.microsoft.com/office/drawing/2010/main" val="0"/>
+              </a:ext>
+            </a:extLst>
+          </a:blip>
+          <a:srcRect l="-19152" r="-19152"/>
+          <a:stretch>
+            <a:fillRect/>
+          </a:stretch>
+        </p:blipFill>
+        <p:spPr/>
+      </p:pic>
     </p:spTree>
     <p:extLst>
       <p:ext uri="{BB962C8B-B14F-4D97-AF65-F5344CB8AC3E}">
-        <p14:creationId xmlns:p14="http://schemas.microsoft.com/office/powerpoint/2010/main" val="4257706603"/>
+        <p14:creationId xmlns:p14="http://schemas.microsoft.com/office/powerpoint/2010/main" val="1989826463"/>
       </p:ext>
     </p:extLst>
   </p:cSld>
@@ -3885,7 +3953,15 @@
           <a:p>
             <a:r>
               <a:rPr lang="en-US" dirty="0" smtClean="0"/>
-              <a:t>Facets. Examples. BBC Crawled -Data</a:t>
+              <a:t>Facets. Examples. </a:t>
+            </a:r>
+            <a:r>
+              <a:rPr lang="en-US" dirty="0" err="1" smtClean="0"/>
+              <a:t>Logstash</a:t>
+            </a:r>
+            <a:r>
+              <a:rPr lang="en-US" dirty="0" smtClean="0"/>
+              <a:t> out the box</a:t>
             </a:r>
             <a:endParaRPr lang="en-US" dirty="0"/>
           </a:p>
@@ -3893,7 +3969,7 @@
       </p:sp>
       <p:pic>
         <p:nvPicPr>
-          <p:cNvPr id="4" name="Content Placeholder 3" descr="Screen Shot 2014-04-30 at 11.53.57 AM.png"/>
+          <p:cNvPr id="4" name="Content Placeholder 3" descr="Screen Shot 2014-04-30 at 11.57.52 AM.png"/>
           <p:cNvPicPr>
             <a:picLocks noGrp="1" noChangeAspect="1"/>
           </p:cNvPicPr>
@@ -3909,7 +3985,7 @@
               </a:ext>
             </a:extLst>
           </a:blip>
-          <a:srcRect l="-19152" r="-19152"/>
+          <a:srcRect l="-3059" r="-3059"/>
           <a:stretch>
             <a:fillRect/>
           </a:stretch>
@@ -3919,7 +3995,7 @@
     </p:spTree>
     <p:extLst>
       <p:ext uri="{BB962C8B-B14F-4D97-AF65-F5344CB8AC3E}">
-        <p14:creationId xmlns:p14="http://schemas.microsoft.com/office/powerpoint/2010/main" val="1989826463"/>
+        <p14:creationId xmlns:p14="http://schemas.microsoft.com/office/powerpoint/2010/main" val="4096100004"/>
       </p:ext>
     </p:extLst>
   </p:cSld>
@@ -3963,15 +4039,7 @@
           <a:p>
             <a:r>
               <a:rPr lang="en-US" dirty="0" smtClean="0"/>
-              <a:t>Facets. Examples. </a:t>
-            </a:r>
-            <a:r>
-              <a:rPr lang="en-US" dirty="0" err="1" smtClean="0"/>
-              <a:t>Logstash</a:t>
-            </a:r>
-            <a:r>
-              <a:rPr lang="en-US" dirty="0" smtClean="0"/>
-              <a:t> out the box</a:t>
+              <a:t>More Examples.</a:t>
             </a:r>
             <a:endParaRPr lang="en-US" dirty="0"/>
           </a:p>
@@ -3979,7 +4047,7 @@
       </p:sp>
       <p:pic>
         <p:nvPicPr>
-          <p:cNvPr id="4" name="Content Placeholder 3" descr="Screen Shot 2014-04-30 at 11.57.52 AM.png"/>
+          <p:cNvPr id="6" name="Content Placeholder 5" descr="Screen Shot 2014-04-30 at 3.14.38 PM.png"/>
           <p:cNvPicPr>
             <a:picLocks noGrp="1" noChangeAspect="1"/>
           </p:cNvPicPr>
@@ -3995,7 +4063,7 @@
               </a:ext>
             </a:extLst>
           </a:blip>
-          <a:srcRect l="-3059" r="-3059"/>
+          <a:srcRect t="-32346" b="-32346"/>
           <a:stretch>
             <a:fillRect/>
           </a:stretch>
@@ -4005,7 +4073,7 @@
     </p:spTree>
     <p:extLst>
       <p:ext uri="{BB962C8B-B14F-4D97-AF65-F5344CB8AC3E}">
-        <p14:creationId xmlns:p14="http://schemas.microsoft.com/office/powerpoint/2010/main" val="4096100004"/>
+        <p14:creationId xmlns:p14="http://schemas.microsoft.com/office/powerpoint/2010/main" val="1006017787"/>
       </p:ext>
     </p:extLst>
   </p:cSld>
@@ -4049,7 +4117,7 @@
           <a:p>
             <a:r>
               <a:rPr lang="en-US" dirty="0" smtClean="0"/>
-              <a:t>More Examples.</a:t>
+              <a:t>Executing and Debugging.</a:t>
             </a:r>
             <a:endParaRPr lang="en-US" dirty="0"/>
           </a:p>
@@ -4057,7 +4125,7 @@
       </p:sp>
       <p:pic>
         <p:nvPicPr>
-          <p:cNvPr id="6" name="Content Placeholder 5" descr="Screen Shot 2014-04-30 at 3.14.38 PM.png"/>
+          <p:cNvPr id="4" name="Content Placeholder 3" descr="Screen Shot 2014-04-30 at 12.03.13 PM.png"/>
           <p:cNvPicPr>
             <a:picLocks noGrp="1" noChangeAspect="1"/>
           </p:cNvPicPr>
@@ -4073,7 +4141,7 @@
               </a:ext>
             </a:extLst>
           </a:blip>
-          <a:srcRect t="-32346" b="-32346"/>
+          <a:srcRect t="-51843" b="-51843"/>
           <a:stretch>
             <a:fillRect/>
           </a:stretch>
@@ -4083,7 +4151,7 @@
     </p:spTree>
     <p:extLst>
       <p:ext uri="{BB962C8B-B14F-4D97-AF65-F5344CB8AC3E}">
-        <p14:creationId xmlns:p14="http://schemas.microsoft.com/office/powerpoint/2010/main" val="1006017787"/>
+        <p14:creationId xmlns:p14="http://schemas.microsoft.com/office/powerpoint/2010/main" val="2503469663"/>
       </p:ext>
     </p:extLst>
   </p:cSld>
@@ -4127,7 +4195,7 @@
           <a:p>
             <a:r>
               <a:rPr lang="en-US" dirty="0" smtClean="0"/>
-              <a:t>Executing and Debugging.</a:t>
+              <a:t>Reels. Position Aggregation and The theoretical reel. </a:t>
             </a:r>
             <a:endParaRPr lang="en-US" dirty="0"/>
           </a:p>
@@ -4135,7 +4203,7 @@
       </p:sp>
       <p:pic>
         <p:nvPicPr>
-          <p:cNvPr id="4" name="Content Placeholder 3" descr="Screen Shot 2014-04-30 at 12.03.13 PM.png"/>
+          <p:cNvPr id="6" name="Content Placeholder 5" descr="Screen Shot 2014-05-14 at 6.05.19 PM.png"/>
           <p:cNvPicPr>
             <a:picLocks noGrp="1" noChangeAspect="1"/>
           </p:cNvPicPr>
@@ -4151,7 +4219,7 @@
               </a:ext>
             </a:extLst>
           </a:blip>
-          <a:srcRect t="-51843" b="-51843"/>
+          <a:srcRect l="-9848" r="-9848"/>
           <a:stretch>
             <a:fillRect/>
           </a:stretch>
@@ -4161,7 +4229,7 @@
     </p:spTree>
     <p:extLst>
       <p:ext uri="{BB962C8B-B14F-4D97-AF65-F5344CB8AC3E}">
-        <p14:creationId xmlns:p14="http://schemas.microsoft.com/office/powerpoint/2010/main" val="2503469663"/>
+        <p14:creationId xmlns:p14="http://schemas.microsoft.com/office/powerpoint/2010/main" val="3811251667"/>
       </p:ext>
     </p:extLst>
   </p:cSld>
@@ -4205,7 +4273,7 @@
           <a:p>
             <a:r>
               <a:rPr lang="en-US" dirty="0" smtClean="0"/>
-              <a:t>Reels. Position Aggregation and The theoretical reel. </a:t>
+              <a:t>JDBC River Plugin. How and WHY?</a:t>
             </a:r>
             <a:endParaRPr lang="en-US" dirty="0"/>
           </a:p>
@@ -4213,7 +4281,7 @@
       </p:sp>
       <p:pic>
         <p:nvPicPr>
-          <p:cNvPr id="6" name="Content Placeholder 5" descr="Screen Shot 2014-05-14 at 6.05.19 PM.png"/>
+          <p:cNvPr id="4" name="Content Placeholder 3" descr="Screen Shot 2014-05-12 at 11.09.32 AM.png"/>
           <p:cNvPicPr>
             <a:picLocks noGrp="1" noChangeAspect="1"/>
           </p:cNvPicPr>
@@ -4229,7 +4297,7 @@
               </a:ext>
             </a:extLst>
           </a:blip>
-          <a:srcRect l="-9848" r="-9848"/>
+          <a:srcRect l="-25235" r="-25235"/>
           <a:stretch>
             <a:fillRect/>
           </a:stretch>
@@ -4239,7 +4307,7 @@
     </p:spTree>
     <p:extLst>
       <p:ext uri="{BB962C8B-B14F-4D97-AF65-F5344CB8AC3E}">
-        <p14:creationId xmlns:p14="http://schemas.microsoft.com/office/powerpoint/2010/main" val="3811251667"/>
+        <p14:creationId xmlns:p14="http://schemas.microsoft.com/office/powerpoint/2010/main" val="1682887055"/>
       </p:ext>
     </p:extLst>
   </p:cSld>
@@ -4282,6 +4350,1024 @@
           <a:lstStyle/>
           <a:p>
             <a:r>
+              <a:rPr lang="en-US" dirty="0" smtClean="0"/>
+              <a:t>JDBC River plugin. Architecture.</a:t>
+            </a:r>
+            <a:endParaRPr lang="en-US" dirty="0"/>
+          </a:p>
+        </p:txBody>
+      </p:sp>
+      <p:pic>
+        <p:nvPicPr>
+          <p:cNvPr id="4" name="Content Placeholder 3" descr="Screen Shot 2014-05-12 at 11.10.18 AM.png"/>
+          <p:cNvPicPr>
+            <a:picLocks noGrp="1" noChangeAspect="1"/>
+          </p:cNvPicPr>
+          <p:nvPr>
+            <p:ph sz="quarter" idx="13"/>
+          </p:nvPr>
+        </p:nvPicPr>
+        <p:blipFill>
+          <a:blip r:embed="rId2">
+            <a:extLst>
+              <a:ext uri="{28A0092B-C50C-407E-A947-70E740481C1C}">
+                <a14:useLocalDpi xmlns:a14="http://schemas.microsoft.com/office/drawing/2010/main" val="0"/>
+              </a:ext>
+            </a:extLst>
+          </a:blip>
+          <a:srcRect l="-15691" r="-15691"/>
+          <a:stretch>
+            <a:fillRect/>
+          </a:stretch>
+        </p:blipFill>
+        <p:spPr/>
+      </p:pic>
+    </p:spTree>
+    <p:extLst>
+      <p:ext uri="{BB962C8B-B14F-4D97-AF65-F5344CB8AC3E}">
+        <p14:creationId xmlns:p14="http://schemas.microsoft.com/office/powerpoint/2010/main" val="2358261309"/>
+      </p:ext>
+    </p:extLst>
+  </p:cSld>
+  <p:clrMapOvr>
+    <a:masterClrMapping/>
+  </p:clrMapOvr>
+</p:sld>
+</file>
+
+<file path=ppt/slides/slide19.xml><?xml version="1.0" encoding="utf-8"?>
+<p:sld xmlns:a="http://schemas.openxmlformats.org/drawingml/2006/main" xmlns:r="http://schemas.openxmlformats.org/officeDocument/2006/relationships" xmlns:p="http://schemas.openxmlformats.org/presentationml/2006/main">
+  <p:cSld>
+    <p:spTree>
+      <p:nvGrpSpPr>
+        <p:cNvPr id="1" name=""/>
+        <p:cNvGrpSpPr/>
+        <p:nvPr/>
+      </p:nvGrpSpPr>
+      <p:grpSpPr>
+        <a:xfrm>
+          <a:off x="0" y="0"/>
+          <a:ext cx="0" cy="0"/>
+          <a:chOff x="0" y="0"/>
+          <a:chExt cx="0" cy="0"/>
+        </a:xfrm>
+      </p:grpSpPr>
+      <p:sp>
+        <p:nvSpPr>
+          <p:cNvPr id="2" name="Title 1"/>
+          <p:cNvSpPr>
+            <a:spLocks noGrp="1"/>
+          </p:cNvSpPr>
+          <p:nvPr>
+            <p:ph type="title"/>
+          </p:nvPr>
+        </p:nvSpPr>
+        <p:spPr/>
+        <p:txBody>
+          <a:bodyPr/>
+          <a:lstStyle/>
+          <a:p>
+            <a:r>
+              <a:rPr lang="en-US" dirty="0" smtClean="0"/>
+              <a:t>Developer perspectives.</a:t>
+            </a:r>
+            <a:endParaRPr lang="en-US" dirty="0"/>
+          </a:p>
+        </p:txBody>
+      </p:sp>
+      <p:sp>
+        <p:nvSpPr>
+          <p:cNvPr id="3" name="Content Placeholder 2"/>
+          <p:cNvSpPr>
+            <a:spLocks noGrp="1"/>
+          </p:cNvSpPr>
+          <p:nvPr>
+            <p:ph sz="quarter" idx="13"/>
+          </p:nvPr>
+        </p:nvSpPr>
+        <p:spPr/>
+        <p:txBody>
+          <a:bodyPr>
+            <a:normAutofit fontScale="70000" lnSpcReduction="20000"/>
+          </a:bodyPr>
+          <a:lstStyle/>
+          <a:p>
+            <a:r>
+              <a:rPr lang="en-US" dirty="0" smtClean="0"/>
+              <a:t>Install </a:t>
+            </a:r>
+            <a:r>
+              <a:rPr lang="en-US" dirty="0" err="1" smtClean="0"/>
+              <a:t>jdbc</a:t>
+            </a:r>
+            <a:r>
+              <a:rPr lang="en-US" dirty="0" smtClean="0"/>
+              <a:t>-plugin </a:t>
+            </a:r>
+          </a:p>
+          <a:p>
+            <a:r>
+              <a:rPr lang="en-US" dirty="0" smtClean="0"/>
+              <a:t>Put your JDBC driver jar in your plugin folder</a:t>
+            </a:r>
+          </a:p>
+          <a:p>
+            <a:r>
+              <a:rPr lang="en-US" dirty="0" smtClean="0"/>
+              <a:t>Index with specific shell script</a:t>
+            </a:r>
+          </a:p>
+          <a:p>
+            <a:endParaRPr lang="en-US" dirty="0" smtClean="0"/>
+          </a:p>
+          <a:p>
+            <a:pPr marL="0" indent="0">
+              <a:buNone/>
+            </a:pPr>
+            <a:endParaRPr lang="en-US" dirty="0" smtClean="0"/>
+          </a:p>
+          <a:p>
+            <a:pPr marL="0" indent="0">
+              <a:buNone/>
+            </a:pPr>
+            <a:endParaRPr lang="en-US" dirty="0"/>
+          </a:p>
+          <a:p>
+            <a:pPr marL="0" indent="0">
+              <a:buNone/>
+            </a:pPr>
+            <a:endParaRPr lang="en-US" dirty="0" smtClean="0"/>
+          </a:p>
+          <a:p>
+            <a:pPr marL="0" indent="0">
+              <a:buNone/>
+            </a:pPr>
+            <a:endParaRPr lang="en-US" dirty="0"/>
+          </a:p>
+          <a:p>
+            <a:pPr marL="0" indent="0">
+              <a:buNone/>
+            </a:pPr>
+            <a:endParaRPr lang="en-US" dirty="0" smtClean="0"/>
+          </a:p>
+          <a:p>
+            <a:pPr marL="0" indent="0">
+              <a:buNone/>
+            </a:pPr>
+            <a:endParaRPr lang="en-US" dirty="0"/>
+          </a:p>
+          <a:p>
+            <a:pPr marL="0" indent="0">
+              <a:buNone/>
+            </a:pPr>
+            <a:endParaRPr lang="en-US" dirty="0" smtClean="0"/>
+          </a:p>
+          <a:p>
+            <a:pPr marL="0" indent="0">
+              <a:buNone/>
+            </a:pPr>
+            <a:endParaRPr lang="en-US" dirty="0"/>
+          </a:p>
+          <a:p>
+            <a:pPr marL="0" indent="0">
+              <a:buNone/>
+            </a:pPr>
+            <a:r>
+              <a:rPr lang="en-US" dirty="0" smtClean="0"/>
+              <a:t>$ </a:t>
+            </a:r>
+          </a:p>
+          <a:p>
+            <a:pPr marL="0" indent="0">
+              <a:buNone/>
+            </a:pPr>
+            <a:endParaRPr lang="en-US" dirty="0"/>
+          </a:p>
+          <a:p>
+            <a:pPr marL="0" indent="0">
+              <a:buNone/>
+            </a:pPr>
+            <a:r>
+              <a:rPr lang="en-US" dirty="0"/>
+              <a:t>curl -XPUT </a:t>
+            </a:r>
+            <a:r>
+              <a:rPr lang="en-US" dirty="0" smtClean="0"/>
+              <a:t>’localhost:</a:t>
+            </a:r>
+            <a:r>
+              <a:rPr lang="en-US" dirty="0"/>
+              <a:t>9200/_river/</a:t>
+            </a:r>
+            <a:r>
+              <a:rPr lang="en-US" dirty="0" err="1"/>
+              <a:t>my_jdbc_river</a:t>
+            </a:r>
+            <a:r>
+              <a:rPr lang="en-US" dirty="0"/>
+              <a:t>/_meta' </a:t>
+            </a:r>
+            <a:r>
+              <a:rPr lang="en-US" dirty="0" smtClean="0"/>
+              <a:t>–d @</a:t>
+            </a:r>
+            <a:r>
+              <a:rPr lang="en-US" dirty="0" err="1" smtClean="0"/>
+              <a:t>sample.json</a:t>
+            </a:r>
+            <a:endParaRPr lang="en-US" dirty="0" smtClean="0"/>
+          </a:p>
+          <a:p>
+            <a:pPr marL="0" indent="0">
+              <a:buNone/>
+            </a:pPr>
+            <a:endParaRPr lang="en-US" dirty="0"/>
+          </a:p>
+          <a:p>
+            <a:pPr marL="0" indent="0">
+              <a:buNone/>
+            </a:pPr>
+            <a:endParaRPr lang="en-US" dirty="0"/>
+          </a:p>
+        </p:txBody>
+      </p:sp>
+      <p:pic>
+        <p:nvPicPr>
+          <p:cNvPr id="4" name="Picture 3" descr="Screen Shot 2014-05-12 at 11.22.39 AM.png"/>
+          <p:cNvPicPr>
+            <a:picLocks noChangeAspect="1"/>
+          </p:cNvPicPr>
+          <p:nvPr/>
+        </p:nvPicPr>
+        <p:blipFill>
+          <a:blip r:embed="rId2">
+            <a:extLst>
+              <a:ext uri="{28A0092B-C50C-407E-A947-70E740481C1C}">
+                <a14:useLocalDpi xmlns:a14="http://schemas.microsoft.com/office/drawing/2010/main" val="0"/>
+              </a:ext>
+            </a:extLst>
+          </a:blip>
+          <a:stretch>
+            <a:fillRect/>
+          </a:stretch>
+        </p:blipFill>
+        <p:spPr>
+          <a:xfrm>
+            <a:off x="609600" y="2342507"/>
+            <a:ext cx="8572500" cy="2860326"/>
+          </a:xfrm>
+          <a:prstGeom prst="rect">
+            <a:avLst/>
+          </a:prstGeom>
+        </p:spPr>
+      </p:pic>
+    </p:spTree>
+    <p:extLst>
+      <p:ext uri="{BB962C8B-B14F-4D97-AF65-F5344CB8AC3E}">
+        <p14:creationId xmlns:p14="http://schemas.microsoft.com/office/powerpoint/2010/main" val="674806805"/>
+      </p:ext>
+    </p:extLst>
+  </p:cSld>
+  <p:clrMapOvr>
+    <a:masterClrMapping/>
+  </p:clrMapOvr>
+</p:sld>
+</file>
+
+<file path=ppt/slides/slide2.xml><?xml version="1.0" encoding="utf-8"?>
+<p:sld xmlns:a="http://schemas.openxmlformats.org/drawingml/2006/main" xmlns:r="http://schemas.openxmlformats.org/officeDocument/2006/relationships" xmlns:p="http://schemas.openxmlformats.org/presentationml/2006/main">
+  <p:cSld>
+    <p:spTree>
+      <p:nvGrpSpPr>
+        <p:cNvPr id="1" name=""/>
+        <p:cNvGrpSpPr/>
+        <p:nvPr/>
+      </p:nvGrpSpPr>
+      <p:grpSpPr>
+        <a:xfrm>
+          <a:off x="0" y="0"/>
+          <a:ext cx="0" cy="0"/>
+          <a:chOff x="0" y="0"/>
+          <a:chExt cx="0" cy="0"/>
+        </a:xfrm>
+      </p:grpSpPr>
+      <p:sp>
+        <p:nvSpPr>
+          <p:cNvPr id="2" name="Title 1"/>
+          <p:cNvSpPr>
+            <a:spLocks noGrp="1"/>
+          </p:cNvSpPr>
+          <p:nvPr>
+            <p:ph type="title"/>
+          </p:nvPr>
+        </p:nvSpPr>
+        <p:spPr/>
+        <p:txBody>
+          <a:bodyPr/>
+          <a:lstStyle/>
+          <a:p>
+            <a:r>
+              <a:rPr lang="en-US" dirty="0" smtClean="0"/>
+              <a:t>Buzz </a:t>
+            </a:r>
+            <a:r>
+              <a:rPr lang="en-US" dirty="0" err="1" smtClean="0"/>
+              <a:t>WordS</a:t>
+            </a:r>
+            <a:r>
+              <a:rPr lang="en-US" dirty="0" smtClean="0"/>
+              <a:t>.</a:t>
+            </a:r>
+            <a:endParaRPr lang="en-US" dirty="0"/>
+          </a:p>
+        </p:txBody>
+      </p:sp>
+      <p:sp>
+        <p:nvSpPr>
+          <p:cNvPr id="3" name="Content Placeholder 2"/>
+          <p:cNvSpPr>
+            <a:spLocks noGrp="1"/>
+          </p:cNvSpPr>
+          <p:nvPr>
+            <p:ph sz="quarter" idx="13"/>
+          </p:nvPr>
+        </p:nvSpPr>
+        <p:spPr/>
+        <p:txBody>
+          <a:bodyPr/>
+          <a:lstStyle/>
+          <a:p>
+            <a:r>
+              <a:rPr lang="en-US" dirty="0" smtClean="0"/>
+              <a:t>Open Source</a:t>
+            </a:r>
+          </a:p>
+          <a:p>
+            <a:r>
+              <a:rPr lang="en-US" dirty="0" smtClean="0"/>
+              <a:t>JSON</a:t>
+            </a:r>
+          </a:p>
+          <a:p>
+            <a:r>
+              <a:rPr lang="en-US" dirty="0" smtClean="0"/>
+              <a:t>Rest</a:t>
+            </a:r>
+          </a:p>
+          <a:p>
+            <a:r>
+              <a:rPr lang="en-US" dirty="0" smtClean="0"/>
+              <a:t>Http</a:t>
+            </a:r>
+          </a:p>
+          <a:p>
+            <a:r>
+              <a:rPr lang="en-US" dirty="0" err="1" smtClean="0"/>
+              <a:t>Lucene</a:t>
+            </a:r>
+            <a:endParaRPr lang="en-US" dirty="0" smtClean="0"/>
+          </a:p>
+          <a:p>
+            <a:r>
+              <a:rPr lang="en-US" dirty="0" smtClean="0"/>
+              <a:t>Distributed Data Store</a:t>
+            </a:r>
+          </a:p>
+          <a:p>
+            <a:r>
+              <a:rPr lang="en-US" dirty="0" smtClean="0"/>
+              <a:t>Very good for Searching and Analyzing Data</a:t>
+            </a:r>
+            <a:endParaRPr lang="en-US" dirty="0"/>
+          </a:p>
+        </p:txBody>
+      </p:sp>
+    </p:spTree>
+    <p:extLst>
+      <p:ext uri="{BB962C8B-B14F-4D97-AF65-F5344CB8AC3E}">
+        <p14:creationId xmlns:p14="http://schemas.microsoft.com/office/powerpoint/2010/main" val="3199174025"/>
+      </p:ext>
+    </p:extLst>
+  </p:cSld>
+  <p:clrMapOvr>
+    <a:masterClrMapping/>
+  </p:clrMapOvr>
+</p:sld>
+</file>
+
+<file path=ppt/slides/slide20.xml><?xml version="1.0" encoding="utf-8"?>
+<p:sld xmlns:a="http://schemas.openxmlformats.org/drawingml/2006/main" xmlns:r="http://schemas.openxmlformats.org/officeDocument/2006/relationships" xmlns:p="http://schemas.openxmlformats.org/presentationml/2006/main">
+  <p:cSld>
+    <p:spTree>
+      <p:nvGrpSpPr>
+        <p:cNvPr id="1" name=""/>
+        <p:cNvGrpSpPr/>
+        <p:nvPr/>
+      </p:nvGrpSpPr>
+      <p:grpSpPr>
+        <a:xfrm>
+          <a:off x="0" y="0"/>
+          <a:ext cx="0" cy="0"/>
+          <a:chOff x="0" y="0"/>
+          <a:chExt cx="0" cy="0"/>
+        </a:xfrm>
+      </p:grpSpPr>
+      <p:sp>
+        <p:nvSpPr>
+          <p:cNvPr id="2" name="Title 1"/>
+          <p:cNvSpPr>
+            <a:spLocks noGrp="1"/>
+          </p:cNvSpPr>
+          <p:nvPr>
+            <p:ph type="title"/>
+          </p:nvPr>
+        </p:nvSpPr>
+        <p:spPr/>
+        <p:txBody>
+          <a:bodyPr/>
+          <a:lstStyle/>
+          <a:p>
+            <a:r>
+              <a:rPr lang="en-US" dirty="0" err="1" smtClean="0"/>
+              <a:t>Kibana</a:t>
+            </a:r>
+            <a:r>
+              <a:rPr lang="en-US" dirty="0" smtClean="0"/>
+              <a:t> Data view</a:t>
+            </a:r>
+            <a:endParaRPr lang="en-US" dirty="0"/>
+          </a:p>
+        </p:txBody>
+      </p:sp>
+      <p:pic>
+        <p:nvPicPr>
+          <p:cNvPr id="4" name="Content Placeholder 3" descr="Screen Shot 2014-05-12 at 7.57.58 PM.png"/>
+          <p:cNvPicPr>
+            <a:picLocks noGrp="1" noChangeAspect="1"/>
+          </p:cNvPicPr>
+          <p:nvPr>
+            <p:ph sz="quarter" idx="13"/>
+          </p:nvPr>
+        </p:nvPicPr>
+        <p:blipFill>
+          <a:blip r:embed="rId2">
+            <a:extLst>
+              <a:ext uri="{28A0092B-C50C-407E-A947-70E740481C1C}">
+                <a14:useLocalDpi xmlns:a14="http://schemas.microsoft.com/office/drawing/2010/main" val="0"/>
+              </a:ext>
+            </a:extLst>
+          </a:blip>
+          <a:srcRect l="-10626" r="-10626"/>
+          <a:stretch>
+            <a:fillRect/>
+          </a:stretch>
+        </p:blipFill>
+        <p:spPr/>
+      </p:pic>
+    </p:spTree>
+    <p:extLst>
+      <p:ext uri="{BB962C8B-B14F-4D97-AF65-F5344CB8AC3E}">
+        <p14:creationId xmlns:p14="http://schemas.microsoft.com/office/powerpoint/2010/main" val="1756834039"/>
+      </p:ext>
+    </p:extLst>
+  </p:cSld>
+  <p:clrMapOvr>
+    <a:masterClrMapping/>
+  </p:clrMapOvr>
+</p:sld>
+</file>
+
+<file path=ppt/slides/slide21.xml><?xml version="1.0" encoding="utf-8"?>
+<p:sld xmlns:a="http://schemas.openxmlformats.org/drawingml/2006/main" xmlns:r="http://schemas.openxmlformats.org/officeDocument/2006/relationships" xmlns:p="http://schemas.openxmlformats.org/presentationml/2006/main">
+  <p:cSld>
+    <p:spTree>
+      <p:nvGrpSpPr>
+        <p:cNvPr id="1" name=""/>
+        <p:cNvGrpSpPr/>
+        <p:nvPr/>
+      </p:nvGrpSpPr>
+      <p:grpSpPr>
+        <a:xfrm>
+          <a:off x="0" y="0"/>
+          <a:ext cx="0" cy="0"/>
+          <a:chOff x="0" y="0"/>
+          <a:chExt cx="0" cy="0"/>
+        </a:xfrm>
+      </p:grpSpPr>
+      <p:sp>
+        <p:nvSpPr>
+          <p:cNvPr id="2" name="Title 1"/>
+          <p:cNvSpPr>
+            <a:spLocks noGrp="1"/>
+          </p:cNvSpPr>
+          <p:nvPr>
+            <p:ph type="title"/>
+          </p:nvPr>
+        </p:nvSpPr>
+        <p:spPr/>
+        <p:txBody>
+          <a:bodyPr/>
+          <a:lstStyle/>
+          <a:p>
+            <a:r>
+              <a:rPr lang="en-US" dirty="0" smtClean="0"/>
+              <a:t>Reels View</a:t>
+            </a:r>
+            <a:endParaRPr lang="en-US" dirty="0"/>
+          </a:p>
+        </p:txBody>
+      </p:sp>
+      <p:pic>
+        <p:nvPicPr>
+          <p:cNvPr id="4" name="Content Placeholder 3" descr="Screen Shot 2014-05-12 at 7.58.26 PM.png"/>
+          <p:cNvPicPr>
+            <a:picLocks noGrp="1" noChangeAspect="1"/>
+          </p:cNvPicPr>
+          <p:nvPr>
+            <p:ph sz="quarter" idx="13"/>
+          </p:nvPr>
+        </p:nvPicPr>
+        <p:blipFill>
+          <a:blip r:embed="rId2">
+            <a:extLst>
+              <a:ext uri="{28A0092B-C50C-407E-A947-70E740481C1C}">
+                <a14:useLocalDpi xmlns:a14="http://schemas.microsoft.com/office/drawing/2010/main" val="0"/>
+              </a:ext>
+            </a:extLst>
+          </a:blip>
+          <a:srcRect l="-1685" r="-1685"/>
+          <a:stretch>
+            <a:fillRect/>
+          </a:stretch>
+        </p:blipFill>
+        <p:spPr/>
+      </p:pic>
+    </p:spTree>
+    <p:extLst>
+      <p:ext uri="{BB962C8B-B14F-4D97-AF65-F5344CB8AC3E}">
+        <p14:creationId xmlns:p14="http://schemas.microsoft.com/office/powerpoint/2010/main" val="3016900089"/>
+      </p:ext>
+    </p:extLst>
+  </p:cSld>
+  <p:clrMapOvr>
+    <a:masterClrMapping/>
+  </p:clrMapOvr>
+</p:sld>
+</file>
+
+<file path=ppt/slides/slide22.xml><?xml version="1.0" encoding="utf-8"?>
+<p:sld xmlns:a="http://schemas.openxmlformats.org/drawingml/2006/main" xmlns:r="http://schemas.openxmlformats.org/officeDocument/2006/relationships" xmlns:p="http://schemas.openxmlformats.org/presentationml/2006/main">
+  <p:cSld>
+    <p:spTree>
+      <p:nvGrpSpPr>
+        <p:cNvPr id="1" name=""/>
+        <p:cNvGrpSpPr/>
+        <p:nvPr/>
+      </p:nvGrpSpPr>
+      <p:grpSpPr>
+        <a:xfrm>
+          <a:off x="0" y="0"/>
+          <a:ext cx="0" cy="0"/>
+          <a:chOff x="0" y="0"/>
+          <a:chExt cx="0" cy="0"/>
+        </a:xfrm>
+      </p:grpSpPr>
+      <p:sp>
+        <p:nvSpPr>
+          <p:cNvPr id="2" name="Title 1"/>
+          <p:cNvSpPr>
+            <a:spLocks noGrp="1"/>
+          </p:cNvSpPr>
+          <p:nvPr>
+            <p:ph type="title"/>
+          </p:nvPr>
+        </p:nvSpPr>
+        <p:spPr/>
+        <p:txBody>
+          <a:bodyPr/>
+          <a:lstStyle/>
+          <a:p>
+            <a:r>
+              <a:rPr lang="en-US" dirty="0" smtClean="0"/>
+              <a:t>Quick check on symbols.</a:t>
+            </a:r>
+            <a:endParaRPr lang="en-US" dirty="0"/>
+          </a:p>
+        </p:txBody>
+      </p:sp>
+      <p:pic>
+        <p:nvPicPr>
+          <p:cNvPr id="4" name="Content Placeholder 3" descr="Screen Shot 2014-05-13 at 3.31.46 PM.png"/>
+          <p:cNvPicPr>
+            <a:picLocks noGrp="1" noChangeAspect="1"/>
+          </p:cNvPicPr>
+          <p:nvPr>
+            <p:ph sz="quarter" idx="13"/>
+          </p:nvPr>
+        </p:nvPicPr>
+        <p:blipFill>
+          <a:blip r:embed="rId2">
+            <a:extLst>
+              <a:ext uri="{28A0092B-C50C-407E-A947-70E740481C1C}">
+                <a14:useLocalDpi xmlns:a14="http://schemas.microsoft.com/office/drawing/2010/main" val="0"/>
+              </a:ext>
+            </a:extLst>
+          </a:blip>
+          <a:srcRect t="-1881" b="-1881"/>
+          <a:stretch>
+            <a:fillRect/>
+          </a:stretch>
+        </p:blipFill>
+        <p:spPr/>
+      </p:pic>
+    </p:spTree>
+    <p:extLst>
+      <p:ext uri="{BB962C8B-B14F-4D97-AF65-F5344CB8AC3E}">
+        <p14:creationId xmlns:p14="http://schemas.microsoft.com/office/powerpoint/2010/main" val="3272432676"/>
+      </p:ext>
+    </p:extLst>
+  </p:cSld>
+  <p:clrMapOvr>
+    <a:masterClrMapping/>
+  </p:clrMapOvr>
+</p:sld>
+</file>
+
+<file path=ppt/slides/slide23.xml><?xml version="1.0" encoding="utf-8"?>
+<p:sld xmlns:a="http://schemas.openxmlformats.org/drawingml/2006/main" xmlns:r="http://schemas.openxmlformats.org/officeDocument/2006/relationships" xmlns:p="http://schemas.openxmlformats.org/presentationml/2006/main">
+  <p:cSld>
+    <p:spTree>
+      <p:nvGrpSpPr>
+        <p:cNvPr id="1" name=""/>
+        <p:cNvGrpSpPr/>
+        <p:nvPr/>
+      </p:nvGrpSpPr>
+      <p:grpSpPr>
+        <a:xfrm>
+          <a:off x="0" y="0"/>
+          <a:ext cx="0" cy="0"/>
+          <a:chOff x="0" y="0"/>
+          <a:chExt cx="0" cy="0"/>
+        </a:xfrm>
+      </p:grpSpPr>
+      <p:sp>
+        <p:nvSpPr>
+          <p:cNvPr id="2" name="Title 1"/>
+          <p:cNvSpPr>
+            <a:spLocks noGrp="1"/>
+          </p:cNvSpPr>
+          <p:nvPr>
+            <p:ph type="title"/>
+          </p:nvPr>
+        </p:nvSpPr>
+        <p:spPr/>
+        <p:txBody>
+          <a:bodyPr/>
+          <a:lstStyle/>
+          <a:p>
+            <a:r>
+              <a:rPr lang="en-US" dirty="0" smtClean="0"/>
+              <a:t>Quick RTP</a:t>
+            </a:r>
+            <a:endParaRPr lang="en-US" dirty="0"/>
+          </a:p>
+        </p:txBody>
+      </p:sp>
+      <p:pic>
+        <p:nvPicPr>
+          <p:cNvPr id="4" name="Content Placeholder 3" descr="Screen Shot 2014-05-13 at 4.10.41 PM.png"/>
+          <p:cNvPicPr>
+            <a:picLocks noGrp="1" noChangeAspect="1"/>
+          </p:cNvPicPr>
+          <p:nvPr>
+            <p:ph sz="quarter" idx="13"/>
+          </p:nvPr>
+        </p:nvPicPr>
+        <p:blipFill>
+          <a:blip r:embed="rId2">
+            <a:extLst>
+              <a:ext uri="{28A0092B-C50C-407E-A947-70E740481C1C}">
+                <a14:useLocalDpi xmlns:a14="http://schemas.microsoft.com/office/drawing/2010/main" val="0"/>
+              </a:ext>
+            </a:extLst>
+          </a:blip>
+          <a:srcRect l="-64118" r="-64118"/>
+          <a:stretch>
+            <a:fillRect/>
+          </a:stretch>
+        </p:blipFill>
+        <p:spPr/>
+      </p:pic>
+    </p:spTree>
+    <p:extLst>
+      <p:ext uri="{BB962C8B-B14F-4D97-AF65-F5344CB8AC3E}">
+        <p14:creationId xmlns:p14="http://schemas.microsoft.com/office/powerpoint/2010/main" val="2598528484"/>
+      </p:ext>
+    </p:extLst>
+  </p:cSld>
+  <p:clrMapOvr>
+    <a:masterClrMapping/>
+  </p:clrMapOvr>
+</p:sld>
+</file>
+
+<file path=ppt/slides/slide24.xml><?xml version="1.0" encoding="utf-8"?>
+<p:sld xmlns:a="http://schemas.openxmlformats.org/drawingml/2006/main" xmlns:r="http://schemas.openxmlformats.org/officeDocument/2006/relationships" xmlns:p="http://schemas.openxmlformats.org/presentationml/2006/main">
+  <p:cSld>
+    <p:spTree>
+      <p:nvGrpSpPr>
+        <p:cNvPr id="1" name=""/>
+        <p:cNvGrpSpPr/>
+        <p:nvPr/>
+      </p:nvGrpSpPr>
+      <p:grpSpPr>
+        <a:xfrm>
+          <a:off x="0" y="0"/>
+          <a:ext cx="0" cy="0"/>
+          <a:chOff x="0" y="0"/>
+          <a:chExt cx="0" cy="0"/>
+        </a:xfrm>
+      </p:grpSpPr>
+      <p:sp>
+        <p:nvSpPr>
+          <p:cNvPr id="2" name="Title 1"/>
+          <p:cNvSpPr>
+            <a:spLocks noGrp="1"/>
+          </p:cNvSpPr>
+          <p:nvPr>
+            <p:ph type="title"/>
+          </p:nvPr>
+        </p:nvSpPr>
+        <p:spPr/>
+        <p:txBody>
+          <a:bodyPr/>
+          <a:lstStyle/>
+          <a:p>
+            <a:r>
+              <a:rPr lang="en-US" dirty="0" smtClean="0"/>
+              <a:t>Symbols Distribution over Time</a:t>
+            </a:r>
+            <a:endParaRPr lang="en-US" dirty="0"/>
+          </a:p>
+        </p:txBody>
+      </p:sp>
+      <p:pic>
+        <p:nvPicPr>
+          <p:cNvPr id="4" name="Content Placeholder 3" descr="Screen Shot 2014-05-13 at 4.12.23 PM.png"/>
+          <p:cNvPicPr>
+            <a:picLocks noGrp="1" noChangeAspect="1"/>
+          </p:cNvPicPr>
+          <p:nvPr>
+            <p:ph sz="quarter" idx="13"/>
+          </p:nvPr>
+        </p:nvPicPr>
+        <p:blipFill>
+          <a:blip r:embed="rId2">
+            <a:extLst>
+              <a:ext uri="{28A0092B-C50C-407E-A947-70E740481C1C}">
+                <a14:useLocalDpi xmlns:a14="http://schemas.microsoft.com/office/drawing/2010/main" val="0"/>
+              </a:ext>
+            </a:extLst>
+          </a:blip>
+          <a:srcRect t="-6285" b="-6285"/>
+          <a:stretch>
+            <a:fillRect/>
+          </a:stretch>
+        </p:blipFill>
+        <p:spPr/>
+      </p:pic>
+    </p:spTree>
+    <p:extLst>
+      <p:ext uri="{BB962C8B-B14F-4D97-AF65-F5344CB8AC3E}">
+        <p14:creationId xmlns:p14="http://schemas.microsoft.com/office/powerpoint/2010/main" val="2202675871"/>
+      </p:ext>
+    </p:extLst>
+  </p:cSld>
+  <p:clrMapOvr>
+    <a:masterClrMapping/>
+  </p:clrMapOvr>
+</p:sld>
+</file>
+
+<file path=ppt/slides/slide25.xml><?xml version="1.0" encoding="utf-8"?>
+<p:sld xmlns:a="http://schemas.openxmlformats.org/drawingml/2006/main" xmlns:r="http://schemas.openxmlformats.org/officeDocument/2006/relationships" xmlns:p="http://schemas.openxmlformats.org/presentationml/2006/main">
+  <p:cSld>
+    <p:spTree>
+      <p:nvGrpSpPr>
+        <p:cNvPr id="1" name=""/>
+        <p:cNvGrpSpPr/>
+        <p:nvPr/>
+      </p:nvGrpSpPr>
+      <p:grpSpPr>
+        <a:xfrm>
+          <a:off x="0" y="0"/>
+          <a:ext cx="0" cy="0"/>
+          <a:chOff x="0" y="0"/>
+          <a:chExt cx="0" cy="0"/>
+        </a:xfrm>
+      </p:grpSpPr>
+      <p:sp>
+        <p:nvSpPr>
+          <p:cNvPr id="2" name="Title 1"/>
+          <p:cNvSpPr>
+            <a:spLocks noGrp="1"/>
+          </p:cNvSpPr>
+          <p:nvPr>
+            <p:ph type="title"/>
+          </p:nvPr>
+        </p:nvSpPr>
+        <p:spPr/>
+        <p:txBody>
+          <a:bodyPr/>
+          <a:lstStyle/>
+          <a:p>
+            <a:r>
+              <a:rPr lang="en-US" dirty="0" smtClean="0"/>
+              <a:t>Sense. Chrome Plugin for </a:t>
+            </a:r>
+            <a:r>
+              <a:rPr lang="en-US" dirty="0" err="1" smtClean="0"/>
+              <a:t>json</a:t>
+            </a:r>
+            <a:r>
+              <a:rPr lang="en-US" dirty="0" smtClean="0"/>
+              <a:t>.</a:t>
+            </a:r>
+            <a:endParaRPr lang="en-US" dirty="0"/>
+          </a:p>
+        </p:txBody>
+      </p:sp>
+      <p:pic>
+        <p:nvPicPr>
+          <p:cNvPr id="4" name="Content Placeholder 3" descr="Screen Shot 2014-05-13 at 10.38.54 AM.png"/>
+          <p:cNvPicPr>
+            <a:picLocks noGrp="1" noChangeAspect="1"/>
+          </p:cNvPicPr>
+          <p:nvPr>
+            <p:ph sz="quarter" idx="13"/>
+          </p:nvPr>
+        </p:nvPicPr>
+        <p:blipFill>
+          <a:blip r:embed="rId2">
+            <a:extLst>
+              <a:ext uri="{28A0092B-C50C-407E-A947-70E740481C1C}">
+                <a14:useLocalDpi xmlns:a14="http://schemas.microsoft.com/office/drawing/2010/main" val="0"/>
+              </a:ext>
+            </a:extLst>
+          </a:blip>
+          <a:srcRect l="-41770" r="-41770"/>
+          <a:stretch>
+            <a:fillRect/>
+          </a:stretch>
+        </p:blipFill>
+        <p:spPr/>
+      </p:pic>
+    </p:spTree>
+    <p:extLst>
+      <p:ext uri="{BB962C8B-B14F-4D97-AF65-F5344CB8AC3E}">
+        <p14:creationId xmlns:p14="http://schemas.microsoft.com/office/powerpoint/2010/main" val="2825510861"/>
+      </p:ext>
+    </p:extLst>
+  </p:cSld>
+  <p:clrMapOvr>
+    <a:masterClrMapping/>
+  </p:clrMapOvr>
+</p:sld>
+</file>
+
+<file path=ppt/slides/slide26.xml><?xml version="1.0" encoding="utf-8"?>
+<p:sld xmlns:a="http://schemas.openxmlformats.org/drawingml/2006/main" xmlns:r="http://schemas.openxmlformats.org/officeDocument/2006/relationships" xmlns:p="http://schemas.openxmlformats.org/presentationml/2006/main">
+  <p:cSld>
+    <p:spTree>
+      <p:nvGrpSpPr>
+        <p:cNvPr id="1" name=""/>
+        <p:cNvGrpSpPr/>
+        <p:nvPr/>
+      </p:nvGrpSpPr>
+      <p:grpSpPr>
+        <a:xfrm>
+          <a:off x="0" y="0"/>
+          <a:ext cx="0" cy="0"/>
+          <a:chOff x="0" y="0"/>
+          <a:chExt cx="0" cy="0"/>
+        </a:xfrm>
+      </p:grpSpPr>
+      <p:sp>
+        <p:nvSpPr>
+          <p:cNvPr id="2" name="Title 1"/>
+          <p:cNvSpPr>
+            <a:spLocks noGrp="1"/>
+          </p:cNvSpPr>
+          <p:nvPr>
+            <p:ph type="title"/>
+          </p:nvPr>
+        </p:nvSpPr>
+        <p:spPr/>
+        <p:txBody>
+          <a:bodyPr/>
+          <a:lstStyle/>
+          <a:p>
+            <a:r>
+              <a:rPr lang="en-US" dirty="0" err="1" smtClean="0"/>
+              <a:t>Elasticsearch</a:t>
+            </a:r>
+            <a:r>
+              <a:rPr lang="en-US" dirty="0" smtClean="0"/>
+              <a:t> alternatives?</a:t>
+            </a:r>
+            <a:endParaRPr lang="en-US" dirty="0"/>
+          </a:p>
+        </p:txBody>
+      </p:sp>
+      <p:sp>
+        <p:nvSpPr>
+          <p:cNvPr id="3" name="Content Placeholder 2"/>
+          <p:cNvSpPr>
+            <a:spLocks noGrp="1"/>
+          </p:cNvSpPr>
+          <p:nvPr>
+            <p:ph sz="quarter" idx="13"/>
+          </p:nvPr>
+        </p:nvSpPr>
+        <p:spPr/>
+        <p:txBody>
+          <a:bodyPr/>
+          <a:lstStyle/>
+          <a:p>
+            <a:r>
+              <a:rPr lang="en-US" dirty="0" err="1" smtClean="0"/>
+              <a:t>Solr</a:t>
+            </a:r>
+            <a:endParaRPr lang="en-US" dirty="0" smtClean="0"/>
+          </a:p>
+          <a:p>
+            <a:r>
+              <a:rPr lang="en-US" dirty="0" smtClean="0"/>
+              <a:t>Custom </a:t>
+            </a:r>
+            <a:r>
+              <a:rPr lang="en-US" dirty="0" err="1" smtClean="0"/>
+              <a:t>Lucene</a:t>
+            </a:r>
+            <a:endParaRPr lang="en-US" dirty="0" smtClean="0"/>
+          </a:p>
+          <a:p>
+            <a:endParaRPr lang="en-US" dirty="0" smtClean="0"/>
+          </a:p>
+          <a:p>
+            <a:pPr marL="0" indent="0">
+              <a:buNone/>
+            </a:pPr>
+            <a:endParaRPr lang="en-US" dirty="0"/>
+          </a:p>
+        </p:txBody>
+      </p:sp>
+    </p:spTree>
+    <p:extLst>
+      <p:ext uri="{BB962C8B-B14F-4D97-AF65-F5344CB8AC3E}">
+        <p14:creationId xmlns:p14="http://schemas.microsoft.com/office/powerpoint/2010/main" val="3165192188"/>
+      </p:ext>
+    </p:extLst>
+  </p:cSld>
+  <p:clrMapOvr>
+    <a:masterClrMapping/>
+  </p:clrMapOvr>
+</p:sld>
+</file>
+
+<file path=ppt/slides/slide27.xml><?xml version="1.0" encoding="utf-8"?>
+<p:sld xmlns:a="http://schemas.openxmlformats.org/drawingml/2006/main" xmlns:r="http://schemas.openxmlformats.org/officeDocument/2006/relationships" xmlns:p="http://schemas.openxmlformats.org/presentationml/2006/main">
+  <p:cSld>
+    <p:spTree>
+      <p:nvGrpSpPr>
+        <p:cNvPr id="1" name=""/>
+        <p:cNvGrpSpPr/>
+        <p:nvPr/>
+      </p:nvGrpSpPr>
+      <p:grpSpPr>
+        <a:xfrm>
+          <a:off x="0" y="0"/>
+          <a:ext cx="0" cy="0"/>
+          <a:chOff x="0" y="0"/>
+          <a:chExt cx="0" cy="0"/>
+        </a:xfrm>
+      </p:grpSpPr>
+      <p:sp>
+        <p:nvSpPr>
+          <p:cNvPr id="2" name="Title 1"/>
+          <p:cNvSpPr>
+            <a:spLocks noGrp="1"/>
+          </p:cNvSpPr>
+          <p:nvPr>
+            <p:ph type="title"/>
+          </p:nvPr>
+        </p:nvSpPr>
+        <p:spPr/>
+        <p:txBody>
+          <a:bodyPr/>
+          <a:lstStyle/>
+          <a:p>
+            <a:r>
               <a:rPr lang="en-US" dirty="0" err="1" smtClean="0"/>
               <a:t>BigDesk</a:t>
             </a:r>
@@ -4308,7 +5394,21 @@
           <a:bodyPr/>
           <a:lstStyle/>
           <a:p>
-            <a:endParaRPr lang="en-US"/>
+            <a:r>
+              <a:rPr lang="en-US" dirty="0" err="1" smtClean="0"/>
+              <a:t>Elasticsearch</a:t>
+            </a:r>
+            <a:r>
+              <a:rPr lang="en-US" dirty="0" smtClean="0"/>
+              <a:t> Plugin</a:t>
+            </a:r>
+          </a:p>
+          <a:p>
+            <a:r>
+              <a:rPr lang="en-US" smtClean="0"/>
+              <a:t>Monitors systems</a:t>
+            </a:r>
+            <a:endParaRPr lang="en-US" dirty="0"/>
           </a:p>
         </p:txBody>
       </p:sp>
@@ -4325,7 +5425,7 @@
 </p:sld>
 </file>
 
-<file path=ppt/slides/slide19.xml><?xml version="1.0" encoding="utf-8"?>
+<file path=ppt/slides/slide28.xml><?xml version="1.0" encoding="utf-8"?>
 <p:sld xmlns:a="http://schemas.openxmlformats.org/drawingml/2006/main" xmlns:r="http://schemas.openxmlformats.org/officeDocument/2006/relationships" xmlns:p="http://schemas.openxmlformats.org/presentationml/2006/main">
   <p:cSld>
     <p:spTree>
@@ -4431,1002 +5531,6 @@
 </p:sld>
 </file>
 
-<file path=ppt/slides/slide2.xml><?xml version="1.0" encoding="utf-8"?>
-<p:sld xmlns:a="http://schemas.openxmlformats.org/drawingml/2006/main" xmlns:r="http://schemas.openxmlformats.org/officeDocument/2006/relationships" xmlns:p="http://schemas.openxmlformats.org/presentationml/2006/main">
-  <p:cSld>
-    <p:spTree>
-      <p:nvGrpSpPr>
-        <p:cNvPr id="1" name=""/>
-        <p:cNvGrpSpPr/>
-        <p:nvPr/>
-      </p:nvGrpSpPr>
-      <p:grpSpPr>
-        <a:xfrm>
-          <a:off x="0" y="0"/>
-          <a:ext cx="0" cy="0"/>
-          <a:chOff x="0" y="0"/>
-          <a:chExt cx="0" cy="0"/>
-        </a:xfrm>
-      </p:grpSpPr>
-      <p:sp>
-        <p:nvSpPr>
-          <p:cNvPr id="2" name="Title 1"/>
-          <p:cNvSpPr>
-            <a:spLocks noGrp="1"/>
-          </p:cNvSpPr>
-          <p:nvPr>
-            <p:ph type="title"/>
-          </p:nvPr>
-        </p:nvSpPr>
-        <p:spPr/>
-        <p:txBody>
-          <a:bodyPr/>
-          <a:lstStyle/>
-          <a:p>
-            <a:r>
-              <a:rPr lang="en-US" dirty="0" smtClean="0"/>
-              <a:t>Buzz </a:t>
-            </a:r>
-            <a:r>
-              <a:rPr lang="en-US" dirty="0" err="1" smtClean="0"/>
-              <a:t>WordS</a:t>
-            </a:r>
-            <a:r>
-              <a:rPr lang="en-US" dirty="0" smtClean="0"/>
-              <a:t>.</a:t>
-            </a:r>
-            <a:endParaRPr lang="en-US" dirty="0"/>
-          </a:p>
-        </p:txBody>
-      </p:sp>
-      <p:sp>
-        <p:nvSpPr>
-          <p:cNvPr id="3" name="Content Placeholder 2"/>
-          <p:cNvSpPr>
-            <a:spLocks noGrp="1"/>
-          </p:cNvSpPr>
-          <p:nvPr>
-            <p:ph sz="quarter" idx="13"/>
-          </p:nvPr>
-        </p:nvSpPr>
-        <p:spPr/>
-        <p:txBody>
-          <a:bodyPr/>
-          <a:lstStyle/>
-          <a:p>
-            <a:r>
-              <a:rPr lang="en-US" dirty="0" smtClean="0"/>
-              <a:t>Open Source</a:t>
-            </a:r>
-          </a:p>
-          <a:p>
-            <a:r>
-              <a:rPr lang="en-US" dirty="0" smtClean="0"/>
-              <a:t>JSON</a:t>
-            </a:r>
-          </a:p>
-          <a:p>
-            <a:r>
-              <a:rPr lang="en-US" dirty="0" smtClean="0"/>
-              <a:t>Rest</a:t>
-            </a:r>
-          </a:p>
-          <a:p>
-            <a:r>
-              <a:rPr lang="en-US" dirty="0" smtClean="0"/>
-              <a:t>Http</a:t>
-            </a:r>
-          </a:p>
-          <a:p>
-            <a:r>
-              <a:rPr lang="en-US" dirty="0" err="1" smtClean="0"/>
-              <a:t>Lucene</a:t>
-            </a:r>
-            <a:endParaRPr lang="en-US" dirty="0" smtClean="0"/>
-          </a:p>
-          <a:p>
-            <a:r>
-              <a:rPr lang="en-US" dirty="0" smtClean="0"/>
-              <a:t>Distributed Data Store</a:t>
-            </a:r>
-          </a:p>
-          <a:p>
-            <a:r>
-              <a:rPr lang="en-US" dirty="0" smtClean="0"/>
-              <a:t>Very good for Searching and Analyzing Data</a:t>
-            </a:r>
-            <a:endParaRPr lang="en-US" dirty="0"/>
-          </a:p>
-        </p:txBody>
-      </p:sp>
-    </p:spTree>
-    <p:extLst>
-      <p:ext uri="{BB962C8B-B14F-4D97-AF65-F5344CB8AC3E}">
-        <p14:creationId xmlns:p14="http://schemas.microsoft.com/office/powerpoint/2010/main" val="3199174025"/>
-      </p:ext>
-    </p:extLst>
-  </p:cSld>
-  <p:clrMapOvr>
-    <a:masterClrMapping/>
-  </p:clrMapOvr>
-</p:sld>
-</file>
-
-<file path=ppt/slides/slide20.xml><?xml version="1.0" encoding="utf-8"?>
-<p:sld xmlns:a="http://schemas.openxmlformats.org/drawingml/2006/main" xmlns:r="http://schemas.openxmlformats.org/officeDocument/2006/relationships" xmlns:p="http://schemas.openxmlformats.org/presentationml/2006/main">
-  <p:cSld>
-    <p:spTree>
-      <p:nvGrpSpPr>
-        <p:cNvPr id="1" name=""/>
-        <p:cNvGrpSpPr/>
-        <p:nvPr/>
-      </p:nvGrpSpPr>
-      <p:grpSpPr>
-        <a:xfrm>
-          <a:off x="0" y="0"/>
-          <a:ext cx="0" cy="0"/>
-          <a:chOff x="0" y="0"/>
-          <a:chExt cx="0" cy="0"/>
-        </a:xfrm>
-      </p:grpSpPr>
-      <p:sp>
-        <p:nvSpPr>
-          <p:cNvPr id="2" name="Title 1"/>
-          <p:cNvSpPr>
-            <a:spLocks noGrp="1"/>
-          </p:cNvSpPr>
-          <p:nvPr>
-            <p:ph type="title"/>
-          </p:nvPr>
-        </p:nvSpPr>
-        <p:spPr/>
-        <p:txBody>
-          <a:bodyPr/>
-          <a:lstStyle/>
-          <a:p>
-            <a:r>
-              <a:rPr lang="en-US" dirty="0" smtClean="0"/>
-              <a:t>JDBC River Plugin. How and WHY?</a:t>
-            </a:r>
-            <a:endParaRPr lang="en-US" dirty="0"/>
-          </a:p>
-        </p:txBody>
-      </p:sp>
-      <p:pic>
-        <p:nvPicPr>
-          <p:cNvPr id="4" name="Content Placeholder 3" descr="Screen Shot 2014-05-12 at 11.09.32 AM.png"/>
-          <p:cNvPicPr>
-            <a:picLocks noGrp="1" noChangeAspect="1"/>
-          </p:cNvPicPr>
-          <p:nvPr>
-            <p:ph sz="quarter" idx="13"/>
-          </p:nvPr>
-        </p:nvPicPr>
-        <p:blipFill>
-          <a:blip r:embed="rId2">
-            <a:extLst>
-              <a:ext uri="{28A0092B-C50C-407E-A947-70E740481C1C}">
-                <a14:useLocalDpi xmlns:a14="http://schemas.microsoft.com/office/drawing/2010/main" val="0"/>
-              </a:ext>
-            </a:extLst>
-          </a:blip>
-          <a:srcRect l="-25235" r="-25235"/>
-          <a:stretch>
-            <a:fillRect/>
-          </a:stretch>
-        </p:blipFill>
-        <p:spPr/>
-      </p:pic>
-    </p:spTree>
-    <p:extLst>
-      <p:ext uri="{BB962C8B-B14F-4D97-AF65-F5344CB8AC3E}">
-        <p14:creationId xmlns:p14="http://schemas.microsoft.com/office/powerpoint/2010/main" val="1682887055"/>
-      </p:ext>
-    </p:extLst>
-  </p:cSld>
-  <p:clrMapOvr>
-    <a:masterClrMapping/>
-  </p:clrMapOvr>
-</p:sld>
-</file>
-
-<file path=ppt/slides/slide21.xml><?xml version="1.0" encoding="utf-8"?>
-<p:sld xmlns:a="http://schemas.openxmlformats.org/drawingml/2006/main" xmlns:r="http://schemas.openxmlformats.org/officeDocument/2006/relationships" xmlns:p="http://schemas.openxmlformats.org/presentationml/2006/main">
-  <p:cSld>
-    <p:spTree>
-      <p:nvGrpSpPr>
-        <p:cNvPr id="1" name=""/>
-        <p:cNvGrpSpPr/>
-        <p:nvPr/>
-      </p:nvGrpSpPr>
-      <p:grpSpPr>
-        <a:xfrm>
-          <a:off x="0" y="0"/>
-          <a:ext cx="0" cy="0"/>
-          <a:chOff x="0" y="0"/>
-          <a:chExt cx="0" cy="0"/>
-        </a:xfrm>
-      </p:grpSpPr>
-      <p:sp>
-        <p:nvSpPr>
-          <p:cNvPr id="2" name="Title 1"/>
-          <p:cNvSpPr>
-            <a:spLocks noGrp="1"/>
-          </p:cNvSpPr>
-          <p:nvPr>
-            <p:ph type="title"/>
-          </p:nvPr>
-        </p:nvSpPr>
-        <p:spPr/>
-        <p:txBody>
-          <a:bodyPr/>
-          <a:lstStyle/>
-          <a:p>
-            <a:r>
-              <a:rPr lang="en-US" dirty="0" smtClean="0"/>
-              <a:t>JDBC River plugin. Architecture.</a:t>
-            </a:r>
-            <a:endParaRPr lang="en-US" dirty="0"/>
-          </a:p>
-        </p:txBody>
-      </p:sp>
-      <p:pic>
-        <p:nvPicPr>
-          <p:cNvPr id="4" name="Content Placeholder 3" descr="Screen Shot 2014-05-12 at 11.10.18 AM.png"/>
-          <p:cNvPicPr>
-            <a:picLocks noGrp="1" noChangeAspect="1"/>
-          </p:cNvPicPr>
-          <p:nvPr>
-            <p:ph sz="quarter" idx="13"/>
-          </p:nvPr>
-        </p:nvPicPr>
-        <p:blipFill>
-          <a:blip r:embed="rId2">
-            <a:extLst>
-              <a:ext uri="{28A0092B-C50C-407E-A947-70E740481C1C}">
-                <a14:useLocalDpi xmlns:a14="http://schemas.microsoft.com/office/drawing/2010/main" val="0"/>
-              </a:ext>
-            </a:extLst>
-          </a:blip>
-          <a:srcRect l="-15691" r="-15691"/>
-          <a:stretch>
-            <a:fillRect/>
-          </a:stretch>
-        </p:blipFill>
-        <p:spPr/>
-      </p:pic>
-    </p:spTree>
-    <p:extLst>
-      <p:ext uri="{BB962C8B-B14F-4D97-AF65-F5344CB8AC3E}">
-        <p14:creationId xmlns:p14="http://schemas.microsoft.com/office/powerpoint/2010/main" val="2358261309"/>
-      </p:ext>
-    </p:extLst>
-  </p:cSld>
-  <p:clrMapOvr>
-    <a:masterClrMapping/>
-  </p:clrMapOvr>
-</p:sld>
-</file>
-
-<file path=ppt/slides/slide22.xml><?xml version="1.0" encoding="utf-8"?>
-<p:sld xmlns:a="http://schemas.openxmlformats.org/drawingml/2006/main" xmlns:r="http://schemas.openxmlformats.org/officeDocument/2006/relationships" xmlns:p="http://schemas.openxmlformats.org/presentationml/2006/main">
-  <p:cSld>
-    <p:spTree>
-      <p:nvGrpSpPr>
-        <p:cNvPr id="1" name=""/>
-        <p:cNvGrpSpPr/>
-        <p:nvPr/>
-      </p:nvGrpSpPr>
-      <p:grpSpPr>
-        <a:xfrm>
-          <a:off x="0" y="0"/>
-          <a:ext cx="0" cy="0"/>
-          <a:chOff x="0" y="0"/>
-          <a:chExt cx="0" cy="0"/>
-        </a:xfrm>
-      </p:grpSpPr>
-      <p:sp>
-        <p:nvSpPr>
-          <p:cNvPr id="2" name="Title 1"/>
-          <p:cNvSpPr>
-            <a:spLocks noGrp="1"/>
-          </p:cNvSpPr>
-          <p:nvPr>
-            <p:ph type="title"/>
-          </p:nvPr>
-        </p:nvSpPr>
-        <p:spPr/>
-        <p:txBody>
-          <a:bodyPr/>
-          <a:lstStyle/>
-          <a:p>
-            <a:r>
-              <a:rPr lang="en-US" dirty="0" smtClean="0"/>
-              <a:t>Developer perspectives.</a:t>
-            </a:r>
-            <a:endParaRPr lang="en-US" dirty="0"/>
-          </a:p>
-        </p:txBody>
-      </p:sp>
-      <p:sp>
-        <p:nvSpPr>
-          <p:cNvPr id="3" name="Content Placeholder 2"/>
-          <p:cNvSpPr>
-            <a:spLocks noGrp="1"/>
-          </p:cNvSpPr>
-          <p:nvPr>
-            <p:ph sz="quarter" idx="13"/>
-          </p:nvPr>
-        </p:nvSpPr>
-        <p:spPr/>
-        <p:txBody>
-          <a:bodyPr>
-            <a:normAutofit fontScale="70000" lnSpcReduction="20000"/>
-          </a:bodyPr>
-          <a:lstStyle/>
-          <a:p>
-            <a:r>
-              <a:rPr lang="en-US" dirty="0" smtClean="0"/>
-              <a:t>Install </a:t>
-            </a:r>
-            <a:r>
-              <a:rPr lang="en-US" dirty="0" err="1" smtClean="0"/>
-              <a:t>jdbc</a:t>
-            </a:r>
-            <a:r>
-              <a:rPr lang="en-US" dirty="0" smtClean="0"/>
-              <a:t>-plugin </a:t>
-            </a:r>
-          </a:p>
-          <a:p>
-            <a:r>
-              <a:rPr lang="en-US" dirty="0" smtClean="0"/>
-              <a:t>Put your JDBC driver jar in your plugin folder</a:t>
-            </a:r>
-          </a:p>
-          <a:p>
-            <a:r>
-              <a:rPr lang="en-US" dirty="0" smtClean="0"/>
-              <a:t>Index with specific shell script</a:t>
-            </a:r>
-          </a:p>
-          <a:p>
-            <a:endParaRPr lang="en-US" dirty="0" smtClean="0"/>
-          </a:p>
-          <a:p>
-            <a:pPr marL="0" indent="0">
-              <a:buNone/>
-            </a:pPr>
-            <a:endParaRPr lang="en-US" dirty="0" smtClean="0"/>
-          </a:p>
-          <a:p>
-            <a:pPr marL="0" indent="0">
-              <a:buNone/>
-            </a:pPr>
-            <a:endParaRPr lang="en-US" dirty="0"/>
-          </a:p>
-          <a:p>
-            <a:pPr marL="0" indent="0">
-              <a:buNone/>
-            </a:pPr>
-            <a:endParaRPr lang="en-US" dirty="0" smtClean="0"/>
-          </a:p>
-          <a:p>
-            <a:pPr marL="0" indent="0">
-              <a:buNone/>
-            </a:pPr>
-            <a:endParaRPr lang="en-US" dirty="0"/>
-          </a:p>
-          <a:p>
-            <a:pPr marL="0" indent="0">
-              <a:buNone/>
-            </a:pPr>
-            <a:endParaRPr lang="en-US" dirty="0" smtClean="0"/>
-          </a:p>
-          <a:p>
-            <a:pPr marL="0" indent="0">
-              <a:buNone/>
-            </a:pPr>
-            <a:endParaRPr lang="en-US" dirty="0"/>
-          </a:p>
-          <a:p>
-            <a:pPr marL="0" indent="0">
-              <a:buNone/>
-            </a:pPr>
-            <a:endParaRPr lang="en-US" dirty="0" smtClean="0"/>
-          </a:p>
-          <a:p>
-            <a:pPr marL="0" indent="0">
-              <a:buNone/>
-            </a:pPr>
-            <a:endParaRPr lang="en-US" dirty="0"/>
-          </a:p>
-          <a:p>
-            <a:pPr marL="0" indent="0">
-              <a:buNone/>
-            </a:pPr>
-            <a:r>
-              <a:rPr lang="en-US" dirty="0" smtClean="0"/>
-              <a:t>$ </a:t>
-            </a:r>
-          </a:p>
-          <a:p>
-            <a:pPr marL="0" indent="0">
-              <a:buNone/>
-            </a:pPr>
-            <a:endParaRPr lang="en-US" dirty="0"/>
-          </a:p>
-          <a:p>
-            <a:pPr marL="0" indent="0">
-              <a:buNone/>
-            </a:pPr>
-            <a:r>
-              <a:rPr lang="en-US" dirty="0"/>
-              <a:t>curl -XPUT </a:t>
-            </a:r>
-            <a:r>
-              <a:rPr lang="en-US" dirty="0" smtClean="0"/>
-              <a:t>’localhost:</a:t>
-            </a:r>
-            <a:r>
-              <a:rPr lang="en-US" dirty="0"/>
-              <a:t>9200/_river/</a:t>
-            </a:r>
-            <a:r>
-              <a:rPr lang="en-US" dirty="0" err="1"/>
-              <a:t>my_jdbc_river</a:t>
-            </a:r>
-            <a:r>
-              <a:rPr lang="en-US" dirty="0"/>
-              <a:t>/_meta' </a:t>
-            </a:r>
-            <a:r>
-              <a:rPr lang="en-US" dirty="0" smtClean="0"/>
-              <a:t>–d @</a:t>
-            </a:r>
-            <a:r>
-              <a:rPr lang="en-US" dirty="0" err="1" smtClean="0"/>
-              <a:t>sample.json</a:t>
-            </a:r>
-            <a:endParaRPr lang="en-US" dirty="0" smtClean="0"/>
-          </a:p>
-          <a:p>
-            <a:pPr marL="0" indent="0">
-              <a:buNone/>
-            </a:pPr>
-            <a:endParaRPr lang="en-US" dirty="0"/>
-          </a:p>
-          <a:p>
-            <a:pPr marL="0" indent="0">
-              <a:buNone/>
-            </a:pPr>
-            <a:endParaRPr lang="en-US" dirty="0"/>
-          </a:p>
-        </p:txBody>
-      </p:sp>
-      <p:pic>
-        <p:nvPicPr>
-          <p:cNvPr id="4" name="Picture 3" descr="Screen Shot 2014-05-12 at 11.22.39 AM.png"/>
-          <p:cNvPicPr>
-            <a:picLocks noChangeAspect="1"/>
-          </p:cNvPicPr>
-          <p:nvPr/>
-        </p:nvPicPr>
-        <p:blipFill>
-          <a:blip r:embed="rId2">
-            <a:extLst>
-              <a:ext uri="{28A0092B-C50C-407E-A947-70E740481C1C}">
-                <a14:useLocalDpi xmlns:a14="http://schemas.microsoft.com/office/drawing/2010/main" val="0"/>
-              </a:ext>
-            </a:extLst>
-          </a:blip>
-          <a:stretch>
-            <a:fillRect/>
-          </a:stretch>
-        </p:blipFill>
-        <p:spPr>
-          <a:xfrm>
-            <a:off x="609600" y="2342507"/>
-            <a:ext cx="8572500" cy="2860326"/>
-          </a:xfrm>
-          <a:prstGeom prst="rect">
-            <a:avLst/>
-          </a:prstGeom>
-        </p:spPr>
-      </p:pic>
-    </p:spTree>
-    <p:extLst>
-      <p:ext uri="{BB962C8B-B14F-4D97-AF65-F5344CB8AC3E}">
-        <p14:creationId xmlns:p14="http://schemas.microsoft.com/office/powerpoint/2010/main" val="674806805"/>
-      </p:ext>
-    </p:extLst>
-  </p:cSld>
-  <p:clrMapOvr>
-    <a:masterClrMapping/>
-  </p:clrMapOvr>
-</p:sld>
-</file>
-
-<file path=ppt/slides/slide23.xml><?xml version="1.0" encoding="utf-8"?>
-<p:sld xmlns:a="http://schemas.openxmlformats.org/drawingml/2006/main" xmlns:r="http://schemas.openxmlformats.org/officeDocument/2006/relationships" xmlns:p="http://schemas.openxmlformats.org/presentationml/2006/main">
-  <p:cSld>
-    <p:spTree>
-      <p:nvGrpSpPr>
-        <p:cNvPr id="1" name=""/>
-        <p:cNvGrpSpPr/>
-        <p:nvPr/>
-      </p:nvGrpSpPr>
-      <p:grpSpPr>
-        <a:xfrm>
-          <a:off x="0" y="0"/>
-          <a:ext cx="0" cy="0"/>
-          <a:chOff x="0" y="0"/>
-          <a:chExt cx="0" cy="0"/>
-        </a:xfrm>
-      </p:grpSpPr>
-      <p:sp>
-        <p:nvSpPr>
-          <p:cNvPr id="2" name="Title 1"/>
-          <p:cNvSpPr>
-            <a:spLocks noGrp="1"/>
-          </p:cNvSpPr>
-          <p:nvPr>
-            <p:ph type="title"/>
-          </p:nvPr>
-        </p:nvSpPr>
-        <p:spPr/>
-        <p:txBody>
-          <a:bodyPr/>
-          <a:lstStyle/>
-          <a:p>
-            <a:r>
-              <a:rPr lang="en-US" dirty="0" err="1" smtClean="0"/>
-              <a:t>Kibana</a:t>
-            </a:r>
-            <a:r>
-              <a:rPr lang="en-US" dirty="0" smtClean="0"/>
-              <a:t> Data view</a:t>
-            </a:r>
-            <a:endParaRPr lang="en-US" dirty="0"/>
-          </a:p>
-        </p:txBody>
-      </p:sp>
-      <p:pic>
-        <p:nvPicPr>
-          <p:cNvPr id="4" name="Content Placeholder 3" descr="Screen Shot 2014-05-12 at 7.57.58 PM.png"/>
-          <p:cNvPicPr>
-            <a:picLocks noGrp="1" noChangeAspect="1"/>
-          </p:cNvPicPr>
-          <p:nvPr>
-            <p:ph sz="quarter" idx="13"/>
-          </p:nvPr>
-        </p:nvPicPr>
-        <p:blipFill>
-          <a:blip r:embed="rId2">
-            <a:extLst>
-              <a:ext uri="{28A0092B-C50C-407E-A947-70E740481C1C}">
-                <a14:useLocalDpi xmlns:a14="http://schemas.microsoft.com/office/drawing/2010/main" val="0"/>
-              </a:ext>
-            </a:extLst>
-          </a:blip>
-          <a:srcRect l="-10626" r="-10626"/>
-          <a:stretch>
-            <a:fillRect/>
-          </a:stretch>
-        </p:blipFill>
-        <p:spPr/>
-      </p:pic>
-    </p:spTree>
-    <p:extLst>
-      <p:ext uri="{BB962C8B-B14F-4D97-AF65-F5344CB8AC3E}">
-        <p14:creationId xmlns:p14="http://schemas.microsoft.com/office/powerpoint/2010/main" val="1756834039"/>
-      </p:ext>
-    </p:extLst>
-  </p:cSld>
-  <p:clrMapOvr>
-    <a:masterClrMapping/>
-  </p:clrMapOvr>
-</p:sld>
-</file>
-
-<file path=ppt/slides/slide24.xml><?xml version="1.0" encoding="utf-8"?>
-<p:sld xmlns:a="http://schemas.openxmlformats.org/drawingml/2006/main" xmlns:r="http://schemas.openxmlformats.org/officeDocument/2006/relationships" xmlns:p="http://schemas.openxmlformats.org/presentationml/2006/main">
-  <p:cSld>
-    <p:spTree>
-      <p:nvGrpSpPr>
-        <p:cNvPr id="1" name=""/>
-        <p:cNvGrpSpPr/>
-        <p:nvPr/>
-      </p:nvGrpSpPr>
-      <p:grpSpPr>
-        <a:xfrm>
-          <a:off x="0" y="0"/>
-          <a:ext cx="0" cy="0"/>
-          <a:chOff x="0" y="0"/>
-          <a:chExt cx="0" cy="0"/>
-        </a:xfrm>
-      </p:grpSpPr>
-      <p:sp>
-        <p:nvSpPr>
-          <p:cNvPr id="2" name="Title 1"/>
-          <p:cNvSpPr>
-            <a:spLocks noGrp="1"/>
-          </p:cNvSpPr>
-          <p:nvPr>
-            <p:ph type="title"/>
-          </p:nvPr>
-        </p:nvSpPr>
-        <p:spPr/>
-        <p:txBody>
-          <a:bodyPr/>
-          <a:lstStyle/>
-          <a:p>
-            <a:r>
-              <a:rPr lang="en-US" dirty="0" smtClean="0"/>
-              <a:t>Reels View</a:t>
-            </a:r>
-            <a:endParaRPr lang="en-US" dirty="0"/>
-          </a:p>
-        </p:txBody>
-      </p:sp>
-      <p:pic>
-        <p:nvPicPr>
-          <p:cNvPr id="4" name="Content Placeholder 3" descr="Screen Shot 2014-05-12 at 7.58.26 PM.png"/>
-          <p:cNvPicPr>
-            <a:picLocks noGrp="1" noChangeAspect="1"/>
-          </p:cNvPicPr>
-          <p:nvPr>
-            <p:ph sz="quarter" idx="13"/>
-          </p:nvPr>
-        </p:nvPicPr>
-        <p:blipFill>
-          <a:blip r:embed="rId2">
-            <a:extLst>
-              <a:ext uri="{28A0092B-C50C-407E-A947-70E740481C1C}">
-                <a14:useLocalDpi xmlns:a14="http://schemas.microsoft.com/office/drawing/2010/main" val="0"/>
-              </a:ext>
-            </a:extLst>
-          </a:blip>
-          <a:srcRect l="-1685" r="-1685"/>
-          <a:stretch>
-            <a:fillRect/>
-          </a:stretch>
-        </p:blipFill>
-        <p:spPr/>
-      </p:pic>
-    </p:spTree>
-    <p:extLst>
-      <p:ext uri="{BB962C8B-B14F-4D97-AF65-F5344CB8AC3E}">
-        <p14:creationId xmlns:p14="http://schemas.microsoft.com/office/powerpoint/2010/main" val="3016900089"/>
-      </p:ext>
-    </p:extLst>
-  </p:cSld>
-  <p:clrMapOvr>
-    <a:masterClrMapping/>
-  </p:clrMapOvr>
-</p:sld>
-</file>
-
-<file path=ppt/slides/slide25.xml><?xml version="1.0" encoding="utf-8"?>
-<p:sld xmlns:a="http://schemas.openxmlformats.org/drawingml/2006/main" xmlns:r="http://schemas.openxmlformats.org/officeDocument/2006/relationships" xmlns:p="http://schemas.openxmlformats.org/presentationml/2006/main">
-  <p:cSld>
-    <p:spTree>
-      <p:nvGrpSpPr>
-        <p:cNvPr id="1" name=""/>
-        <p:cNvGrpSpPr/>
-        <p:nvPr/>
-      </p:nvGrpSpPr>
-      <p:grpSpPr>
-        <a:xfrm>
-          <a:off x="0" y="0"/>
-          <a:ext cx="0" cy="0"/>
-          <a:chOff x="0" y="0"/>
-          <a:chExt cx="0" cy="0"/>
-        </a:xfrm>
-      </p:grpSpPr>
-      <p:sp>
-        <p:nvSpPr>
-          <p:cNvPr id="2" name="Title 1"/>
-          <p:cNvSpPr>
-            <a:spLocks noGrp="1"/>
-          </p:cNvSpPr>
-          <p:nvPr>
-            <p:ph type="title"/>
-          </p:nvPr>
-        </p:nvSpPr>
-        <p:spPr/>
-        <p:txBody>
-          <a:bodyPr/>
-          <a:lstStyle/>
-          <a:p>
-            <a:r>
-              <a:rPr lang="en-US" dirty="0" smtClean="0"/>
-              <a:t>Quick check on symbols.</a:t>
-            </a:r>
-            <a:endParaRPr lang="en-US" dirty="0"/>
-          </a:p>
-        </p:txBody>
-      </p:sp>
-      <p:pic>
-        <p:nvPicPr>
-          <p:cNvPr id="4" name="Content Placeholder 3" descr="Screen Shot 2014-05-13 at 3.31.46 PM.png"/>
-          <p:cNvPicPr>
-            <a:picLocks noGrp="1" noChangeAspect="1"/>
-          </p:cNvPicPr>
-          <p:nvPr>
-            <p:ph sz="quarter" idx="13"/>
-          </p:nvPr>
-        </p:nvPicPr>
-        <p:blipFill>
-          <a:blip r:embed="rId2">
-            <a:extLst>
-              <a:ext uri="{28A0092B-C50C-407E-A947-70E740481C1C}">
-                <a14:useLocalDpi xmlns:a14="http://schemas.microsoft.com/office/drawing/2010/main" val="0"/>
-              </a:ext>
-            </a:extLst>
-          </a:blip>
-          <a:srcRect t="-1881" b="-1881"/>
-          <a:stretch>
-            <a:fillRect/>
-          </a:stretch>
-        </p:blipFill>
-        <p:spPr/>
-      </p:pic>
-    </p:spTree>
-    <p:extLst>
-      <p:ext uri="{BB962C8B-B14F-4D97-AF65-F5344CB8AC3E}">
-        <p14:creationId xmlns:p14="http://schemas.microsoft.com/office/powerpoint/2010/main" val="3272432676"/>
-      </p:ext>
-    </p:extLst>
-  </p:cSld>
-  <p:clrMapOvr>
-    <a:masterClrMapping/>
-  </p:clrMapOvr>
-</p:sld>
-</file>
-
-<file path=ppt/slides/slide26.xml><?xml version="1.0" encoding="utf-8"?>
-<p:sld xmlns:a="http://schemas.openxmlformats.org/drawingml/2006/main" xmlns:r="http://schemas.openxmlformats.org/officeDocument/2006/relationships" xmlns:p="http://schemas.openxmlformats.org/presentationml/2006/main">
-  <p:cSld>
-    <p:spTree>
-      <p:nvGrpSpPr>
-        <p:cNvPr id="1" name=""/>
-        <p:cNvGrpSpPr/>
-        <p:nvPr/>
-      </p:nvGrpSpPr>
-      <p:grpSpPr>
-        <a:xfrm>
-          <a:off x="0" y="0"/>
-          <a:ext cx="0" cy="0"/>
-          <a:chOff x="0" y="0"/>
-          <a:chExt cx="0" cy="0"/>
-        </a:xfrm>
-      </p:grpSpPr>
-      <p:sp>
-        <p:nvSpPr>
-          <p:cNvPr id="2" name="Title 1"/>
-          <p:cNvSpPr>
-            <a:spLocks noGrp="1"/>
-          </p:cNvSpPr>
-          <p:nvPr>
-            <p:ph type="title"/>
-          </p:nvPr>
-        </p:nvSpPr>
-        <p:spPr/>
-        <p:txBody>
-          <a:bodyPr/>
-          <a:lstStyle/>
-          <a:p>
-            <a:r>
-              <a:rPr lang="en-US" dirty="0" smtClean="0"/>
-              <a:t>Quick RTP</a:t>
-            </a:r>
-            <a:endParaRPr lang="en-US" dirty="0"/>
-          </a:p>
-        </p:txBody>
-      </p:sp>
-      <p:pic>
-        <p:nvPicPr>
-          <p:cNvPr id="4" name="Content Placeholder 3" descr="Screen Shot 2014-05-13 at 4.10.41 PM.png"/>
-          <p:cNvPicPr>
-            <a:picLocks noGrp="1" noChangeAspect="1"/>
-          </p:cNvPicPr>
-          <p:nvPr>
-            <p:ph sz="quarter" idx="13"/>
-          </p:nvPr>
-        </p:nvPicPr>
-        <p:blipFill>
-          <a:blip r:embed="rId2">
-            <a:extLst>
-              <a:ext uri="{28A0092B-C50C-407E-A947-70E740481C1C}">
-                <a14:useLocalDpi xmlns:a14="http://schemas.microsoft.com/office/drawing/2010/main" val="0"/>
-              </a:ext>
-            </a:extLst>
-          </a:blip>
-          <a:srcRect l="-64118" r="-64118"/>
-          <a:stretch>
-            <a:fillRect/>
-          </a:stretch>
-        </p:blipFill>
-        <p:spPr/>
-      </p:pic>
-    </p:spTree>
-    <p:extLst>
-      <p:ext uri="{BB962C8B-B14F-4D97-AF65-F5344CB8AC3E}">
-        <p14:creationId xmlns:p14="http://schemas.microsoft.com/office/powerpoint/2010/main" val="2598528484"/>
-      </p:ext>
-    </p:extLst>
-  </p:cSld>
-  <p:clrMapOvr>
-    <a:masterClrMapping/>
-  </p:clrMapOvr>
-</p:sld>
-</file>
-
-<file path=ppt/slides/slide27.xml><?xml version="1.0" encoding="utf-8"?>
-<p:sld xmlns:a="http://schemas.openxmlformats.org/drawingml/2006/main" xmlns:r="http://schemas.openxmlformats.org/officeDocument/2006/relationships" xmlns:p="http://schemas.openxmlformats.org/presentationml/2006/main">
-  <p:cSld>
-    <p:spTree>
-      <p:nvGrpSpPr>
-        <p:cNvPr id="1" name=""/>
-        <p:cNvGrpSpPr/>
-        <p:nvPr/>
-      </p:nvGrpSpPr>
-      <p:grpSpPr>
-        <a:xfrm>
-          <a:off x="0" y="0"/>
-          <a:ext cx="0" cy="0"/>
-          <a:chOff x="0" y="0"/>
-          <a:chExt cx="0" cy="0"/>
-        </a:xfrm>
-      </p:grpSpPr>
-      <p:sp>
-        <p:nvSpPr>
-          <p:cNvPr id="2" name="Title 1"/>
-          <p:cNvSpPr>
-            <a:spLocks noGrp="1"/>
-          </p:cNvSpPr>
-          <p:nvPr>
-            <p:ph type="title"/>
-          </p:nvPr>
-        </p:nvSpPr>
-        <p:spPr/>
-        <p:txBody>
-          <a:bodyPr/>
-          <a:lstStyle/>
-          <a:p>
-            <a:r>
-              <a:rPr lang="en-US" dirty="0" smtClean="0"/>
-              <a:t>Symbols Distribution over Time</a:t>
-            </a:r>
-            <a:endParaRPr lang="en-US" dirty="0"/>
-          </a:p>
-        </p:txBody>
-      </p:sp>
-      <p:pic>
-        <p:nvPicPr>
-          <p:cNvPr id="4" name="Content Placeholder 3" descr="Screen Shot 2014-05-13 at 4.12.23 PM.png"/>
-          <p:cNvPicPr>
-            <a:picLocks noGrp="1" noChangeAspect="1"/>
-          </p:cNvPicPr>
-          <p:nvPr>
-            <p:ph sz="quarter" idx="13"/>
-          </p:nvPr>
-        </p:nvPicPr>
-        <p:blipFill>
-          <a:blip r:embed="rId2">
-            <a:extLst>
-              <a:ext uri="{28A0092B-C50C-407E-A947-70E740481C1C}">
-                <a14:useLocalDpi xmlns:a14="http://schemas.microsoft.com/office/drawing/2010/main" val="0"/>
-              </a:ext>
-            </a:extLst>
-          </a:blip>
-          <a:srcRect t="-6285" b="-6285"/>
-          <a:stretch>
-            <a:fillRect/>
-          </a:stretch>
-        </p:blipFill>
-        <p:spPr/>
-      </p:pic>
-    </p:spTree>
-    <p:extLst>
-      <p:ext uri="{BB962C8B-B14F-4D97-AF65-F5344CB8AC3E}">
-        <p14:creationId xmlns:p14="http://schemas.microsoft.com/office/powerpoint/2010/main" val="2202675871"/>
-      </p:ext>
-    </p:extLst>
-  </p:cSld>
-  <p:clrMapOvr>
-    <a:masterClrMapping/>
-  </p:clrMapOvr>
-</p:sld>
-</file>
-
-<file path=ppt/slides/slide28.xml><?xml version="1.0" encoding="utf-8"?>
-<p:sld xmlns:a="http://schemas.openxmlformats.org/drawingml/2006/main" xmlns:r="http://schemas.openxmlformats.org/officeDocument/2006/relationships" xmlns:p="http://schemas.openxmlformats.org/presentationml/2006/main">
-  <p:cSld>
-    <p:spTree>
-      <p:nvGrpSpPr>
-        <p:cNvPr id="1" name=""/>
-        <p:cNvGrpSpPr/>
-        <p:nvPr/>
-      </p:nvGrpSpPr>
-      <p:grpSpPr>
-        <a:xfrm>
-          <a:off x="0" y="0"/>
-          <a:ext cx="0" cy="0"/>
-          <a:chOff x="0" y="0"/>
-          <a:chExt cx="0" cy="0"/>
-        </a:xfrm>
-      </p:grpSpPr>
-      <p:sp>
-        <p:nvSpPr>
-          <p:cNvPr id="2" name="Title 1"/>
-          <p:cNvSpPr>
-            <a:spLocks noGrp="1"/>
-          </p:cNvSpPr>
-          <p:nvPr>
-            <p:ph type="title"/>
-          </p:nvPr>
-        </p:nvSpPr>
-        <p:spPr/>
-        <p:txBody>
-          <a:bodyPr/>
-          <a:lstStyle/>
-          <a:p>
-            <a:r>
-              <a:rPr lang="en-US" dirty="0" smtClean="0"/>
-              <a:t>Sense. Chrome Plugin for </a:t>
-            </a:r>
-            <a:r>
-              <a:rPr lang="en-US" dirty="0" err="1" smtClean="0"/>
-              <a:t>json</a:t>
-            </a:r>
-            <a:r>
-              <a:rPr lang="en-US" dirty="0" smtClean="0"/>
-              <a:t>.</a:t>
-            </a:r>
-            <a:endParaRPr lang="en-US" dirty="0"/>
-          </a:p>
-        </p:txBody>
-      </p:sp>
-      <p:pic>
-        <p:nvPicPr>
-          <p:cNvPr id="4" name="Content Placeholder 3" descr="Screen Shot 2014-05-13 at 10.38.54 AM.png"/>
-          <p:cNvPicPr>
-            <a:picLocks noGrp="1" noChangeAspect="1"/>
-          </p:cNvPicPr>
-          <p:nvPr>
-            <p:ph sz="quarter" idx="13"/>
-          </p:nvPr>
-        </p:nvPicPr>
-        <p:blipFill>
-          <a:blip r:embed="rId2">
-            <a:extLst>
-              <a:ext uri="{28A0092B-C50C-407E-A947-70E740481C1C}">
-                <a14:useLocalDpi xmlns:a14="http://schemas.microsoft.com/office/drawing/2010/main" val="0"/>
-              </a:ext>
-            </a:extLst>
-          </a:blip>
-          <a:srcRect l="-41770" r="-41770"/>
-          <a:stretch>
-            <a:fillRect/>
-          </a:stretch>
-        </p:blipFill>
-        <p:spPr/>
-      </p:pic>
-    </p:spTree>
-    <p:extLst>
-      <p:ext uri="{BB962C8B-B14F-4D97-AF65-F5344CB8AC3E}">
-        <p14:creationId xmlns:p14="http://schemas.microsoft.com/office/powerpoint/2010/main" val="2825510861"/>
-      </p:ext>
-    </p:extLst>
-  </p:cSld>
-  <p:clrMapOvr>
-    <a:masterClrMapping/>
-  </p:clrMapOvr>
-</p:sld>
-</file>
-
 <file path=ppt/slides/slide29.xml><?xml version="1.0" encoding="utf-8"?>
 <p:sld xmlns:a="http://schemas.openxmlformats.org/drawingml/2006/main" xmlns:r="http://schemas.openxmlformats.org/officeDocument/2006/relationships" xmlns:p="http://schemas.openxmlformats.org/presentationml/2006/main">
   <p:cSld>
@@ -5460,42 +5564,77 @@
           <a:lstStyle/>
           <a:p>
             <a:r>
+              <a:rPr lang="en-US" dirty="0" smtClean="0"/>
+              <a:t>setup</a:t>
+            </a:r>
+            <a:endParaRPr lang="en-US" dirty="0"/>
+          </a:p>
+        </p:txBody>
+      </p:sp>
+      <p:sp>
+        <p:nvSpPr>
+          <p:cNvPr id="3" name="Content Placeholder 2"/>
+          <p:cNvSpPr>
+            <a:spLocks noGrp="1"/>
+          </p:cNvSpPr>
+          <p:nvPr>
+            <p:ph sz="quarter" idx="13"/>
+          </p:nvPr>
+        </p:nvSpPr>
+        <p:spPr/>
+        <p:txBody>
+          <a:bodyPr/>
+          <a:lstStyle/>
+          <a:p>
+            <a:r>
               <a:rPr lang="en-US" dirty="0" err="1" smtClean="0"/>
-              <a:t>Elasticsearch</a:t>
-            </a:r>
-            <a:r>
-              <a:rPr lang="en-US" dirty="0" smtClean="0"/>
-              <a:t> alternatives?</a:t>
+              <a:t>wget</a:t>
+            </a:r>
+            <a:r>
+              <a:rPr lang="en-US" dirty="0" smtClean="0"/>
+              <a:t> </a:t>
+            </a:r>
+            <a:r>
+              <a:rPr lang="en-US" dirty="0" err="1" smtClean="0"/>
+              <a:t>elasticsearch.tar.gz</a:t>
+            </a:r>
+            <a:endParaRPr lang="en-US" dirty="0" smtClean="0"/>
+          </a:p>
+          <a:p>
+            <a:r>
+              <a:rPr lang="en-US" dirty="0" smtClean="0"/>
+              <a:t>tar </a:t>
+            </a:r>
+            <a:r>
+              <a:rPr lang="en-US" dirty="0" err="1" smtClean="0"/>
+              <a:t>xzvf</a:t>
+            </a:r>
+            <a:r>
+              <a:rPr lang="en-US" dirty="0" smtClean="0"/>
+              <a:t>   </a:t>
+            </a:r>
+            <a:r>
+              <a:rPr lang="en-US" dirty="0" err="1"/>
+              <a:t>elasticsearch.tar.gz</a:t>
             </a:r>
             <a:endParaRPr lang="en-US" dirty="0"/>
           </a:p>
-        </p:txBody>
-      </p:sp>
-      <p:sp>
-        <p:nvSpPr>
-          <p:cNvPr id="3" name="Content Placeholder 2"/>
-          <p:cNvSpPr>
-            <a:spLocks noGrp="1"/>
-          </p:cNvSpPr>
-          <p:nvPr>
-            <p:ph sz="quarter" idx="13"/>
-          </p:nvPr>
-        </p:nvSpPr>
-        <p:spPr/>
-        <p:txBody>
-          <a:bodyPr/>
-          <a:lstStyle/>
-          <a:p>
+          <a:p>
+            <a:r>
+              <a:rPr lang="en-US" dirty="0" smtClean="0"/>
+              <a:t>bin/</a:t>
+            </a:r>
             <a:r>
               <a:rPr lang="en-US" dirty="0" err="1" smtClean="0"/>
-              <a:t>Solr</a:t>
+              <a:t>elasticsearch</a:t>
             </a:r>
             <a:endParaRPr lang="en-US" dirty="0" smtClean="0"/>
           </a:p>
           <a:p>
-            <a:pPr marL="0" indent="0">
-              <a:buNone/>
-            </a:pPr>
+            <a:r>
+              <a:rPr lang="en-US" dirty="0" smtClean="0"/>
+              <a:t>curl localhost:9200</a:t>
+            </a:r>
             <a:endParaRPr lang="en-US" dirty="0"/>
           </a:p>
         </p:txBody>
@@ -5503,7 +5642,7 @@
     </p:spTree>
     <p:extLst>
       <p:ext uri="{BB962C8B-B14F-4D97-AF65-F5344CB8AC3E}">
-        <p14:creationId xmlns:p14="http://schemas.microsoft.com/office/powerpoint/2010/main" val="3165192188"/>
+        <p14:creationId xmlns:p14="http://schemas.microsoft.com/office/powerpoint/2010/main" val="4074957073"/>
       </p:ext>
     </p:extLst>
   </p:cSld>
@@ -5577,8 +5716,27 @@
           <a:lstStyle/>
           <a:p>
             <a:r>
-              <a:rPr lang="en-US" dirty="0" smtClean="0"/>
-              <a:t>Java-based indexing and search technology</a:t>
+              <a:rPr lang="en-US" dirty="0" err="1" smtClean="0"/>
+              <a:t>Lucene</a:t>
+            </a:r>
+            <a:r>
+              <a:rPr lang="en-US" dirty="0" smtClean="0"/>
+              <a:t> was first release in 2000 by </a:t>
+            </a:r>
+            <a:r>
+              <a:rPr lang="en-US" dirty="0" err="1" smtClean="0"/>
+              <a:t>SourceForge</a:t>
+            </a:r>
+            <a:endParaRPr lang="en-US" dirty="0" smtClean="0"/>
+          </a:p>
+          <a:p>
+            <a:r>
+              <a:rPr lang="en-US" dirty="0" smtClean="0"/>
+              <a:t>Java</a:t>
+            </a:r>
+            <a:r>
+              <a:rPr lang="en-US" dirty="0" smtClean="0"/>
+              <a:t>-based indexing and search technology</a:t>
             </a:r>
           </a:p>
           <a:p>
@@ -5651,7 +5809,7 @@
           <a:p>
             <a:r>
               <a:rPr lang="en-US" dirty="0" smtClean="0"/>
-              <a:t>setup</a:t>
+              <a:t>the data in. Documents in.</a:t>
             </a:r>
             <a:endParaRPr lang="en-US" dirty="0"/>
           </a:p>
@@ -5673,53 +5831,61 @@
           <a:lstStyle/>
           <a:p>
             <a:r>
+              <a:rPr lang="en-US" dirty="0" smtClean="0"/>
+              <a:t>curl –XPUT localhost:9200/game/name/</a:t>
+            </a:r>
+            <a:r>
               <a:rPr lang="en-US" dirty="0" err="1" smtClean="0"/>
-              <a:t>wget</a:t>
-            </a:r>
-            <a:r>
-              <a:rPr lang="en-US" dirty="0" smtClean="0"/>
-              <a:t> </a:t>
+              <a:t>lucky_words</a:t>
+            </a:r>
+            <a:r>
+              <a:rPr lang="en-US" dirty="0" smtClean="0"/>
+              <a:t> –d `{“some” : </a:t>
             </a:r>
             <a:r>
               <a:rPr lang="en-US" dirty="0" err="1" smtClean="0"/>
-              <a:t>elasticsearch.tar.gz</a:t>
+              <a:t>json</a:t>
+            </a:r>
+            <a:r>
+              <a:rPr lang="en-US" dirty="0" smtClean="0"/>
+              <a:t> }`</a:t>
+            </a:r>
+          </a:p>
+          <a:p>
+            <a:r>
+              <a:rPr lang="en-US" dirty="0"/>
+              <a:t>curl –</a:t>
+            </a:r>
+            <a:r>
+              <a:rPr lang="en-US" dirty="0" smtClean="0"/>
+              <a:t>XGET </a:t>
+            </a:r>
+            <a:r>
+              <a:rPr lang="en-US" dirty="0"/>
+              <a:t>localhost:9200/game/name/</a:t>
+            </a:r>
+            <a:r>
+              <a:rPr lang="en-US" dirty="0" err="1" smtClean="0"/>
+              <a:t>lucky_words</a:t>
             </a:r>
             <a:endParaRPr lang="en-US" dirty="0" smtClean="0"/>
           </a:p>
           <a:p>
             <a:r>
-              <a:rPr lang="en-US" dirty="0" smtClean="0"/>
-              <a:t>tar </a:t>
-            </a:r>
-            <a:r>
-              <a:rPr lang="en-US" dirty="0" err="1" smtClean="0"/>
-              <a:t>xzvf</a:t>
-            </a:r>
-            <a:r>
-              <a:rPr lang="en-US" dirty="0" smtClean="0"/>
-              <a:t>   </a:t>
+              <a:rPr lang="en-US" dirty="0"/>
+              <a:t>curl –</a:t>
+            </a:r>
+            <a:r>
+              <a:rPr lang="en-US" dirty="0" smtClean="0"/>
+              <a:t>XDELETE </a:t>
+            </a:r>
+            <a:r>
+              <a:rPr lang="en-US" dirty="0"/>
+              <a:t>localhost:9200/game/name/</a:t>
             </a:r>
             <a:r>
               <a:rPr lang="en-US" dirty="0" err="1"/>
-              <a:t>elasticsearch.tar.gz</a:t>
-            </a:r>
-            <a:endParaRPr lang="en-US" dirty="0"/>
-          </a:p>
-          <a:p>
-            <a:r>
-              <a:rPr lang="en-US" dirty="0" smtClean="0"/>
-              <a:t>bin/</a:t>
-            </a:r>
-            <a:r>
-              <a:rPr lang="en-US" dirty="0" err="1" smtClean="0"/>
-              <a:t>elasticsearch</a:t>
-            </a:r>
-            <a:endParaRPr lang="en-US" dirty="0" smtClean="0"/>
-          </a:p>
-          <a:p>
-            <a:r>
-              <a:rPr lang="en-US" dirty="0" smtClean="0"/>
-              <a:t>curl localhost:9200</a:t>
+              <a:t>lucky_words</a:t>
             </a:r>
             <a:endParaRPr lang="en-US" dirty="0"/>
           </a:p>
@@ -5728,7 +5894,7 @@
     </p:spTree>
     <p:extLst>
       <p:ext uri="{BB962C8B-B14F-4D97-AF65-F5344CB8AC3E}">
-        <p14:creationId xmlns:p14="http://schemas.microsoft.com/office/powerpoint/2010/main" val="4074957073"/>
+        <p14:creationId xmlns:p14="http://schemas.microsoft.com/office/powerpoint/2010/main" val="1232051042"/>
       </p:ext>
     </p:extLst>
   </p:cSld>
@@ -5772,7 +5938,7 @@
           <a:p>
             <a:r>
               <a:rPr lang="en-US" dirty="0" smtClean="0"/>
-              <a:t>the data in. Documents in.</a:t>
+              <a:t>Search</a:t>
             </a:r>
             <a:endParaRPr lang="en-US" dirty="0"/>
           </a:p>
@@ -5794,8 +5960,93 @@
           <a:lstStyle/>
           <a:p>
             <a:r>
-              <a:rPr lang="en-US" dirty="0" smtClean="0"/>
-              <a:t>curl –XPUT localhost:9200/game/name/</a:t>
+              <a:rPr lang="en-US" dirty="0"/>
+              <a:t>curl –</a:t>
+            </a:r>
+            <a:r>
+              <a:rPr lang="en-US" dirty="0" smtClean="0"/>
+              <a:t>XGET </a:t>
+            </a:r>
+            <a:r>
+              <a:rPr lang="en-US" dirty="0"/>
+              <a:t>localhost:9200</a:t>
+            </a:r>
+            <a:r>
+              <a:rPr lang="en-US" dirty="0" smtClean="0"/>
+              <a:t>/_</a:t>
+            </a:r>
+            <a:r>
+              <a:rPr lang="en-US" dirty="0" err="1" smtClean="0"/>
+              <a:t>search?q</a:t>
+            </a:r>
+            <a:r>
+              <a:rPr lang="en-US" dirty="0" smtClean="0"/>
+              <a:t>=</a:t>
+            </a:r>
+            <a:r>
+              <a:rPr lang="en-US" dirty="0" err="1" smtClean="0"/>
+              <a:t>best_game</a:t>
+            </a:r>
+            <a:endParaRPr lang="en-US" dirty="0" smtClean="0"/>
+          </a:p>
+          <a:p>
+            <a:endParaRPr lang="en-US" dirty="0" smtClean="0"/>
+          </a:p>
+          <a:p>
+            <a:r>
+              <a:rPr lang="en-US" dirty="0"/>
+              <a:t>curl –XGET localhost:9200/</a:t>
+            </a:r>
+            <a:r>
+              <a:rPr lang="en-US" dirty="0" smtClean="0"/>
+              <a:t>_search –d `{</a:t>
+            </a:r>
+          </a:p>
+          <a:p>
+            <a:pPr marL="457200" lvl="1" indent="0">
+              <a:buNone/>
+            </a:pPr>
+            <a:r>
+              <a:rPr lang="en-US" dirty="0"/>
+              <a:t> </a:t>
+            </a:r>
+            <a:r>
+              <a:rPr lang="en-US" dirty="0" smtClean="0"/>
+              <a:t>“query”:  {</a:t>
+            </a:r>
+          </a:p>
+          <a:p>
+            <a:pPr marL="457200" lvl="1" indent="0">
+              <a:buNone/>
+            </a:pPr>
+            <a:r>
+              <a:rPr lang="en-US" dirty="0"/>
+              <a:t>	</a:t>
+            </a:r>
+            <a:r>
+              <a:rPr lang="en-US" dirty="0" smtClean="0"/>
+              <a:t>“</a:t>
+            </a:r>
+            <a:r>
+              <a:rPr lang="en-US" dirty="0" err="1" smtClean="0"/>
+              <a:t>query_string</a:t>
+            </a:r>
+            <a:r>
+              <a:rPr lang="en-US" dirty="0" smtClean="0"/>
+              <a:t>”: {</a:t>
+            </a:r>
+          </a:p>
+          <a:p>
+            <a:pPr marL="457200" lvl="1" indent="0">
+              <a:buNone/>
+            </a:pPr>
+            <a:r>
+              <a:rPr lang="en-US" dirty="0"/>
+              <a:t>	</a:t>
+            </a:r>
+            <a:r>
+              <a:rPr lang="en-US" dirty="0" smtClean="0"/>
+              <a:t>	“query”: “</a:t>
             </a:r>
             <a:r>
               <a:rPr lang="en-US" dirty="0" err="1" smtClean="0"/>
@@ -5803,53 +6054,42 @@
             </a:r>
             <a:r>
               <a:rPr lang="en-US" dirty="0" smtClean="0"/>
-              <a:t> –d `{“some” : </a:t>
-            </a:r>
-            <a:r>
-              <a:rPr lang="en-US" dirty="0" err="1" smtClean="0"/>
-              <a:t>json</a:t>
-            </a:r>
-            <a:r>
-              <a:rPr lang="en-US" dirty="0" smtClean="0"/>
-              <a:t> }`</a:t>
-            </a:r>
-          </a:p>
-          <a:p>
+              <a:t> AND rtp:95”</a:t>
+            </a:r>
+          </a:p>
+          <a:p>
+            <a:pPr marL="457200" lvl="1" indent="0">
+              <a:buNone/>
+            </a:pPr>
             <a:r>
               <a:rPr lang="en-US" dirty="0"/>
-              <a:t>curl –</a:t>
-            </a:r>
-            <a:r>
-              <a:rPr lang="en-US" dirty="0" smtClean="0"/>
-              <a:t>XGET </a:t>
-            </a:r>
-            <a:r>
-              <a:rPr lang="en-US" dirty="0"/>
-              <a:t>localhost:9200/game/name/</a:t>
-            </a:r>
-            <a:r>
-              <a:rPr lang="en-US" dirty="0" err="1" smtClean="0"/>
-              <a:t>lucky_words</a:t>
-            </a:r>
-            <a:endParaRPr lang="en-US" dirty="0" smtClean="0"/>
-          </a:p>
-          <a:p>
-            <a:r>
-              <a:rPr lang="en-US" dirty="0"/>
-              <a:t>curl –</a:t>
-            </a:r>
-            <a:r>
-              <a:rPr lang="en-US" dirty="0" smtClean="0"/>
-              <a:t>XDELETE </a:t>
-            </a:r>
-            <a:r>
-              <a:rPr lang="en-US" dirty="0"/>
-              <a:t>localhost:9200/game/name/</a:t>
-            </a:r>
-            <a:r>
-              <a:rPr lang="en-US" dirty="0" err="1"/>
-              <a:t>lucky_words</a:t>
-            </a:r>
+              <a:t>	</a:t>
+            </a:r>
+            <a:r>
+              <a:rPr lang="en-US" dirty="0" smtClean="0"/>
+              <a:t>	}</a:t>
+            </a:r>
+          </a:p>
+          <a:p>
+            <a:pPr marL="457200" lvl="1" indent="0">
+              <a:buNone/>
+            </a:pPr>
+            <a:r>
+              <a:rPr lang="en-US" dirty="0" smtClean="0"/>
+              <a:t>	}</a:t>
+            </a:r>
+          </a:p>
+          <a:p>
+            <a:pPr marL="457200" lvl="1" indent="0">
+              <a:buNone/>
+            </a:pPr>
+            <a:r>
+              <a:rPr lang="en-US" dirty="0" smtClean="0"/>
+              <a:t>}`</a:t>
+            </a:r>
+            <a:endParaRPr lang="en-US" dirty="0"/>
+          </a:p>
+          <a:p>
             <a:endParaRPr lang="en-US" dirty="0"/>
           </a:p>
         </p:txBody>
@@ -5857,7 +6097,7 @@
     </p:spTree>
     <p:extLst>
       <p:ext uri="{BB962C8B-B14F-4D97-AF65-F5344CB8AC3E}">
-        <p14:creationId xmlns:p14="http://schemas.microsoft.com/office/powerpoint/2010/main" val="1232051042"/>
+        <p14:creationId xmlns:p14="http://schemas.microsoft.com/office/powerpoint/2010/main" val="1726973554"/>
       </p:ext>
     </p:extLst>
   </p:cSld>
@@ -5901,7 +6141,7 @@
           <a:p>
             <a:r>
               <a:rPr lang="en-US" dirty="0" smtClean="0"/>
-              <a:t>Search</a:t>
+              <a:t>Query your data</a:t>
             </a:r>
             <a:endParaRPr lang="en-US" dirty="0"/>
           </a:p>
@@ -5923,136 +6163,29 @@
           <a:lstStyle/>
           <a:p>
             <a:r>
-              <a:rPr lang="en-US" dirty="0"/>
-              <a:t>curl –</a:t>
-            </a:r>
-            <a:r>
-              <a:rPr lang="en-US" dirty="0" smtClean="0"/>
-              <a:t>XGET </a:t>
-            </a:r>
-            <a:r>
-              <a:rPr lang="en-US" dirty="0"/>
-              <a:t>localhost:9200</a:t>
-            </a:r>
-            <a:r>
-              <a:rPr lang="en-US" dirty="0" smtClean="0"/>
-              <a:t>/_</a:t>
+              <a:rPr lang="en-US" dirty="0" smtClean="0"/>
+              <a:t>Query format – JSON</a:t>
+            </a:r>
+          </a:p>
+          <a:p>
+            <a:r>
+              <a:rPr lang="en-US" dirty="0" smtClean="0"/>
+              <a:t>Build in filters</a:t>
+            </a:r>
+          </a:p>
+          <a:p>
+            <a:r>
+              <a:rPr lang="en-US" dirty="0" smtClean="0"/>
+              <a:t>Queries </a:t>
             </a:r>
             <a:r>
               <a:rPr lang="en-US" dirty="0" err="1" smtClean="0"/>
-              <a:t>search?q</a:t>
-            </a:r>
-            <a:r>
-              <a:rPr lang="en-US" dirty="0" smtClean="0"/>
-              <a:t>=</a:t>
-            </a:r>
-            <a:r>
-              <a:rPr lang="en-US" dirty="0" err="1" smtClean="0"/>
-              <a:t>best_game</a:t>
-            </a:r>
-            <a:endParaRPr lang="en-US" dirty="0" smtClean="0"/>
-          </a:p>
-          <a:p>
-            <a:endParaRPr lang="en-US" dirty="0" smtClean="0"/>
-          </a:p>
-          <a:p>
-            <a:r>
-              <a:rPr lang="en-US" dirty="0"/>
-              <a:t>curl –XGET localhost:9200/</a:t>
-            </a:r>
-            <a:r>
-              <a:rPr lang="en-US" dirty="0" smtClean="0"/>
-              <a:t>_search –d `{</a:t>
-            </a:r>
-          </a:p>
-          <a:p>
-            <a:pPr marL="457200" lvl="1" indent="0">
-              <a:buNone/>
-            </a:pPr>
-            <a:r>
-              <a:rPr lang="en-US" dirty="0"/>
-              <a:t> </a:t>
-            </a:r>
-            <a:r>
-              <a:rPr lang="en-US" dirty="0" smtClean="0"/>
-              <a:t>“query”:  {</a:t>
-            </a:r>
-          </a:p>
-          <a:p>
-            <a:pPr marL="457200" lvl="1" indent="0">
-              <a:buNone/>
-            </a:pPr>
-            <a:r>
-              <a:rPr lang="en-US" dirty="0"/>
-              <a:t>	</a:t>
-            </a:r>
-            <a:r>
-              <a:rPr lang="en-US" dirty="0" smtClean="0"/>
-              <a:t>“</a:t>
-            </a:r>
-            <a:r>
-              <a:rPr lang="en-US" dirty="0" err="1" smtClean="0"/>
-              <a:t>query_string</a:t>
-            </a:r>
-            <a:r>
-              <a:rPr lang="en-US" dirty="0" smtClean="0"/>
-              <a:t>”: {</a:t>
-            </a:r>
-          </a:p>
-          <a:p>
-            <a:pPr marL="457200" lvl="1" indent="0">
-              <a:buNone/>
-            </a:pPr>
-            <a:r>
-              <a:rPr lang="en-US" dirty="0"/>
-              <a:t>	</a:t>
-            </a:r>
-            <a:r>
-              <a:rPr lang="en-US" dirty="0" smtClean="0"/>
-              <a:t>	“query”: “</a:t>
-            </a:r>
-            <a:r>
-              <a:rPr lang="en-US" dirty="0" err="1" smtClean="0"/>
-              <a:t>lucky_words</a:t>
-            </a:r>
-            <a:r>
-              <a:rPr lang="en-US" dirty="0" smtClean="0"/>
-              <a:t> AND rtp:95”</a:t>
-            </a:r>
-          </a:p>
-          <a:p>
-            <a:pPr marL="457200" lvl="1" indent="0">
-              <a:buNone/>
-            </a:pPr>
-            <a:r>
-              <a:rPr lang="en-US" dirty="0"/>
-              <a:t>	</a:t>
-            </a:r>
-            <a:r>
-              <a:rPr lang="en-US" dirty="0" smtClean="0"/>
-              <a:t>	}</a:t>
-            </a:r>
-          </a:p>
-          <a:p>
-            <a:pPr marL="457200" lvl="1" indent="0">
-              <a:buNone/>
-            </a:pPr>
-            <a:r>
-              <a:rPr lang="en-US" dirty="0" smtClean="0"/>
-              <a:t>	}</a:t>
-            </a:r>
-          </a:p>
-          <a:p>
-            <a:pPr marL="457200" lvl="1" indent="0">
-              <a:buNone/>
-            </a:pPr>
-            <a:r>
-              <a:rPr lang="en-US" dirty="0" smtClean="0"/>
-              <a:t>}`</a:t>
-            </a:r>
-            <a:endParaRPr lang="en-US" dirty="0"/>
-          </a:p>
-          <a:p>
+              <a:t>vs</a:t>
+            </a:r>
+            <a:r>
+              <a:rPr lang="en-US" dirty="0" smtClean="0"/>
+              <a:t> Filters</a:t>
+            </a:r>
             <a:endParaRPr lang="en-US" dirty="0"/>
           </a:p>
         </p:txBody>
@@ -6060,7 +6193,7 @@
     </p:spTree>
     <p:extLst>
       <p:ext uri="{BB962C8B-B14F-4D97-AF65-F5344CB8AC3E}">
-        <p14:creationId xmlns:p14="http://schemas.microsoft.com/office/powerpoint/2010/main" val="1726973554"/>
+        <p14:creationId xmlns:p14="http://schemas.microsoft.com/office/powerpoint/2010/main" val="2580380204"/>
       </p:ext>
     </p:extLst>
   </p:cSld>
@@ -6104,102 +6237,6 @@
           <a:p>
             <a:r>
               <a:rPr lang="en-US" dirty="0" smtClean="0"/>
-              <a:t>Query your data</a:t>
-            </a:r>
-            <a:endParaRPr lang="en-US" dirty="0"/>
-          </a:p>
-        </p:txBody>
-      </p:sp>
-      <p:sp>
-        <p:nvSpPr>
-          <p:cNvPr id="3" name="Content Placeholder 2"/>
-          <p:cNvSpPr>
-            <a:spLocks noGrp="1"/>
-          </p:cNvSpPr>
-          <p:nvPr>
-            <p:ph sz="quarter" idx="13"/>
-          </p:nvPr>
-        </p:nvSpPr>
-        <p:spPr/>
-        <p:txBody>
-          <a:bodyPr/>
-          <a:lstStyle/>
-          <a:p>
-            <a:r>
-              <a:rPr lang="en-US" dirty="0" smtClean="0"/>
-              <a:t>Query format – JSON</a:t>
-            </a:r>
-          </a:p>
-          <a:p>
-            <a:r>
-              <a:rPr lang="en-US" dirty="0" smtClean="0"/>
-              <a:t>Build in filters</a:t>
-            </a:r>
-          </a:p>
-          <a:p>
-            <a:r>
-              <a:rPr lang="en-US" dirty="0" smtClean="0"/>
-              <a:t>Queries </a:t>
-            </a:r>
-            <a:r>
-              <a:rPr lang="en-US" dirty="0" err="1" smtClean="0"/>
-              <a:t>vs</a:t>
-            </a:r>
-            <a:r>
-              <a:rPr lang="en-US" dirty="0" smtClean="0"/>
-              <a:t> Filters</a:t>
-            </a:r>
-            <a:endParaRPr lang="en-US" dirty="0"/>
-          </a:p>
-        </p:txBody>
-      </p:sp>
-    </p:spTree>
-    <p:extLst>
-      <p:ext uri="{BB962C8B-B14F-4D97-AF65-F5344CB8AC3E}">
-        <p14:creationId xmlns:p14="http://schemas.microsoft.com/office/powerpoint/2010/main" val="2580380204"/>
-      </p:ext>
-    </p:extLst>
-  </p:cSld>
-  <p:clrMapOvr>
-    <a:masterClrMapping/>
-  </p:clrMapOvr>
-</p:sld>
-</file>
-
-<file path=ppt/slides/slide34.xml><?xml version="1.0" encoding="utf-8"?>
-<p:sld xmlns:a="http://schemas.openxmlformats.org/drawingml/2006/main" xmlns:r="http://schemas.openxmlformats.org/officeDocument/2006/relationships" xmlns:p="http://schemas.openxmlformats.org/presentationml/2006/main">
-  <p:cSld>
-    <p:spTree>
-      <p:nvGrpSpPr>
-        <p:cNvPr id="1" name=""/>
-        <p:cNvGrpSpPr/>
-        <p:nvPr/>
-      </p:nvGrpSpPr>
-      <p:grpSpPr>
-        <a:xfrm>
-          <a:off x="0" y="0"/>
-          <a:ext cx="0" cy="0"/>
-          <a:chOff x="0" y="0"/>
-          <a:chExt cx="0" cy="0"/>
-        </a:xfrm>
-      </p:grpSpPr>
-      <p:sp>
-        <p:nvSpPr>
-          <p:cNvPr id="2" name="Title 1"/>
-          <p:cNvSpPr>
-            <a:spLocks noGrp="1"/>
-          </p:cNvSpPr>
-          <p:nvPr>
-            <p:ph type="title"/>
-          </p:nvPr>
-        </p:nvSpPr>
-        <p:spPr/>
-        <p:txBody>
-          <a:bodyPr/>
-          <a:lstStyle/>
-          <a:p>
-            <a:r>
-              <a:rPr lang="en-US" dirty="0" smtClean="0"/>
               <a:t>ES</a:t>
             </a:r>
             <a:endParaRPr lang="en-US" dirty="0"/>
@@ -6244,7 +6281,7 @@
 </p:sld>
 </file>
 
-<file path=ppt/slides/slide35.xml><?xml version="1.0" encoding="utf-8"?>
+<file path=ppt/slides/slide34.xml><?xml version="1.0" encoding="utf-8"?>
 <p:sld xmlns:a="http://schemas.openxmlformats.org/drawingml/2006/main" xmlns:r="http://schemas.openxmlformats.org/officeDocument/2006/relationships" xmlns:p="http://schemas.openxmlformats.org/presentationml/2006/main">
   <p:cSld>
     <p:spTree>
@@ -6395,10 +6432,61 @@
           <a:bodyPr/>
           <a:lstStyle/>
           <a:p>
+            <a:r>
+              <a:rPr lang="en-US" dirty="0" smtClean="0"/>
+              <a:t>Organized Information</a:t>
+            </a:r>
+          </a:p>
+          <a:p>
+            <a:r>
+              <a:rPr lang="en-US" dirty="0" smtClean="0"/>
+              <a:t>Schema</a:t>
+            </a:r>
+          </a:p>
+          <a:p>
+            <a:r>
+              <a:rPr lang="en-US" dirty="0" smtClean="0"/>
+              <a:t>Examples: Database – structured, how about Emails?</a:t>
+            </a:r>
+          </a:p>
+          <a:p>
+            <a:endParaRPr lang="en-US" dirty="0" smtClean="0"/>
+          </a:p>
+          <a:p>
             <a:endParaRPr lang="en-US" dirty="0"/>
           </a:p>
         </p:txBody>
       </p:sp>
+      <p:pic>
+        <p:nvPicPr>
+          <p:cNvPr id="4" name="Picture 3" descr="Screen Shot 2014-05-18 at 3.16.47 PM.png"/>
+          <p:cNvPicPr>
+            <a:picLocks noChangeAspect="1"/>
+          </p:cNvPicPr>
+          <p:nvPr/>
+        </p:nvPicPr>
+        <p:blipFill>
+          <a:blip r:embed="rId2">
+            <a:extLst>
+              <a:ext uri="{28A0092B-C50C-407E-A947-70E740481C1C}">
+                <a14:useLocalDpi xmlns:a14="http://schemas.microsoft.com/office/drawing/2010/main" val="0"/>
+              </a:ext>
+            </a:extLst>
+          </a:blip>
+          <a:stretch>
+            <a:fillRect/>
+          </a:stretch>
+        </p:blipFill>
+        <p:spPr>
+          <a:xfrm>
+            <a:off x="3098799" y="3168550"/>
+            <a:ext cx="3448261" cy="1874006"/>
+          </a:xfrm>
+          <a:prstGeom prst="rect">
+            <a:avLst/>
+          </a:prstGeom>
+        </p:spPr>
+      </p:pic>
     </p:spTree>
     <p:extLst>
       <p:ext uri="{BB962C8B-B14F-4D97-AF65-F5344CB8AC3E}">
@@ -6445,8 +6533,8 @@
           <a:lstStyle/>
           <a:p>
             <a:r>
-              <a:rPr lang="en-US" dirty="0" err="1" smtClean="0"/>
-              <a:t>Solr</a:t>
+              <a:rPr lang="en-US" smtClean="0"/>
+              <a:t>Features</a:t>
             </a:r>
             <a:endParaRPr lang="en-US" dirty="0"/>
           </a:p>
@@ -6467,85 +6555,9 @@
           <a:bodyPr/>
           <a:lstStyle/>
           <a:p>
-            <a:endParaRPr lang="en-US"/>
-          </a:p>
-        </p:txBody>
-      </p:sp>
-    </p:spTree>
-    <p:extLst>
-      <p:ext uri="{BB962C8B-B14F-4D97-AF65-F5344CB8AC3E}">
-        <p14:creationId xmlns:p14="http://schemas.microsoft.com/office/powerpoint/2010/main" val="2479283412"/>
-      </p:ext>
-    </p:extLst>
-  </p:cSld>
-  <p:clrMapOvr>
-    <a:masterClrMapping/>
-  </p:clrMapOvr>
-</p:sld>
-</file>
-
-<file path=ppt/slides/slide6.xml><?xml version="1.0" encoding="utf-8"?>
-<p:sld xmlns:a="http://schemas.openxmlformats.org/drawingml/2006/main" xmlns:r="http://schemas.openxmlformats.org/officeDocument/2006/relationships" xmlns:p="http://schemas.openxmlformats.org/presentationml/2006/main">
-  <p:cSld>
-    <p:spTree>
-      <p:nvGrpSpPr>
-        <p:cNvPr id="1" name=""/>
-        <p:cNvGrpSpPr/>
-        <p:nvPr/>
-      </p:nvGrpSpPr>
-      <p:grpSpPr>
-        <a:xfrm>
-          <a:off x="0" y="0"/>
-          <a:ext cx="0" cy="0"/>
-          <a:chOff x="0" y="0"/>
-          <a:chExt cx="0" cy="0"/>
-        </a:xfrm>
-      </p:grpSpPr>
-      <p:sp>
-        <p:nvSpPr>
-          <p:cNvPr id="2" name="Title 1"/>
-          <p:cNvSpPr>
-            <a:spLocks noGrp="1"/>
-          </p:cNvSpPr>
-          <p:nvPr>
-            <p:ph type="title"/>
-          </p:nvPr>
-        </p:nvSpPr>
-        <p:spPr/>
-        <p:txBody>
-          <a:bodyPr/>
-          <a:lstStyle/>
-          <a:p>
-            <a:r>
-              <a:rPr lang="en-US" smtClean="0"/>
-              <a:t>Features</a:t>
-            </a:r>
-            <a:endParaRPr lang="en-US" dirty="0"/>
-          </a:p>
-        </p:txBody>
-      </p:sp>
-      <p:sp>
-        <p:nvSpPr>
-          <p:cNvPr id="3" name="Content Placeholder 2"/>
-          <p:cNvSpPr>
-            <a:spLocks noGrp="1"/>
-          </p:cNvSpPr>
-          <p:nvPr>
-            <p:ph sz="quarter" idx="13"/>
-          </p:nvPr>
-        </p:nvSpPr>
-        <p:spPr/>
-        <p:txBody>
-          <a:bodyPr/>
-          <a:lstStyle/>
-          <a:p>
-            <a:r>
-              <a:rPr lang="en-US" dirty="0" smtClean="0"/>
-              <a:t>Endless Plugins </a:t>
-            </a:r>
-            <a:r>
-              <a:rPr lang="en-US" dirty="0" smtClean="0"/>
-              <a:t>in </a:t>
+            <a:r>
+              <a:rPr lang="en-US" dirty="0" smtClean="0"/>
+              <a:t>Endless Plugins in </a:t>
             </a:r>
             <a:r>
               <a:rPr lang="en-US" dirty="0" err="1" smtClean="0"/>
@@ -6581,7 +6593,7 @@
 </p:sld>
 </file>
 
-<file path=ppt/slides/slide7.xml><?xml version="1.0" encoding="utf-8"?>
+<file path=ppt/slides/slide6.xml><?xml version="1.0" encoding="utf-8"?>
 <p:sld xmlns:a="http://schemas.openxmlformats.org/drawingml/2006/main" xmlns:r="http://schemas.openxmlformats.org/officeDocument/2006/relationships" xmlns:p="http://schemas.openxmlformats.org/presentationml/2006/main">
   <p:cSld>
     <p:spTree>
@@ -6921,6 +6933,84 @@
 </p:sld>
 </file>
 
+<file path=ppt/slides/slide7.xml><?xml version="1.0" encoding="utf-8"?>
+<p:sld xmlns:a="http://schemas.openxmlformats.org/drawingml/2006/main" xmlns:r="http://schemas.openxmlformats.org/officeDocument/2006/relationships" xmlns:p="http://schemas.openxmlformats.org/presentationml/2006/main">
+  <p:cSld>
+    <p:spTree>
+      <p:nvGrpSpPr>
+        <p:cNvPr id="1" name=""/>
+        <p:cNvGrpSpPr/>
+        <p:nvPr/>
+      </p:nvGrpSpPr>
+      <p:grpSpPr>
+        <a:xfrm>
+          <a:off x="0" y="0"/>
+          <a:ext cx="0" cy="0"/>
+          <a:chOff x="0" y="0"/>
+          <a:chExt cx="0" cy="0"/>
+        </a:xfrm>
+      </p:grpSpPr>
+      <p:sp>
+        <p:nvSpPr>
+          <p:cNvPr id="2" name="Title 1"/>
+          <p:cNvSpPr>
+            <a:spLocks noGrp="1"/>
+          </p:cNvSpPr>
+          <p:nvPr>
+            <p:ph type="title"/>
+          </p:nvPr>
+        </p:nvSpPr>
+        <p:spPr/>
+        <p:txBody>
+          <a:bodyPr/>
+          <a:lstStyle/>
+          <a:p>
+            <a:r>
+              <a:rPr lang="en-US" dirty="0" smtClean="0"/>
+              <a:t>How to do it? Native Example</a:t>
+            </a:r>
+            <a:endParaRPr lang="en-US" dirty="0"/>
+          </a:p>
+        </p:txBody>
+      </p:sp>
+      <p:pic>
+        <p:nvPicPr>
+          <p:cNvPr id="4" name="Content Placeholder 3" descr="Screen Shot 2014-04-30 at 3.29.18 PM.png"/>
+          <p:cNvPicPr>
+            <a:picLocks noGrp="1" noChangeAspect="1"/>
+          </p:cNvPicPr>
+          <p:nvPr>
+            <p:ph sz="quarter" idx="13"/>
+          </p:nvPr>
+        </p:nvPicPr>
+        <p:blipFill>
+          <a:blip r:embed="rId2">
+            <a:extLst>
+              <a:ext uri="{28A0092B-C50C-407E-A947-70E740481C1C}">
+                <a14:useLocalDpi xmlns:a14="http://schemas.microsoft.com/office/drawing/2010/main" val="0"/>
+              </a:ext>
+            </a:extLst>
+          </a:blip>
+          <a:srcRect l="-24519" r="-24519"/>
+          <a:stretch>
+            <a:fillRect/>
+          </a:stretch>
+        </p:blipFill>
+        <p:spPr/>
+      </p:pic>
+    </p:spTree>
+    <p:extLst>
+      <p:ext uri="{BB962C8B-B14F-4D97-AF65-F5344CB8AC3E}">
+        <p14:creationId xmlns:p14="http://schemas.microsoft.com/office/powerpoint/2010/main" val="3862436629"/>
+      </p:ext>
+    </p:extLst>
+  </p:cSld>
+  <p:clrMapOvr>
+    <a:masterClrMapping/>
+  </p:clrMapOvr>
+</p:sld>
+</file>
+
 <file path=ppt/slides/slide8.xml><?xml version="1.0" encoding="utf-8"?>
 <p:sld xmlns:a="http://schemas.openxmlformats.org/drawingml/2006/main" xmlns:r="http://schemas.openxmlformats.org/officeDocument/2006/relationships" xmlns:p="http://schemas.openxmlformats.org/presentationml/2006/main">
   <p:cSld>
@@ -6955,41 +7045,98 @@
           <a:p>
             <a:r>
               <a:rPr lang="en-US" dirty="0" smtClean="0"/>
-              <a:t>How to do it? Native Example</a:t>
+              <a:t>How to do it? </a:t>
+            </a:r>
+            <a:r>
+              <a:rPr lang="en-US" dirty="0" err="1" smtClean="0"/>
+              <a:t>Logstash</a:t>
             </a:r>
             <a:endParaRPr lang="en-US" dirty="0"/>
           </a:p>
         </p:txBody>
       </p:sp>
-      <p:pic>
-        <p:nvPicPr>
-          <p:cNvPr id="4" name="Content Placeholder 3" descr="Screen Shot 2014-04-30 at 3.29.18 PM.png"/>
-          <p:cNvPicPr>
-            <a:picLocks noGrp="1" noChangeAspect="1"/>
-          </p:cNvPicPr>
+      <p:sp>
+        <p:nvSpPr>
+          <p:cNvPr id="5" name="Content Placeholder 4"/>
+          <p:cNvSpPr>
+            <a:spLocks noGrp="1"/>
+          </p:cNvSpPr>
           <p:nvPr>
             <p:ph sz="quarter" idx="13"/>
           </p:nvPr>
-        </p:nvPicPr>
-        <p:blipFill>
-          <a:blip r:embed="rId2">
-            <a:extLst>
-              <a:ext uri="{28A0092B-C50C-407E-A947-70E740481C1C}">
-                <a14:useLocalDpi xmlns:a14="http://schemas.microsoft.com/office/drawing/2010/main" val="0"/>
-              </a:ext>
-            </a:extLst>
-          </a:blip>
-          <a:srcRect l="-24519" r="-24519"/>
-          <a:stretch>
-            <a:fillRect/>
-          </a:stretch>
-        </p:blipFill>
-        <p:spPr/>
-      </p:pic>
+        </p:nvSpPr>
+        <p:spPr/>
+        <p:txBody>
+          <a:bodyPr/>
+          <a:lstStyle/>
+          <a:p>
+            <a:r>
+              <a:rPr lang="en-US" dirty="0" smtClean="0"/>
+              <a:t>Edit log4j.properties file</a:t>
+            </a:r>
+          </a:p>
+          <a:p>
+            <a:r>
+              <a:rPr lang="en-US" dirty="0" smtClean="0"/>
+              <a:t>Create </a:t>
+            </a:r>
+            <a:r>
+              <a:rPr lang="en-US" dirty="0" err="1" smtClean="0"/>
+              <a:t>logstash</a:t>
+            </a:r>
+            <a:r>
+              <a:rPr lang="en-US" dirty="0" smtClean="0"/>
+              <a:t> configuration file (</a:t>
+            </a:r>
+            <a:r>
+              <a:rPr lang="en-US" dirty="0" err="1" smtClean="0"/>
+              <a:t>shipper.conf</a:t>
+            </a:r>
+            <a:r>
+              <a:rPr lang="en-US" dirty="0" smtClean="0"/>
+              <a:t>)</a:t>
+            </a:r>
+          </a:p>
+          <a:p>
+            <a:r>
+              <a:rPr lang="en-US" dirty="0" smtClean="0"/>
+              <a:t>Download </a:t>
+            </a:r>
+            <a:r>
+              <a:rPr lang="en-US" dirty="0" err="1" smtClean="0"/>
+              <a:t>logstash</a:t>
+            </a:r>
+            <a:r>
+              <a:rPr lang="en-US" dirty="0" smtClean="0"/>
+              <a:t> jar</a:t>
+            </a:r>
+          </a:p>
+          <a:p>
+            <a:r>
+              <a:rPr lang="en-US" dirty="0" smtClean="0"/>
+              <a:t>Run the following</a:t>
+            </a:r>
+          </a:p>
+          <a:p>
+            <a:pPr marL="914400" lvl="2" indent="0">
+              <a:buNone/>
+            </a:pPr>
+            <a:r>
+              <a:rPr lang="en-US" dirty="0" smtClean="0"/>
+              <a:t>java –jar logstash-1.3.3-flatjar.jar agent –f </a:t>
+            </a:r>
+            <a:r>
+              <a:rPr lang="en-US" dirty="0" err="1" smtClean="0"/>
+              <a:t>shipper.conf</a:t>
+            </a:r>
+            <a:endParaRPr lang="en-US" dirty="0" smtClean="0"/>
+          </a:p>
+        </p:txBody>
+      </p:sp>
     </p:spTree>
     <p:extLst>
       <p:ext uri="{BB962C8B-B14F-4D97-AF65-F5344CB8AC3E}">
-        <p14:creationId xmlns:p14="http://schemas.microsoft.com/office/powerpoint/2010/main" val="3862436629"/>
+        <p14:creationId xmlns:p14="http://schemas.microsoft.com/office/powerpoint/2010/main" val="2550242663"/>
       </p:ext>
     </p:extLst>
   </p:cSld>
@@ -7032,99 +7179,46 @@
           <a:lstStyle/>
           <a:p>
             <a:r>
-              <a:rPr lang="en-US" dirty="0" smtClean="0"/>
-              <a:t>How to do it? </a:t>
-            </a:r>
-            <a:r>
-              <a:rPr lang="en-US" dirty="0" err="1" smtClean="0"/>
+              <a:rPr lang="en-US" sz="1800" dirty="0" err="1" smtClean="0"/>
               <a:t>Logstash</a:t>
             </a:r>
-            <a:endParaRPr lang="en-US" dirty="0"/>
-          </a:p>
-        </p:txBody>
-      </p:sp>
-      <p:sp>
-        <p:nvSpPr>
-          <p:cNvPr id="5" name="Content Placeholder 4"/>
-          <p:cNvSpPr>
-            <a:spLocks noGrp="1"/>
-          </p:cNvSpPr>
+            <a:r>
+              <a:rPr lang="en-US" sz="1800" dirty="0" smtClean="0"/>
+              <a:t> Configuration and log4j.properties</a:t>
+            </a:r>
+            <a:endParaRPr lang="en-US" sz="1800" dirty="0"/>
+          </a:p>
+        </p:txBody>
+      </p:sp>
+      <p:pic>
+        <p:nvPicPr>
+          <p:cNvPr id="4" name="Content Placeholder 3" descr="Screen Shot 2014-04-30 at 3.45.02 PM.png"/>
+          <p:cNvPicPr>
+            <a:picLocks noGrp="1" noChangeAspect="1"/>
+          </p:cNvPicPr>
           <p:nvPr>
             <p:ph sz="quarter" idx="13"/>
           </p:nvPr>
-        </p:nvSpPr>
-        <p:spPr/>
-        <p:txBody>
-          <a:bodyPr/>
-          <a:lstStyle/>
-          <a:p>
-            <a:r>
-              <a:rPr lang="en-US" dirty="0" smtClean="0"/>
-              <a:t>Edit log4j.properties file</a:t>
-            </a:r>
-          </a:p>
-          <a:p>
-            <a:r>
-              <a:rPr lang="en-US" dirty="0" smtClean="0"/>
-              <a:t>Create </a:t>
-            </a:r>
-            <a:r>
-              <a:rPr lang="en-US" dirty="0" err="1" smtClean="0"/>
-              <a:t>logstash</a:t>
-            </a:r>
-            <a:r>
-              <a:rPr lang="en-US" dirty="0" smtClean="0"/>
-              <a:t> configuration file (</a:t>
-            </a:r>
-            <a:r>
-              <a:rPr lang="en-US" dirty="0" err="1" smtClean="0"/>
-              <a:t>shipper.conf</a:t>
-            </a:r>
-            <a:r>
-              <a:rPr lang="en-US" dirty="0" smtClean="0"/>
-              <a:t>)</a:t>
-            </a:r>
-          </a:p>
-          <a:p>
-            <a:r>
-              <a:rPr lang="en-US" dirty="0" smtClean="0"/>
-              <a:t>Download </a:t>
-            </a:r>
-            <a:r>
-              <a:rPr lang="en-US" dirty="0" err="1" smtClean="0"/>
-              <a:t>logstash</a:t>
-            </a:r>
-            <a:r>
-              <a:rPr lang="en-US" dirty="0" smtClean="0"/>
-              <a:t> jar</a:t>
-            </a:r>
-          </a:p>
-          <a:p>
-            <a:r>
-              <a:rPr lang="en-US" dirty="0" smtClean="0"/>
-              <a:t>Run the following</a:t>
-            </a:r>
-          </a:p>
-          <a:p>
-            <a:pPr marL="914400" lvl="2" indent="0">
-              <a:buNone/>
-            </a:pPr>
-            <a:r>
-              <a:rPr lang="en-US" dirty="0" smtClean="0"/>
-              <a:t>java –jar logstash-1.3.3-flatjar.jar agent –f </a:t>
-            </a:r>
-            <a:r>
-              <a:rPr lang="en-US" dirty="0" err="1" smtClean="0"/>
-              <a:t>shipper.conf</a:t>
-            </a:r>
-            <a:endParaRPr lang="en-US" dirty="0" smtClean="0"/>
-          </a:p>
-        </p:txBody>
-      </p:sp>
+        </p:nvPicPr>
+        <p:blipFill>
+          <a:blip r:embed="rId2">
+            <a:extLst>
+              <a:ext uri="{28A0092B-C50C-407E-A947-70E740481C1C}">
+                <a14:useLocalDpi xmlns:a14="http://schemas.microsoft.com/office/drawing/2010/main" val="0"/>
+              </a:ext>
+            </a:extLst>
+          </a:blip>
+          <a:srcRect t="7920" b="7920"/>
+          <a:stretch>
+            <a:fillRect/>
+          </a:stretch>
+        </p:blipFill>
+        <p:spPr/>
+      </p:pic>
     </p:spTree>
     <p:extLst>
       <p:ext uri="{BB962C8B-B14F-4D97-AF65-F5344CB8AC3E}">
-        <p14:creationId xmlns:p14="http://schemas.microsoft.com/office/powerpoint/2010/main" val="2550242663"/>
+        <p14:creationId xmlns:p14="http://schemas.microsoft.com/office/powerpoint/2010/main" val="206715592"/>
       </p:ext>
     </p:extLst>
   </p:cSld>

--- a/es.pptx
+++ b/es.pptx
@@ -6,39 +6,41 @@
   </p:sldMasterIdLst>
   <p:sldIdLst>
     <p:sldId id="256" r:id="rId2"/>
-    <p:sldId id="262" r:id="rId3"/>
-    <p:sldId id="276" r:id="rId4"/>
-    <p:sldId id="278" r:id="rId5"/>
-    <p:sldId id="279" r:id="rId6"/>
-    <p:sldId id="272" r:id="rId7"/>
-    <p:sldId id="273" r:id="rId8"/>
-    <p:sldId id="274" r:id="rId9"/>
-    <p:sldId id="275" r:id="rId10"/>
-    <p:sldId id="267" r:id="rId11"/>
-    <p:sldId id="280" r:id="rId12"/>
-    <p:sldId id="268" r:id="rId13"/>
-    <p:sldId id="269" r:id="rId14"/>
-    <p:sldId id="271" r:id="rId15"/>
-    <p:sldId id="270" r:id="rId16"/>
-    <p:sldId id="291" r:id="rId17"/>
-    <p:sldId id="282" r:id="rId18"/>
-    <p:sldId id="283" r:id="rId19"/>
-    <p:sldId id="284" r:id="rId20"/>
-    <p:sldId id="285" r:id="rId21"/>
-    <p:sldId id="286" r:id="rId22"/>
-    <p:sldId id="288" r:id="rId23"/>
-    <p:sldId id="289" r:id="rId24"/>
-    <p:sldId id="290" r:id="rId25"/>
-    <p:sldId id="287" r:id="rId26"/>
-    <p:sldId id="259" r:id="rId27"/>
-    <p:sldId id="281" r:id="rId28"/>
-    <p:sldId id="258" r:id="rId29"/>
-    <p:sldId id="263" r:id="rId30"/>
-    <p:sldId id="264" r:id="rId31"/>
-    <p:sldId id="265" r:id="rId32"/>
-    <p:sldId id="266" r:id="rId33"/>
-    <p:sldId id="261" r:id="rId34"/>
-    <p:sldId id="260" r:id="rId35"/>
+    <p:sldId id="294" r:id="rId3"/>
+    <p:sldId id="292" r:id="rId4"/>
+    <p:sldId id="262" r:id="rId5"/>
+    <p:sldId id="276" r:id="rId6"/>
+    <p:sldId id="278" r:id="rId7"/>
+    <p:sldId id="279" r:id="rId8"/>
+    <p:sldId id="293" r:id="rId9"/>
+    <p:sldId id="272" r:id="rId10"/>
+    <p:sldId id="273" r:id="rId11"/>
+    <p:sldId id="274" r:id="rId12"/>
+    <p:sldId id="275" r:id="rId13"/>
+    <p:sldId id="280" r:id="rId14"/>
+    <p:sldId id="267" r:id="rId15"/>
+    <p:sldId id="268" r:id="rId16"/>
+    <p:sldId id="269" r:id="rId17"/>
+    <p:sldId id="271" r:id="rId18"/>
+    <p:sldId id="270" r:id="rId19"/>
+    <p:sldId id="291" r:id="rId20"/>
+    <p:sldId id="282" r:id="rId21"/>
+    <p:sldId id="283" r:id="rId22"/>
+    <p:sldId id="284" r:id="rId23"/>
+    <p:sldId id="285" r:id="rId24"/>
+    <p:sldId id="286" r:id="rId25"/>
+    <p:sldId id="288" r:id="rId26"/>
+    <p:sldId id="289" r:id="rId27"/>
+    <p:sldId id="290" r:id="rId28"/>
+    <p:sldId id="287" r:id="rId29"/>
+    <p:sldId id="259" r:id="rId30"/>
+    <p:sldId id="281" r:id="rId31"/>
+    <p:sldId id="258" r:id="rId32"/>
+    <p:sldId id="263" r:id="rId33"/>
+    <p:sldId id="264" r:id="rId34"/>
+    <p:sldId id="265" r:id="rId35"/>
+    <p:sldId id="266" r:id="rId36"/>
+    <p:sldId id="261" r:id="rId37"/>
   </p:sldIdLst>
   <p:sldSz cx="9144000" cy="6858000" type="screen4x3"/>
   <p:notesSz cx="6858000" cy="9144000"/>
@@ -3615,6 +3617,13 @@
   <p:clrMapOvr>
     <a:masterClrMapping/>
   </p:clrMapOvr>
+  <p:timing>
+    <p:tnLst>
+      <p:par>
+        <p:cTn xmlns:p14="http://schemas.microsoft.com/office/powerpoint/2010/main" id="1" dur="indefinite" restart="never" nodeType="tmRoot"/>
+      </p:par>
+    </p:tnLst>
+  </p:timing>
 </p:sld>
 </file>
 
@@ -3652,7 +3661,7 @@
           <a:p>
             <a:r>
               <a:rPr lang="en-US" dirty="0" smtClean="0"/>
-              <a:t>Facets - Aggregations</a:t>
+              <a:t>How to do it? Native Example</a:t>
             </a:r>
             <a:endParaRPr lang="en-US" dirty="0"/>
           </a:p>
@@ -3660,7 +3669,7 @@
       </p:sp>
       <p:pic>
         <p:nvPicPr>
-          <p:cNvPr id="6" name="Content Placeholder 5" descr="Screen Shot 2014-04-30 at 11.51.06 AM.png"/>
+          <p:cNvPr id="4" name="Content Placeholder 3" descr="Screen Shot 2014-04-30 at 3.29.18 PM.png"/>
           <p:cNvPicPr>
             <a:picLocks noGrp="1" noChangeAspect="1"/>
           </p:cNvPicPr>
@@ -3676,7 +3685,7 @@
               </a:ext>
             </a:extLst>
           </a:blip>
-          <a:srcRect l="-47081" r="-47081"/>
+          <a:srcRect l="-24519" r="-24519"/>
           <a:stretch>
             <a:fillRect/>
           </a:stretch>
@@ -3686,13 +3695,20 @@
     </p:spTree>
     <p:extLst>
       <p:ext uri="{BB962C8B-B14F-4D97-AF65-F5344CB8AC3E}">
-        <p14:creationId xmlns:p14="http://schemas.microsoft.com/office/powerpoint/2010/main" val="1083240868"/>
+        <p14:creationId xmlns:p14="http://schemas.microsoft.com/office/powerpoint/2010/main" val="3862436629"/>
       </p:ext>
     </p:extLst>
   </p:cSld>
   <p:clrMapOvr>
     <a:masterClrMapping/>
   </p:clrMapOvr>
+  <p:timing>
+    <p:tnLst>
+      <p:par>
+        <p:cTn xmlns:p14="http://schemas.microsoft.com/office/powerpoint/2010/main" id="1" dur="indefinite" restart="never" nodeType="tmRoot"/>
+      </p:par>
+    </p:tnLst>
+  </p:timing>
 </p:sld>
 </file>
 
@@ -3730,11 +3746,11 @@
           <a:p>
             <a:r>
               <a:rPr lang="en-US" dirty="0" smtClean="0"/>
-              <a:t>What are </a:t>
-            </a:r>
-            <a:r>
-              <a:rPr lang="en-US" dirty="0" smtClean="0"/>
-              <a:t>Facets? Why? How?</a:t>
+              <a:t>How to do it? </a:t>
+            </a:r>
+            <a:r>
+              <a:rPr lang="en-US" dirty="0" err="1" smtClean="0"/>
+              <a:t>Logstash</a:t>
             </a:r>
             <a:endParaRPr lang="en-US" dirty="0"/>
           </a:p>
@@ -3742,7 +3758,7 @@
       </p:sp>
       <p:sp>
         <p:nvSpPr>
-          <p:cNvPr id="3" name="Content Placeholder 2"/>
+          <p:cNvPr id="5" name="Content Placeholder 4"/>
           <p:cNvSpPr>
             <a:spLocks noGrp="1"/>
           </p:cNvSpPr>
@@ -3757,87 +3773,84 @@
           <a:p>
             <a:r>
               <a:rPr lang="en-US" dirty="0" smtClean="0"/>
-              <a:t>Facets – ability to find subcategories within your data.</a:t>
-            </a:r>
-          </a:p>
-          <a:p>
-            <a:pPr lvl="1"/>
-            <a:r>
-              <a:rPr lang="en-US" dirty="0" smtClean="0"/>
-              <a:t>Improve results</a:t>
-            </a:r>
-            <a:r>
-              <a:rPr lang="en-US" dirty="0"/>
-              <a:t>	</a:t>
+              <a:t>Edit log4j.properties file</a:t>
+            </a:r>
+          </a:p>
+          <a:p>
+            <a:r>
+              <a:rPr lang="en-US" dirty="0" smtClean="0"/>
+              <a:t>Create </a:t>
+            </a:r>
+            <a:r>
+              <a:rPr lang="en-US" dirty="0" err="1" smtClean="0"/>
+              <a:t>logstash</a:t>
+            </a:r>
+            <a:r>
+              <a:rPr lang="en-US" dirty="0" smtClean="0"/>
+              <a:t> configuration file (</a:t>
+            </a:r>
+            <a:r>
+              <a:rPr lang="en-US" dirty="0" err="1" smtClean="0"/>
+              <a:t>shipper.conf</a:t>
+            </a:r>
+            <a:r>
+              <a:rPr lang="en-US" dirty="0" smtClean="0"/>
+              <a:t>)</a:t>
+            </a:r>
+          </a:p>
+          <a:p>
+            <a:r>
+              <a:rPr lang="en-US" dirty="0" smtClean="0"/>
+              <a:t>Download </a:t>
+            </a:r>
+            <a:r>
+              <a:rPr lang="en-US" dirty="0" err="1" smtClean="0"/>
+              <a:t>logstash</a:t>
+            </a:r>
+            <a:r>
+              <a:rPr lang="en-US" dirty="0" smtClean="0"/>
+              <a:t> jar</a:t>
+            </a:r>
+          </a:p>
+          <a:p>
+            <a:r>
+              <a:rPr lang="en-US" dirty="0" smtClean="0"/>
+              <a:t>Run the following</a:t>
+            </a:r>
+          </a:p>
+          <a:p>
+            <a:pPr marL="914400" lvl="2" indent="0">
+              <a:buNone/>
+            </a:pPr>
+            <a:r>
+              <a:rPr lang="en-US" dirty="0" smtClean="0"/>
+              <a:t>java –jar logstash-1.3.3-flatjar.jar agent –f </a:t>
+            </a:r>
+            <a:r>
+              <a:rPr lang="en-US" dirty="0" err="1" smtClean="0"/>
+              <a:t>shipper.conf</a:t>
             </a:r>
             <a:endParaRPr lang="en-US" dirty="0" smtClean="0"/>
-          </a:p>
-          <a:p>
-            <a:pPr lvl="1"/>
-            <a:r>
-              <a:rPr lang="en-US" dirty="0" smtClean="0"/>
-              <a:t>Faceting is an additional step in the query processing</a:t>
-            </a:r>
-          </a:p>
-          <a:p>
-            <a:pPr lvl="1"/>
-            <a:r>
-              <a:rPr lang="en-US" dirty="0" smtClean="0"/>
-              <a:t>They allow to execute </a:t>
-            </a:r>
-          </a:p>
-          <a:p>
-            <a:pPr lvl="2"/>
-            <a:r>
-              <a:rPr lang="en-US" dirty="0" smtClean="0"/>
-              <a:t>Histogram </a:t>
-            </a:r>
-          </a:p>
-          <a:p>
-            <a:pPr lvl="2"/>
-            <a:r>
-              <a:rPr lang="en-US" dirty="0" smtClean="0"/>
-              <a:t>Counting</a:t>
-            </a:r>
-          </a:p>
-          <a:p>
-            <a:pPr lvl="2"/>
-            <a:r>
-              <a:rPr lang="en-US" dirty="0" smtClean="0"/>
-              <a:t>Statistics</a:t>
-            </a:r>
-          </a:p>
-          <a:p>
-            <a:pPr lvl="2"/>
-            <a:r>
-              <a:rPr lang="en-US" dirty="0" smtClean="0"/>
-              <a:t>Geo distance aggregation</a:t>
-            </a:r>
-            <a:endParaRPr lang="en-US" dirty="0"/>
-          </a:p>
-          <a:p>
-            <a:pPr lvl="2"/>
-            <a:endParaRPr lang="en-US" dirty="0" smtClean="0"/>
-          </a:p>
-          <a:p>
-            <a:pPr lvl="1"/>
-            <a:r>
-              <a:rPr lang="en-US" dirty="0" smtClean="0"/>
-              <a:t>The main usage of facets is to provide additional data to the search results to improve the results quality.</a:t>
-            </a:r>
           </a:p>
         </p:txBody>
       </p:sp>
     </p:spTree>
     <p:extLst>
       <p:ext uri="{BB962C8B-B14F-4D97-AF65-F5344CB8AC3E}">
-        <p14:creationId xmlns:p14="http://schemas.microsoft.com/office/powerpoint/2010/main" val="4257706603"/>
+        <p14:creationId xmlns:p14="http://schemas.microsoft.com/office/powerpoint/2010/main" val="2550242663"/>
       </p:ext>
     </p:extLst>
   </p:cSld>
   <p:clrMapOvr>
     <a:masterClrMapping/>
   </p:clrMapOvr>
+  <p:timing>
+    <p:tnLst>
+      <p:par>
+        <p:cTn xmlns:p14="http://schemas.microsoft.com/office/powerpoint/2010/main" id="1" dur="indefinite" restart="never" nodeType="tmRoot"/>
+      </p:par>
+    </p:tnLst>
+  </p:timing>
 </p:sld>
 </file>
 
@@ -3874,16 +3887,20 @@
           <a:lstStyle/>
           <a:p>
             <a:r>
-              <a:rPr lang="en-US" dirty="0" smtClean="0"/>
-              <a:t>Facets. Examples. BBC Crawled -Data</a:t>
-            </a:r>
-            <a:endParaRPr lang="en-US" dirty="0"/>
+              <a:rPr lang="en-US" sz="1800" dirty="0" err="1" smtClean="0"/>
+              <a:t>Logstash</a:t>
+            </a:r>
+            <a:r>
+              <a:rPr lang="en-US" sz="1800" dirty="0" smtClean="0"/>
+              <a:t> Configuration and log4j.properties</a:t>
+            </a:r>
+            <a:endParaRPr lang="en-US" sz="1800" dirty="0"/>
           </a:p>
         </p:txBody>
       </p:sp>
       <p:pic>
         <p:nvPicPr>
-          <p:cNvPr id="4" name="Content Placeholder 3" descr="Screen Shot 2014-04-30 at 11.53.57 AM.png"/>
+          <p:cNvPr id="4" name="Content Placeholder 3" descr="Screen Shot 2014-04-30 at 3.45.02 PM.png"/>
           <p:cNvPicPr>
             <a:picLocks noGrp="1" noChangeAspect="1"/>
           </p:cNvPicPr>
@@ -3899,7 +3916,7 @@
               </a:ext>
             </a:extLst>
           </a:blip>
-          <a:srcRect l="-19152" r="-19152"/>
+          <a:srcRect t="7920" b="7920"/>
           <a:stretch>
             <a:fillRect/>
           </a:stretch>
@@ -3909,13 +3926,20 @@
     </p:spTree>
     <p:extLst>
       <p:ext uri="{BB962C8B-B14F-4D97-AF65-F5344CB8AC3E}">
-        <p14:creationId xmlns:p14="http://schemas.microsoft.com/office/powerpoint/2010/main" val="1989826463"/>
+        <p14:creationId xmlns:p14="http://schemas.microsoft.com/office/powerpoint/2010/main" val="206715592"/>
       </p:ext>
     </p:extLst>
   </p:cSld>
   <p:clrMapOvr>
     <a:masterClrMapping/>
   </p:clrMapOvr>
+  <p:timing>
+    <p:tnLst>
+      <p:par>
+        <p:cTn xmlns:p14="http://schemas.microsoft.com/office/powerpoint/2010/main" id="1" dur="indefinite" restart="never" nodeType="tmRoot"/>
+      </p:par>
+    </p:tnLst>
+  </p:timing>
 </p:sld>
 </file>
 
@@ -3953,55 +3977,121 @@
           <a:p>
             <a:r>
               <a:rPr lang="en-US" dirty="0" smtClean="0"/>
-              <a:t>Facets. Examples. </a:t>
-            </a:r>
-            <a:r>
-              <a:rPr lang="en-US" dirty="0" err="1" smtClean="0"/>
-              <a:t>Logstash</a:t>
-            </a:r>
-            <a:r>
-              <a:rPr lang="en-US" dirty="0" smtClean="0"/>
-              <a:t> out the box</a:t>
+              <a:t>What are </a:t>
+            </a:r>
+            <a:r>
+              <a:rPr lang="en-US" dirty="0" smtClean="0"/>
+              <a:t>Facets? Why? How?</a:t>
             </a:r>
             <a:endParaRPr lang="en-US" dirty="0"/>
           </a:p>
         </p:txBody>
       </p:sp>
-      <p:pic>
-        <p:nvPicPr>
-          <p:cNvPr id="4" name="Content Placeholder 3" descr="Screen Shot 2014-04-30 at 11.57.52 AM.png"/>
-          <p:cNvPicPr>
-            <a:picLocks noGrp="1" noChangeAspect="1"/>
-          </p:cNvPicPr>
+      <p:sp>
+        <p:nvSpPr>
+          <p:cNvPr id="3" name="Content Placeholder 2"/>
+          <p:cNvSpPr>
+            <a:spLocks noGrp="1"/>
+          </p:cNvSpPr>
           <p:nvPr>
             <p:ph sz="quarter" idx="13"/>
           </p:nvPr>
-        </p:nvPicPr>
-        <p:blipFill>
-          <a:blip r:embed="rId2">
-            <a:extLst>
-              <a:ext uri="{28A0092B-C50C-407E-A947-70E740481C1C}">
-                <a14:useLocalDpi xmlns:a14="http://schemas.microsoft.com/office/drawing/2010/main" val="0"/>
-              </a:ext>
-            </a:extLst>
-          </a:blip>
-          <a:srcRect l="-3059" r="-3059"/>
-          <a:stretch>
-            <a:fillRect/>
-          </a:stretch>
-        </p:blipFill>
-        <p:spPr/>
-      </p:pic>
+        </p:nvSpPr>
+        <p:spPr/>
+        <p:txBody>
+          <a:bodyPr/>
+          <a:lstStyle/>
+          <a:p>
+            <a:r>
+              <a:rPr lang="en-US" dirty="0" smtClean="0"/>
+              <a:t>Facets – ability to find subcategories within your data.</a:t>
+            </a:r>
+          </a:p>
+          <a:p>
+            <a:pPr lvl="1"/>
+            <a:r>
+              <a:rPr lang="en-US" dirty="0" smtClean="0"/>
+              <a:t>Improve results</a:t>
+            </a:r>
+            <a:r>
+              <a:rPr lang="en-US" dirty="0"/>
+              <a:t>	</a:t>
+            </a:r>
+            <a:endParaRPr lang="en-US" dirty="0" smtClean="0"/>
+          </a:p>
+          <a:p>
+            <a:pPr lvl="1"/>
+            <a:r>
+              <a:rPr lang="en-US" dirty="0" smtClean="0"/>
+              <a:t>Faceting is an additional step in the query processing</a:t>
+            </a:r>
+          </a:p>
+          <a:p>
+            <a:pPr lvl="1"/>
+            <a:r>
+              <a:rPr lang="en-US" dirty="0" smtClean="0"/>
+              <a:t>They allow to execute </a:t>
+            </a:r>
+          </a:p>
+          <a:p>
+            <a:pPr lvl="2"/>
+            <a:r>
+              <a:rPr lang="en-US" dirty="0" smtClean="0"/>
+              <a:t>Histogram </a:t>
+            </a:r>
+          </a:p>
+          <a:p>
+            <a:pPr lvl="2"/>
+            <a:r>
+              <a:rPr lang="en-US" dirty="0" smtClean="0"/>
+              <a:t>Counting</a:t>
+            </a:r>
+          </a:p>
+          <a:p>
+            <a:pPr lvl="2"/>
+            <a:r>
+              <a:rPr lang="en-US" dirty="0" smtClean="0"/>
+              <a:t>Statistics</a:t>
+            </a:r>
+          </a:p>
+          <a:p>
+            <a:pPr lvl="2"/>
+            <a:r>
+              <a:rPr lang="en-US" dirty="0" smtClean="0"/>
+              <a:t>Geo distance aggregation</a:t>
+            </a:r>
+            <a:endParaRPr lang="en-US" dirty="0"/>
+          </a:p>
+          <a:p>
+            <a:pPr lvl="2"/>
+            <a:endParaRPr lang="en-US" dirty="0" smtClean="0"/>
+          </a:p>
+          <a:p>
+            <a:pPr lvl="1"/>
+            <a:r>
+              <a:rPr lang="en-US" dirty="0" smtClean="0"/>
+              <a:t>The main usage of facets is to provide additional data to the search results to improve the results quality.</a:t>
+            </a:r>
+          </a:p>
+        </p:txBody>
+      </p:sp>
     </p:spTree>
     <p:extLst>
       <p:ext uri="{BB962C8B-B14F-4D97-AF65-F5344CB8AC3E}">
-        <p14:creationId xmlns:p14="http://schemas.microsoft.com/office/powerpoint/2010/main" val="4096100004"/>
+        <p14:creationId xmlns:p14="http://schemas.microsoft.com/office/powerpoint/2010/main" val="4257706603"/>
       </p:ext>
     </p:extLst>
   </p:cSld>
   <p:clrMapOvr>
     <a:masterClrMapping/>
   </p:clrMapOvr>
+  <p:timing>
+    <p:tnLst>
+      <p:par>
+        <p:cTn xmlns:p14="http://schemas.microsoft.com/office/powerpoint/2010/main" id="1" dur="indefinite" restart="never" nodeType="tmRoot"/>
+      </p:par>
+    </p:tnLst>
+  </p:timing>
 </p:sld>
 </file>
 
@@ -4039,7 +4129,7 @@
           <a:p>
             <a:r>
               <a:rPr lang="en-US" dirty="0" smtClean="0"/>
-              <a:t>More Examples.</a:t>
+              <a:t>Facets - Aggregations</a:t>
             </a:r>
             <a:endParaRPr lang="en-US" dirty="0"/>
           </a:p>
@@ -4047,7 +4137,7 @@
       </p:sp>
       <p:pic>
         <p:nvPicPr>
-          <p:cNvPr id="6" name="Content Placeholder 5" descr="Screen Shot 2014-04-30 at 3.14.38 PM.png"/>
+          <p:cNvPr id="6" name="Content Placeholder 5" descr="Screen Shot 2014-04-30 at 11.51.06 AM.png"/>
           <p:cNvPicPr>
             <a:picLocks noGrp="1" noChangeAspect="1"/>
           </p:cNvPicPr>
@@ -4063,7 +4153,7 @@
               </a:ext>
             </a:extLst>
           </a:blip>
-          <a:srcRect t="-32346" b="-32346"/>
+          <a:srcRect l="-47081" r="-47081"/>
           <a:stretch>
             <a:fillRect/>
           </a:stretch>
@@ -4073,13 +4163,20 @@
     </p:spTree>
     <p:extLst>
       <p:ext uri="{BB962C8B-B14F-4D97-AF65-F5344CB8AC3E}">
-        <p14:creationId xmlns:p14="http://schemas.microsoft.com/office/powerpoint/2010/main" val="1006017787"/>
+        <p14:creationId xmlns:p14="http://schemas.microsoft.com/office/powerpoint/2010/main" val="1083240868"/>
       </p:ext>
     </p:extLst>
   </p:cSld>
   <p:clrMapOvr>
     <a:masterClrMapping/>
   </p:clrMapOvr>
+  <p:timing>
+    <p:tnLst>
+      <p:par>
+        <p:cTn xmlns:p14="http://schemas.microsoft.com/office/powerpoint/2010/main" id="1" dur="indefinite" restart="never" nodeType="tmRoot"/>
+      </p:par>
+    </p:tnLst>
+  </p:timing>
 </p:sld>
 </file>
 
@@ -4117,7 +4214,7 @@
           <a:p>
             <a:r>
               <a:rPr lang="en-US" dirty="0" smtClean="0"/>
-              <a:t>Executing and Debugging.</a:t>
+              <a:t>Facets. Examples. BBC Crawled -Data</a:t>
             </a:r>
             <a:endParaRPr lang="en-US" dirty="0"/>
           </a:p>
@@ -4125,7 +4222,7 @@
       </p:sp>
       <p:pic>
         <p:nvPicPr>
-          <p:cNvPr id="4" name="Content Placeholder 3" descr="Screen Shot 2014-04-30 at 12.03.13 PM.png"/>
+          <p:cNvPr id="4" name="Content Placeholder 3" descr="Screen Shot 2014-04-30 at 11.53.57 AM.png"/>
           <p:cNvPicPr>
             <a:picLocks noGrp="1" noChangeAspect="1"/>
           </p:cNvPicPr>
@@ -4141,7 +4238,7 @@
               </a:ext>
             </a:extLst>
           </a:blip>
-          <a:srcRect t="-51843" b="-51843"/>
+          <a:srcRect l="-19152" r="-19152"/>
           <a:stretch>
             <a:fillRect/>
           </a:stretch>
@@ -4151,13 +4248,20 @@
     </p:spTree>
     <p:extLst>
       <p:ext uri="{BB962C8B-B14F-4D97-AF65-F5344CB8AC3E}">
-        <p14:creationId xmlns:p14="http://schemas.microsoft.com/office/powerpoint/2010/main" val="2503469663"/>
+        <p14:creationId xmlns:p14="http://schemas.microsoft.com/office/powerpoint/2010/main" val="1989826463"/>
       </p:ext>
     </p:extLst>
   </p:cSld>
   <p:clrMapOvr>
     <a:masterClrMapping/>
   </p:clrMapOvr>
+  <p:timing>
+    <p:tnLst>
+      <p:par>
+        <p:cTn xmlns:p14="http://schemas.microsoft.com/office/powerpoint/2010/main" id="1" dur="indefinite" restart="never" nodeType="tmRoot"/>
+      </p:par>
+    </p:tnLst>
+  </p:timing>
 </p:sld>
 </file>
 
@@ -4195,7 +4299,15 @@
           <a:p>
             <a:r>
               <a:rPr lang="en-US" dirty="0" smtClean="0"/>
-              <a:t>Reels. Position Aggregation and The theoretical reel. </a:t>
+              <a:t>Facets. Examples. </a:t>
+            </a:r>
+            <a:r>
+              <a:rPr lang="en-US" dirty="0" err="1" smtClean="0"/>
+              <a:t>Logstash</a:t>
+            </a:r>
+            <a:r>
+              <a:rPr lang="en-US" dirty="0" smtClean="0"/>
+              <a:t> out the box</a:t>
             </a:r>
             <a:endParaRPr lang="en-US" dirty="0"/>
           </a:p>
@@ -4203,7 +4315,7 @@
       </p:sp>
       <p:pic>
         <p:nvPicPr>
-          <p:cNvPr id="6" name="Content Placeholder 5" descr="Screen Shot 2014-05-14 at 6.05.19 PM.png"/>
+          <p:cNvPr id="4" name="Content Placeholder 3" descr="Screen Shot 2014-04-30 at 11.57.52 AM.png"/>
           <p:cNvPicPr>
             <a:picLocks noGrp="1" noChangeAspect="1"/>
           </p:cNvPicPr>
@@ -4219,7 +4331,7 @@
               </a:ext>
             </a:extLst>
           </a:blip>
-          <a:srcRect l="-9848" r="-9848"/>
+          <a:srcRect l="-3059" r="-3059"/>
           <a:stretch>
             <a:fillRect/>
           </a:stretch>
@@ -4229,13 +4341,20 @@
     </p:spTree>
     <p:extLst>
       <p:ext uri="{BB962C8B-B14F-4D97-AF65-F5344CB8AC3E}">
-        <p14:creationId xmlns:p14="http://schemas.microsoft.com/office/powerpoint/2010/main" val="3811251667"/>
+        <p14:creationId xmlns:p14="http://schemas.microsoft.com/office/powerpoint/2010/main" val="4096100004"/>
       </p:ext>
     </p:extLst>
   </p:cSld>
   <p:clrMapOvr>
     <a:masterClrMapping/>
   </p:clrMapOvr>
+  <p:timing>
+    <p:tnLst>
+      <p:par>
+        <p:cTn xmlns:p14="http://schemas.microsoft.com/office/powerpoint/2010/main" id="1" dur="indefinite" restart="never" nodeType="tmRoot"/>
+      </p:par>
+    </p:tnLst>
+  </p:timing>
 </p:sld>
 </file>
 
@@ -4273,7 +4392,7 @@
           <a:p>
             <a:r>
               <a:rPr lang="en-US" dirty="0" smtClean="0"/>
-              <a:t>JDBC River Plugin. How and WHY?</a:t>
+              <a:t>More Examples.</a:t>
             </a:r>
             <a:endParaRPr lang="en-US" dirty="0"/>
           </a:p>
@@ -4281,7 +4400,7 @@
       </p:sp>
       <p:pic>
         <p:nvPicPr>
-          <p:cNvPr id="4" name="Content Placeholder 3" descr="Screen Shot 2014-05-12 at 11.09.32 AM.png"/>
+          <p:cNvPr id="6" name="Content Placeholder 5" descr="Screen Shot 2014-04-30 at 3.14.38 PM.png"/>
           <p:cNvPicPr>
             <a:picLocks noGrp="1" noChangeAspect="1"/>
           </p:cNvPicPr>
@@ -4297,7 +4416,7 @@
               </a:ext>
             </a:extLst>
           </a:blip>
-          <a:srcRect l="-25235" r="-25235"/>
+          <a:srcRect t="-32346" b="-32346"/>
           <a:stretch>
             <a:fillRect/>
           </a:stretch>
@@ -4307,13 +4426,20 @@
     </p:spTree>
     <p:extLst>
       <p:ext uri="{BB962C8B-B14F-4D97-AF65-F5344CB8AC3E}">
-        <p14:creationId xmlns:p14="http://schemas.microsoft.com/office/powerpoint/2010/main" val="1682887055"/>
+        <p14:creationId xmlns:p14="http://schemas.microsoft.com/office/powerpoint/2010/main" val="1006017787"/>
       </p:ext>
     </p:extLst>
   </p:cSld>
   <p:clrMapOvr>
     <a:masterClrMapping/>
   </p:clrMapOvr>
+  <p:timing>
+    <p:tnLst>
+      <p:par>
+        <p:cTn xmlns:p14="http://schemas.microsoft.com/office/powerpoint/2010/main" id="1" dur="indefinite" restart="never" nodeType="tmRoot"/>
+      </p:par>
+    </p:tnLst>
+  </p:timing>
 </p:sld>
 </file>
 
@@ -4351,6 +4477,375 @@
           <a:p>
             <a:r>
               <a:rPr lang="en-US" dirty="0" smtClean="0"/>
+              <a:t>Executing and Debugging.</a:t>
+            </a:r>
+            <a:endParaRPr lang="en-US" dirty="0"/>
+          </a:p>
+        </p:txBody>
+      </p:sp>
+      <p:pic>
+        <p:nvPicPr>
+          <p:cNvPr id="4" name="Content Placeholder 3" descr="Screen Shot 2014-04-30 at 12.03.13 PM.png"/>
+          <p:cNvPicPr>
+            <a:picLocks noGrp="1" noChangeAspect="1"/>
+          </p:cNvPicPr>
+          <p:nvPr>
+            <p:ph sz="quarter" idx="13"/>
+          </p:nvPr>
+        </p:nvPicPr>
+        <p:blipFill>
+          <a:blip r:embed="rId2">
+            <a:extLst>
+              <a:ext uri="{28A0092B-C50C-407E-A947-70E740481C1C}">
+                <a14:useLocalDpi xmlns:a14="http://schemas.microsoft.com/office/drawing/2010/main" val="0"/>
+              </a:ext>
+            </a:extLst>
+          </a:blip>
+          <a:srcRect t="-51843" b="-51843"/>
+          <a:stretch>
+            <a:fillRect/>
+          </a:stretch>
+        </p:blipFill>
+        <p:spPr/>
+      </p:pic>
+    </p:spTree>
+    <p:extLst>
+      <p:ext uri="{BB962C8B-B14F-4D97-AF65-F5344CB8AC3E}">
+        <p14:creationId xmlns:p14="http://schemas.microsoft.com/office/powerpoint/2010/main" val="2503469663"/>
+      </p:ext>
+    </p:extLst>
+  </p:cSld>
+  <p:clrMapOvr>
+    <a:masterClrMapping/>
+  </p:clrMapOvr>
+  <p:timing>
+    <p:tnLst>
+      <p:par>
+        <p:cTn xmlns:p14="http://schemas.microsoft.com/office/powerpoint/2010/main" id="1" dur="indefinite" restart="never" nodeType="tmRoot"/>
+      </p:par>
+    </p:tnLst>
+  </p:timing>
+</p:sld>
+</file>
+
+<file path=ppt/slides/slide19.xml><?xml version="1.0" encoding="utf-8"?>
+<p:sld xmlns:a="http://schemas.openxmlformats.org/drawingml/2006/main" xmlns:r="http://schemas.openxmlformats.org/officeDocument/2006/relationships" xmlns:p="http://schemas.openxmlformats.org/presentationml/2006/main">
+  <p:cSld>
+    <p:spTree>
+      <p:nvGrpSpPr>
+        <p:cNvPr id="1" name=""/>
+        <p:cNvGrpSpPr/>
+        <p:nvPr/>
+      </p:nvGrpSpPr>
+      <p:grpSpPr>
+        <a:xfrm>
+          <a:off x="0" y="0"/>
+          <a:ext cx="0" cy="0"/>
+          <a:chOff x="0" y="0"/>
+          <a:chExt cx="0" cy="0"/>
+        </a:xfrm>
+      </p:grpSpPr>
+      <p:sp>
+        <p:nvSpPr>
+          <p:cNvPr id="2" name="Title 1"/>
+          <p:cNvSpPr>
+            <a:spLocks noGrp="1"/>
+          </p:cNvSpPr>
+          <p:nvPr>
+            <p:ph type="title"/>
+          </p:nvPr>
+        </p:nvSpPr>
+        <p:spPr/>
+        <p:txBody>
+          <a:bodyPr/>
+          <a:lstStyle/>
+          <a:p>
+            <a:r>
+              <a:rPr lang="en-US" dirty="0" smtClean="0"/>
+              <a:t>Reels. Position Aggregation and The theoretical reel. </a:t>
+            </a:r>
+            <a:endParaRPr lang="en-US" dirty="0"/>
+          </a:p>
+        </p:txBody>
+      </p:sp>
+      <p:pic>
+        <p:nvPicPr>
+          <p:cNvPr id="6" name="Content Placeholder 5" descr="Screen Shot 2014-05-14 at 6.05.19 PM.png"/>
+          <p:cNvPicPr>
+            <a:picLocks noGrp="1" noChangeAspect="1"/>
+          </p:cNvPicPr>
+          <p:nvPr>
+            <p:ph sz="quarter" idx="13"/>
+          </p:nvPr>
+        </p:nvPicPr>
+        <p:blipFill>
+          <a:blip r:embed="rId2">
+            <a:extLst>
+              <a:ext uri="{28A0092B-C50C-407E-A947-70E740481C1C}">
+                <a14:useLocalDpi xmlns:a14="http://schemas.microsoft.com/office/drawing/2010/main" val="0"/>
+              </a:ext>
+            </a:extLst>
+          </a:blip>
+          <a:srcRect l="-9848" r="-9848"/>
+          <a:stretch>
+            <a:fillRect/>
+          </a:stretch>
+        </p:blipFill>
+        <p:spPr/>
+      </p:pic>
+    </p:spTree>
+    <p:extLst>
+      <p:ext uri="{BB962C8B-B14F-4D97-AF65-F5344CB8AC3E}">
+        <p14:creationId xmlns:p14="http://schemas.microsoft.com/office/powerpoint/2010/main" val="3811251667"/>
+      </p:ext>
+    </p:extLst>
+  </p:cSld>
+  <p:clrMapOvr>
+    <a:masterClrMapping/>
+  </p:clrMapOvr>
+  <p:timing>
+    <p:tnLst>
+      <p:par>
+        <p:cTn xmlns:p14="http://schemas.microsoft.com/office/powerpoint/2010/main" id="1" dur="indefinite" restart="never" nodeType="tmRoot"/>
+      </p:par>
+    </p:tnLst>
+  </p:timing>
+</p:sld>
+</file>
+
+<file path=ppt/slides/slide2.xml><?xml version="1.0" encoding="utf-8"?>
+<p:sld xmlns:a="http://schemas.openxmlformats.org/drawingml/2006/main" xmlns:r="http://schemas.openxmlformats.org/officeDocument/2006/relationships" xmlns:p="http://schemas.openxmlformats.org/presentationml/2006/main">
+  <p:cSld>
+    <p:spTree>
+      <p:nvGrpSpPr>
+        <p:cNvPr id="1" name=""/>
+        <p:cNvGrpSpPr/>
+        <p:nvPr/>
+      </p:nvGrpSpPr>
+      <p:grpSpPr>
+        <a:xfrm>
+          <a:off x="0" y="0"/>
+          <a:ext cx="0" cy="0"/>
+          <a:chOff x="0" y="0"/>
+          <a:chExt cx="0" cy="0"/>
+        </a:xfrm>
+      </p:grpSpPr>
+      <p:sp>
+        <p:nvSpPr>
+          <p:cNvPr id="2" name="Title 1"/>
+          <p:cNvSpPr>
+            <a:spLocks noGrp="1"/>
+          </p:cNvSpPr>
+          <p:nvPr>
+            <p:ph type="title"/>
+          </p:nvPr>
+        </p:nvSpPr>
+        <p:spPr/>
+        <p:txBody>
+          <a:bodyPr/>
+          <a:lstStyle/>
+          <a:p>
+            <a:r>
+              <a:rPr lang="en-US" dirty="0" smtClean="0"/>
+              <a:t>Outline</a:t>
+            </a:r>
+            <a:endParaRPr lang="en-US" dirty="0"/>
+          </a:p>
+        </p:txBody>
+      </p:sp>
+      <p:sp>
+        <p:nvSpPr>
+          <p:cNvPr id="3" name="Content Placeholder 2"/>
+          <p:cNvSpPr>
+            <a:spLocks noGrp="1"/>
+          </p:cNvSpPr>
+          <p:nvPr>
+            <p:ph sz="quarter" idx="13"/>
+          </p:nvPr>
+        </p:nvSpPr>
+        <p:spPr/>
+        <p:txBody>
+          <a:bodyPr/>
+          <a:lstStyle/>
+          <a:p>
+            <a:r>
+              <a:rPr lang="en-US" dirty="0" smtClean="0"/>
+              <a:t>What is </a:t>
+            </a:r>
+            <a:r>
+              <a:rPr lang="en-US" dirty="0" err="1" smtClean="0"/>
+              <a:t>Elasticsearch</a:t>
+            </a:r>
+            <a:r>
+              <a:rPr lang="en-US" dirty="0" smtClean="0"/>
+              <a:t>?</a:t>
+            </a:r>
+          </a:p>
+          <a:p>
+            <a:r>
+              <a:rPr lang="en-US" dirty="0" smtClean="0"/>
+              <a:t>Advantages</a:t>
+            </a:r>
+          </a:p>
+          <a:p>
+            <a:r>
+              <a:rPr lang="en-US" dirty="0" smtClean="0"/>
+              <a:t>Examples</a:t>
+            </a:r>
+          </a:p>
+          <a:p>
+            <a:r>
+              <a:rPr lang="en-US" dirty="0" smtClean="0"/>
+              <a:t>More Details</a:t>
+            </a:r>
+          </a:p>
+          <a:p>
+            <a:r>
+              <a:rPr lang="en-US" dirty="0" smtClean="0"/>
+              <a:t>Walk thru Examples</a:t>
+            </a:r>
+          </a:p>
+          <a:p>
+            <a:endParaRPr lang="en-US" dirty="0"/>
+          </a:p>
+        </p:txBody>
+      </p:sp>
+    </p:spTree>
+    <p:extLst>
+      <p:ext uri="{BB962C8B-B14F-4D97-AF65-F5344CB8AC3E}">
+        <p14:creationId xmlns:p14="http://schemas.microsoft.com/office/powerpoint/2010/main" val="492538252"/>
+      </p:ext>
+    </p:extLst>
+  </p:cSld>
+  <p:clrMapOvr>
+    <a:masterClrMapping/>
+  </p:clrMapOvr>
+</p:sld>
+</file>
+
+<file path=ppt/slides/slide20.xml><?xml version="1.0" encoding="utf-8"?>
+<p:sld xmlns:a="http://schemas.openxmlformats.org/drawingml/2006/main" xmlns:r="http://schemas.openxmlformats.org/officeDocument/2006/relationships" xmlns:p="http://schemas.openxmlformats.org/presentationml/2006/main">
+  <p:cSld>
+    <p:spTree>
+      <p:nvGrpSpPr>
+        <p:cNvPr id="1" name=""/>
+        <p:cNvGrpSpPr/>
+        <p:nvPr/>
+      </p:nvGrpSpPr>
+      <p:grpSpPr>
+        <a:xfrm>
+          <a:off x="0" y="0"/>
+          <a:ext cx="0" cy="0"/>
+          <a:chOff x="0" y="0"/>
+          <a:chExt cx="0" cy="0"/>
+        </a:xfrm>
+      </p:grpSpPr>
+      <p:sp>
+        <p:nvSpPr>
+          <p:cNvPr id="2" name="Title 1"/>
+          <p:cNvSpPr>
+            <a:spLocks noGrp="1"/>
+          </p:cNvSpPr>
+          <p:nvPr>
+            <p:ph type="title"/>
+          </p:nvPr>
+        </p:nvSpPr>
+        <p:spPr/>
+        <p:txBody>
+          <a:bodyPr/>
+          <a:lstStyle/>
+          <a:p>
+            <a:r>
+              <a:rPr lang="en-US" dirty="0" smtClean="0"/>
+              <a:t>JDBC River Plugin. </a:t>
+            </a:r>
+            <a:r>
+              <a:rPr lang="en-US" dirty="0" smtClean="0"/>
+              <a:t>WHY and how?</a:t>
+            </a:r>
+            <a:endParaRPr lang="en-US" dirty="0"/>
+          </a:p>
+        </p:txBody>
+      </p:sp>
+      <p:pic>
+        <p:nvPicPr>
+          <p:cNvPr id="4" name="Content Placeholder 3" descr="Screen Shot 2014-05-12 at 11.09.32 AM.png"/>
+          <p:cNvPicPr>
+            <a:picLocks noGrp="1" noChangeAspect="1"/>
+          </p:cNvPicPr>
+          <p:nvPr>
+            <p:ph sz="quarter" idx="13"/>
+          </p:nvPr>
+        </p:nvPicPr>
+        <p:blipFill>
+          <a:blip r:embed="rId2">
+            <a:extLst>
+              <a:ext uri="{28A0092B-C50C-407E-A947-70E740481C1C}">
+                <a14:useLocalDpi xmlns:a14="http://schemas.microsoft.com/office/drawing/2010/main" val="0"/>
+              </a:ext>
+            </a:extLst>
+          </a:blip>
+          <a:srcRect l="-25235" r="-25235"/>
+          <a:stretch>
+            <a:fillRect/>
+          </a:stretch>
+        </p:blipFill>
+        <p:spPr/>
+      </p:pic>
+    </p:spTree>
+    <p:extLst>
+      <p:ext uri="{BB962C8B-B14F-4D97-AF65-F5344CB8AC3E}">
+        <p14:creationId xmlns:p14="http://schemas.microsoft.com/office/powerpoint/2010/main" val="1682887055"/>
+      </p:ext>
+    </p:extLst>
+  </p:cSld>
+  <p:clrMapOvr>
+    <a:masterClrMapping/>
+  </p:clrMapOvr>
+  <p:timing>
+    <p:tnLst>
+      <p:par>
+        <p:cTn xmlns:p14="http://schemas.microsoft.com/office/powerpoint/2010/main" id="1" dur="indefinite" restart="never" nodeType="tmRoot"/>
+      </p:par>
+    </p:tnLst>
+  </p:timing>
+</p:sld>
+</file>
+
+<file path=ppt/slides/slide21.xml><?xml version="1.0" encoding="utf-8"?>
+<p:sld xmlns:a="http://schemas.openxmlformats.org/drawingml/2006/main" xmlns:r="http://schemas.openxmlformats.org/officeDocument/2006/relationships" xmlns:p="http://schemas.openxmlformats.org/presentationml/2006/main">
+  <p:cSld>
+    <p:spTree>
+      <p:nvGrpSpPr>
+        <p:cNvPr id="1" name=""/>
+        <p:cNvGrpSpPr/>
+        <p:nvPr/>
+      </p:nvGrpSpPr>
+      <p:grpSpPr>
+        <a:xfrm>
+          <a:off x="0" y="0"/>
+          <a:ext cx="0" cy="0"/>
+          <a:chOff x="0" y="0"/>
+          <a:chExt cx="0" cy="0"/>
+        </a:xfrm>
+      </p:grpSpPr>
+      <p:sp>
+        <p:nvSpPr>
+          <p:cNvPr id="2" name="Title 1"/>
+          <p:cNvSpPr>
+            <a:spLocks noGrp="1"/>
+          </p:cNvSpPr>
+          <p:nvPr>
+            <p:ph type="title"/>
+          </p:nvPr>
+        </p:nvSpPr>
+        <p:spPr/>
+        <p:txBody>
+          <a:bodyPr/>
+          <a:lstStyle/>
+          <a:p>
+            <a:r>
+              <a:rPr lang="en-US" dirty="0" smtClean="0"/>
               <a:t>JDBC River plugin. Architecture.</a:t>
             </a:r>
             <a:endParaRPr lang="en-US" dirty="0"/>
@@ -4392,10 +4887,17 @@
   <p:clrMapOvr>
     <a:masterClrMapping/>
   </p:clrMapOvr>
+  <p:timing>
+    <p:tnLst>
+      <p:par>
+        <p:cTn xmlns:p14="http://schemas.microsoft.com/office/powerpoint/2010/main" id="1" dur="indefinite" restart="never" nodeType="tmRoot"/>
+      </p:par>
+    </p:tnLst>
+  </p:timing>
 </p:sld>
 </file>
 
-<file path=ppt/slides/slide19.xml><?xml version="1.0" encoding="utf-8"?>
+<file path=ppt/slides/slide22.xml><?xml version="1.0" encoding="utf-8"?>
 <p:sld xmlns:a="http://schemas.openxmlformats.org/drawingml/2006/main" xmlns:r="http://schemas.openxmlformats.org/officeDocument/2006/relationships" xmlns:p="http://schemas.openxmlformats.org/presentationml/2006/main">
   <p:cSld>
     <p:spTree>
@@ -4631,365 +5133,13 @@
   <p:clrMapOvr>
     <a:masterClrMapping/>
   </p:clrMapOvr>
-</p:sld>
-</file>
-
-<file path=ppt/slides/slide2.xml><?xml version="1.0" encoding="utf-8"?>
-<p:sld xmlns:a="http://schemas.openxmlformats.org/drawingml/2006/main" xmlns:r="http://schemas.openxmlformats.org/officeDocument/2006/relationships" xmlns:p="http://schemas.openxmlformats.org/presentationml/2006/main">
-  <p:cSld>
-    <p:spTree>
-      <p:nvGrpSpPr>
-        <p:cNvPr id="1" name=""/>
-        <p:cNvGrpSpPr/>
-        <p:nvPr/>
-      </p:nvGrpSpPr>
-      <p:grpSpPr>
-        <a:xfrm>
-          <a:off x="0" y="0"/>
-          <a:ext cx="0" cy="0"/>
-          <a:chOff x="0" y="0"/>
-          <a:chExt cx="0" cy="0"/>
-        </a:xfrm>
-      </p:grpSpPr>
-      <p:sp>
-        <p:nvSpPr>
-          <p:cNvPr id="2" name="Title 1"/>
-          <p:cNvSpPr>
-            <a:spLocks noGrp="1"/>
-          </p:cNvSpPr>
-          <p:nvPr>
-            <p:ph type="title"/>
-          </p:nvPr>
-        </p:nvSpPr>
-        <p:spPr/>
-        <p:txBody>
-          <a:bodyPr/>
-          <a:lstStyle/>
-          <a:p>
-            <a:r>
-              <a:rPr lang="en-US" dirty="0" smtClean="0"/>
-              <a:t>Buzz </a:t>
-            </a:r>
-            <a:r>
-              <a:rPr lang="en-US" dirty="0" err="1" smtClean="0"/>
-              <a:t>WordS</a:t>
-            </a:r>
-            <a:r>
-              <a:rPr lang="en-US" dirty="0" smtClean="0"/>
-              <a:t>.</a:t>
-            </a:r>
-            <a:endParaRPr lang="en-US" dirty="0"/>
-          </a:p>
-        </p:txBody>
-      </p:sp>
-      <p:sp>
-        <p:nvSpPr>
-          <p:cNvPr id="3" name="Content Placeholder 2"/>
-          <p:cNvSpPr>
-            <a:spLocks noGrp="1"/>
-          </p:cNvSpPr>
-          <p:nvPr>
-            <p:ph sz="quarter" idx="13"/>
-          </p:nvPr>
-        </p:nvSpPr>
-        <p:spPr/>
-        <p:txBody>
-          <a:bodyPr/>
-          <a:lstStyle/>
-          <a:p>
-            <a:r>
-              <a:rPr lang="en-US" dirty="0" smtClean="0"/>
-              <a:t>Open Source</a:t>
-            </a:r>
-          </a:p>
-          <a:p>
-            <a:r>
-              <a:rPr lang="en-US" dirty="0" smtClean="0"/>
-              <a:t>JSON</a:t>
-            </a:r>
-          </a:p>
-          <a:p>
-            <a:r>
-              <a:rPr lang="en-US" dirty="0" smtClean="0"/>
-              <a:t>Rest</a:t>
-            </a:r>
-          </a:p>
-          <a:p>
-            <a:r>
-              <a:rPr lang="en-US" dirty="0" smtClean="0"/>
-              <a:t>Http</a:t>
-            </a:r>
-          </a:p>
-          <a:p>
-            <a:r>
-              <a:rPr lang="en-US" dirty="0" err="1" smtClean="0"/>
-              <a:t>Lucene</a:t>
-            </a:r>
-            <a:endParaRPr lang="en-US" dirty="0" smtClean="0"/>
-          </a:p>
-          <a:p>
-            <a:r>
-              <a:rPr lang="en-US" dirty="0" smtClean="0"/>
-              <a:t>Distributed Data Store</a:t>
-            </a:r>
-          </a:p>
-          <a:p>
-            <a:r>
-              <a:rPr lang="en-US" dirty="0" smtClean="0"/>
-              <a:t>Very good for Searching and Analyzing Data</a:t>
-            </a:r>
-            <a:endParaRPr lang="en-US" dirty="0"/>
-          </a:p>
-        </p:txBody>
-      </p:sp>
-    </p:spTree>
-    <p:extLst>
-      <p:ext uri="{BB962C8B-B14F-4D97-AF65-F5344CB8AC3E}">
-        <p14:creationId xmlns:p14="http://schemas.microsoft.com/office/powerpoint/2010/main" val="3199174025"/>
-      </p:ext>
-    </p:extLst>
-  </p:cSld>
-  <p:clrMapOvr>
-    <a:masterClrMapping/>
-  </p:clrMapOvr>
-</p:sld>
-</file>
-
-<file path=ppt/slides/slide20.xml><?xml version="1.0" encoding="utf-8"?>
-<p:sld xmlns:a="http://schemas.openxmlformats.org/drawingml/2006/main" xmlns:r="http://schemas.openxmlformats.org/officeDocument/2006/relationships" xmlns:p="http://schemas.openxmlformats.org/presentationml/2006/main">
-  <p:cSld>
-    <p:spTree>
-      <p:nvGrpSpPr>
-        <p:cNvPr id="1" name=""/>
-        <p:cNvGrpSpPr/>
-        <p:nvPr/>
-      </p:nvGrpSpPr>
-      <p:grpSpPr>
-        <a:xfrm>
-          <a:off x="0" y="0"/>
-          <a:ext cx="0" cy="0"/>
-          <a:chOff x="0" y="0"/>
-          <a:chExt cx="0" cy="0"/>
-        </a:xfrm>
-      </p:grpSpPr>
-      <p:sp>
-        <p:nvSpPr>
-          <p:cNvPr id="2" name="Title 1"/>
-          <p:cNvSpPr>
-            <a:spLocks noGrp="1"/>
-          </p:cNvSpPr>
-          <p:nvPr>
-            <p:ph type="title"/>
-          </p:nvPr>
-        </p:nvSpPr>
-        <p:spPr/>
-        <p:txBody>
-          <a:bodyPr/>
-          <a:lstStyle/>
-          <a:p>
-            <a:r>
-              <a:rPr lang="en-US" dirty="0" err="1" smtClean="0"/>
-              <a:t>Kibana</a:t>
-            </a:r>
-            <a:r>
-              <a:rPr lang="en-US" dirty="0" smtClean="0"/>
-              <a:t> Data view</a:t>
-            </a:r>
-            <a:endParaRPr lang="en-US" dirty="0"/>
-          </a:p>
-        </p:txBody>
-      </p:sp>
-      <p:pic>
-        <p:nvPicPr>
-          <p:cNvPr id="4" name="Content Placeholder 3" descr="Screen Shot 2014-05-12 at 7.57.58 PM.png"/>
-          <p:cNvPicPr>
-            <a:picLocks noGrp="1" noChangeAspect="1"/>
-          </p:cNvPicPr>
-          <p:nvPr>
-            <p:ph sz="quarter" idx="13"/>
-          </p:nvPr>
-        </p:nvPicPr>
-        <p:blipFill>
-          <a:blip r:embed="rId2">
-            <a:extLst>
-              <a:ext uri="{28A0092B-C50C-407E-A947-70E740481C1C}">
-                <a14:useLocalDpi xmlns:a14="http://schemas.microsoft.com/office/drawing/2010/main" val="0"/>
-              </a:ext>
-            </a:extLst>
-          </a:blip>
-          <a:srcRect l="-10626" r="-10626"/>
-          <a:stretch>
-            <a:fillRect/>
-          </a:stretch>
-        </p:blipFill>
-        <p:spPr/>
-      </p:pic>
-    </p:spTree>
-    <p:extLst>
-      <p:ext uri="{BB962C8B-B14F-4D97-AF65-F5344CB8AC3E}">
-        <p14:creationId xmlns:p14="http://schemas.microsoft.com/office/powerpoint/2010/main" val="1756834039"/>
-      </p:ext>
-    </p:extLst>
-  </p:cSld>
-  <p:clrMapOvr>
-    <a:masterClrMapping/>
-  </p:clrMapOvr>
-</p:sld>
-</file>
-
-<file path=ppt/slides/slide21.xml><?xml version="1.0" encoding="utf-8"?>
-<p:sld xmlns:a="http://schemas.openxmlformats.org/drawingml/2006/main" xmlns:r="http://schemas.openxmlformats.org/officeDocument/2006/relationships" xmlns:p="http://schemas.openxmlformats.org/presentationml/2006/main">
-  <p:cSld>
-    <p:spTree>
-      <p:nvGrpSpPr>
-        <p:cNvPr id="1" name=""/>
-        <p:cNvGrpSpPr/>
-        <p:nvPr/>
-      </p:nvGrpSpPr>
-      <p:grpSpPr>
-        <a:xfrm>
-          <a:off x="0" y="0"/>
-          <a:ext cx="0" cy="0"/>
-          <a:chOff x="0" y="0"/>
-          <a:chExt cx="0" cy="0"/>
-        </a:xfrm>
-      </p:grpSpPr>
-      <p:sp>
-        <p:nvSpPr>
-          <p:cNvPr id="2" name="Title 1"/>
-          <p:cNvSpPr>
-            <a:spLocks noGrp="1"/>
-          </p:cNvSpPr>
-          <p:nvPr>
-            <p:ph type="title"/>
-          </p:nvPr>
-        </p:nvSpPr>
-        <p:spPr/>
-        <p:txBody>
-          <a:bodyPr/>
-          <a:lstStyle/>
-          <a:p>
-            <a:r>
-              <a:rPr lang="en-US" dirty="0" smtClean="0"/>
-              <a:t>Reels View</a:t>
-            </a:r>
-            <a:endParaRPr lang="en-US" dirty="0"/>
-          </a:p>
-        </p:txBody>
-      </p:sp>
-      <p:pic>
-        <p:nvPicPr>
-          <p:cNvPr id="4" name="Content Placeholder 3" descr="Screen Shot 2014-05-12 at 7.58.26 PM.png"/>
-          <p:cNvPicPr>
-            <a:picLocks noGrp="1" noChangeAspect="1"/>
-          </p:cNvPicPr>
-          <p:nvPr>
-            <p:ph sz="quarter" idx="13"/>
-          </p:nvPr>
-        </p:nvPicPr>
-        <p:blipFill>
-          <a:blip r:embed="rId2">
-            <a:extLst>
-              <a:ext uri="{28A0092B-C50C-407E-A947-70E740481C1C}">
-                <a14:useLocalDpi xmlns:a14="http://schemas.microsoft.com/office/drawing/2010/main" val="0"/>
-              </a:ext>
-            </a:extLst>
-          </a:blip>
-          <a:srcRect l="-1685" r="-1685"/>
-          <a:stretch>
-            <a:fillRect/>
-          </a:stretch>
-        </p:blipFill>
-        <p:spPr/>
-      </p:pic>
-    </p:spTree>
-    <p:extLst>
-      <p:ext uri="{BB962C8B-B14F-4D97-AF65-F5344CB8AC3E}">
-        <p14:creationId xmlns:p14="http://schemas.microsoft.com/office/powerpoint/2010/main" val="3016900089"/>
-      </p:ext>
-    </p:extLst>
-  </p:cSld>
-  <p:clrMapOvr>
-    <a:masterClrMapping/>
-  </p:clrMapOvr>
-</p:sld>
-</file>
-
-<file path=ppt/slides/slide22.xml><?xml version="1.0" encoding="utf-8"?>
-<p:sld xmlns:a="http://schemas.openxmlformats.org/drawingml/2006/main" xmlns:r="http://schemas.openxmlformats.org/officeDocument/2006/relationships" xmlns:p="http://schemas.openxmlformats.org/presentationml/2006/main">
-  <p:cSld>
-    <p:spTree>
-      <p:nvGrpSpPr>
-        <p:cNvPr id="1" name=""/>
-        <p:cNvGrpSpPr/>
-        <p:nvPr/>
-      </p:nvGrpSpPr>
-      <p:grpSpPr>
-        <a:xfrm>
-          <a:off x="0" y="0"/>
-          <a:ext cx="0" cy="0"/>
-          <a:chOff x="0" y="0"/>
-          <a:chExt cx="0" cy="0"/>
-        </a:xfrm>
-      </p:grpSpPr>
-      <p:sp>
-        <p:nvSpPr>
-          <p:cNvPr id="2" name="Title 1"/>
-          <p:cNvSpPr>
-            <a:spLocks noGrp="1"/>
-          </p:cNvSpPr>
-          <p:nvPr>
-            <p:ph type="title"/>
-          </p:nvPr>
-        </p:nvSpPr>
-        <p:spPr/>
-        <p:txBody>
-          <a:bodyPr/>
-          <a:lstStyle/>
-          <a:p>
-            <a:r>
-              <a:rPr lang="en-US" dirty="0" smtClean="0"/>
-              <a:t>Quick check on symbols.</a:t>
-            </a:r>
-            <a:endParaRPr lang="en-US" dirty="0"/>
-          </a:p>
-        </p:txBody>
-      </p:sp>
-      <p:pic>
-        <p:nvPicPr>
-          <p:cNvPr id="4" name="Content Placeholder 3" descr="Screen Shot 2014-05-13 at 3.31.46 PM.png"/>
-          <p:cNvPicPr>
-            <a:picLocks noGrp="1" noChangeAspect="1"/>
-          </p:cNvPicPr>
-          <p:nvPr>
-            <p:ph sz="quarter" idx="13"/>
-          </p:nvPr>
-        </p:nvPicPr>
-        <p:blipFill>
-          <a:blip r:embed="rId2">
-            <a:extLst>
-              <a:ext uri="{28A0092B-C50C-407E-A947-70E740481C1C}">
-                <a14:useLocalDpi xmlns:a14="http://schemas.microsoft.com/office/drawing/2010/main" val="0"/>
-              </a:ext>
-            </a:extLst>
-          </a:blip>
-          <a:srcRect t="-1881" b="-1881"/>
-          <a:stretch>
-            <a:fillRect/>
-          </a:stretch>
-        </p:blipFill>
-        <p:spPr/>
-      </p:pic>
-    </p:spTree>
-    <p:extLst>
-      <p:ext uri="{BB962C8B-B14F-4D97-AF65-F5344CB8AC3E}">
-        <p14:creationId xmlns:p14="http://schemas.microsoft.com/office/powerpoint/2010/main" val="3272432676"/>
-      </p:ext>
-    </p:extLst>
-  </p:cSld>
-  <p:clrMapOvr>
-    <a:masterClrMapping/>
-  </p:clrMapOvr>
+  <p:timing>
+    <p:tnLst>
+      <p:par>
+        <p:cTn xmlns:p14="http://schemas.microsoft.com/office/powerpoint/2010/main" id="1" dur="indefinite" restart="never" nodeType="tmRoot"/>
+      </p:par>
+    </p:tnLst>
+  </p:timing>
 </p:sld>
 </file>
 
@@ -5026,8 +5176,12 @@
           <a:lstStyle/>
           <a:p>
             <a:r>
-              <a:rPr lang="en-US" dirty="0" smtClean="0"/>
-              <a:t>Quick RTP</a:t>
+              <a:rPr lang="en-US" dirty="0" err="1" smtClean="0"/>
+              <a:t>Kibana</a:t>
+            </a:r>
+            <a:r>
+              <a:rPr lang="en-US" dirty="0" smtClean="0"/>
+              <a:t> Data view</a:t>
             </a:r>
             <a:endParaRPr lang="en-US" dirty="0"/>
           </a:p>
@@ -5035,7 +5189,7 @@
       </p:sp>
       <p:pic>
         <p:nvPicPr>
-          <p:cNvPr id="4" name="Content Placeholder 3" descr="Screen Shot 2014-05-13 at 4.10.41 PM.png"/>
+          <p:cNvPr id="4" name="Content Placeholder 3" descr="Screen Shot 2014-05-12 at 7.57.58 PM.png"/>
           <p:cNvPicPr>
             <a:picLocks noGrp="1" noChangeAspect="1"/>
           </p:cNvPicPr>
@@ -5051,7 +5205,7 @@
               </a:ext>
             </a:extLst>
           </a:blip>
-          <a:srcRect l="-64118" r="-64118"/>
+          <a:srcRect l="-10626" r="-10626"/>
           <a:stretch>
             <a:fillRect/>
           </a:stretch>
@@ -5061,13 +5215,20 @@
     </p:spTree>
     <p:extLst>
       <p:ext uri="{BB962C8B-B14F-4D97-AF65-F5344CB8AC3E}">
-        <p14:creationId xmlns:p14="http://schemas.microsoft.com/office/powerpoint/2010/main" val="2598528484"/>
+        <p14:creationId xmlns:p14="http://schemas.microsoft.com/office/powerpoint/2010/main" val="1756834039"/>
       </p:ext>
     </p:extLst>
   </p:cSld>
   <p:clrMapOvr>
     <a:masterClrMapping/>
   </p:clrMapOvr>
+  <p:timing>
+    <p:tnLst>
+      <p:par>
+        <p:cTn xmlns:p14="http://schemas.microsoft.com/office/powerpoint/2010/main" id="1" dur="indefinite" restart="never" nodeType="tmRoot"/>
+      </p:par>
+    </p:tnLst>
+  </p:timing>
 </p:sld>
 </file>
 
@@ -5105,7 +5266,7 @@
           <a:p>
             <a:r>
               <a:rPr lang="en-US" dirty="0" smtClean="0"/>
-              <a:t>Symbols Distribution over Time</a:t>
+              <a:t>Reels View</a:t>
             </a:r>
             <a:endParaRPr lang="en-US" dirty="0"/>
           </a:p>
@@ -5113,7 +5274,7 @@
       </p:sp>
       <p:pic>
         <p:nvPicPr>
-          <p:cNvPr id="4" name="Content Placeholder 3" descr="Screen Shot 2014-05-13 at 4.12.23 PM.png"/>
+          <p:cNvPr id="4" name="Content Placeholder 3" descr="Screen Shot 2014-05-12 at 7.58.26 PM.png"/>
           <p:cNvPicPr>
             <a:picLocks noGrp="1" noChangeAspect="1"/>
           </p:cNvPicPr>
@@ -5129,7 +5290,7 @@
               </a:ext>
             </a:extLst>
           </a:blip>
-          <a:srcRect t="-6285" b="-6285"/>
+          <a:srcRect l="-1685" r="-1685"/>
           <a:stretch>
             <a:fillRect/>
           </a:stretch>
@@ -5139,13 +5300,20 @@
     </p:spTree>
     <p:extLst>
       <p:ext uri="{BB962C8B-B14F-4D97-AF65-F5344CB8AC3E}">
-        <p14:creationId xmlns:p14="http://schemas.microsoft.com/office/powerpoint/2010/main" val="2202675871"/>
+        <p14:creationId xmlns:p14="http://schemas.microsoft.com/office/powerpoint/2010/main" val="3016900089"/>
       </p:ext>
     </p:extLst>
   </p:cSld>
   <p:clrMapOvr>
     <a:masterClrMapping/>
   </p:clrMapOvr>
+  <p:timing>
+    <p:tnLst>
+      <p:par>
+        <p:cTn xmlns:p14="http://schemas.microsoft.com/office/powerpoint/2010/main" id="1" dur="indefinite" restart="never" nodeType="tmRoot"/>
+      </p:par>
+    </p:tnLst>
+  </p:timing>
 </p:sld>
 </file>
 
@@ -5183,15 +5351,7 @@
           <a:p>
             <a:r>
               <a:rPr lang="en-US" dirty="0" smtClean="0"/>
-              <a:t>Sense. Chrome Plugin for </a:t>
-            </a:r>
-            <a:r>
-              <a:rPr lang="en-US" dirty="0" err="1" smtClean="0"/>
-              <a:t>json</a:t>
-            </a:r>
-            <a:r>
-              <a:rPr lang="en-US" dirty="0" smtClean="0"/>
-              <a:t>.</a:t>
+              <a:t>Quick check on symbols.</a:t>
             </a:r>
             <a:endParaRPr lang="en-US" dirty="0"/>
           </a:p>
@@ -5199,7 +5359,7 @@
       </p:sp>
       <p:pic>
         <p:nvPicPr>
-          <p:cNvPr id="4" name="Content Placeholder 3" descr="Screen Shot 2014-05-13 at 10.38.54 AM.png"/>
+          <p:cNvPr id="4" name="Content Placeholder 3" descr="Screen Shot 2014-05-13 at 3.31.46 PM.png"/>
           <p:cNvPicPr>
             <a:picLocks noGrp="1" noChangeAspect="1"/>
           </p:cNvPicPr>
@@ -5215,7 +5375,7 @@
               </a:ext>
             </a:extLst>
           </a:blip>
-          <a:srcRect l="-41770" r="-41770"/>
+          <a:srcRect t="-1881" b="-1881"/>
           <a:stretch>
             <a:fillRect/>
           </a:stretch>
@@ -5225,13 +5385,20 @@
     </p:spTree>
     <p:extLst>
       <p:ext uri="{BB962C8B-B14F-4D97-AF65-F5344CB8AC3E}">
-        <p14:creationId xmlns:p14="http://schemas.microsoft.com/office/powerpoint/2010/main" val="2825510861"/>
+        <p14:creationId xmlns:p14="http://schemas.microsoft.com/office/powerpoint/2010/main" val="3272432676"/>
       </p:ext>
     </p:extLst>
   </p:cSld>
   <p:clrMapOvr>
     <a:masterClrMapping/>
   </p:clrMapOvr>
+  <p:timing>
+    <p:tnLst>
+      <p:par>
+        <p:cTn xmlns:p14="http://schemas.microsoft.com/office/powerpoint/2010/main" id="1" dur="indefinite" restart="never" nodeType="tmRoot"/>
+      </p:par>
+    </p:tnLst>
+  </p:timing>
 </p:sld>
 </file>
 
@@ -5268,70 +5435,55 @@
           <a:lstStyle/>
           <a:p>
             <a:r>
-              <a:rPr lang="en-US" dirty="0" err="1" smtClean="0"/>
-              <a:t>Elasticsearch</a:t>
-            </a:r>
-            <a:r>
-              <a:rPr lang="en-US" dirty="0" smtClean="0"/>
-              <a:t> alternatives?</a:t>
+              <a:rPr lang="en-US" dirty="0" smtClean="0"/>
+              <a:t>Quick RTP</a:t>
             </a:r>
             <a:endParaRPr lang="en-US" dirty="0"/>
           </a:p>
         </p:txBody>
       </p:sp>
-      <p:sp>
-        <p:nvSpPr>
-          <p:cNvPr id="3" name="Content Placeholder 2"/>
-          <p:cNvSpPr>
-            <a:spLocks noGrp="1"/>
-          </p:cNvSpPr>
+      <p:pic>
+        <p:nvPicPr>
+          <p:cNvPr id="4" name="Content Placeholder 3" descr="Screen Shot 2014-05-13 at 4.10.41 PM.png"/>
+          <p:cNvPicPr>
+            <a:picLocks noGrp="1" noChangeAspect="1"/>
+          </p:cNvPicPr>
           <p:nvPr>
             <p:ph sz="quarter" idx="13"/>
           </p:nvPr>
-        </p:nvSpPr>
-        <p:spPr/>
-        <p:txBody>
-          <a:bodyPr/>
-          <a:lstStyle/>
-          <a:p>
-            <a:r>
-              <a:rPr lang="en-US" dirty="0" err="1" smtClean="0"/>
-              <a:t>Solr</a:t>
-            </a:r>
-            <a:endParaRPr lang="en-US" dirty="0" smtClean="0"/>
-          </a:p>
-          <a:p>
-            <a:r>
-              <a:rPr lang="en-US" dirty="0" smtClean="0"/>
-              <a:t>Custom </a:t>
-            </a:r>
-            <a:r>
-              <a:rPr lang="en-US" dirty="0" err="1" smtClean="0"/>
-              <a:t>Lucene</a:t>
-            </a:r>
-            <a:endParaRPr lang="en-US" dirty="0" smtClean="0"/>
-          </a:p>
-          <a:p>
-            <a:endParaRPr lang="en-US" dirty="0" smtClean="0"/>
-          </a:p>
-          <a:p>
-            <a:pPr marL="0" indent="0">
-              <a:buNone/>
-            </a:pPr>
-            <a:endParaRPr lang="en-US" dirty="0"/>
-          </a:p>
-        </p:txBody>
-      </p:sp>
+        </p:nvPicPr>
+        <p:blipFill>
+          <a:blip r:embed="rId2">
+            <a:extLst>
+              <a:ext uri="{28A0092B-C50C-407E-A947-70E740481C1C}">
+                <a14:useLocalDpi xmlns:a14="http://schemas.microsoft.com/office/drawing/2010/main" val="0"/>
+              </a:ext>
+            </a:extLst>
+          </a:blip>
+          <a:srcRect l="-64118" r="-64118"/>
+          <a:stretch>
+            <a:fillRect/>
+          </a:stretch>
+        </p:blipFill>
+        <p:spPr/>
+      </p:pic>
     </p:spTree>
     <p:extLst>
       <p:ext uri="{BB962C8B-B14F-4D97-AF65-F5344CB8AC3E}">
-        <p14:creationId xmlns:p14="http://schemas.microsoft.com/office/powerpoint/2010/main" val="3165192188"/>
+        <p14:creationId xmlns:p14="http://schemas.microsoft.com/office/powerpoint/2010/main" val="2598528484"/>
       </p:ext>
     </p:extLst>
   </p:cSld>
   <p:clrMapOvr>
     <a:masterClrMapping/>
   </p:clrMapOvr>
+  <p:timing>
+    <p:tnLst>
+      <p:par>
+        <p:cTn xmlns:p14="http://schemas.microsoft.com/office/powerpoint/2010/main" id="1" dur="indefinite" restart="never" nodeType="tmRoot"/>
+      </p:par>
+    </p:tnLst>
+  </p:timing>
 </p:sld>
 </file>
 
@@ -5368,6 +5520,376 @@
           <a:lstStyle/>
           <a:p>
             <a:r>
+              <a:rPr lang="en-US" dirty="0" smtClean="0"/>
+              <a:t>Symbols Distribution over Time</a:t>
+            </a:r>
+            <a:endParaRPr lang="en-US" dirty="0"/>
+          </a:p>
+        </p:txBody>
+      </p:sp>
+      <p:pic>
+        <p:nvPicPr>
+          <p:cNvPr id="4" name="Content Placeholder 3" descr="Screen Shot 2014-05-13 at 4.12.23 PM.png"/>
+          <p:cNvPicPr>
+            <a:picLocks noGrp="1" noChangeAspect="1"/>
+          </p:cNvPicPr>
+          <p:nvPr>
+            <p:ph sz="quarter" idx="13"/>
+          </p:nvPr>
+        </p:nvPicPr>
+        <p:blipFill>
+          <a:blip r:embed="rId2">
+            <a:extLst>
+              <a:ext uri="{28A0092B-C50C-407E-A947-70E740481C1C}">
+                <a14:useLocalDpi xmlns:a14="http://schemas.microsoft.com/office/drawing/2010/main" val="0"/>
+              </a:ext>
+            </a:extLst>
+          </a:blip>
+          <a:srcRect t="-6285" b="-6285"/>
+          <a:stretch>
+            <a:fillRect/>
+          </a:stretch>
+        </p:blipFill>
+        <p:spPr/>
+      </p:pic>
+    </p:spTree>
+    <p:extLst>
+      <p:ext uri="{BB962C8B-B14F-4D97-AF65-F5344CB8AC3E}">
+        <p14:creationId xmlns:p14="http://schemas.microsoft.com/office/powerpoint/2010/main" val="2202675871"/>
+      </p:ext>
+    </p:extLst>
+  </p:cSld>
+  <p:clrMapOvr>
+    <a:masterClrMapping/>
+  </p:clrMapOvr>
+  <p:timing>
+    <p:tnLst>
+      <p:par>
+        <p:cTn xmlns:p14="http://schemas.microsoft.com/office/powerpoint/2010/main" id="1" dur="indefinite" restart="never" nodeType="tmRoot"/>
+      </p:par>
+    </p:tnLst>
+  </p:timing>
+</p:sld>
+</file>
+
+<file path=ppt/slides/slide28.xml><?xml version="1.0" encoding="utf-8"?>
+<p:sld xmlns:a="http://schemas.openxmlformats.org/drawingml/2006/main" xmlns:r="http://schemas.openxmlformats.org/officeDocument/2006/relationships" xmlns:p="http://schemas.openxmlformats.org/presentationml/2006/main">
+  <p:cSld>
+    <p:spTree>
+      <p:nvGrpSpPr>
+        <p:cNvPr id="1" name=""/>
+        <p:cNvGrpSpPr/>
+        <p:nvPr/>
+      </p:nvGrpSpPr>
+      <p:grpSpPr>
+        <a:xfrm>
+          <a:off x="0" y="0"/>
+          <a:ext cx="0" cy="0"/>
+          <a:chOff x="0" y="0"/>
+          <a:chExt cx="0" cy="0"/>
+        </a:xfrm>
+      </p:grpSpPr>
+      <p:sp>
+        <p:nvSpPr>
+          <p:cNvPr id="2" name="Title 1"/>
+          <p:cNvSpPr>
+            <a:spLocks noGrp="1"/>
+          </p:cNvSpPr>
+          <p:nvPr>
+            <p:ph type="title"/>
+          </p:nvPr>
+        </p:nvSpPr>
+        <p:spPr/>
+        <p:txBody>
+          <a:bodyPr/>
+          <a:lstStyle/>
+          <a:p>
+            <a:r>
+              <a:rPr lang="en-US" dirty="0" smtClean="0"/>
+              <a:t>Sense. Chrome Plugin for </a:t>
+            </a:r>
+            <a:r>
+              <a:rPr lang="en-US" dirty="0" err="1" smtClean="0"/>
+              <a:t>json</a:t>
+            </a:r>
+            <a:r>
+              <a:rPr lang="en-US" dirty="0" smtClean="0"/>
+              <a:t>.</a:t>
+            </a:r>
+            <a:endParaRPr lang="en-US" dirty="0"/>
+          </a:p>
+        </p:txBody>
+      </p:sp>
+      <p:pic>
+        <p:nvPicPr>
+          <p:cNvPr id="4" name="Content Placeholder 3" descr="Screen Shot 2014-05-13 at 10.38.54 AM.png"/>
+          <p:cNvPicPr>
+            <a:picLocks noGrp="1" noChangeAspect="1"/>
+          </p:cNvPicPr>
+          <p:nvPr>
+            <p:ph sz="quarter" idx="13"/>
+          </p:nvPr>
+        </p:nvPicPr>
+        <p:blipFill>
+          <a:blip r:embed="rId2">
+            <a:extLst>
+              <a:ext uri="{28A0092B-C50C-407E-A947-70E740481C1C}">
+                <a14:useLocalDpi xmlns:a14="http://schemas.microsoft.com/office/drawing/2010/main" val="0"/>
+              </a:ext>
+            </a:extLst>
+          </a:blip>
+          <a:srcRect l="-41770" r="-41770"/>
+          <a:stretch>
+            <a:fillRect/>
+          </a:stretch>
+        </p:blipFill>
+        <p:spPr/>
+      </p:pic>
+    </p:spTree>
+    <p:extLst>
+      <p:ext uri="{BB962C8B-B14F-4D97-AF65-F5344CB8AC3E}">
+        <p14:creationId xmlns:p14="http://schemas.microsoft.com/office/powerpoint/2010/main" val="2825510861"/>
+      </p:ext>
+    </p:extLst>
+  </p:cSld>
+  <p:clrMapOvr>
+    <a:masterClrMapping/>
+  </p:clrMapOvr>
+  <p:timing>
+    <p:tnLst>
+      <p:par>
+        <p:cTn xmlns:p14="http://schemas.microsoft.com/office/powerpoint/2010/main" id="1" dur="indefinite" restart="never" nodeType="tmRoot"/>
+      </p:par>
+    </p:tnLst>
+  </p:timing>
+</p:sld>
+</file>
+
+<file path=ppt/slides/slide29.xml><?xml version="1.0" encoding="utf-8"?>
+<p:sld xmlns:a="http://schemas.openxmlformats.org/drawingml/2006/main" xmlns:r="http://schemas.openxmlformats.org/officeDocument/2006/relationships" xmlns:p="http://schemas.openxmlformats.org/presentationml/2006/main">
+  <p:cSld>
+    <p:spTree>
+      <p:nvGrpSpPr>
+        <p:cNvPr id="1" name=""/>
+        <p:cNvGrpSpPr/>
+        <p:nvPr/>
+      </p:nvGrpSpPr>
+      <p:grpSpPr>
+        <a:xfrm>
+          <a:off x="0" y="0"/>
+          <a:ext cx="0" cy="0"/>
+          <a:chOff x="0" y="0"/>
+          <a:chExt cx="0" cy="0"/>
+        </a:xfrm>
+      </p:grpSpPr>
+      <p:sp>
+        <p:nvSpPr>
+          <p:cNvPr id="2" name="Title 1"/>
+          <p:cNvSpPr>
+            <a:spLocks noGrp="1"/>
+          </p:cNvSpPr>
+          <p:nvPr>
+            <p:ph type="title"/>
+          </p:nvPr>
+        </p:nvSpPr>
+        <p:spPr/>
+        <p:txBody>
+          <a:bodyPr/>
+          <a:lstStyle/>
+          <a:p>
+            <a:r>
+              <a:rPr lang="en-US" dirty="0" err="1" smtClean="0"/>
+              <a:t>Elasticsearch</a:t>
+            </a:r>
+            <a:r>
+              <a:rPr lang="en-US" dirty="0" smtClean="0"/>
+              <a:t> alternatives?</a:t>
+            </a:r>
+            <a:endParaRPr lang="en-US" dirty="0"/>
+          </a:p>
+        </p:txBody>
+      </p:sp>
+      <p:sp>
+        <p:nvSpPr>
+          <p:cNvPr id="3" name="Content Placeholder 2"/>
+          <p:cNvSpPr>
+            <a:spLocks noGrp="1"/>
+          </p:cNvSpPr>
+          <p:nvPr>
+            <p:ph sz="quarter" idx="13"/>
+          </p:nvPr>
+        </p:nvSpPr>
+        <p:spPr/>
+        <p:txBody>
+          <a:bodyPr/>
+          <a:lstStyle/>
+          <a:p>
+            <a:r>
+              <a:rPr lang="en-US" dirty="0" err="1" smtClean="0"/>
+              <a:t>Solr</a:t>
+            </a:r>
+            <a:endParaRPr lang="en-US" dirty="0" smtClean="0"/>
+          </a:p>
+          <a:p>
+            <a:r>
+              <a:rPr lang="en-US" dirty="0" smtClean="0"/>
+              <a:t>Custom </a:t>
+            </a:r>
+            <a:r>
+              <a:rPr lang="en-US" dirty="0" err="1" smtClean="0"/>
+              <a:t>Lucene</a:t>
+            </a:r>
+            <a:endParaRPr lang="en-US" dirty="0" smtClean="0"/>
+          </a:p>
+          <a:p>
+            <a:endParaRPr lang="en-US" dirty="0" smtClean="0"/>
+          </a:p>
+          <a:p>
+            <a:pPr marL="0" indent="0">
+              <a:buNone/>
+            </a:pPr>
+            <a:endParaRPr lang="en-US" dirty="0"/>
+          </a:p>
+        </p:txBody>
+      </p:sp>
+    </p:spTree>
+    <p:extLst>
+      <p:ext uri="{BB962C8B-B14F-4D97-AF65-F5344CB8AC3E}">
+        <p14:creationId xmlns:p14="http://schemas.microsoft.com/office/powerpoint/2010/main" val="3165192188"/>
+      </p:ext>
+    </p:extLst>
+  </p:cSld>
+  <p:clrMapOvr>
+    <a:masterClrMapping/>
+  </p:clrMapOvr>
+  <p:timing>
+    <p:tnLst>
+      <p:par>
+        <p:cTn xmlns:p14="http://schemas.microsoft.com/office/powerpoint/2010/main" id="1" dur="indefinite" restart="never" nodeType="tmRoot"/>
+      </p:par>
+    </p:tnLst>
+  </p:timing>
+</p:sld>
+</file>
+
+<file path=ppt/slides/slide3.xml><?xml version="1.0" encoding="utf-8"?>
+<p:sld xmlns:a="http://schemas.openxmlformats.org/drawingml/2006/main" xmlns:r="http://schemas.openxmlformats.org/officeDocument/2006/relationships" xmlns:p="http://schemas.openxmlformats.org/presentationml/2006/main">
+  <p:cSld>
+    <p:spTree>
+      <p:nvGrpSpPr>
+        <p:cNvPr id="1" name=""/>
+        <p:cNvGrpSpPr/>
+        <p:nvPr/>
+      </p:nvGrpSpPr>
+      <p:grpSpPr>
+        <a:xfrm>
+          <a:off x="0" y="0"/>
+          <a:ext cx="0" cy="0"/>
+          <a:chOff x="0" y="0"/>
+          <a:chExt cx="0" cy="0"/>
+        </a:xfrm>
+      </p:grpSpPr>
+      <p:sp>
+        <p:nvSpPr>
+          <p:cNvPr id="2" name="Title 1"/>
+          <p:cNvSpPr>
+            <a:spLocks noGrp="1"/>
+          </p:cNvSpPr>
+          <p:nvPr>
+            <p:ph type="title"/>
+          </p:nvPr>
+        </p:nvSpPr>
+        <p:spPr/>
+        <p:txBody>
+          <a:bodyPr/>
+          <a:lstStyle/>
+          <a:p>
+            <a:r>
+              <a:rPr lang="en-US" dirty="0" err="1" smtClean="0"/>
+              <a:t>Elasticsearch</a:t>
+            </a:r>
+            <a:endParaRPr lang="en-US" dirty="0"/>
+          </a:p>
+        </p:txBody>
+      </p:sp>
+      <p:pic>
+        <p:nvPicPr>
+          <p:cNvPr id="4" name="Content Placeholder 3" descr="Screen Shot 2014-05-18 at 3.42.21 PM.png"/>
+          <p:cNvPicPr>
+            <a:picLocks noGrp="1" noChangeAspect="1"/>
+          </p:cNvPicPr>
+          <p:nvPr>
+            <p:ph sz="quarter" idx="13"/>
+          </p:nvPr>
+        </p:nvPicPr>
+        <p:blipFill>
+          <a:blip r:embed="rId2">
+            <a:extLst>
+              <a:ext uri="{28A0092B-C50C-407E-A947-70E740481C1C}">
+                <a14:useLocalDpi xmlns:a14="http://schemas.microsoft.com/office/drawing/2010/main" val="0"/>
+              </a:ext>
+            </a:extLst>
+          </a:blip>
+          <a:srcRect t="-30714" b="-30714"/>
+          <a:stretch>
+            <a:fillRect/>
+          </a:stretch>
+        </p:blipFill>
+        <p:spPr/>
+      </p:pic>
+    </p:spTree>
+    <p:extLst>
+      <p:ext uri="{BB962C8B-B14F-4D97-AF65-F5344CB8AC3E}">
+        <p14:creationId xmlns:p14="http://schemas.microsoft.com/office/powerpoint/2010/main" val="3502365424"/>
+      </p:ext>
+    </p:extLst>
+  </p:cSld>
+  <p:clrMapOvr>
+    <a:masterClrMapping/>
+  </p:clrMapOvr>
+  <p:timing>
+    <p:tnLst>
+      <p:par>
+        <p:cTn xmlns:p14="http://schemas.microsoft.com/office/powerpoint/2010/main" id="1" dur="indefinite" restart="never" nodeType="tmRoot"/>
+      </p:par>
+    </p:tnLst>
+  </p:timing>
+</p:sld>
+</file>
+
+<file path=ppt/slides/slide30.xml><?xml version="1.0" encoding="utf-8"?>
+<p:sld xmlns:a="http://schemas.openxmlformats.org/drawingml/2006/main" xmlns:r="http://schemas.openxmlformats.org/officeDocument/2006/relationships" xmlns:p="http://schemas.openxmlformats.org/presentationml/2006/main">
+  <p:cSld>
+    <p:spTree>
+      <p:nvGrpSpPr>
+        <p:cNvPr id="1" name=""/>
+        <p:cNvGrpSpPr/>
+        <p:nvPr/>
+      </p:nvGrpSpPr>
+      <p:grpSpPr>
+        <a:xfrm>
+          <a:off x="0" y="0"/>
+          <a:ext cx="0" cy="0"/>
+          <a:chOff x="0" y="0"/>
+          <a:chExt cx="0" cy="0"/>
+        </a:xfrm>
+      </p:grpSpPr>
+      <p:sp>
+        <p:nvSpPr>
+          <p:cNvPr id="2" name="Title 1"/>
+          <p:cNvSpPr>
+            <a:spLocks noGrp="1"/>
+          </p:cNvSpPr>
+          <p:nvPr>
+            <p:ph type="title"/>
+          </p:nvPr>
+        </p:nvSpPr>
+        <p:spPr/>
+        <p:txBody>
+          <a:bodyPr/>
+          <a:lstStyle/>
+          <a:p>
+            <a:r>
               <a:rPr lang="en-US" dirty="0" err="1" smtClean="0"/>
               <a:t>BigDesk</a:t>
             </a:r>
@@ -5405,7 +5927,7 @@
           </a:p>
           <a:p>
             <a:r>
-              <a:rPr lang="en-US" smtClean="0"/>
+              <a:rPr lang="en-US" dirty="0" smtClean="0"/>
               <a:t>Monitors systems</a:t>
             </a:r>
             <a:endParaRPr lang="en-US" dirty="0"/>
@@ -5422,10 +5944,17 @@
   <p:clrMapOvr>
     <a:masterClrMapping/>
   </p:clrMapOvr>
+  <p:timing>
+    <p:tnLst>
+      <p:par>
+        <p:cTn xmlns:p14="http://schemas.microsoft.com/office/powerpoint/2010/main" id="1" dur="indefinite" restart="never" nodeType="tmRoot"/>
+      </p:par>
+    </p:tnLst>
+  </p:timing>
 </p:sld>
 </file>
 
-<file path=ppt/slides/slide28.xml><?xml version="1.0" encoding="utf-8"?>
+<file path=ppt/slides/slide31.xml><?xml version="1.0" encoding="utf-8"?>
 <p:sld xmlns:a="http://schemas.openxmlformats.org/drawingml/2006/main" xmlns:r="http://schemas.openxmlformats.org/officeDocument/2006/relationships" xmlns:p="http://schemas.openxmlformats.org/presentationml/2006/main">
   <p:cSld>
     <p:spTree>
@@ -5528,582 +6057,13 @@
   <p:clrMapOvr>
     <a:masterClrMapping/>
   </p:clrMapOvr>
-</p:sld>
-</file>
-
-<file path=ppt/slides/slide29.xml><?xml version="1.0" encoding="utf-8"?>
-<p:sld xmlns:a="http://schemas.openxmlformats.org/drawingml/2006/main" xmlns:r="http://schemas.openxmlformats.org/officeDocument/2006/relationships" xmlns:p="http://schemas.openxmlformats.org/presentationml/2006/main">
-  <p:cSld>
-    <p:spTree>
-      <p:nvGrpSpPr>
-        <p:cNvPr id="1" name=""/>
-        <p:cNvGrpSpPr/>
-        <p:nvPr/>
-      </p:nvGrpSpPr>
-      <p:grpSpPr>
-        <a:xfrm>
-          <a:off x="0" y="0"/>
-          <a:ext cx="0" cy="0"/>
-          <a:chOff x="0" y="0"/>
-          <a:chExt cx="0" cy="0"/>
-        </a:xfrm>
-      </p:grpSpPr>
-      <p:sp>
-        <p:nvSpPr>
-          <p:cNvPr id="2" name="Title 1"/>
-          <p:cNvSpPr>
-            <a:spLocks noGrp="1"/>
-          </p:cNvSpPr>
-          <p:nvPr>
-            <p:ph type="title"/>
-          </p:nvPr>
-        </p:nvSpPr>
-        <p:spPr/>
-        <p:txBody>
-          <a:bodyPr/>
-          <a:lstStyle/>
-          <a:p>
-            <a:r>
-              <a:rPr lang="en-US" dirty="0" smtClean="0"/>
-              <a:t>setup</a:t>
-            </a:r>
-            <a:endParaRPr lang="en-US" dirty="0"/>
-          </a:p>
-        </p:txBody>
-      </p:sp>
-      <p:sp>
-        <p:nvSpPr>
-          <p:cNvPr id="3" name="Content Placeholder 2"/>
-          <p:cNvSpPr>
-            <a:spLocks noGrp="1"/>
-          </p:cNvSpPr>
-          <p:nvPr>
-            <p:ph sz="quarter" idx="13"/>
-          </p:nvPr>
-        </p:nvSpPr>
-        <p:spPr/>
-        <p:txBody>
-          <a:bodyPr/>
-          <a:lstStyle/>
-          <a:p>
-            <a:r>
-              <a:rPr lang="en-US" dirty="0" err="1" smtClean="0"/>
-              <a:t>wget</a:t>
-            </a:r>
-            <a:r>
-              <a:rPr lang="en-US" dirty="0" smtClean="0"/>
-              <a:t> </a:t>
-            </a:r>
-            <a:r>
-              <a:rPr lang="en-US" dirty="0" err="1" smtClean="0"/>
-              <a:t>elasticsearch.tar.gz</a:t>
-            </a:r>
-            <a:endParaRPr lang="en-US" dirty="0" smtClean="0"/>
-          </a:p>
-          <a:p>
-            <a:r>
-              <a:rPr lang="en-US" dirty="0" smtClean="0"/>
-              <a:t>tar </a:t>
-            </a:r>
-            <a:r>
-              <a:rPr lang="en-US" dirty="0" err="1" smtClean="0"/>
-              <a:t>xzvf</a:t>
-            </a:r>
-            <a:r>
-              <a:rPr lang="en-US" dirty="0" smtClean="0"/>
-              <a:t>   </a:t>
-            </a:r>
-            <a:r>
-              <a:rPr lang="en-US" dirty="0" err="1"/>
-              <a:t>elasticsearch.tar.gz</a:t>
-            </a:r>
-            <a:endParaRPr lang="en-US" dirty="0"/>
-          </a:p>
-          <a:p>
-            <a:r>
-              <a:rPr lang="en-US" dirty="0" smtClean="0"/>
-              <a:t>bin/</a:t>
-            </a:r>
-            <a:r>
-              <a:rPr lang="en-US" dirty="0" err="1" smtClean="0"/>
-              <a:t>elasticsearch</a:t>
-            </a:r>
-            <a:endParaRPr lang="en-US" dirty="0" smtClean="0"/>
-          </a:p>
-          <a:p>
-            <a:r>
-              <a:rPr lang="en-US" dirty="0" smtClean="0"/>
-              <a:t>curl localhost:9200</a:t>
-            </a:r>
-            <a:endParaRPr lang="en-US" dirty="0"/>
-          </a:p>
-        </p:txBody>
-      </p:sp>
-    </p:spTree>
-    <p:extLst>
-      <p:ext uri="{BB962C8B-B14F-4D97-AF65-F5344CB8AC3E}">
-        <p14:creationId xmlns:p14="http://schemas.microsoft.com/office/powerpoint/2010/main" val="4074957073"/>
-      </p:ext>
-    </p:extLst>
-  </p:cSld>
-  <p:clrMapOvr>
-    <a:masterClrMapping/>
-  </p:clrMapOvr>
-</p:sld>
-</file>
-
-<file path=ppt/slides/slide3.xml><?xml version="1.0" encoding="utf-8"?>
-<p:sld xmlns:a="http://schemas.openxmlformats.org/drawingml/2006/main" xmlns:r="http://schemas.openxmlformats.org/officeDocument/2006/relationships" xmlns:p="http://schemas.openxmlformats.org/presentationml/2006/main">
-  <p:cSld>
-    <p:spTree>
-      <p:nvGrpSpPr>
-        <p:cNvPr id="1" name=""/>
-        <p:cNvGrpSpPr/>
-        <p:nvPr/>
-      </p:nvGrpSpPr>
-      <p:grpSpPr>
-        <a:xfrm>
-          <a:off x="0" y="0"/>
-          <a:ext cx="0" cy="0"/>
-          <a:chOff x="0" y="0"/>
-          <a:chExt cx="0" cy="0"/>
-        </a:xfrm>
-      </p:grpSpPr>
-      <p:sp>
-        <p:nvSpPr>
-          <p:cNvPr id="2" name="Title 1"/>
-          <p:cNvSpPr>
-            <a:spLocks noGrp="1"/>
-          </p:cNvSpPr>
-          <p:nvPr>
-            <p:ph type="title"/>
-          </p:nvPr>
-        </p:nvSpPr>
-        <p:spPr/>
-        <p:txBody>
-          <a:bodyPr/>
-          <a:lstStyle/>
-          <a:p>
-            <a:r>
-              <a:rPr lang="en-US" dirty="0" smtClean="0"/>
-              <a:t>Search engine. </a:t>
-            </a:r>
-            <a:r>
-              <a:rPr lang="en-US" dirty="0" err="1" smtClean="0"/>
-              <a:t>Lucene</a:t>
-            </a:r>
-            <a:r>
-              <a:rPr lang="en-US" dirty="0" smtClean="0"/>
-              <a:t>.</a:t>
-            </a:r>
-            <a:endParaRPr lang="en-US" dirty="0"/>
-          </a:p>
-        </p:txBody>
-      </p:sp>
-      <p:sp>
-        <p:nvSpPr>
-          <p:cNvPr id="3" name="Content Placeholder 2"/>
-          <p:cNvSpPr>
-            <a:spLocks noGrp="1"/>
-          </p:cNvSpPr>
-          <p:nvPr>
-            <p:ph sz="quarter" idx="13"/>
-          </p:nvPr>
-        </p:nvSpPr>
-        <p:spPr/>
-        <p:txBody>
-          <a:bodyPr/>
-          <a:lstStyle/>
-          <a:p>
-            <a:r>
-              <a:rPr lang="en-US" dirty="0" err="1" smtClean="0"/>
-              <a:t>Lucene</a:t>
-            </a:r>
-            <a:r>
-              <a:rPr lang="en-US" dirty="0" smtClean="0"/>
-              <a:t> was first release in 2000 by </a:t>
-            </a:r>
-            <a:r>
-              <a:rPr lang="en-US" dirty="0" err="1" smtClean="0"/>
-              <a:t>SourceForge</a:t>
-            </a:r>
-            <a:endParaRPr lang="en-US" dirty="0" smtClean="0"/>
-          </a:p>
-          <a:p>
-            <a:r>
-              <a:rPr lang="en-US" dirty="0" smtClean="0"/>
-              <a:t>Java</a:t>
-            </a:r>
-            <a:r>
-              <a:rPr lang="en-US" dirty="0" smtClean="0"/>
-              <a:t>-based indexing and search technology</a:t>
-            </a:r>
-          </a:p>
-          <a:p>
-            <a:r>
-              <a:rPr lang="en-US" dirty="0" err="1" smtClean="0"/>
-              <a:t>Sorl</a:t>
-            </a:r>
-            <a:r>
-              <a:rPr lang="en-US" dirty="0" smtClean="0"/>
-              <a:t> is a high performance search server built using </a:t>
-            </a:r>
-            <a:r>
-              <a:rPr lang="en-US" dirty="0" err="1" smtClean="0"/>
-              <a:t>Lucene</a:t>
-            </a:r>
-            <a:r>
-              <a:rPr lang="en-US" dirty="0" smtClean="0"/>
-              <a:t> Core, with XML/HTTP and JSON/Python/Ruby APIs, hit highlighting, facets search, caching, replication, and a web admin interface.  </a:t>
-            </a:r>
-          </a:p>
-          <a:p>
-            <a:endParaRPr lang="en-US" dirty="0"/>
-          </a:p>
-        </p:txBody>
-      </p:sp>
-    </p:spTree>
-    <p:extLst>
-      <p:ext uri="{BB962C8B-B14F-4D97-AF65-F5344CB8AC3E}">
-        <p14:creationId xmlns:p14="http://schemas.microsoft.com/office/powerpoint/2010/main" val="2879139187"/>
-      </p:ext>
-    </p:extLst>
-  </p:cSld>
-  <p:clrMapOvr>
-    <a:masterClrMapping/>
-  </p:clrMapOvr>
-</p:sld>
-</file>
-
-<file path=ppt/slides/slide30.xml><?xml version="1.0" encoding="utf-8"?>
-<p:sld xmlns:a="http://schemas.openxmlformats.org/drawingml/2006/main" xmlns:r="http://schemas.openxmlformats.org/officeDocument/2006/relationships" xmlns:p="http://schemas.openxmlformats.org/presentationml/2006/main">
-  <p:cSld>
-    <p:spTree>
-      <p:nvGrpSpPr>
-        <p:cNvPr id="1" name=""/>
-        <p:cNvGrpSpPr/>
-        <p:nvPr/>
-      </p:nvGrpSpPr>
-      <p:grpSpPr>
-        <a:xfrm>
-          <a:off x="0" y="0"/>
-          <a:ext cx="0" cy="0"/>
-          <a:chOff x="0" y="0"/>
-          <a:chExt cx="0" cy="0"/>
-        </a:xfrm>
-      </p:grpSpPr>
-      <p:sp>
-        <p:nvSpPr>
-          <p:cNvPr id="2" name="Title 1"/>
-          <p:cNvSpPr>
-            <a:spLocks noGrp="1"/>
-          </p:cNvSpPr>
-          <p:nvPr>
-            <p:ph type="title"/>
-          </p:nvPr>
-        </p:nvSpPr>
-        <p:spPr/>
-        <p:txBody>
-          <a:bodyPr/>
-          <a:lstStyle/>
-          <a:p>
-            <a:r>
-              <a:rPr lang="en-US" dirty="0" smtClean="0"/>
-              <a:t>the data in. Documents in.</a:t>
-            </a:r>
-            <a:endParaRPr lang="en-US" dirty="0"/>
-          </a:p>
-        </p:txBody>
-      </p:sp>
-      <p:sp>
-        <p:nvSpPr>
-          <p:cNvPr id="3" name="Content Placeholder 2"/>
-          <p:cNvSpPr>
-            <a:spLocks noGrp="1"/>
-          </p:cNvSpPr>
-          <p:nvPr>
-            <p:ph sz="quarter" idx="13"/>
-          </p:nvPr>
-        </p:nvSpPr>
-        <p:spPr/>
-        <p:txBody>
-          <a:bodyPr/>
-          <a:lstStyle/>
-          <a:p>
-            <a:r>
-              <a:rPr lang="en-US" dirty="0" smtClean="0"/>
-              <a:t>curl –XPUT localhost:9200/game/name/</a:t>
-            </a:r>
-            <a:r>
-              <a:rPr lang="en-US" dirty="0" err="1" smtClean="0"/>
-              <a:t>lucky_words</a:t>
-            </a:r>
-            <a:r>
-              <a:rPr lang="en-US" dirty="0" smtClean="0"/>
-              <a:t> –d `{“some” : </a:t>
-            </a:r>
-            <a:r>
-              <a:rPr lang="en-US" dirty="0" err="1" smtClean="0"/>
-              <a:t>json</a:t>
-            </a:r>
-            <a:r>
-              <a:rPr lang="en-US" dirty="0" smtClean="0"/>
-              <a:t> }`</a:t>
-            </a:r>
-          </a:p>
-          <a:p>
-            <a:r>
-              <a:rPr lang="en-US" dirty="0"/>
-              <a:t>curl –</a:t>
-            </a:r>
-            <a:r>
-              <a:rPr lang="en-US" dirty="0" smtClean="0"/>
-              <a:t>XGET </a:t>
-            </a:r>
-            <a:r>
-              <a:rPr lang="en-US" dirty="0"/>
-              <a:t>localhost:9200/game/name/</a:t>
-            </a:r>
-            <a:r>
-              <a:rPr lang="en-US" dirty="0" err="1" smtClean="0"/>
-              <a:t>lucky_words</a:t>
-            </a:r>
-            <a:endParaRPr lang="en-US" dirty="0" smtClean="0"/>
-          </a:p>
-          <a:p>
-            <a:r>
-              <a:rPr lang="en-US" dirty="0"/>
-              <a:t>curl –</a:t>
-            </a:r>
-            <a:r>
-              <a:rPr lang="en-US" dirty="0" smtClean="0"/>
-              <a:t>XDELETE </a:t>
-            </a:r>
-            <a:r>
-              <a:rPr lang="en-US" dirty="0"/>
-              <a:t>localhost:9200/game/name/</a:t>
-            </a:r>
-            <a:r>
-              <a:rPr lang="en-US" dirty="0" err="1"/>
-              <a:t>lucky_words</a:t>
-            </a:r>
-            <a:endParaRPr lang="en-US" dirty="0"/>
-          </a:p>
-        </p:txBody>
-      </p:sp>
-    </p:spTree>
-    <p:extLst>
-      <p:ext uri="{BB962C8B-B14F-4D97-AF65-F5344CB8AC3E}">
-        <p14:creationId xmlns:p14="http://schemas.microsoft.com/office/powerpoint/2010/main" val="1232051042"/>
-      </p:ext>
-    </p:extLst>
-  </p:cSld>
-  <p:clrMapOvr>
-    <a:masterClrMapping/>
-  </p:clrMapOvr>
-</p:sld>
-</file>
-
-<file path=ppt/slides/slide31.xml><?xml version="1.0" encoding="utf-8"?>
-<p:sld xmlns:a="http://schemas.openxmlformats.org/drawingml/2006/main" xmlns:r="http://schemas.openxmlformats.org/officeDocument/2006/relationships" xmlns:p="http://schemas.openxmlformats.org/presentationml/2006/main">
-  <p:cSld>
-    <p:spTree>
-      <p:nvGrpSpPr>
-        <p:cNvPr id="1" name=""/>
-        <p:cNvGrpSpPr/>
-        <p:nvPr/>
-      </p:nvGrpSpPr>
-      <p:grpSpPr>
-        <a:xfrm>
-          <a:off x="0" y="0"/>
-          <a:ext cx="0" cy="0"/>
-          <a:chOff x="0" y="0"/>
-          <a:chExt cx="0" cy="0"/>
-        </a:xfrm>
-      </p:grpSpPr>
-      <p:sp>
-        <p:nvSpPr>
-          <p:cNvPr id="2" name="Title 1"/>
-          <p:cNvSpPr>
-            <a:spLocks noGrp="1"/>
-          </p:cNvSpPr>
-          <p:nvPr>
-            <p:ph type="title"/>
-          </p:nvPr>
-        </p:nvSpPr>
-        <p:spPr/>
-        <p:txBody>
-          <a:bodyPr/>
-          <a:lstStyle/>
-          <a:p>
-            <a:r>
-              <a:rPr lang="en-US" dirty="0" smtClean="0"/>
-              <a:t>Search</a:t>
-            </a:r>
-            <a:endParaRPr lang="en-US" dirty="0"/>
-          </a:p>
-        </p:txBody>
-      </p:sp>
-      <p:sp>
-        <p:nvSpPr>
-          <p:cNvPr id="3" name="Content Placeholder 2"/>
-          <p:cNvSpPr>
-            <a:spLocks noGrp="1"/>
-          </p:cNvSpPr>
-          <p:nvPr>
-            <p:ph sz="quarter" idx="13"/>
-          </p:nvPr>
-        </p:nvSpPr>
-        <p:spPr/>
-        <p:txBody>
-          <a:bodyPr/>
-          <a:lstStyle/>
-          <a:p>
-            <a:r>
-              <a:rPr lang="en-US" dirty="0"/>
-              <a:t>curl –</a:t>
-            </a:r>
-            <a:r>
-              <a:rPr lang="en-US" dirty="0" smtClean="0"/>
-              <a:t>XGET </a:t>
-            </a:r>
-            <a:r>
-              <a:rPr lang="en-US" dirty="0"/>
-              <a:t>localhost:9200</a:t>
-            </a:r>
-            <a:r>
-              <a:rPr lang="en-US" dirty="0" smtClean="0"/>
-              <a:t>/_</a:t>
-            </a:r>
-            <a:r>
-              <a:rPr lang="en-US" dirty="0" err="1" smtClean="0"/>
-              <a:t>search?q</a:t>
-            </a:r>
-            <a:r>
-              <a:rPr lang="en-US" dirty="0" smtClean="0"/>
-              <a:t>=</a:t>
-            </a:r>
-            <a:r>
-              <a:rPr lang="en-US" dirty="0" err="1" smtClean="0"/>
-              <a:t>best_game</a:t>
-            </a:r>
-            <a:endParaRPr lang="en-US" dirty="0" smtClean="0"/>
-          </a:p>
-          <a:p>
-            <a:endParaRPr lang="en-US" dirty="0" smtClean="0"/>
-          </a:p>
-          <a:p>
-            <a:r>
-              <a:rPr lang="en-US" dirty="0"/>
-              <a:t>curl –XGET localhost:9200/</a:t>
-            </a:r>
-            <a:r>
-              <a:rPr lang="en-US" dirty="0" smtClean="0"/>
-              <a:t>_search –d `{</a:t>
-            </a:r>
-          </a:p>
-          <a:p>
-            <a:pPr marL="457200" lvl="1" indent="0">
-              <a:buNone/>
-            </a:pPr>
-            <a:r>
-              <a:rPr lang="en-US" dirty="0"/>
-              <a:t> </a:t>
-            </a:r>
-            <a:r>
-              <a:rPr lang="en-US" dirty="0" smtClean="0"/>
-              <a:t>“query”:  {</a:t>
-            </a:r>
-          </a:p>
-          <a:p>
-            <a:pPr marL="457200" lvl="1" indent="0">
-              <a:buNone/>
-            </a:pPr>
-            <a:r>
-              <a:rPr lang="en-US" dirty="0"/>
-              <a:t>	</a:t>
-            </a:r>
-            <a:r>
-              <a:rPr lang="en-US" dirty="0" smtClean="0"/>
-              <a:t>“</a:t>
-            </a:r>
-            <a:r>
-              <a:rPr lang="en-US" dirty="0" err="1" smtClean="0"/>
-              <a:t>query_string</a:t>
-            </a:r>
-            <a:r>
-              <a:rPr lang="en-US" dirty="0" smtClean="0"/>
-              <a:t>”: {</a:t>
-            </a:r>
-          </a:p>
-          <a:p>
-            <a:pPr marL="457200" lvl="1" indent="0">
-              <a:buNone/>
-            </a:pPr>
-            <a:r>
-              <a:rPr lang="en-US" dirty="0"/>
-              <a:t>	</a:t>
-            </a:r>
-            <a:r>
-              <a:rPr lang="en-US" dirty="0" smtClean="0"/>
-              <a:t>	“query”: “</a:t>
-            </a:r>
-            <a:r>
-              <a:rPr lang="en-US" dirty="0" err="1" smtClean="0"/>
-              <a:t>lucky_words</a:t>
-            </a:r>
-            <a:r>
-              <a:rPr lang="en-US" dirty="0" smtClean="0"/>
-              <a:t> AND rtp:95”</a:t>
-            </a:r>
-          </a:p>
-          <a:p>
-            <a:pPr marL="457200" lvl="1" indent="0">
-              <a:buNone/>
-            </a:pPr>
-            <a:r>
-              <a:rPr lang="en-US" dirty="0"/>
-              <a:t>	</a:t>
-            </a:r>
-            <a:r>
-              <a:rPr lang="en-US" dirty="0" smtClean="0"/>
-              <a:t>	}</a:t>
-            </a:r>
-          </a:p>
-          <a:p>
-            <a:pPr marL="457200" lvl="1" indent="0">
-              <a:buNone/>
-            </a:pPr>
-            <a:r>
-              <a:rPr lang="en-US" dirty="0" smtClean="0"/>
-              <a:t>	}</a:t>
-            </a:r>
-          </a:p>
-          <a:p>
-            <a:pPr marL="457200" lvl="1" indent="0">
-              <a:buNone/>
-            </a:pPr>
-            <a:r>
-              <a:rPr lang="en-US" dirty="0" smtClean="0"/>
-              <a:t>}`</a:t>
-            </a:r>
-            <a:endParaRPr lang="en-US" dirty="0"/>
-          </a:p>
-          <a:p>
-            <a:endParaRPr lang="en-US" dirty="0"/>
-          </a:p>
-        </p:txBody>
-      </p:sp>
-    </p:spTree>
-    <p:extLst>
-      <p:ext uri="{BB962C8B-B14F-4D97-AF65-F5344CB8AC3E}">
-        <p14:creationId xmlns:p14="http://schemas.microsoft.com/office/powerpoint/2010/main" val="1726973554"/>
-      </p:ext>
-    </p:extLst>
-  </p:cSld>
-  <p:clrMapOvr>
-    <a:masterClrMapping/>
-  </p:clrMapOvr>
+  <p:timing>
+    <p:tnLst>
+      <p:par>
+        <p:cTn xmlns:p14="http://schemas.microsoft.com/office/powerpoint/2010/main" id="1" dur="indefinite" restart="never" nodeType="tmRoot"/>
+      </p:par>
+    </p:tnLst>
+  </p:timing>
 </p:sld>
 </file>
 
@@ -6141,7 +6101,7 @@
           <a:p>
             <a:r>
               <a:rPr lang="en-US" dirty="0" smtClean="0"/>
-              <a:t>Query your data</a:t>
+              <a:t>setup</a:t>
             </a:r>
             <a:endParaRPr lang="en-US" dirty="0"/>
           </a:p>
@@ -6163,28 +6123,53 @@
           <a:lstStyle/>
           <a:p>
             <a:r>
-              <a:rPr lang="en-US" dirty="0" smtClean="0"/>
-              <a:t>Query format – JSON</a:t>
-            </a:r>
-          </a:p>
-          <a:p>
-            <a:r>
-              <a:rPr lang="en-US" dirty="0" smtClean="0"/>
-              <a:t>Build in filters</a:t>
-            </a:r>
-          </a:p>
-          <a:p>
-            <a:r>
-              <a:rPr lang="en-US" dirty="0" smtClean="0"/>
-              <a:t>Queries </a:t>
-            </a:r>
-            <a:r>
               <a:rPr lang="en-US" dirty="0" err="1" smtClean="0"/>
-              <a:t>vs</a:t>
-            </a:r>
-            <a:r>
-              <a:rPr lang="en-US" dirty="0" smtClean="0"/>
-              <a:t> Filters</a:t>
+              <a:t>wget</a:t>
+            </a:r>
+            <a:r>
+              <a:rPr lang="en-US" dirty="0" smtClean="0"/>
+              <a:t> </a:t>
+            </a:r>
+            <a:r>
+              <a:rPr lang="en-US" dirty="0" err="1" smtClean="0"/>
+              <a:t>elasticsearch.tar.gz</a:t>
+            </a:r>
+            <a:endParaRPr lang="en-US" dirty="0" smtClean="0"/>
+          </a:p>
+          <a:p>
+            <a:r>
+              <a:rPr lang="en-US" dirty="0" smtClean="0"/>
+              <a:t>tar </a:t>
+            </a:r>
+            <a:r>
+              <a:rPr lang="en-US" dirty="0" err="1" smtClean="0"/>
+              <a:t>xzvf</a:t>
+            </a:r>
+            <a:r>
+              <a:rPr lang="en-US" dirty="0" smtClean="0"/>
+              <a:t>   </a:t>
+            </a:r>
+            <a:r>
+              <a:rPr lang="en-US" dirty="0" err="1"/>
+              <a:t>elasticsearch.tar.gz</a:t>
+            </a:r>
+            <a:endParaRPr lang="en-US" dirty="0"/>
+          </a:p>
+          <a:p>
+            <a:r>
+              <a:rPr lang="en-US" dirty="0" smtClean="0"/>
+              <a:t>bin/</a:t>
+            </a:r>
+            <a:r>
+              <a:rPr lang="en-US" dirty="0" err="1" smtClean="0"/>
+              <a:t>elasticsearch</a:t>
+            </a:r>
+            <a:endParaRPr lang="en-US" dirty="0" smtClean="0"/>
+          </a:p>
+          <a:p>
+            <a:r>
+              <a:rPr lang="en-US" dirty="0" smtClean="0"/>
+              <a:t>curl localhost:9200</a:t>
             </a:r>
             <a:endParaRPr lang="en-US" dirty="0"/>
           </a:p>
@@ -6193,7 +6178,7 @@
     </p:spTree>
     <p:extLst>
       <p:ext uri="{BB962C8B-B14F-4D97-AF65-F5344CB8AC3E}">
-        <p14:creationId xmlns:p14="http://schemas.microsoft.com/office/powerpoint/2010/main" val="2580380204"/>
+        <p14:creationId xmlns:p14="http://schemas.microsoft.com/office/powerpoint/2010/main" val="4074957073"/>
       </p:ext>
     </p:extLst>
   </p:cSld>
@@ -6237,41 +6222,92 @@
           <a:p>
             <a:r>
               <a:rPr lang="en-US" dirty="0" smtClean="0"/>
-              <a:t>ES</a:t>
+              <a:t>the data in. Documents in.</a:t>
             </a:r>
             <a:endParaRPr lang="en-US" dirty="0"/>
           </a:p>
         </p:txBody>
       </p:sp>
-      <p:pic>
-        <p:nvPicPr>
-          <p:cNvPr id="4" name="Content Placeholder 3" descr="Screen Shot 2014-04-21 at 10.19.50 AM.png"/>
-          <p:cNvPicPr>
-            <a:picLocks noGrp="1" noChangeAspect="1"/>
-          </p:cNvPicPr>
+      <p:sp>
+        <p:nvSpPr>
+          <p:cNvPr id="3" name="Content Placeholder 2"/>
+          <p:cNvSpPr>
+            <a:spLocks noGrp="1"/>
+          </p:cNvSpPr>
           <p:nvPr>
             <p:ph sz="quarter" idx="13"/>
           </p:nvPr>
-        </p:nvPicPr>
-        <p:blipFill>
-          <a:blip r:embed="rId2">
-            <a:extLst>
-              <a:ext uri="{28A0092B-C50C-407E-A947-70E740481C1C}">
-                <a14:useLocalDpi xmlns:a14="http://schemas.microsoft.com/office/drawing/2010/main" val="0"/>
-              </a:ext>
-            </a:extLst>
-          </a:blip>
-          <a:srcRect l="-23777" r="-23777"/>
-          <a:stretch>
-            <a:fillRect/>
-          </a:stretch>
-        </p:blipFill>
-        <p:spPr/>
-      </p:pic>
+        </p:nvSpPr>
+        <p:spPr/>
+        <p:txBody>
+          <a:bodyPr/>
+          <a:lstStyle/>
+          <a:p>
+            <a:r>
+              <a:rPr lang="en-US" dirty="0" smtClean="0"/>
+              <a:t>curl –XPUT localhost:9200/game/name/</a:t>
+            </a:r>
+            <a:r>
+              <a:rPr lang="en-US" dirty="0" err="1" smtClean="0"/>
+              <a:t>lucky_words</a:t>
+            </a:r>
+            <a:r>
+              <a:rPr lang="en-US" dirty="0" smtClean="0"/>
+              <a:t> –d `{“some” : </a:t>
+            </a:r>
+            <a:r>
+              <a:rPr lang="en-US" dirty="0" err="1" smtClean="0"/>
+              <a:t>json</a:t>
+            </a:r>
+            <a:r>
+              <a:rPr lang="en-US" dirty="0" smtClean="0"/>
+              <a:t> }`</a:t>
+            </a:r>
+          </a:p>
+          <a:p>
+            <a:r>
+              <a:rPr lang="en-US" dirty="0"/>
+              <a:t>curl –</a:t>
+            </a:r>
+            <a:r>
+              <a:rPr lang="en-US" dirty="0" smtClean="0"/>
+              <a:t>XGET </a:t>
+            </a:r>
+            <a:r>
+              <a:rPr lang="en-US" dirty="0"/>
+              <a:t>localhost:9200/game/name/</a:t>
+            </a:r>
+            <a:r>
+              <a:rPr lang="en-US" dirty="0" err="1" smtClean="0"/>
+              <a:t>lucky_words</a:t>
+            </a:r>
+            <a:endParaRPr lang="en-US" dirty="0" smtClean="0"/>
+          </a:p>
+          <a:p>
+            <a:r>
+              <a:rPr lang="en-US" dirty="0"/>
+              <a:t>curl –</a:t>
+            </a:r>
+            <a:r>
+              <a:rPr lang="en-US" dirty="0" smtClean="0"/>
+              <a:t>XDELETE </a:t>
+            </a:r>
+            <a:r>
+              <a:rPr lang="en-US" dirty="0"/>
+              <a:t>localhost:9200/game/name/</a:t>
+            </a:r>
+            <a:r>
+              <a:rPr lang="en-US" dirty="0" err="1"/>
+              <a:t>lucky_words</a:t>
+            </a:r>
+            <a:endParaRPr lang="en-US" dirty="0"/>
+          </a:p>
+        </p:txBody>
+      </p:sp>
     </p:spTree>
     <p:extLst>
       <p:ext uri="{BB962C8B-B14F-4D97-AF65-F5344CB8AC3E}">
-        <p14:creationId xmlns:p14="http://schemas.microsoft.com/office/powerpoint/2010/main" val="267365519"/>
+        <p14:creationId xmlns:p14="http://schemas.microsoft.com/office/powerpoint/2010/main" val="1232051042"/>
       </p:ext>
     </p:extLst>
   </p:cSld>
@@ -6314,52 +6350,341 @@
           <a:lstStyle/>
           <a:p>
             <a:r>
+              <a:rPr lang="en-US" dirty="0" smtClean="0"/>
+              <a:t>Search</a:t>
+            </a:r>
+            <a:endParaRPr lang="en-US" dirty="0"/>
+          </a:p>
+        </p:txBody>
+      </p:sp>
+      <p:sp>
+        <p:nvSpPr>
+          <p:cNvPr id="3" name="Content Placeholder 2"/>
+          <p:cNvSpPr>
+            <a:spLocks noGrp="1"/>
+          </p:cNvSpPr>
+          <p:nvPr>
+            <p:ph sz="quarter" idx="13"/>
+          </p:nvPr>
+        </p:nvSpPr>
+        <p:spPr/>
+        <p:txBody>
+          <a:bodyPr/>
+          <a:lstStyle/>
+          <a:p>
+            <a:r>
+              <a:rPr lang="en-US" dirty="0"/>
+              <a:t>curl –</a:t>
+            </a:r>
+            <a:r>
+              <a:rPr lang="en-US" dirty="0" smtClean="0"/>
+              <a:t>XGET </a:t>
+            </a:r>
+            <a:r>
+              <a:rPr lang="en-US" dirty="0"/>
+              <a:t>localhost:9200</a:t>
+            </a:r>
+            <a:r>
+              <a:rPr lang="en-US" dirty="0" smtClean="0"/>
+              <a:t>/_</a:t>
+            </a:r>
+            <a:r>
               <a:rPr lang="en-US" dirty="0" err="1" smtClean="0"/>
-              <a:t>Sorl</a:t>
-            </a:r>
-            <a:r>
-              <a:rPr lang="en-US" dirty="0" smtClean="0"/>
+              <a:t>search?q</a:t>
+            </a:r>
+            <a:r>
+              <a:rPr lang="en-US" dirty="0" smtClean="0"/>
+              <a:t>=</a:t>
+            </a:r>
+            <a:r>
+              <a:rPr lang="en-US" dirty="0" err="1" smtClean="0"/>
+              <a:t>best_game</a:t>
+            </a:r>
+            <a:endParaRPr lang="en-US" dirty="0" smtClean="0"/>
+          </a:p>
+          <a:p>
+            <a:endParaRPr lang="en-US" dirty="0" smtClean="0"/>
+          </a:p>
+          <a:p>
+            <a:r>
+              <a:rPr lang="en-US" dirty="0"/>
+              <a:t>curl –XGET localhost:9200/</a:t>
+            </a:r>
+            <a:r>
+              <a:rPr lang="en-US" dirty="0" smtClean="0"/>
+              <a:t>_search –d `{</a:t>
+            </a:r>
+          </a:p>
+          <a:p>
+            <a:pPr marL="457200" lvl="1" indent="0">
+              <a:buNone/>
+            </a:pPr>
+            <a:r>
+              <a:rPr lang="en-US" dirty="0"/>
               <a:t> </a:t>
             </a:r>
             <a:r>
+              <a:rPr lang="en-US" dirty="0" smtClean="0"/>
+              <a:t>“query”:  {</a:t>
+            </a:r>
+          </a:p>
+          <a:p>
+            <a:pPr marL="457200" lvl="1" indent="0">
+              <a:buNone/>
+            </a:pPr>
+            <a:r>
+              <a:rPr lang="en-US" dirty="0"/>
+              <a:t>	</a:t>
+            </a:r>
+            <a:r>
+              <a:rPr lang="en-US" dirty="0" smtClean="0"/>
+              <a:t>“</a:t>
+            </a:r>
+            <a:r>
               <a:rPr lang="en-US" dirty="0" err="1" smtClean="0"/>
-              <a:t>vs</a:t>
-            </a:r>
-            <a:r>
-              <a:rPr lang="en-US" dirty="0" smtClean="0"/>
-              <a:t> </a:t>
+              <a:t>query_string</a:t>
+            </a:r>
+            <a:r>
+              <a:rPr lang="en-US" dirty="0" smtClean="0"/>
+              <a:t>”: {</a:t>
+            </a:r>
+          </a:p>
+          <a:p>
+            <a:pPr marL="457200" lvl="1" indent="0">
+              <a:buNone/>
+            </a:pPr>
+            <a:r>
+              <a:rPr lang="en-US" dirty="0"/>
+              <a:t>	</a:t>
+            </a:r>
+            <a:r>
+              <a:rPr lang="en-US" dirty="0" smtClean="0"/>
+              <a:t>	“query”: “</a:t>
             </a:r>
             <a:r>
               <a:rPr lang="en-US" dirty="0" err="1" smtClean="0"/>
-              <a:t>Elasticsearch</a:t>
+              <a:t>lucky_words</a:t>
+            </a:r>
+            <a:r>
+              <a:rPr lang="en-US" dirty="0" smtClean="0"/>
+              <a:t> AND rtp:95”</a:t>
+            </a:r>
+          </a:p>
+          <a:p>
+            <a:pPr marL="457200" lvl="1" indent="0">
+              <a:buNone/>
+            </a:pPr>
+            <a:r>
+              <a:rPr lang="en-US" dirty="0"/>
+              <a:t>	</a:t>
+            </a:r>
+            <a:r>
+              <a:rPr lang="en-US" dirty="0" smtClean="0"/>
+              <a:t>	}</a:t>
+            </a:r>
+          </a:p>
+          <a:p>
+            <a:pPr marL="457200" lvl="1" indent="0">
+              <a:buNone/>
+            </a:pPr>
+            <a:r>
+              <a:rPr lang="en-US" dirty="0" smtClean="0"/>
+              <a:t>	}</a:t>
+            </a:r>
+          </a:p>
+          <a:p>
+            <a:pPr marL="457200" lvl="1" indent="0">
+              <a:buNone/>
+            </a:pPr>
+            <a:r>
+              <a:rPr lang="en-US" dirty="0" smtClean="0"/>
+              <a:t>}`</a:t>
             </a:r>
             <a:endParaRPr lang="en-US" dirty="0"/>
           </a:p>
-        </p:txBody>
-      </p:sp>
-      <p:sp>
-        <p:nvSpPr>
-          <p:cNvPr id="3" name="Content Placeholder 2"/>
-          <p:cNvSpPr>
-            <a:spLocks noGrp="1"/>
-          </p:cNvSpPr>
-          <p:nvPr>
-            <p:ph sz="quarter" idx="13"/>
-          </p:nvPr>
-        </p:nvSpPr>
-        <p:spPr/>
-        <p:txBody>
-          <a:bodyPr/>
-          <a:lstStyle/>
-          <a:p>
-            <a:endParaRPr lang="en-US"/>
+          <a:p>
+            <a:endParaRPr lang="en-US" dirty="0"/>
           </a:p>
         </p:txBody>
       </p:sp>
     </p:spTree>
     <p:extLst>
       <p:ext uri="{BB962C8B-B14F-4D97-AF65-F5344CB8AC3E}">
-        <p14:creationId xmlns:p14="http://schemas.microsoft.com/office/powerpoint/2010/main" val="1720177543"/>
+        <p14:creationId xmlns:p14="http://schemas.microsoft.com/office/powerpoint/2010/main" val="1726973554"/>
+      </p:ext>
+    </p:extLst>
+  </p:cSld>
+  <p:clrMapOvr>
+    <a:masterClrMapping/>
+  </p:clrMapOvr>
+</p:sld>
+</file>
+
+<file path=ppt/slides/slide35.xml><?xml version="1.0" encoding="utf-8"?>
+<p:sld xmlns:a="http://schemas.openxmlformats.org/drawingml/2006/main" xmlns:r="http://schemas.openxmlformats.org/officeDocument/2006/relationships" xmlns:p="http://schemas.openxmlformats.org/presentationml/2006/main">
+  <p:cSld>
+    <p:spTree>
+      <p:nvGrpSpPr>
+        <p:cNvPr id="1" name=""/>
+        <p:cNvGrpSpPr/>
+        <p:nvPr/>
+      </p:nvGrpSpPr>
+      <p:grpSpPr>
+        <a:xfrm>
+          <a:off x="0" y="0"/>
+          <a:ext cx="0" cy="0"/>
+          <a:chOff x="0" y="0"/>
+          <a:chExt cx="0" cy="0"/>
+        </a:xfrm>
+      </p:grpSpPr>
+      <p:sp>
+        <p:nvSpPr>
+          <p:cNvPr id="2" name="Title 1"/>
+          <p:cNvSpPr>
+            <a:spLocks noGrp="1"/>
+          </p:cNvSpPr>
+          <p:nvPr>
+            <p:ph type="title"/>
+          </p:nvPr>
+        </p:nvSpPr>
+        <p:spPr/>
+        <p:txBody>
+          <a:bodyPr/>
+          <a:lstStyle/>
+          <a:p>
+            <a:r>
+              <a:rPr lang="en-US" dirty="0" smtClean="0"/>
+              <a:t>Query your data</a:t>
+            </a:r>
+            <a:endParaRPr lang="en-US" dirty="0"/>
+          </a:p>
+        </p:txBody>
+      </p:sp>
+      <p:sp>
+        <p:nvSpPr>
+          <p:cNvPr id="3" name="Content Placeholder 2"/>
+          <p:cNvSpPr>
+            <a:spLocks noGrp="1"/>
+          </p:cNvSpPr>
+          <p:nvPr>
+            <p:ph sz="quarter" idx="13"/>
+          </p:nvPr>
+        </p:nvSpPr>
+        <p:spPr/>
+        <p:txBody>
+          <a:bodyPr/>
+          <a:lstStyle/>
+          <a:p>
+            <a:r>
+              <a:rPr lang="en-US" dirty="0" smtClean="0"/>
+              <a:t>Query format – JSON</a:t>
+            </a:r>
+          </a:p>
+          <a:p>
+            <a:r>
+              <a:rPr lang="en-US" dirty="0" smtClean="0"/>
+              <a:t>Build in filters</a:t>
+            </a:r>
+          </a:p>
+          <a:p>
+            <a:r>
+              <a:rPr lang="en-US" dirty="0" smtClean="0"/>
+              <a:t>Queries </a:t>
+            </a:r>
+            <a:r>
+              <a:rPr lang="en-US" dirty="0" err="1" smtClean="0"/>
+              <a:t>vs</a:t>
+            </a:r>
+            <a:r>
+              <a:rPr lang="en-US" dirty="0" smtClean="0"/>
+              <a:t> Filters</a:t>
+            </a:r>
+            <a:endParaRPr lang="en-US" dirty="0"/>
+          </a:p>
+        </p:txBody>
+      </p:sp>
+    </p:spTree>
+    <p:extLst>
+      <p:ext uri="{BB962C8B-B14F-4D97-AF65-F5344CB8AC3E}">
+        <p14:creationId xmlns:p14="http://schemas.microsoft.com/office/powerpoint/2010/main" val="2580380204"/>
+      </p:ext>
+    </p:extLst>
+  </p:cSld>
+  <p:clrMapOvr>
+    <a:masterClrMapping/>
+  </p:clrMapOvr>
+</p:sld>
+</file>
+
+<file path=ppt/slides/slide36.xml><?xml version="1.0" encoding="utf-8"?>
+<p:sld xmlns:a="http://schemas.openxmlformats.org/drawingml/2006/main" xmlns:r="http://schemas.openxmlformats.org/officeDocument/2006/relationships" xmlns:p="http://schemas.openxmlformats.org/presentationml/2006/main">
+  <p:cSld>
+    <p:spTree>
+      <p:nvGrpSpPr>
+        <p:cNvPr id="1" name=""/>
+        <p:cNvGrpSpPr/>
+        <p:nvPr/>
+      </p:nvGrpSpPr>
+      <p:grpSpPr>
+        <a:xfrm>
+          <a:off x="0" y="0"/>
+          <a:ext cx="0" cy="0"/>
+          <a:chOff x="0" y="0"/>
+          <a:chExt cx="0" cy="0"/>
+        </a:xfrm>
+      </p:grpSpPr>
+      <p:sp>
+        <p:nvSpPr>
+          <p:cNvPr id="2" name="Title 1"/>
+          <p:cNvSpPr>
+            <a:spLocks noGrp="1"/>
+          </p:cNvSpPr>
+          <p:nvPr>
+            <p:ph type="title"/>
+          </p:nvPr>
+        </p:nvSpPr>
+        <p:spPr/>
+        <p:txBody>
+          <a:bodyPr/>
+          <a:lstStyle/>
+          <a:p>
+            <a:r>
+              <a:rPr lang="en-US" dirty="0" smtClean="0"/>
+              <a:t>ES</a:t>
+            </a:r>
+            <a:endParaRPr lang="en-US" dirty="0"/>
+          </a:p>
+        </p:txBody>
+      </p:sp>
+      <p:pic>
+        <p:nvPicPr>
+          <p:cNvPr id="4" name="Content Placeholder 3" descr="Screen Shot 2014-04-21 at 10.19.50 AM.png"/>
+          <p:cNvPicPr>
+            <a:picLocks noGrp="1" noChangeAspect="1"/>
+          </p:cNvPicPr>
+          <p:nvPr>
+            <p:ph sz="quarter" idx="13"/>
+          </p:nvPr>
+        </p:nvPicPr>
+        <p:blipFill>
+          <a:blip r:embed="rId2">
+            <a:extLst>
+              <a:ext uri="{28A0092B-C50C-407E-A947-70E740481C1C}">
+                <a14:useLocalDpi xmlns:a14="http://schemas.microsoft.com/office/drawing/2010/main" val="0"/>
+              </a:ext>
+            </a:extLst>
+          </a:blip>
+          <a:srcRect l="-23777" r="-23777"/>
+          <a:stretch>
+            <a:fillRect/>
+          </a:stretch>
+        </p:blipFill>
+        <p:spPr/>
+      </p:pic>
+    </p:spTree>
+    <p:extLst>
+      <p:ext uri="{BB962C8B-B14F-4D97-AF65-F5344CB8AC3E}">
+        <p14:creationId xmlns:p14="http://schemas.microsoft.com/office/powerpoint/2010/main" val="267365519"/>
       </p:ext>
     </p:extLst>
   </p:cSld>
@@ -6403,11 +6728,269 @@
           <a:p>
             <a:r>
               <a:rPr lang="en-US" dirty="0" smtClean="0"/>
+              <a:t>Buzz </a:t>
+            </a:r>
+            <a:r>
+              <a:rPr lang="en-US" dirty="0" err="1" smtClean="0"/>
+              <a:t>WordS</a:t>
+            </a:r>
+            <a:r>
+              <a:rPr lang="en-US" dirty="0" smtClean="0"/>
+              <a:t>.</a:t>
+            </a:r>
+            <a:endParaRPr lang="en-US" dirty="0"/>
+          </a:p>
+        </p:txBody>
+      </p:sp>
+      <p:sp>
+        <p:nvSpPr>
+          <p:cNvPr id="3" name="Content Placeholder 2"/>
+          <p:cNvSpPr>
+            <a:spLocks noGrp="1"/>
+          </p:cNvSpPr>
+          <p:nvPr>
+            <p:ph sz="quarter" idx="13"/>
+          </p:nvPr>
+        </p:nvSpPr>
+        <p:spPr/>
+        <p:txBody>
+          <a:bodyPr/>
+          <a:lstStyle/>
+          <a:p>
+            <a:r>
+              <a:rPr lang="en-US" dirty="0" smtClean="0"/>
+              <a:t>Open Source</a:t>
+            </a:r>
+          </a:p>
+          <a:p>
+            <a:r>
+              <a:rPr lang="en-US" dirty="0" smtClean="0"/>
+              <a:t>JSON</a:t>
+            </a:r>
+          </a:p>
+          <a:p>
+            <a:r>
+              <a:rPr lang="en-US" dirty="0" smtClean="0"/>
+              <a:t>Rest</a:t>
+            </a:r>
+          </a:p>
+          <a:p>
+            <a:r>
+              <a:rPr lang="en-US" dirty="0" smtClean="0"/>
+              <a:t>Http</a:t>
+            </a:r>
+          </a:p>
+          <a:p>
+            <a:r>
+              <a:rPr lang="en-US" dirty="0" err="1" smtClean="0"/>
+              <a:t>Lucene</a:t>
+            </a:r>
+            <a:endParaRPr lang="en-US" dirty="0" smtClean="0"/>
+          </a:p>
+          <a:p>
+            <a:r>
+              <a:rPr lang="en-US" dirty="0" smtClean="0"/>
+              <a:t>Distributed Data Store</a:t>
+            </a:r>
+          </a:p>
+          <a:p>
+            <a:r>
+              <a:rPr lang="en-US" dirty="0" smtClean="0"/>
+              <a:t>Very good for Searching and Analyzing Data</a:t>
+            </a:r>
+            <a:endParaRPr lang="en-US" dirty="0"/>
+          </a:p>
+        </p:txBody>
+      </p:sp>
+    </p:spTree>
+    <p:extLst>
+      <p:ext uri="{BB962C8B-B14F-4D97-AF65-F5344CB8AC3E}">
+        <p14:creationId xmlns:p14="http://schemas.microsoft.com/office/powerpoint/2010/main" val="3199174025"/>
+      </p:ext>
+    </p:extLst>
+  </p:cSld>
+  <p:clrMapOvr>
+    <a:masterClrMapping/>
+  </p:clrMapOvr>
+  <p:timing>
+    <p:tnLst>
+      <p:par>
+        <p:cTn xmlns:p14="http://schemas.microsoft.com/office/powerpoint/2010/main" id="1" dur="indefinite" restart="never" nodeType="tmRoot"/>
+      </p:par>
+    </p:tnLst>
+  </p:timing>
+</p:sld>
+</file>
+
+<file path=ppt/slides/slide5.xml><?xml version="1.0" encoding="utf-8"?>
+<p:sld xmlns:a="http://schemas.openxmlformats.org/drawingml/2006/main" xmlns:r="http://schemas.openxmlformats.org/officeDocument/2006/relationships" xmlns:p="http://schemas.openxmlformats.org/presentationml/2006/main">
+  <p:cSld>
+    <p:spTree>
+      <p:nvGrpSpPr>
+        <p:cNvPr id="1" name=""/>
+        <p:cNvGrpSpPr/>
+        <p:nvPr/>
+      </p:nvGrpSpPr>
+      <p:grpSpPr>
+        <a:xfrm>
+          <a:off x="0" y="0"/>
+          <a:ext cx="0" cy="0"/>
+          <a:chOff x="0" y="0"/>
+          <a:chExt cx="0" cy="0"/>
+        </a:xfrm>
+      </p:grpSpPr>
+      <p:sp>
+        <p:nvSpPr>
+          <p:cNvPr id="2" name="Title 1"/>
+          <p:cNvSpPr>
+            <a:spLocks noGrp="1"/>
+          </p:cNvSpPr>
+          <p:nvPr>
+            <p:ph type="title"/>
+          </p:nvPr>
+        </p:nvSpPr>
+        <p:spPr/>
+        <p:txBody>
+          <a:bodyPr/>
+          <a:lstStyle/>
+          <a:p>
+            <a:r>
+              <a:rPr lang="en-US" dirty="0" smtClean="0"/>
+              <a:t>Search engine. </a:t>
+            </a:r>
+            <a:r>
+              <a:rPr lang="en-US" dirty="0" err="1" smtClean="0"/>
+              <a:t>Lucene</a:t>
+            </a:r>
+            <a:r>
+              <a:rPr lang="en-US" dirty="0" smtClean="0"/>
+              <a:t>.</a:t>
+            </a:r>
+            <a:endParaRPr lang="en-US" dirty="0"/>
+          </a:p>
+        </p:txBody>
+      </p:sp>
+      <p:sp>
+        <p:nvSpPr>
+          <p:cNvPr id="3" name="Content Placeholder 2"/>
+          <p:cNvSpPr>
+            <a:spLocks noGrp="1"/>
+          </p:cNvSpPr>
+          <p:nvPr>
+            <p:ph sz="quarter" idx="13"/>
+          </p:nvPr>
+        </p:nvSpPr>
+        <p:spPr/>
+        <p:txBody>
+          <a:bodyPr/>
+          <a:lstStyle/>
+          <a:p>
+            <a:r>
+              <a:rPr lang="en-US" dirty="0" err="1" smtClean="0"/>
+              <a:t>Lucene</a:t>
+            </a:r>
+            <a:r>
+              <a:rPr lang="en-US" dirty="0" smtClean="0"/>
+              <a:t> was first release in 2000 on </a:t>
+            </a:r>
+            <a:r>
+              <a:rPr lang="en-US" dirty="0" err="1" smtClean="0"/>
+              <a:t>SourceForge</a:t>
+            </a:r>
+            <a:endParaRPr lang="en-US" dirty="0" smtClean="0"/>
+          </a:p>
+          <a:p>
+            <a:r>
+              <a:rPr lang="en-US" dirty="0" smtClean="0"/>
+              <a:t>Java</a:t>
+            </a:r>
+            <a:r>
+              <a:rPr lang="en-US" dirty="0" smtClean="0"/>
+              <a:t>-based indexing and search technology</a:t>
+            </a:r>
+          </a:p>
+          <a:p>
+            <a:r>
+              <a:rPr lang="en-US" dirty="0" err="1" smtClean="0"/>
+              <a:t>Sorl</a:t>
+            </a:r>
+            <a:r>
+              <a:rPr lang="en-US" dirty="0" smtClean="0"/>
+              <a:t> is a high performance search server built using </a:t>
+            </a:r>
+            <a:r>
+              <a:rPr lang="en-US" dirty="0" err="1" smtClean="0"/>
+              <a:t>Lucene</a:t>
+            </a:r>
+            <a:r>
+              <a:rPr lang="en-US" dirty="0" smtClean="0"/>
+              <a:t> Core, with XML/HTTP and JSON/Python/Ruby APIs, hit highlighting, facets search, caching, replication, and a web admin interface.  </a:t>
+            </a:r>
+          </a:p>
+          <a:p>
+            <a:endParaRPr lang="en-US" dirty="0"/>
+          </a:p>
+        </p:txBody>
+      </p:sp>
+    </p:spTree>
+    <p:extLst>
+      <p:ext uri="{BB962C8B-B14F-4D97-AF65-F5344CB8AC3E}">
+        <p14:creationId xmlns:p14="http://schemas.microsoft.com/office/powerpoint/2010/main" val="2879139187"/>
+      </p:ext>
+    </p:extLst>
+  </p:cSld>
+  <p:clrMapOvr>
+    <a:masterClrMapping/>
+  </p:clrMapOvr>
+  <p:timing>
+    <p:tnLst>
+      <p:par>
+        <p:cTn xmlns:p14="http://schemas.microsoft.com/office/powerpoint/2010/main" id="1" dur="indefinite" restart="never" nodeType="tmRoot"/>
+      </p:par>
+    </p:tnLst>
+  </p:timing>
+</p:sld>
+</file>
+
+<file path=ppt/slides/slide6.xml><?xml version="1.0" encoding="utf-8"?>
+<p:sld xmlns:a="http://schemas.openxmlformats.org/drawingml/2006/main" xmlns:r="http://schemas.openxmlformats.org/officeDocument/2006/relationships" xmlns:p="http://schemas.openxmlformats.org/presentationml/2006/main">
+  <p:cSld>
+    <p:spTree>
+      <p:nvGrpSpPr>
+        <p:cNvPr id="1" name=""/>
+        <p:cNvGrpSpPr/>
+        <p:nvPr/>
+      </p:nvGrpSpPr>
+      <p:grpSpPr>
+        <a:xfrm>
+          <a:off x="0" y="0"/>
+          <a:ext cx="0" cy="0"/>
+          <a:chOff x="0" y="0"/>
+          <a:chExt cx="0" cy="0"/>
+        </a:xfrm>
+      </p:grpSpPr>
+      <p:sp>
+        <p:nvSpPr>
+          <p:cNvPr id="2" name="Title 1"/>
+          <p:cNvSpPr>
+            <a:spLocks noGrp="1"/>
+          </p:cNvSpPr>
+          <p:nvPr>
+            <p:ph type="title"/>
+          </p:nvPr>
+        </p:nvSpPr>
+        <p:spPr/>
+        <p:txBody>
+          <a:bodyPr/>
+          <a:lstStyle/>
+          <a:p>
+            <a:r>
+              <a:rPr lang="en-US" dirty="0" smtClean="0"/>
               <a:t>Structured vs. </a:t>
             </a:r>
             <a:r>
               <a:rPr lang="en-US" dirty="0" err="1" smtClean="0"/>
-              <a:t>unstructure</a:t>
+              <a:t>unstructureD</a:t>
             </a:r>
             <a:r>
               <a:rPr lang="en-US" dirty="0" smtClean="0"/>
@@ -6497,10 +7080,17 @@
   <p:clrMapOvr>
     <a:masterClrMapping/>
   </p:clrMapOvr>
+  <p:timing>
+    <p:tnLst>
+      <p:par>
+        <p:cTn xmlns:p14="http://schemas.microsoft.com/office/powerpoint/2010/main" id="1" dur="indefinite" restart="never" nodeType="tmRoot"/>
+      </p:par>
+    </p:tnLst>
+  </p:timing>
 </p:sld>
 </file>
 
-<file path=ppt/slides/slide5.xml><?xml version="1.0" encoding="utf-8"?>
+<file path=ppt/slides/slide7.xml><?xml version="1.0" encoding="utf-8"?>
 <p:sld xmlns:a="http://schemas.openxmlformats.org/drawingml/2006/main" xmlns:r="http://schemas.openxmlformats.org/officeDocument/2006/relationships" xmlns:p="http://schemas.openxmlformats.org/presentationml/2006/main">
   <p:cSld>
     <p:spTree>
@@ -6590,10 +7180,110 @@
   <p:clrMapOvr>
     <a:masterClrMapping/>
   </p:clrMapOvr>
+  <p:timing>
+    <p:tnLst>
+      <p:par>
+        <p:cTn xmlns:p14="http://schemas.microsoft.com/office/powerpoint/2010/main" id="1" dur="indefinite" restart="never" nodeType="tmRoot"/>
+      </p:par>
+    </p:tnLst>
+  </p:timing>
 </p:sld>
 </file>
 
-<file path=ppt/slides/slide6.xml><?xml version="1.0" encoding="utf-8"?>
+<file path=ppt/slides/slide8.xml><?xml version="1.0" encoding="utf-8"?>
+<p:sld xmlns:a="http://schemas.openxmlformats.org/drawingml/2006/main" xmlns:r="http://schemas.openxmlformats.org/officeDocument/2006/relationships" xmlns:p="http://schemas.openxmlformats.org/presentationml/2006/main">
+  <p:cSld>
+    <p:spTree>
+      <p:nvGrpSpPr>
+        <p:cNvPr id="1" name=""/>
+        <p:cNvGrpSpPr/>
+        <p:nvPr/>
+      </p:nvGrpSpPr>
+      <p:grpSpPr>
+        <a:xfrm>
+          <a:off x="0" y="0"/>
+          <a:ext cx="0" cy="0"/>
+          <a:chOff x="0" y="0"/>
+          <a:chExt cx="0" cy="0"/>
+        </a:xfrm>
+      </p:grpSpPr>
+      <p:sp>
+        <p:nvSpPr>
+          <p:cNvPr id="2" name="Title 1"/>
+          <p:cNvSpPr>
+            <a:spLocks noGrp="1"/>
+          </p:cNvSpPr>
+          <p:nvPr>
+            <p:ph type="title"/>
+          </p:nvPr>
+        </p:nvSpPr>
+        <p:spPr/>
+        <p:txBody>
+          <a:bodyPr/>
+          <a:lstStyle/>
+          <a:p>
+            <a:r>
+              <a:rPr lang="en-US" dirty="0" smtClean="0"/>
+              <a:t>List of </a:t>
+            </a:r>
+            <a:r>
+              <a:rPr lang="en-US" dirty="0" err="1" smtClean="0"/>
+              <a:t>SuPported</a:t>
+            </a:r>
+            <a:r>
+              <a:rPr lang="en-US" dirty="0" smtClean="0"/>
+              <a:t> plugin by community </a:t>
+            </a:r>
+            <a:endParaRPr lang="en-US" dirty="0"/>
+          </a:p>
+        </p:txBody>
+      </p:sp>
+      <p:pic>
+        <p:nvPicPr>
+          <p:cNvPr id="4" name="Content Placeholder 3" descr="Screen Shot 2014-05-18 at 3.55.51 PM.png"/>
+          <p:cNvPicPr>
+            <a:picLocks noGrp="1" noChangeAspect="1"/>
+          </p:cNvPicPr>
+          <p:nvPr>
+            <p:ph sz="quarter" idx="13"/>
+          </p:nvPr>
+        </p:nvPicPr>
+        <p:blipFill>
+          <a:blip r:embed="rId2">
+            <a:extLst>
+              <a:ext uri="{28A0092B-C50C-407E-A947-70E740481C1C}">
+                <a14:useLocalDpi xmlns:a14="http://schemas.microsoft.com/office/drawing/2010/main" val="0"/>
+              </a:ext>
+            </a:extLst>
+          </a:blip>
+          <a:srcRect l="-36377" r="-36377"/>
+          <a:stretch>
+            <a:fillRect/>
+          </a:stretch>
+        </p:blipFill>
+        <p:spPr/>
+      </p:pic>
+    </p:spTree>
+    <p:extLst>
+      <p:ext uri="{BB962C8B-B14F-4D97-AF65-F5344CB8AC3E}">
+        <p14:creationId xmlns:p14="http://schemas.microsoft.com/office/powerpoint/2010/main" val="2495730399"/>
+      </p:ext>
+    </p:extLst>
+  </p:cSld>
+  <p:clrMapOvr>
+    <a:masterClrMapping/>
+  </p:clrMapOvr>
+  <p:timing>
+    <p:tnLst>
+      <p:par>
+        <p:cTn xmlns:p14="http://schemas.microsoft.com/office/powerpoint/2010/main" id="1" dur="indefinite" restart="never" nodeType="tmRoot"/>
+      </p:par>
+    </p:tnLst>
+  </p:timing>
+</p:sld>
+</file>
+
+<file path=ppt/slides/slide9.xml><?xml version="1.0" encoding="utf-8"?>
 <p:sld xmlns:a="http://schemas.openxmlformats.org/drawingml/2006/main" xmlns:r="http://schemas.openxmlformats.org/officeDocument/2006/relationships" xmlns:p="http://schemas.openxmlformats.org/presentationml/2006/main">
   <p:cSld>
     <p:spTree>
@@ -6930,301 +7620,13 @@
   <p:clrMapOvr>
     <a:masterClrMapping/>
   </p:clrMapOvr>
-</p:sld>
-</file>
-
-<file path=ppt/slides/slide7.xml><?xml version="1.0" encoding="utf-8"?>
-<p:sld xmlns:a="http://schemas.openxmlformats.org/drawingml/2006/main" xmlns:r="http://schemas.openxmlformats.org/officeDocument/2006/relationships" xmlns:p="http://schemas.openxmlformats.org/presentationml/2006/main">
-  <p:cSld>
-    <p:spTree>
-      <p:nvGrpSpPr>
-        <p:cNvPr id="1" name=""/>
-        <p:cNvGrpSpPr/>
-        <p:nvPr/>
-      </p:nvGrpSpPr>
-      <p:grpSpPr>
-        <a:xfrm>
-          <a:off x="0" y="0"/>
-          <a:ext cx="0" cy="0"/>
-          <a:chOff x="0" y="0"/>
-          <a:chExt cx="0" cy="0"/>
-        </a:xfrm>
-      </p:grpSpPr>
-      <p:sp>
-        <p:nvSpPr>
-          <p:cNvPr id="2" name="Title 1"/>
-          <p:cNvSpPr>
-            <a:spLocks noGrp="1"/>
-          </p:cNvSpPr>
-          <p:nvPr>
-            <p:ph type="title"/>
-          </p:nvPr>
-        </p:nvSpPr>
-        <p:spPr/>
-        <p:txBody>
-          <a:bodyPr/>
-          <a:lstStyle/>
-          <a:p>
-            <a:r>
-              <a:rPr lang="en-US" dirty="0" smtClean="0"/>
-              <a:t>How to do it? Native Example</a:t>
-            </a:r>
-            <a:endParaRPr lang="en-US" dirty="0"/>
-          </a:p>
-        </p:txBody>
-      </p:sp>
-      <p:pic>
-        <p:nvPicPr>
-          <p:cNvPr id="4" name="Content Placeholder 3" descr="Screen Shot 2014-04-30 at 3.29.18 PM.png"/>
-          <p:cNvPicPr>
-            <a:picLocks noGrp="1" noChangeAspect="1"/>
-          </p:cNvPicPr>
-          <p:nvPr>
-            <p:ph sz="quarter" idx="13"/>
-          </p:nvPr>
-        </p:nvPicPr>
-        <p:blipFill>
-          <a:blip r:embed="rId2">
-            <a:extLst>
-              <a:ext uri="{28A0092B-C50C-407E-A947-70E740481C1C}">
-                <a14:useLocalDpi xmlns:a14="http://schemas.microsoft.com/office/drawing/2010/main" val="0"/>
-              </a:ext>
-            </a:extLst>
-          </a:blip>
-          <a:srcRect l="-24519" r="-24519"/>
-          <a:stretch>
-            <a:fillRect/>
-          </a:stretch>
-        </p:blipFill>
-        <p:spPr/>
-      </p:pic>
-    </p:spTree>
-    <p:extLst>
-      <p:ext uri="{BB962C8B-B14F-4D97-AF65-F5344CB8AC3E}">
-        <p14:creationId xmlns:p14="http://schemas.microsoft.com/office/powerpoint/2010/main" val="3862436629"/>
-      </p:ext>
-    </p:extLst>
-  </p:cSld>
-  <p:clrMapOvr>
-    <a:masterClrMapping/>
-  </p:clrMapOvr>
-</p:sld>
-</file>
-
-<file path=ppt/slides/slide8.xml><?xml version="1.0" encoding="utf-8"?>
-<p:sld xmlns:a="http://schemas.openxmlformats.org/drawingml/2006/main" xmlns:r="http://schemas.openxmlformats.org/officeDocument/2006/relationships" xmlns:p="http://schemas.openxmlformats.org/presentationml/2006/main">
-  <p:cSld>
-    <p:spTree>
-      <p:nvGrpSpPr>
-        <p:cNvPr id="1" name=""/>
-        <p:cNvGrpSpPr/>
-        <p:nvPr/>
-      </p:nvGrpSpPr>
-      <p:grpSpPr>
-        <a:xfrm>
-          <a:off x="0" y="0"/>
-          <a:ext cx="0" cy="0"/>
-          <a:chOff x="0" y="0"/>
-          <a:chExt cx="0" cy="0"/>
-        </a:xfrm>
-      </p:grpSpPr>
-      <p:sp>
-        <p:nvSpPr>
-          <p:cNvPr id="2" name="Title 1"/>
-          <p:cNvSpPr>
-            <a:spLocks noGrp="1"/>
-          </p:cNvSpPr>
-          <p:nvPr>
-            <p:ph type="title"/>
-          </p:nvPr>
-        </p:nvSpPr>
-        <p:spPr/>
-        <p:txBody>
-          <a:bodyPr/>
-          <a:lstStyle/>
-          <a:p>
-            <a:r>
-              <a:rPr lang="en-US" dirty="0" smtClean="0"/>
-              <a:t>How to do it? </a:t>
-            </a:r>
-            <a:r>
-              <a:rPr lang="en-US" dirty="0" err="1" smtClean="0"/>
-              <a:t>Logstash</a:t>
-            </a:r>
-            <a:endParaRPr lang="en-US" dirty="0"/>
-          </a:p>
-        </p:txBody>
-      </p:sp>
-      <p:sp>
-        <p:nvSpPr>
-          <p:cNvPr id="5" name="Content Placeholder 4"/>
-          <p:cNvSpPr>
-            <a:spLocks noGrp="1"/>
-          </p:cNvSpPr>
-          <p:nvPr>
-            <p:ph sz="quarter" idx="13"/>
-          </p:nvPr>
-        </p:nvSpPr>
-        <p:spPr/>
-        <p:txBody>
-          <a:bodyPr/>
-          <a:lstStyle/>
-          <a:p>
-            <a:r>
-              <a:rPr lang="en-US" dirty="0" smtClean="0"/>
-              <a:t>Edit log4j.properties file</a:t>
-            </a:r>
-          </a:p>
-          <a:p>
-            <a:r>
-              <a:rPr lang="en-US" dirty="0" smtClean="0"/>
-              <a:t>Create </a:t>
-            </a:r>
-            <a:r>
-              <a:rPr lang="en-US" dirty="0" err="1" smtClean="0"/>
-              <a:t>logstash</a:t>
-            </a:r>
-            <a:r>
-              <a:rPr lang="en-US" dirty="0" smtClean="0"/>
-              <a:t> configuration file (</a:t>
-            </a:r>
-            <a:r>
-              <a:rPr lang="en-US" dirty="0" err="1" smtClean="0"/>
-              <a:t>shipper.conf</a:t>
-            </a:r>
-            <a:r>
-              <a:rPr lang="en-US" dirty="0" smtClean="0"/>
-              <a:t>)</a:t>
-            </a:r>
-          </a:p>
-          <a:p>
-            <a:r>
-              <a:rPr lang="en-US" dirty="0" smtClean="0"/>
-              <a:t>Download </a:t>
-            </a:r>
-            <a:r>
-              <a:rPr lang="en-US" dirty="0" err="1" smtClean="0"/>
-              <a:t>logstash</a:t>
-            </a:r>
-            <a:r>
-              <a:rPr lang="en-US" dirty="0" smtClean="0"/>
-              <a:t> jar</a:t>
-            </a:r>
-          </a:p>
-          <a:p>
-            <a:r>
-              <a:rPr lang="en-US" dirty="0" smtClean="0"/>
-              <a:t>Run the following</a:t>
-            </a:r>
-          </a:p>
-          <a:p>
-            <a:pPr marL="914400" lvl="2" indent="0">
-              <a:buNone/>
-            </a:pPr>
-            <a:r>
-              <a:rPr lang="en-US" dirty="0" smtClean="0"/>
-              <a:t>java –jar logstash-1.3.3-flatjar.jar agent –f </a:t>
-            </a:r>
-            <a:r>
-              <a:rPr lang="en-US" dirty="0" err="1" smtClean="0"/>
-              <a:t>shipper.conf</a:t>
-            </a:r>
-            <a:endParaRPr lang="en-US" dirty="0" smtClean="0"/>
-          </a:p>
-        </p:txBody>
-      </p:sp>
-    </p:spTree>
-    <p:extLst>
-      <p:ext uri="{BB962C8B-B14F-4D97-AF65-F5344CB8AC3E}">
-        <p14:creationId xmlns:p14="http://schemas.microsoft.com/office/powerpoint/2010/main" val="2550242663"/>
-      </p:ext>
-    </p:extLst>
-  </p:cSld>
-  <p:clrMapOvr>
-    <a:masterClrMapping/>
-  </p:clrMapOvr>
-</p:sld>
-</file>
-
-<file path=ppt/slides/slide9.xml><?xml version="1.0" encoding="utf-8"?>
-<p:sld xmlns:a="http://schemas.openxmlformats.org/drawingml/2006/main" xmlns:r="http://schemas.openxmlformats.org/officeDocument/2006/relationships" xmlns:p="http://schemas.openxmlformats.org/presentationml/2006/main">
-  <p:cSld>
-    <p:spTree>
-      <p:nvGrpSpPr>
-        <p:cNvPr id="1" name=""/>
-        <p:cNvGrpSpPr/>
-        <p:nvPr/>
-      </p:nvGrpSpPr>
-      <p:grpSpPr>
-        <a:xfrm>
-          <a:off x="0" y="0"/>
-          <a:ext cx="0" cy="0"/>
-          <a:chOff x="0" y="0"/>
-          <a:chExt cx="0" cy="0"/>
-        </a:xfrm>
-      </p:grpSpPr>
-      <p:sp>
-        <p:nvSpPr>
-          <p:cNvPr id="2" name="Title 1"/>
-          <p:cNvSpPr>
-            <a:spLocks noGrp="1"/>
-          </p:cNvSpPr>
-          <p:nvPr>
-            <p:ph type="title"/>
-          </p:nvPr>
-        </p:nvSpPr>
-        <p:spPr/>
-        <p:txBody>
-          <a:bodyPr/>
-          <a:lstStyle/>
-          <a:p>
-            <a:r>
-              <a:rPr lang="en-US" sz="1800" dirty="0" err="1" smtClean="0"/>
-              <a:t>Logstash</a:t>
-            </a:r>
-            <a:r>
-              <a:rPr lang="en-US" sz="1800" dirty="0" smtClean="0"/>
-              <a:t> Configuration and log4j.properties</a:t>
-            </a:r>
-            <a:endParaRPr lang="en-US" sz="1800" dirty="0"/>
-          </a:p>
-        </p:txBody>
-      </p:sp>
-      <p:pic>
-        <p:nvPicPr>
-          <p:cNvPr id="4" name="Content Placeholder 3" descr="Screen Shot 2014-04-30 at 3.45.02 PM.png"/>
-          <p:cNvPicPr>
-            <a:picLocks noGrp="1" noChangeAspect="1"/>
-          </p:cNvPicPr>
-          <p:nvPr>
-            <p:ph sz="quarter" idx="13"/>
-          </p:nvPr>
-        </p:nvPicPr>
-        <p:blipFill>
-          <a:blip r:embed="rId2">
-            <a:extLst>
-              <a:ext uri="{28A0092B-C50C-407E-A947-70E740481C1C}">
-                <a14:useLocalDpi xmlns:a14="http://schemas.microsoft.com/office/drawing/2010/main" val="0"/>
-              </a:ext>
-            </a:extLst>
-          </a:blip>
-          <a:srcRect t="7920" b="7920"/>
-          <a:stretch>
-            <a:fillRect/>
-          </a:stretch>
-        </p:blipFill>
-        <p:spPr/>
-      </p:pic>
-    </p:spTree>
-    <p:extLst>
-      <p:ext uri="{BB962C8B-B14F-4D97-AF65-F5344CB8AC3E}">
-        <p14:creationId xmlns:p14="http://schemas.microsoft.com/office/powerpoint/2010/main" val="206715592"/>
-      </p:ext>
-    </p:extLst>
-  </p:cSld>
-  <p:clrMapOvr>
-    <a:masterClrMapping/>
-  </p:clrMapOvr>
+  <p:timing>
+    <p:tnLst>
+      <p:par>
+        <p:cTn xmlns:p14="http://schemas.microsoft.com/office/powerpoint/2010/main" id="1" dur="indefinite" restart="never" nodeType="tmRoot"/>
+      </p:par>
+    </p:tnLst>
+  </p:timing>
 </p:sld>
 </file>
 

--- a/es.pptx
+++ b/es.pptx
@@ -22,24 +22,25 @@
     <p:sldId id="271" r:id="rId16"/>
     <p:sldId id="270" r:id="rId17"/>
     <p:sldId id="291" r:id="rId18"/>
-    <p:sldId id="281" r:id="rId19"/>
-    <p:sldId id="258" r:id="rId20"/>
-    <p:sldId id="282" r:id="rId21"/>
-    <p:sldId id="283" r:id="rId22"/>
-    <p:sldId id="284" r:id="rId23"/>
-    <p:sldId id="285" r:id="rId24"/>
-    <p:sldId id="286" r:id="rId25"/>
-    <p:sldId id="288" r:id="rId26"/>
-    <p:sldId id="289" r:id="rId27"/>
-    <p:sldId id="290" r:id="rId28"/>
-    <p:sldId id="287" r:id="rId29"/>
-    <p:sldId id="259" r:id="rId30"/>
-    <p:sldId id="263" r:id="rId31"/>
-    <p:sldId id="264" r:id="rId32"/>
-    <p:sldId id="265" r:id="rId33"/>
-    <p:sldId id="266" r:id="rId34"/>
-    <p:sldId id="261" r:id="rId35"/>
-    <p:sldId id="260" r:id="rId36"/>
+    <p:sldId id="292" r:id="rId19"/>
+    <p:sldId id="281" r:id="rId20"/>
+    <p:sldId id="258" r:id="rId21"/>
+    <p:sldId id="282" r:id="rId22"/>
+    <p:sldId id="283" r:id="rId23"/>
+    <p:sldId id="284" r:id="rId24"/>
+    <p:sldId id="285" r:id="rId25"/>
+    <p:sldId id="286" r:id="rId26"/>
+    <p:sldId id="288" r:id="rId27"/>
+    <p:sldId id="289" r:id="rId28"/>
+    <p:sldId id="290" r:id="rId29"/>
+    <p:sldId id="287" r:id="rId30"/>
+    <p:sldId id="259" r:id="rId31"/>
+    <p:sldId id="263" r:id="rId32"/>
+    <p:sldId id="264" r:id="rId33"/>
+    <p:sldId id="265" r:id="rId34"/>
+    <p:sldId id="266" r:id="rId35"/>
+    <p:sldId id="261" r:id="rId36"/>
+    <p:sldId id="260" r:id="rId37"/>
   </p:sldIdLst>
   <p:sldSz cx="9144000" cy="6858000" type="screen4x3"/>
   <p:notesSz cx="6858000" cy="9144000"/>
@@ -3834,6 +3835,18 @@
           <a:bodyPr/>
           <a:lstStyle/>
           <a:p>
+            <a:r>
+              <a:rPr lang="en-US" dirty="0" smtClean="0"/>
+              <a:t>Facets – aggregators, designed to </a:t>
+            </a:r>
+            <a:r>
+              <a:rPr lang="en-US" smtClean="0"/>
+              <a:t>narrow down </a:t>
+            </a:r>
+            <a:r>
+              <a:rPr lang="en-US" dirty="0" smtClean="0"/>
+              <a:t>your search category.</a:t>
+            </a:r>
             <a:endParaRPr lang="en-US" dirty="0"/>
           </a:p>
         </p:txBody>
@@ -4283,6 +4296,82 @@
           <a:p>
             <a:r>
               <a:rPr lang="en-US" dirty="0" err="1" smtClean="0"/>
+              <a:t>Lucene</a:t>
+            </a:r>
+            <a:r>
+              <a:rPr lang="en-US" dirty="0" smtClean="0"/>
+              <a:t> Query. Syntax.</a:t>
+            </a:r>
+            <a:endParaRPr lang="en-US" dirty="0"/>
+          </a:p>
+        </p:txBody>
+      </p:sp>
+      <p:sp>
+        <p:nvSpPr>
+          <p:cNvPr id="3" name="Content Placeholder 2"/>
+          <p:cNvSpPr>
+            <a:spLocks noGrp="1"/>
+          </p:cNvSpPr>
+          <p:nvPr>
+            <p:ph sz="quarter" idx="13"/>
+          </p:nvPr>
+        </p:nvSpPr>
+        <p:spPr/>
+        <p:txBody>
+          <a:bodyPr/>
+          <a:lstStyle/>
+          <a:p>
+            <a:endParaRPr lang="en-US"/>
+          </a:p>
+        </p:txBody>
+      </p:sp>
+    </p:spTree>
+    <p:extLst>
+      <p:ext uri="{BB962C8B-B14F-4D97-AF65-F5344CB8AC3E}">
+        <p14:creationId xmlns:p14="http://schemas.microsoft.com/office/powerpoint/2010/main" val="3260371707"/>
+      </p:ext>
+    </p:extLst>
+  </p:cSld>
+  <p:clrMapOvr>
+    <a:masterClrMapping/>
+  </p:clrMapOvr>
+</p:sld>
+</file>
+
+<file path=ppt/slides/slide19.xml><?xml version="1.0" encoding="utf-8"?>
+<p:sld xmlns:a="http://schemas.openxmlformats.org/drawingml/2006/main" xmlns:r="http://schemas.openxmlformats.org/officeDocument/2006/relationships" xmlns:p="http://schemas.openxmlformats.org/presentationml/2006/main">
+  <p:cSld>
+    <p:spTree>
+      <p:nvGrpSpPr>
+        <p:cNvPr id="1" name=""/>
+        <p:cNvGrpSpPr/>
+        <p:nvPr/>
+      </p:nvGrpSpPr>
+      <p:grpSpPr>
+        <a:xfrm>
+          <a:off x="0" y="0"/>
+          <a:ext cx="0" cy="0"/>
+          <a:chOff x="0" y="0"/>
+          <a:chExt cx="0" cy="0"/>
+        </a:xfrm>
+      </p:grpSpPr>
+      <p:sp>
+        <p:nvSpPr>
+          <p:cNvPr id="2" name="Title 1"/>
+          <p:cNvSpPr>
+            <a:spLocks noGrp="1"/>
+          </p:cNvSpPr>
+          <p:nvPr>
+            <p:ph type="title"/>
+          </p:nvPr>
+        </p:nvSpPr>
+        <p:spPr/>
+        <p:txBody>
+          <a:bodyPr/>
+          <a:lstStyle/>
+          <a:p>
+            <a:r>
+              <a:rPr lang="en-US" dirty="0" err="1" smtClean="0"/>
               <a:t>BigDesk</a:t>
             </a:r>
             <a:r>
@@ -4325,7 +4414,128 @@
 </p:sld>
 </file>
 
-<file path=ppt/slides/slide19.xml><?xml version="1.0" encoding="utf-8"?>
+<file path=ppt/slides/slide2.xml><?xml version="1.0" encoding="utf-8"?>
+<p:sld xmlns:a="http://schemas.openxmlformats.org/drawingml/2006/main" xmlns:r="http://schemas.openxmlformats.org/officeDocument/2006/relationships" xmlns:p="http://schemas.openxmlformats.org/presentationml/2006/main">
+  <p:cSld>
+    <p:spTree>
+      <p:nvGrpSpPr>
+        <p:cNvPr id="1" name=""/>
+        <p:cNvGrpSpPr/>
+        <p:nvPr/>
+      </p:nvGrpSpPr>
+      <p:grpSpPr>
+        <a:xfrm>
+          <a:off x="0" y="0"/>
+          <a:ext cx="0" cy="0"/>
+          <a:chOff x="0" y="0"/>
+          <a:chExt cx="0" cy="0"/>
+        </a:xfrm>
+      </p:grpSpPr>
+      <p:sp>
+        <p:nvSpPr>
+          <p:cNvPr id="2" name="Title 1"/>
+          <p:cNvSpPr>
+            <a:spLocks noGrp="1"/>
+          </p:cNvSpPr>
+          <p:nvPr>
+            <p:ph type="title"/>
+          </p:nvPr>
+        </p:nvSpPr>
+        <p:spPr/>
+        <p:txBody>
+          <a:bodyPr/>
+          <a:lstStyle/>
+          <a:p>
+            <a:r>
+              <a:rPr lang="en-US" dirty="0" smtClean="0"/>
+              <a:t>Buzz </a:t>
+            </a:r>
+            <a:r>
+              <a:rPr lang="en-US" dirty="0" err="1" smtClean="0"/>
+              <a:t>WordS</a:t>
+            </a:r>
+            <a:r>
+              <a:rPr lang="en-US" dirty="0" smtClean="0"/>
+              <a:t>.</a:t>
+            </a:r>
+            <a:endParaRPr lang="en-US" dirty="0"/>
+          </a:p>
+        </p:txBody>
+      </p:sp>
+      <p:sp>
+        <p:nvSpPr>
+          <p:cNvPr id="3" name="Content Placeholder 2"/>
+          <p:cNvSpPr>
+            <a:spLocks noGrp="1"/>
+          </p:cNvSpPr>
+          <p:nvPr>
+            <p:ph sz="quarter" idx="13"/>
+          </p:nvPr>
+        </p:nvSpPr>
+        <p:spPr/>
+        <p:txBody>
+          <a:bodyPr/>
+          <a:lstStyle/>
+          <a:p>
+            <a:r>
+              <a:rPr lang="en-US" dirty="0" smtClean="0"/>
+              <a:t>Open Source</a:t>
+            </a:r>
+          </a:p>
+          <a:p>
+            <a:r>
+              <a:rPr lang="en-US" dirty="0" smtClean="0"/>
+              <a:t>JSON</a:t>
+            </a:r>
+          </a:p>
+          <a:p>
+            <a:r>
+              <a:rPr lang="en-US" dirty="0" smtClean="0"/>
+              <a:t>Rest</a:t>
+            </a:r>
+          </a:p>
+          <a:p>
+            <a:r>
+              <a:rPr lang="en-US" dirty="0" smtClean="0"/>
+              <a:t>Http</a:t>
+            </a:r>
+          </a:p>
+          <a:p>
+            <a:r>
+              <a:rPr lang="en-US" dirty="0" err="1" smtClean="0"/>
+              <a:t>Lucene</a:t>
+            </a:r>
+            <a:endParaRPr lang="en-US" dirty="0" smtClean="0"/>
+          </a:p>
+          <a:p>
+            <a:r>
+              <a:rPr lang="en-US" dirty="0" smtClean="0"/>
+              <a:t>Distributed Data Store</a:t>
+            </a:r>
+          </a:p>
+          <a:p>
+            <a:r>
+              <a:rPr lang="en-US" dirty="0" smtClean="0"/>
+              <a:t>Very good for Searching and Analyzing Data</a:t>
+            </a:r>
+            <a:endParaRPr lang="en-US" dirty="0"/>
+          </a:p>
+        </p:txBody>
+      </p:sp>
+    </p:spTree>
+    <p:extLst>
+      <p:ext uri="{BB962C8B-B14F-4D97-AF65-F5344CB8AC3E}">
+        <p14:creationId xmlns:p14="http://schemas.microsoft.com/office/powerpoint/2010/main" val="3199174025"/>
+      </p:ext>
+    </p:extLst>
+  </p:cSld>
+  <p:clrMapOvr>
+    <a:masterClrMapping/>
+  </p:clrMapOvr>
+</p:sld>
+</file>
+
+<file path=ppt/slides/slide20.xml><?xml version="1.0" encoding="utf-8"?>
 <p:sld xmlns:a="http://schemas.openxmlformats.org/drawingml/2006/main" xmlns:r="http://schemas.openxmlformats.org/officeDocument/2006/relationships" xmlns:p="http://schemas.openxmlformats.org/presentationml/2006/main">
   <p:cSld>
     <p:spTree>
@@ -4431,205 +4641,6 @@
 </p:sld>
 </file>
 
-<file path=ppt/slides/slide2.xml><?xml version="1.0" encoding="utf-8"?>
-<p:sld xmlns:a="http://schemas.openxmlformats.org/drawingml/2006/main" xmlns:r="http://schemas.openxmlformats.org/officeDocument/2006/relationships" xmlns:p="http://schemas.openxmlformats.org/presentationml/2006/main">
-  <p:cSld>
-    <p:spTree>
-      <p:nvGrpSpPr>
-        <p:cNvPr id="1" name=""/>
-        <p:cNvGrpSpPr/>
-        <p:nvPr/>
-      </p:nvGrpSpPr>
-      <p:grpSpPr>
-        <a:xfrm>
-          <a:off x="0" y="0"/>
-          <a:ext cx="0" cy="0"/>
-          <a:chOff x="0" y="0"/>
-          <a:chExt cx="0" cy="0"/>
-        </a:xfrm>
-      </p:grpSpPr>
-      <p:sp>
-        <p:nvSpPr>
-          <p:cNvPr id="2" name="Title 1"/>
-          <p:cNvSpPr>
-            <a:spLocks noGrp="1"/>
-          </p:cNvSpPr>
-          <p:nvPr>
-            <p:ph type="title"/>
-          </p:nvPr>
-        </p:nvSpPr>
-        <p:spPr/>
-        <p:txBody>
-          <a:bodyPr/>
-          <a:lstStyle/>
-          <a:p>
-            <a:r>
-              <a:rPr lang="en-US" dirty="0" smtClean="0"/>
-              <a:t>Buzz </a:t>
-            </a:r>
-            <a:r>
-              <a:rPr lang="en-US" dirty="0" err="1" smtClean="0"/>
-              <a:t>WordS</a:t>
-            </a:r>
-            <a:r>
-              <a:rPr lang="en-US" dirty="0" smtClean="0"/>
-              <a:t>.</a:t>
-            </a:r>
-            <a:endParaRPr lang="en-US" dirty="0"/>
-          </a:p>
-        </p:txBody>
-      </p:sp>
-      <p:sp>
-        <p:nvSpPr>
-          <p:cNvPr id="3" name="Content Placeholder 2"/>
-          <p:cNvSpPr>
-            <a:spLocks noGrp="1"/>
-          </p:cNvSpPr>
-          <p:nvPr>
-            <p:ph sz="quarter" idx="13"/>
-          </p:nvPr>
-        </p:nvSpPr>
-        <p:spPr/>
-        <p:txBody>
-          <a:bodyPr/>
-          <a:lstStyle/>
-          <a:p>
-            <a:r>
-              <a:rPr lang="en-US" dirty="0" smtClean="0"/>
-              <a:t>Open Source</a:t>
-            </a:r>
-          </a:p>
-          <a:p>
-            <a:r>
-              <a:rPr lang="en-US" dirty="0" smtClean="0"/>
-              <a:t>JSON</a:t>
-            </a:r>
-          </a:p>
-          <a:p>
-            <a:r>
-              <a:rPr lang="en-US" dirty="0" smtClean="0"/>
-              <a:t>Rest</a:t>
-            </a:r>
-          </a:p>
-          <a:p>
-            <a:r>
-              <a:rPr lang="en-US" dirty="0" smtClean="0"/>
-              <a:t>Http</a:t>
-            </a:r>
-          </a:p>
-          <a:p>
-            <a:r>
-              <a:rPr lang="en-US" dirty="0" err="1" smtClean="0"/>
-              <a:t>Lucene</a:t>
-            </a:r>
-            <a:endParaRPr lang="en-US" dirty="0" smtClean="0"/>
-          </a:p>
-          <a:p>
-            <a:r>
-              <a:rPr lang="en-US" dirty="0" smtClean="0"/>
-              <a:t>Distributed Data Store</a:t>
-            </a:r>
-          </a:p>
-          <a:p>
-            <a:r>
-              <a:rPr lang="en-US" dirty="0" smtClean="0"/>
-              <a:t>Very good for Searching and Analyzing Data</a:t>
-            </a:r>
-            <a:endParaRPr lang="en-US" dirty="0"/>
-          </a:p>
-        </p:txBody>
-      </p:sp>
-    </p:spTree>
-    <p:extLst>
-      <p:ext uri="{BB962C8B-B14F-4D97-AF65-F5344CB8AC3E}">
-        <p14:creationId xmlns:p14="http://schemas.microsoft.com/office/powerpoint/2010/main" val="3199174025"/>
-      </p:ext>
-    </p:extLst>
-  </p:cSld>
-  <p:clrMapOvr>
-    <a:masterClrMapping/>
-  </p:clrMapOvr>
-</p:sld>
-</file>
-
-<file path=ppt/slides/slide20.xml><?xml version="1.0" encoding="utf-8"?>
-<p:sld xmlns:a="http://schemas.openxmlformats.org/drawingml/2006/main" xmlns:r="http://schemas.openxmlformats.org/officeDocument/2006/relationships" xmlns:p="http://schemas.openxmlformats.org/presentationml/2006/main">
-  <p:cSld>
-    <p:spTree>
-      <p:nvGrpSpPr>
-        <p:cNvPr id="1" name=""/>
-        <p:cNvGrpSpPr/>
-        <p:nvPr/>
-      </p:nvGrpSpPr>
-      <p:grpSpPr>
-        <a:xfrm>
-          <a:off x="0" y="0"/>
-          <a:ext cx="0" cy="0"/>
-          <a:chOff x="0" y="0"/>
-          <a:chExt cx="0" cy="0"/>
-        </a:xfrm>
-      </p:grpSpPr>
-      <p:sp>
-        <p:nvSpPr>
-          <p:cNvPr id="2" name="Title 1"/>
-          <p:cNvSpPr>
-            <a:spLocks noGrp="1"/>
-          </p:cNvSpPr>
-          <p:nvPr>
-            <p:ph type="title"/>
-          </p:nvPr>
-        </p:nvSpPr>
-        <p:spPr/>
-        <p:txBody>
-          <a:bodyPr/>
-          <a:lstStyle/>
-          <a:p>
-            <a:r>
-              <a:rPr lang="en-US" dirty="0" smtClean="0"/>
-              <a:t>JDBC River Plugin. How and WHY?</a:t>
-            </a:r>
-            <a:endParaRPr lang="en-US" dirty="0"/>
-          </a:p>
-        </p:txBody>
-      </p:sp>
-      <p:pic>
-        <p:nvPicPr>
-          <p:cNvPr id="4" name="Content Placeholder 3" descr="Screen Shot 2014-05-12 at 11.09.32 AM.png"/>
-          <p:cNvPicPr>
-            <a:picLocks noGrp="1" noChangeAspect="1"/>
-          </p:cNvPicPr>
-          <p:nvPr>
-            <p:ph sz="quarter" idx="13"/>
-          </p:nvPr>
-        </p:nvPicPr>
-        <p:blipFill>
-          <a:blip r:embed="rId2">
-            <a:extLst>
-              <a:ext uri="{28A0092B-C50C-407E-A947-70E740481C1C}">
-                <a14:useLocalDpi xmlns:a14="http://schemas.microsoft.com/office/drawing/2010/main" val="0"/>
-              </a:ext>
-            </a:extLst>
-          </a:blip>
-          <a:srcRect l="-25235" r="-25235"/>
-          <a:stretch>
-            <a:fillRect/>
-          </a:stretch>
-        </p:blipFill>
-        <p:spPr/>
-      </p:pic>
-    </p:spTree>
-    <p:extLst>
-      <p:ext uri="{BB962C8B-B14F-4D97-AF65-F5344CB8AC3E}">
-        <p14:creationId xmlns:p14="http://schemas.microsoft.com/office/powerpoint/2010/main" val="1682887055"/>
-      </p:ext>
-    </p:extLst>
-  </p:cSld>
-  <p:clrMapOvr>
-    <a:masterClrMapping/>
-  </p:clrMapOvr>
-</p:sld>
-</file>
-
 <file path=ppt/slides/slide21.xml><?xml version="1.0" encoding="utf-8"?>
 <p:sld xmlns:a="http://schemas.openxmlformats.org/drawingml/2006/main" xmlns:r="http://schemas.openxmlformats.org/officeDocument/2006/relationships" xmlns:p="http://schemas.openxmlformats.org/presentationml/2006/main">
   <p:cSld>
@@ -4664,6 +4675,84 @@
           <a:p>
             <a:r>
               <a:rPr lang="en-US" dirty="0" smtClean="0"/>
+              <a:t>JDBC River Plugin. How and WHY?</a:t>
+            </a:r>
+            <a:endParaRPr lang="en-US" dirty="0"/>
+          </a:p>
+        </p:txBody>
+      </p:sp>
+      <p:pic>
+        <p:nvPicPr>
+          <p:cNvPr id="4" name="Content Placeholder 3" descr="Screen Shot 2014-05-12 at 11.09.32 AM.png"/>
+          <p:cNvPicPr>
+            <a:picLocks noGrp="1" noChangeAspect="1"/>
+          </p:cNvPicPr>
+          <p:nvPr>
+            <p:ph sz="quarter" idx="13"/>
+          </p:nvPr>
+        </p:nvPicPr>
+        <p:blipFill>
+          <a:blip r:embed="rId2">
+            <a:extLst>
+              <a:ext uri="{28A0092B-C50C-407E-A947-70E740481C1C}">
+                <a14:useLocalDpi xmlns:a14="http://schemas.microsoft.com/office/drawing/2010/main" val="0"/>
+              </a:ext>
+            </a:extLst>
+          </a:blip>
+          <a:srcRect l="-25235" r="-25235"/>
+          <a:stretch>
+            <a:fillRect/>
+          </a:stretch>
+        </p:blipFill>
+        <p:spPr/>
+      </p:pic>
+    </p:spTree>
+    <p:extLst>
+      <p:ext uri="{BB962C8B-B14F-4D97-AF65-F5344CB8AC3E}">
+        <p14:creationId xmlns:p14="http://schemas.microsoft.com/office/powerpoint/2010/main" val="1682887055"/>
+      </p:ext>
+    </p:extLst>
+  </p:cSld>
+  <p:clrMapOvr>
+    <a:masterClrMapping/>
+  </p:clrMapOvr>
+</p:sld>
+</file>
+
+<file path=ppt/slides/slide22.xml><?xml version="1.0" encoding="utf-8"?>
+<p:sld xmlns:a="http://schemas.openxmlformats.org/drawingml/2006/main" xmlns:r="http://schemas.openxmlformats.org/officeDocument/2006/relationships" xmlns:p="http://schemas.openxmlformats.org/presentationml/2006/main">
+  <p:cSld>
+    <p:spTree>
+      <p:nvGrpSpPr>
+        <p:cNvPr id="1" name=""/>
+        <p:cNvGrpSpPr/>
+        <p:nvPr/>
+      </p:nvGrpSpPr>
+      <p:grpSpPr>
+        <a:xfrm>
+          <a:off x="0" y="0"/>
+          <a:ext cx="0" cy="0"/>
+          <a:chOff x="0" y="0"/>
+          <a:chExt cx="0" cy="0"/>
+        </a:xfrm>
+      </p:grpSpPr>
+      <p:sp>
+        <p:nvSpPr>
+          <p:cNvPr id="2" name="Title 1"/>
+          <p:cNvSpPr>
+            <a:spLocks noGrp="1"/>
+          </p:cNvSpPr>
+          <p:nvPr>
+            <p:ph type="title"/>
+          </p:nvPr>
+        </p:nvSpPr>
+        <p:spPr/>
+        <p:txBody>
+          <a:bodyPr/>
+          <a:lstStyle/>
+          <a:p>
+            <a:r>
+              <a:rPr lang="en-US" dirty="0" smtClean="0"/>
               <a:t>JDBC River plugin. Architecture.</a:t>
             </a:r>
             <a:endParaRPr lang="en-US" dirty="0"/>
@@ -4708,7 +4797,7 @@
 </p:sld>
 </file>
 
-<file path=ppt/slides/slide22.xml><?xml version="1.0" encoding="utf-8"?>
+<file path=ppt/slides/slide23.xml><?xml version="1.0" encoding="utf-8"?>
 <p:sld xmlns:a="http://schemas.openxmlformats.org/drawingml/2006/main" xmlns:r="http://schemas.openxmlformats.org/officeDocument/2006/relationships" xmlns:p="http://schemas.openxmlformats.org/presentationml/2006/main">
   <p:cSld>
     <p:spTree>
@@ -4947,88 +5036,6 @@
 </p:sld>
 </file>
 
-<file path=ppt/slides/slide23.xml><?xml version="1.0" encoding="utf-8"?>
-<p:sld xmlns:a="http://schemas.openxmlformats.org/drawingml/2006/main" xmlns:r="http://schemas.openxmlformats.org/officeDocument/2006/relationships" xmlns:p="http://schemas.openxmlformats.org/presentationml/2006/main">
-  <p:cSld>
-    <p:spTree>
-      <p:nvGrpSpPr>
-        <p:cNvPr id="1" name=""/>
-        <p:cNvGrpSpPr/>
-        <p:nvPr/>
-      </p:nvGrpSpPr>
-      <p:grpSpPr>
-        <a:xfrm>
-          <a:off x="0" y="0"/>
-          <a:ext cx="0" cy="0"/>
-          <a:chOff x="0" y="0"/>
-          <a:chExt cx="0" cy="0"/>
-        </a:xfrm>
-      </p:grpSpPr>
-      <p:sp>
-        <p:nvSpPr>
-          <p:cNvPr id="2" name="Title 1"/>
-          <p:cNvSpPr>
-            <a:spLocks noGrp="1"/>
-          </p:cNvSpPr>
-          <p:nvPr>
-            <p:ph type="title"/>
-          </p:nvPr>
-        </p:nvSpPr>
-        <p:spPr/>
-        <p:txBody>
-          <a:bodyPr/>
-          <a:lstStyle/>
-          <a:p>
-            <a:r>
-              <a:rPr lang="en-US" dirty="0" err="1" smtClean="0"/>
-              <a:t>Kibana</a:t>
-            </a:r>
-            <a:r>
-              <a:rPr lang="en-US" dirty="0" smtClean="0"/>
-              <a:t> Data view</a:t>
-            </a:r>
-            <a:endParaRPr lang="en-US" dirty="0"/>
-          </a:p>
-        </p:txBody>
-      </p:sp>
-      <p:pic>
-        <p:nvPicPr>
-          <p:cNvPr id="4" name="Content Placeholder 3" descr="Screen Shot 2014-05-12 at 7.57.58 PM.png"/>
-          <p:cNvPicPr>
-            <a:picLocks noGrp="1" noChangeAspect="1"/>
-          </p:cNvPicPr>
-          <p:nvPr>
-            <p:ph sz="quarter" idx="13"/>
-          </p:nvPr>
-        </p:nvPicPr>
-        <p:blipFill>
-          <a:blip r:embed="rId2">
-            <a:extLst>
-              <a:ext uri="{28A0092B-C50C-407E-A947-70E740481C1C}">
-                <a14:useLocalDpi xmlns:a14="http://schemas.microsoft.com/office/drawing/2010/main" val="0"/>
-              </a:ext>
-            </a:extLst>
-          </a:blip>
-          <a:srcRect l="-10626" r="-10626"/>
-          <a:stretch>
-            <a:fillRect/>
-          </a:stretch>
-        </p:blipFill>
-        <p:spPr/>
-      </p:pic>
-    </p:spTree>
-    <p:extLst>
-      <p:ext uri="{BB962C8B-B14F-4D97-AF65-F5344CB8AC3E}">
-        <p14:creationId xmlns:p14="http://schemas.microsoft.com/office/powerpoint/2010/main" val="1756834039"/>
-      </p:ext>
-    </p:extLst>
-  </p:cSld>
-  <p:clrMapOvr>
-    <a:masterClrMapping/>
-  </p:clrMapOvr>
-</p:sld>
-</file>
-
 <file path=ppt/slides/slide24.xml><?xml version="1.0" encoding="utf-8"?>
 <p:sld xmlns:a="http://schemas.openxmlformats.org/drawingml/2006/main" xmlns:r="http://schemas.openxmlformats.org/officeDocument/2006/relationships" xmlns:p="http://schemas.openxmlformats.org/presentationml/2006/main">
   <p:cSld>
@@ -5062,8 +5069,12 @@
           <a:lstStyle/>
           <a:p>
             <a:r>
-              <a:rPr lang="en-US" dirty="0" smtClean="0"/>
-              <a:t>Reels View</a:t>
+              <a:rPr lang="en-US" dirty="0" err="1" smtClean="0"/>
+              <a:t>Kibana</a:t>
+            </a:r>
+            <a:r>
+              <a:rPr lang="en-US" dirty="0" smtClean="0"/>
+              <a:t> Data view</a:t>
             </a:r>
             <a:endParaRPr lang="en-US" dirty="0"/>
           </a:p>
@@ -5071,7 +5082,7 @@
       </p:sp>
       <p:pic>
         <p:nvPicPr>
-          <p:cNvPr id="4" name="Content Placeholder 3" descr="Screen Shot 2014-05-12 at 7.58.26 PM.png"/>
+          <p:cNvPr id="4" name="Content Placeholder 3" descr="Screen Shot 2014-05-12 at 7.57.58 PM.png"/>
           <p:cNvPicPr>
             <a:picLocks noGrp="1" noChangeAspect="1"/>
           </p:cNvPicPr>
@@ -5087,7 +5098,7 @@
               </a:ext>
             </a:extLst>
           </a:blip>
-          <a:srcRect l="-1685" r="-1685"/>
+          <a:srcRect l="-10626" r="-10626"/>
           <a:stretch>
             <a:fillRect/>
           </a:stretch>
@@ -5097,7 +5108,7 @@
     </p:spTree>
     <p:extLst>
       <p:ext uri="{BB962C8B-B14F-4D97-AF65-F5344CB8AC3E}">
-        <p14:creationId xmlns:p14="http://schemas.microsoft.com/office/powerpoint/2010/main" val="3016900089"/>
+        <p14:creationId xmlns:p14="http://schemas.microsoft.com/office/powerpoint/2010/main" val="1756834039"/>
       </p:ext>
     </p:extLst>
   </p:cSld>
@@ -5141,7 +5152,7 @@
           <a:p>
             <a:r>
               <a:rPr lang="en-US" dirty="0" smtClean="0"/>
-              <a:t>Quick check on symbols.</a:t>
+              <a:t>Reels View</a:t>
             </a:r>
             <a:endParaRPr lang="en-US" dirty="0"/>
           </a:p>
@@ -5149,7 +5160,7 @@
       </p:sp>
       <p:pic>
         <p:nvPicPr>
-          <p:cNvPr id="4" name="Content Placeholder 3" descr="Screen Shot 2014-05-13 at 3.31.46 PM.png"/>
+          <p:cNvPr id="4" name="Content Placeholder 3" descr="Screen Shot 2014-05-12 at 7.58.26 PM.png"/>
           <p:cNvPicPr>
             <a:picLocks noGrp="1" noChangeAspect="1"/>
           </p:cNvPicPr>
@@ -5165,7 +5176,7 @@
               </a:ext>
             </a:extLst>
           </a:blip>
-          <a:srcRect t="-1881" b="-1881"/>
+          <a:srcRect l="-1685" r="-1685"/>
           <a:stretch>
             <a:fillRect/>
           </a:stretch>
@@ -5175,7 +5186,7 @@
     </p:spTree>
     <p:extLst>
       <p:ext uri="{BB962C8B-B14F-4D97-AF65-F5344CB8AC3E}">
-        <p14:creationId xmlns:p14="http://schemas.microsoft.com/office/powerpoint/2010/main" val="3272432676"/>
+        <p14:creationId xmlns:p14="http://schemas.microsoft.com/office/powerpoint/2010/main" val="3016900089"/>
       </p:ext>
     </p:extLst>
   </p:cSld>
@@ -5219,7 +5230,7 @@
           <a:p>
             <a:r>
               <a:rPr lang="en-US" dirty="0" smtClean="0"/>
-              <a:t>Quick RTP</a:t>
+              <a:t>Quick check on symbols.</a:t>
             </a:r>
             <a:endParaRPr lang="en-US" dirty="0"/>
           </a:p>
@@ -5227,7 +5238,7 @@
       </p:sp>
       <p:pic>
         <p:nvPicPr>
-          <p:cNvPr id="4" name="Content Placeholder 3" descr="Screen Shot 2014-05-13 at 4.10.41 PM.png"/>
+          <p:cNvPr id="4" name="Content Placeholder 3" descr="Screen Shot 2014-05-13 at 3.31.46 PM.png"/>
           <p:cNvPicPr>
             <a:picLocks noGrp="1" noChangeAspect="1"/>
           </p:cNvPicPr>
@@ -5243,7 +5254,7 @@
               </a:ext>
             </a:extLst>
           </a:blip>
-          <a:srcRect l="-64118" r="-64118"/>
+          <a:srcRect t="-1881" b="-1881"/>
           <a:stretch>
             <a:fillRect/>
           </a:stretch>
@@ -5253,7 +5264,7 @@
     </p:spTree>
     <p:extLst>
       <p:ext uri="{BB962C8B-B14F-4D97-AF65-F5344CB8AC3E}">
-        <p14:creationId xmlns:p14="http://schemas.microsoft.com/office/powerpoint/2010/main" val="2598528484"/>
+        <p14:creationId xmlns:p14="http://schemas.microsoft.com/office/powerpoint/2010/main" val="3272432676"/>
       </p:ext>
     </p:extLst>
   </p:cSld>
@@ -5297,7 +5308,7 @@
           <a:p>
             <a:r>
               <a:rPr lang="en-US" dirty="0" smtClean="0"/>
-              <a:t>Symbols Distribution over Time</a:t>
+              <a:t>Quick RTP</a:t>
             </a:r>
             <a:endParaRPr lang="en-US" dirty="0"/>
           </a:p>
@@ -5305,7 +5316,7 @@
       </p:sp>
       <p:pic>
         <p:nvPicPr>
-          <p:cNvPr id="4" name="Content Placeholder 3" descr="Screen Shot 2014-05-13 at 4.12.23 PM.png"/>
+          <p:cNvPr id="4" name="Content Placeholder 3" descr="Screen Shot 2014-05-13 at 4.10.41 PM.png"/>
           <p:cNvPicPr>
             <a:picLocks noGrp="1" noChangeAspect="1"/>
           </p:cNvPicPr>
@@ -5321,7 +5332,7 @@
               </a:ext>
             </a:extLst>
           </a:blip>
-          <a:srcRect t="-6285" b="-6285"/>
+          <a:srcRect l="-64118" r="-64118"/>
           <a:stretch>
             <a:fillRect/>
           </a:stretch>
@@ -5331,7 +5342,7 @@
     </p:spTree>
     <p:extLst>
       <p:ext uri="{BB962C8B-B14F-4D97-AF65-F5344CB8AC3E}">
-        <p14:creationId xmlns:p14="http://schemas.microsoft.com/office/powerpoint/2010/main" val="2202675871"/>
+        <p14:creationId xmlns:p14="http://schemas.microsoft.com/office/powerpoint/2010/main" val="2598528484"/>
       </p:ext>
     </p:extLst>
   </p:cSld>
@@ -5375,15 +5386,7 @@
           <a:p>
             <a:r>
               <a:rPr lang="en-US" dirty="0" smtClean="0"/>
-              <a:t>Sense. Chrome Plugin for </a:t>
-            </a:r>
-            <a:r>
-              <a:rPr lang="en-US" dirty="0" err="1" smtClean="0"/>
-              <a:t>json</a:t>
-            </a:r>
-            <a:r>
-              <a:rPr lang="en-US" dirty="0" smtClean="0"/>
-              <a:t>.</a:t>
+              <a:t>Symbols Distribution over Time</a:t>
             </a:r>
             <a:endParaRPr lang="en-US" dirty="0"/>
           </a:p>
@@ -5391,7 +5394,7 @@
       </p:sp>
       <p:pic>
         <p:nvPicPr>
-          <p:cNvPr id="4" name="Content Placeholder 3" descr="Screen Shot 2014-05-13 at 10.38.54 AM.png"/>
+          <p:cNvPr id="4" name="Content Placeholder 3" descr="Screen Shot 2014-05-13 at 4.12.23 PM.png"/>
           <p:cNvPicPr>
             <a:picLocks noGrp="1" noChangeAspect="1"/>
           </p:cNvPicPr>
@@ -5407,7 +5410,7 @@
               </a:ext>
             </a:extLst>
           </a:blip>
-          <a:srcRect l="-41770" r="-41770"/>
+          <a:srcRect t="-6285" b="-6285"/>
           <a:stretch>
             <a:fillRect/>
           </a:stretch>
@@ -5417,7 +5420,7 @@
     </p:spTree>
     <p:extLst>
       <p:ext uri="{BB962C8B-B14F-4D97-AF65-F5344CB8AC3E}">
-        <p14:creationId xmlns:p14="http://schemas.microsoft.com/office/powerpoint/2010/main" val="2825510861"/>
+        <p14:creationId xmlns:p14="http://schemas.microsoft.com/office/powerpoint/2010/main" val="2202675871"/>
       </p:ext>
     </p:extLst>
   </p:cSld>
@@ -5460,50 +5463,50 @@
           <a:lstStyle/>
           <a:p>
             <a:r>
+              <a:rPr lang="en-US" dirty="0" smtClean="0"/>
+              <a:t>Sense. Chrome Plugin for </a:t>
+            </a:r>
+            <a:r>
               <a:rPr lang="en-US" dirty="0" err="1" smtClean="0"/>
-              <a:t>Elasticsearch</a:t>
-            </a:r>
-            <a:r>
-              <a:rPr lang="en-US" dirty="0" smtClean="0"/>
-              <a:t> alternatives?</a:t>
+              <a:t>json</a:t>
+            </a:r>
+            <a:r>
+              <a:rPr lang="en-US" dirty="0" smtClean="0"/>
+              <a:t>.</a:t>
             </a:r>
             <a:endParaRPr lang="en-US" dirty="0"/>
           </a:p>
         </p:txBody>
       </p:sp>
-      <p:sp>
-        <p:nvSpPr>
-          <p:cNvPr id="3" name="Content Placeholder 2"/>
-          <p:cNvSpPr>
-            <a:spLocks noGrp="1"/>
-          </p:cNvSpPr>
+      <p:pic>
+        <p:nvPicPr>
+          <p:cNvPr id="4" name="Content Placeholder 3" descr="Screen Shot 2014-05-13 at 10.38.54 AM.png"/>
+          <p:cNvPicPr>
+            <a:picLocks noGrp="1" noChangeAspect="1"/>
+          </p:cNvPicPr>
           <p:nvPr>
             <p:ph sz="quarter" idx="13"/>
           </p:nvPr>
-        </p:nvSpPr>
-        <p:spPr/>
-        <p:txBody>
-          <a:bodyPr/>
-          <a:lstStyle/>
-          <a:p>
-            <a:r>
-              <a:rPr lang="en-US" dirty="0" err="1" smtClean="0"/>
-              <a:t>Solr</a:t>
-            </a:r>
-            <a:endParaRPr lang="en-US" dirty="0" smtClean="0"/>
-          </a:p>
-          <a:p>
-            <a:pPr marL="0" indent="0">
-              <a:buNone/>
-            </a:pPr>
-            <a:endParaRPr lang="en-US" dirty="0"/>
-          </a:p>
-        </p:txBody>
-      </p:sp>
+        </p:nvPicPr>
+        <p:blipFill>
+          <a:blip r:embed="rId2">
+            <a:extLst>
+              <a:ext uri="{28A0092B-C50C-407E-A947-70E740481C1C}">
+                <a14:useLocalDpi xmlns:a14="http://schemas.microsoft.com/office/drawing/2010/main" val="0"/>
+              </a:ext>
+            </a:extLst>
+          </a:blip>
+          <a:srcRect l="-41770" r="-41770"/>
+          <a:stretch>
+            <a:fillRect/>
+          </a:stretch>
+        </p:blipFill>
+        <p:spPr/>
+      </p:pic>
     </p:spTree>
     <p:extLst>
       <p:ext uri="{BB962C8B-B14F-4D97-AF65-F5344CB8AC3E}">
-        <p14:creationId xmlns:p14="http://schemas.microsoft.com/office/powerpoint/2010/main" val="3165192188"/>
+        <p14:creationId xmlns:p14="http://schemas.microsoft.com/office/powerpoint/2010/main" val="2825510861"/>
       </p:ext>
     </p:extLst>
   </p:cSld>
@@ -5578,8 +5581,13 @@
           <a:p>
             <a:r>
               <a:rPr lang="en-US" dirty="0" smtClean="0"/>
-              <a:t>Java-based indexing and search technology</a:t>
-            </a:r>
+              <a:t>Java-based indexing and search </a:t>
+            </a:r>
+            <a:r>
+              <a:rPr lang="en-US" dirty="0" smtClean="0"/>
+              <a:t>technology.</a:t>
+            </a:r>
+            <a:endParaRPr lang="en-US" dirty="0" smtClean="0"/>
           </a:p>
           <a:p>
             <a:r>
@@ -5598,6 +5606,26 @@
               <a:rPr lang="en-US" dirty="0" smtClean="0"/>
               <a:t> Core, with XML/HTTP and JSON/Python/Ruby APIs, hit highlighting, facets search, caching, replication, and a web admin interface.  </a:t>
             </a:r>
+            <a:endParaRPr lang="en-US" dirty="0" smtClean="0"/>
+          </a:p>
+          <a:p>
+            <a:r>
+              <a:rPr lang="en-US" dirty="0" err="1" smtClean="0"/>
+              <a:t>Lucene</a:t>
+            </a:r>
+            <a:r>
+              <a:rPr lang="en-US" dirty="0" smtClean="0"/>
+              <a:t>. Open Source APIs design </a:t>
+            </a:r>
+            <a:r>
+              <a:rPr lang="en-US" dirty="0" smtClean="0"/>
+              <a:t>to </a:t>
+            </a:r>
+            <a:r>
+              <a:rPr lang="en-US" dirty="0" smtClean="0"/>
+              <a:t>search. </a:t>
+            </a:r>
+            <a:endParaRPr lang="en-US" dirty="0" smtClean="0"/>
           </a:p>
           <a:p>
             <a:endParaRPr lang="en-US" dirty="0"/>
@@ -5650,8 +5678,12 @@
           <a:lstStyle/>
           <a:p>
             <a:r>
-              <a:rPr lang="en-US" dirty="0" smtClean="0"/>
-              <a:t>setup</a:t>
+              <a:rPr lang="en-US" dirty="0" err="1" smtClean="0"/>
+              <a:t>Elasticsearch</a:t>
+            </a:r>
+            <a:r>
+              <a:rPr lang="en-US" dirty="0" smtClean="0"/>
+              <a:t> alternatives?</a:t>
             </a:r>
             <a:endParaRPr lang="en-US" dirty="0"/>
           </a:p>
@@ -5674,53 +5706,14 @@
           <a:p>
             <a:r>
               <a:rPr lang="en-US" dirty="0" err="1" smtClean="0"/>
-              <a:t>wget</a:t>
-            </a:r>
-            <a:r>
-              <a:rPr lang="en-US" dirty="0" smtClean="0"/>
-              <a:t> </a:t>
-            </a:r>
-            <a:r>
-              <a:rPr lang="en-US" dirty="0" err="1" smtClean="0"/>
-              <a:t>elasticsearch.tar.gz</a:t>
+              <a:t>Solr</a:t>
             </a:r>
             <a:endParaRPr lang="en-US" dirty="0" smtClean="0"/>
           </a:p>
           <a:p>
-            <a:r>
-              <a:rPr lang="en-US" dirty="0" smtClean="0"/>
-              <a:t>tar </a:t>
-            </a:r>
-            <a:r>
-              <a:rPr lang="en-US" dirty="0" err="1" smtClean="0"/>
-              <a:t>xzvf</a:t>
-            </a:r>
-            <a:r>
-              <a:rPr lang="en-US" dirty="0" smtClean="0"/>
-              <a:t>   </a:t>
-            </a:r>
-            <a:r>
-              <a:rPr lang="en-US" dirty="0" err="1"/>
-              <a:t>elasticsearch.tar.gz</a:t>
-            </a:r>
-            <a:endParaRPr lang="en-US" dirty="0"/>
-          </a:p>
-          <a:p>
-            <a:r>
-              <a:rPr lang="en-US" dirty="0" smtClean="0"/>
-              <a:t>bin/</a:t>
-            </a:r>
-            <a:r>
-              <a:rPr lang="en-US" dirty="0" err="1" smtClean="0"/>
-              <a:t>elasticsearch</a:t>
-            </a:r>
-            <a:endParaRPr lang="en-US" dirty="0" smtClean="0"/>
-          </a:p>
-          <a:p>
-            <a:r>
-              <a:rPr lang="en-US" dirty="0" smtClean="0"/>
-              <a:t>curl localhost:9200</a:t>
-            </a:r>
+            <a:pPr marL="0" indent="0">
+              <a:buNone/>
+            </a:pPr>
             <a:endParaRPr lang="en-US" dirty="0"/>
           </a:p>
         </p:txBody>
@@ -5728,7 +5721,7 @@
     </p:spTree>
     <p:extLst>
       <p:ext uri="{BB962C8B-B14F-4D97-AF65-F5344CB8AC3E}">
-        <p14:creationId xmlns:p14="http://schemas.microsoft.com/office/powerpoint/2010/main" val="4074957073"/>
+        <p14:creationId xmlns:p14="http://schemas.microsoft.com/office/powerpoint/2010/main" val="3165192188"/>
       </p:ext>
     </p:extLst>
   </p:cSld>
@@ -5772,7 +5765,7 @@
           <a:p>
             <a:r>
               <a:rPr lang="en-US" dirty="0" smtClean="0"/>
-              <a:t>the data in. Documents in.</a:t>
+              <a:t>setup</a:t>
             </a:r>
             <a:endParaRPr lang="en-US" dirty="0"/>
           </a:p>
@@ -5794,61 +5787,53 @@
           <a:lstStyle/>
           <a:p>
             <a:r>
-              <a:rPr lang="en-US" dirty="0" smtClean="0"/>
-              <a:t>curl –XPUT localhost:9200/game/name/</a:t>
-            </a:r>
-            <a:r>
               <a:rPr lang="en-US" dirty="0" err="1" smtClean="0"/>
-              <a:t>lucky_words</a:t>
-            </a:r>
-            <a:r>
-              <a:rPr lang="en-US" dirty="0" smtClean="0"/>
-              <a:t> –d `{“some” : </a:t>
+              <a:t>wget</a:t>
+            </a:r>
+            <a:r>
+              <a:rPr lang="en-US" dirty="0" smtClean="0"/>
+              <a:t> </a:t>
             </a:r>
             <a:r>
               <a:rPr lang="en-US" dirty="0" err="1" smtClean="0"/>
-              <a:t>json</a:t>
-            </a:r>
-            <a:r>
-              <a:rPr lang="en-US" dirty="0" smtClean="0"/>
-              <a:t> }`</a:t>
-            </a:r>
-          </a:p>
-          <a:p>
-            <a:r>
-              <a:rPr lang="en-US" dirty="0"/>
-              <a:t>curl –</a:t>
-            </a:r>
-            <a:r>
-              <a:rPr lang="en-US" dirty="0" smtClean="0"/>
-              <a:t>XGET </a:t>
-            </a:r>
-            <a:r>
-              <a:rPr lang="en-US" dirty="0"/>
-              <a:t>localhost:9200/game/name/</a:t>
+              <a:t>elasticsearch.tar.gz</a:t>
+            </a:r>
+            <a:endParaRPr lang="en-US" dirty="0" smtClean="0"/>
+          </a:p>
+          <a:p>
+            <a:r>
+              <a:rPr lang="en-US" dirty="0" smtClean="0"/>
+              <a:t>tar </a:t>
             </a:r>
             <a:r>
               <a:rPr lang="en-US" dirty="0" err="1" smtClean="0"/>
-              <a:t>lucky_words</a:t>
+              <a:t>xzvf</a:t>
+            </a:r>
+            <a:r>
+              <a:rPr lang="en-US" dirty="0" smtClean="0"/>
+              <a:t>   </a:t>
+            </a:r>
+            <a:r>
+              <a:rPr lang="en-US" dirty="0" err="1"/>
+              <a:t>elasticsearch.tar.gz</a:t>
+            </a:r>
+            <a:endParaRPr lang="en-US" dirty="0"/>
+          </a:p>
+          <a:p>
+            <a:r>
+              <a:rPr lang="en-US" dirty="0" smtClean="0"/>
+              <a:t>bin/</a:t>
+            </a:r>
+            <a:r>
+              <a:rPr lang="en-US" dirty="0" err="1" smtClean="0"/>
+              <a:t>elasticsearch</a:t>
             </a:r>
             <a:endParaRPr lang="en-US" dirty="0" smtClean="0"/>
           </a:p>
           <a:p>
             <a:r>
-              <a:rPr lang="en-US" dirty="0"/>
-              <a:t>curl –</a:t>
-            </a:r>
-            <a:r>
-              <a:rPr lang="en-US" dirty="0" smtClean="0"/>
-              <a:t>XDELETE </a:t>
-            </a:r>
-            <a:r>
-              <a:rPr lang="en-US" dirty="0"/>
-              <a:t>localhost:9200/game/name/</a:t>
-            </a:r>
-            <a:r>
-              <a:rPr lang="en-US" dirty="0" err="1"/>
-              <a:t>lucky_words</a:t>
+              <a:rPr lang="en-US" dirty="0" smtClean="0"/>
+              <a:t>curl localhost:9200</a:t>
             </a:r>
             <a:endParaRPr lang="en-US" dirty="0"/>
           </a:p>
@@ -5857,7 +5842,7 @@
     </p:spTree>
     <p:extLst>
       <p:ext uri="{BB962C8B-B14F-4D97-AF65-F5344CB8AC3E}">
-        <p14:creationId xmlns:p14="http://schemas.microsoft.com/office/powerpoint/2010/main" val="1232051042"/>
+        <p14:creationId xmlns:p14="http://schemas.microsoft.com/office/powerpoint/2010/main" val="4074957073"/>
       </p:ext>
     </p:extLst>
   </p:cSld>
@@ -5901,7 +5886,7 @@
           <a:p>
             <a:r>
               <a:rPr lang="en-US" dirty="0" smtClean="0"/>
-              <a:t>Search</a:t>
+              <a:t>the data in. Documents in.</a:t>
             </a:r>
             <a:endParaRPr lang="en-US" dirty="0"/>
           </a:p>
@@ -5921,6 +5906,28 @@
         <p:txBody>
           <a:bodyPr/>
           <a:lstStyle/>
+          <a:p>
+            <a:r>
+              <a:rPr lang="en-US" dirty="0" smtClean="0"/>
+              <a:t>curl –XPUT localhost:9200/game/name/</a:t>
+            </a:r>
+            <a:r>
+              <a:rPr lang="en-US" dirty="0" err="1" smtClean="0"/>
+              <a:t>lucky_words</a:t>
+            </a:r>
+            <a:r>
+              <a:rPr lang="en-US" dirty="0" smtClean="0"/>
+              <a:t> –d `{“some” : </a:t>
+            </a:r>
+            <a:r>
+              <a:rPr lang="en-US" dirty="0" err="1" smtClean="0"/>
+              <a:t>json</a:t>
+            </a:r>
+            <a:r>
+              <a:rPr lang="en-US" dirty="0" smtClean="0"/>
+              <a:t> }`</a:t>
+            </a:r>
+          </a:p>
           <a:p>
             <a:r>
               <a:rPr lang="en-US" dirty="0"/>
@@ -5932,127 +5939,31 @@
             </a:r>
             <a:r>
               <a:rPr lang="en-US" dirty="0"/>
-              <a:t>localhost:9200</a:t>
-            </a:r>
-            <a:r>
-              <a:rPr lang="en-US" dirty="0" smtClean="0"/>
-              <a:t>/_</a:t>
-            </a:r>
-            <a:r>
-              <a:rPr lang="en-US" dirty="0" err="1" smtClean="0"/>
-              <a:t>search?q</a:t>
-            </a:r>
-            <a:r>
-              <a:rPr lang="en-US" dirty="0" smtClean="0"/>
-              <a:t>=</a:t>
-            </a:r>
-            <a:r>
-              <a:rPr lang="en-US" dirty="0" err="1" smtClean="0"/>
-              <a:t>best_game</a:t>
-            </a:r>
-            <a:endParaRPr lang="en-US" dirty="0" smtClean="0"/>
-          </a:p>
-          <a:p>
-            <a:endParaRPr lang="en-US" dirty="0" smtClean="0"/>
-          </a:p>
-          <a:p>
-            <a:r>
-              <a:rPr lang="en-US" dirty="0"/>
-              <a:t>curl –XGET localhost:9200/</a:t>
-            </a:r>
-            <a:r>
-              <a:rPr lang="en-US" dirty="0" smtClean="0"/>
-              <a:t>_search –d `{</a:t>
-            </a:r>
-          </a:p>
-          <a:p>
-            <a:pPr marL="457200" lvl="1" indent="0">
-              <a:buNone/>
-            </a:pPr>
-            <a:r>
-              <a:rPr lang="en-US" dirty="0"/>
-              <a:t> </a:t>
-            </a:r>
-            <a:r>
-              <a:rPr lang="en-US" dirty="0" smtClean="0"/>
-              <a:t>“query”:  {</a:t>
-            </a:r>
-          </a:p>
-          <a:p>
-            <a:pPr marL="457200" lvl="1" indent="0">
-              <a:buNone/>
-            </a:pPr>
-            <a:r>
-              <a:rPr lang="en-US" dirty="0"/>
-              <a:t>	</a:t>
-            </a:r>
-            <a:r>
-              <a:rPr lang="en-US" dirty="0" smtClean="0"/>
-              <a:t>“</a:t>
-            </a:r>
-            <a:r>
-              <a:rPr lang="en-US" dirty="0" err="1" smtClean="0"/>
-              <a:t>query_string</a:t>
-            </a:r>
-            <a:r>
-              <a:rPr lang="en-US" dirty="0" smtClean="0"/>
-              <a:t>”: {</a:t>
-            </a:r>
-          </a:p>
-          <a:p>
-            <a:pPr marL="457200" lvl="1" indent="0">
-              <a:buNone/>
-            </a:pPr>
-            <a:r>
-              <a:rPr lang="en-US" dirty="0"/>
-              <a:t>	</a:t>
-            </a:r>
-            <a:r>
-              <a:rPr lang="en-US" dirty="0" smtClean="0"/>
-              <a:t>	“query”: “</a:t>
+              <a:t>localhost:9200/game/name/</a:t>
             </a:r>
             <a:r>
               <a:rPr lang="en-US" dirty="0" err="1" smtClean="0"/>
               <a:t>lucky_words</a:t>
             </a:r>
-            <a:r>
-              <a:rPr lang="en-US" dirty="0" smtClean="0"/>
-              <a:t> AND rtp:95”</a:t>
-            </a:r>
-          </a:p>
-          <a:p>
-            <a:pPr marL="457200" lvl="1" indent="0">
-              <a:buNone/>
-            </a:pPr>
+            <a:endParaRPr lang="en-US" dirty="0" smtClean="0"/>
+          </a:p>
+          <a:p>
             <a:r>
               <a:rPr lang="en-US" dirty="0"/>
-              <a:t>	</a:t>
-            </a:r>
-            <a:r>
-              <a:rPr lang="en-US" dirty="0" smtClean="0"/>
-              <a:t>	}</a:t>
-            </a:r>
-          </a:p>
-          <a:p>
-            <a:pPr marL="457200" lvl="1" indent="0">
-              <a:buNone/>
-            </a:pPr>
-            <a:r>
-              <a:rPr lang="en-US" dirty="0" smtClean="0"/>
-              <a:t>	}</a:t>
-            </a:r>
-          </a:p>
-          <a:p>
-            <a:pPr marL="457200" lvl="1" indent="0">
-              <a:buNone/>
-            </a:pPr>
-            <a:r>
-              <a:rPr lang="en-US" dirty="0" smtClean="0"/>
-              <a:t>}`</a:t>
-            </a:r>
-            <a:endParaRPr lang="en-US" dirty="0"/>
-          </a:p>
-          <a:p>
+              <a:t>curl –</a:t>
+            </a:r>
+            <a:r>
+              <a:rPr lang="en-US" dirty="0" smtClean="0"/>
+              <a:t>XDELETE </a:t>
+            </a:r>
+            <a:r>
+              <a:rPr lang="en-US" dirty="0"/>
+              <a:t>localhost:9200/game/name/</a:t>
+            </a:r>
+            <a:r>
+              <a:rPr lang="en-US" dirty="0" err="1"/>
+              <a:t>lucky_words</a:t>
+            </a:r>
             <a:endParaRPr lang="en-US" dirty="0"/>
           </a:p>
         </p:txBody>
@@ -6060,7 +5971,7 @@
     </p:spTree>
     <p:extLst>
       <p:ext uri="{BB962C8B-B14F-4D97-AF65-F5344CB8AC3E}">
-        <p14:creationId xmlns:p14="http://schemas.microsoft.com/office/powerpoint/2010/main" val="1726973554"/>
+        <p14:creationId xmlns:p14="http://schemas.microsoft.com/office/powerpoint/2010/main" val="1232051042"/>
       </p:ext>
     </p:extLst>
   </p:cSld>
@@ -6104,7 +6015,7 @@
           <a:p>
             <a:r>
               <a:rPr lang="en-US" dirty="0" smtClean="0"/>
-              <a:t>Query your data</a:t>
+              <a:t>Search</a:t>
             </a:r>
             <a:endParaRPr lang="en-US" dirty="0"/>
           </a:p>
@@ -6126,29 +6037,136 @@
           <a:lstStyle/>
           <a:p>
             <a:r>
-              <a:rPr lang="en-US" dirty="0" smtClean="0"/>
-              <a:t>Query format – JSON</a:t>
-            </a:r>
-          </a:p>
-          <a:p>
-            <a:r>
-              <a:rPr lang="en-US" dirty="0" smtClean="0"/>
-              <a:t>Build in filters</a:t>
-            </a:r>
-          </a:p>
-          <a:p>
-            <a:r>
-              <a:rPr lang="en-US" dirty="0" smtClean="0"/>
-              <a:t>Queries </a:t>
+              <a:rPr lang="en-US" dirty="0"/>
+              <a:t>curl –</a:t>
+            </a:r>
+            <a:r>
+              <a:rPr lang="en-US" dirty="0" smtClean="0"/>
+              <a:t>XGET </a:t>
+            </a:r>
+            <a:r>
+              <a:rPr lang="en-US" dirty="0"/>
+              <a:t>localhost:9200</a:t>
+            </a:r>
+            <a:r>
+              <a:rPr lang="en-US" dirty="0" smtClean="0"/>
+              <a:t>/_</a:t>
             </a:r>
             <a:r>
               <a:rPr lang="en-US" dirty="0" err="1" smtClean="0"/>
-              <a:t>vs</a:t>
-            </a:r>
-            <a:r>
-              <a:rPr lang="en-US" dirty="0" smtClean="0"/>
-              <a:t> Filters</a:t>
-            </a:r>
+              <a:t>search?q</a:t>
+            </a:r>
+            <a:r>
+              <a:rPr lang="en-US" dirty="0" smtClean="0"/>
+              <a:t>=</a:t>
+            </a:r>
+            <a:r>
+              <a:rPr lang="en-US" dirty="0" err="1" smtClean="0"/>
+              <a:t>best_game</a:t>
+            </a:r>
+            <a:endParaRPr lang="en-US" dirty="0" smtClean="0"/>
+          </a:p>
+          <a:p>
+            <a:endParaRPr lang="en-US" dirty="0" smtClean="0"/>
+          </a:p>
+          <a:p>
+            <a:r>
+              <a:rPr lang="en-US" dirty="0"/>
+              <a:t>curl –XGET localhost:9200/</a:t>
+            </a:r>
+            <a:r>
+              <a:rPr lang="en-US" dirty="0" smtClean="0"/>
+              <a:t>_search –d `{</a:t>
+            </a:r>
+          </a:p>
+          <a:p>
+            <a:pPr marL="457200" lvl="1" indent="0">
+              <a:buNone/>
+            </a:pPr>
+            <a:r>
+              <a:rPr lang="en-US" dirty="0"/>
+              <a:t> </a:t>
+            </a:r>
+            <a:r>
+              <a:rPr lang="en-US" dirty="0" smtClean="0"/>
+              <a:t>“query”:  {</a:t>
+            </a:r>
+          </a:p>
+          <a:p>
+            <a:pPr marL="457200" lvl="1" indent="0">
+              <a:buNone/>
+            </a:pPr>
+            <a:r>
+              <a:rPr lang="en-US" dirty="0"/>
+              <a:t>	</a:t>
+            </a:r>
+            <a:r>
+              <a:rPr lang="en-US" dirty="0" smtClean="0"/>
+              <a:t>“</a:t>
+            </a:r>
+            <a:r>
+              <a:rPr lang="en-US" dirty="0" err="1" smtClean="0"/>
+              <a:t>query_string</a:t>
+            </a:r>
+            <a:r>
+              <a:rPr lang="en-US" dirty="0" smtClean="0"/>
+              <a:t>”: {</a:t>
+            </a:r>
+          </a:p>
+          <a:p>
+            <a:pPr marL="457200" lvl="1" indent="0">
+              <a:buNone/>
+            </a:pPr>
+            <a:r>
+              <a:rPr lang="en-US" dirty="0"/>
+              <a:t>	</a:t>
+            </a:r>
+            <a:r>
+              <a:rPr lang="en-US" dirty="0" smtClean="0"/>
+              <a:t>	“query”: “</a:t>
+            </a:r>
+            <a:r>
+              <a:rPr lang="en-US" dirty="0" err="1" smtClean="0"/>
+              <a:t>lucky_words</a:t>
+            </a:r>
+            <a:r>
+              <a:rPr lang="en-US" dirty="0" smtClean="0"/>
+              <a:t> AND rtp:95”</a:t>
+            </a:r>
+          </a:p>
+          <a:p>
+            <a:pPr marL="457200" lvl="1" indent="0">
+              <a:buNone/>
+            </a:pPr>
+            <a:r>
+              <a:rPr lang="en-US" dirty="0"/>
+              <a:t>	</a:t>
+            </a:r>
+            <a:r>
+              <a:rPr lang="en-US" dirty="0" smtClean="0"/>
+              <a:t>	}</a:t>
+            </a:r>
+          </a:p>
+          <a:p>
+            <a:pPr marL="457200" lvl="1" indent="0">
+              <a:buNone/>
+            </a:pPr>
+            <a:r>
+              <a:rPr lang="en-US" dirty="0" smtClean="0"/>
+              <a:t>	}</a:t>
+            </a:r>
+          </a:p>
+          <a:p>
+            <a:pPr marL="457200" lvl="1" indent="0">
+              <a:buNone/>
+            </a:pPr>
+            <a:r>
+              <a:rPr lang="en-US" dirty="0" smtClean="0"/>
+              <a:t>}`</a:t>
+            </a:r>
+            <a:endParaRPr lang="en-US" dirty="0"/>
+          </a:p>
+          <a:p>
             <a:endParaRPr lang="en-US" dirty="0"/>
           </a:p>
         </p:txBody>
@@ -6156,7 +6174,7 @@
     </p:spTree>
     <p:extLst>
       <p:ext uri="{BB962C8B-B14F-4D97-AF65-F5344CB8AC3E}">
-        <p14:creationId xmlns:p14="http://schemas.microsoft.com/office/powerpoint/2010/main" val="2580380204"/>
+        <p14:creationId xmlns:p14="http://schemas.microsoft.com/office/powerpoint/2010/main" val="1726973554"/>
       </p:ext>
     </p:extLst>
   </p:cSld>
@@ -6200,6 +6218,102 @@
           <a:p>
             <a:r>
               <a:rPr lang="en-US" dirty="0" smtClean="0"/>
+              <a:t>Query your data</a:t>
+            </a:r>
+            <a:endParaRPr lang="en-US" dirty="0"/>
+          </a:p>
+        </p:txBody>
+      </p:sp>
+      <p:sp>
+        <p:nvSpPr>
+          <p:cNvPr id="3" name="Content Placeholder 2"/>
+          <p:cNvSpPr>
+            <a:spLocks noGrp="1"/>
+          </p:cNvSpPr>
+          <p:nvPr>
+            <p:ph sz="quarter" idx="13"/>
+          </p:nvPr>
+        </p:nvSpPr>
+        <p:spPr/>
+        <p:txBody>
+          <a:bodyPr/>
+          <a:lstStyle/>
+          <a:p>
+            <a:r>
+              <a:rPr lang="en-US" dirty="0" smtClean="0"/>
+              <a:t>Query format – JSON</a:t>
+            </a:r>
+          </a:p>
+          <a:p>
+            <a:r>
+              <a:rPr lang="en-US" dirty="0" smtClean="0"/>
+              <a:t>Build in filters</a:t>
+            </a:r>
+          </a:p>
+          <a:p>
+            <a:r>
+              <a:rPr lang="en-US" dirty="0" smtClean="0"/>
+              <a:t>Queries </a:t>
+            </a:r>
+            <a:r>
+              <a:rPr lang="en-US" dirty="0" err="1" smtClean="0"/>
+              <a:t>vs</a:t>
+            </a:r>
+            <a:r>
+              <a:rPr lang="en-US" dirty="0" smtClean="0"/>
+              <a:t> Filters</a:t>
+            </a:r>
+            <a:endParaRPr lang="en-US" dirty="0"/>
+          </a:p>
+        </p:txBody>
+      </p:sp>
+    </p:spTree>
+    <p:extLst>
+      <p:ext uri="{BB962C8B-B14F-4D97-AF65-F5344CB8AC3E}">
+        <p14:creationId xmlns:p14="http://schemas.microsoft.com/office/powerpoint/2010/main" val="2580380204"/>
+      </p:ext>
+    </p:extLst>
+  </p:cSld>
+  <p:clrMapOvr>
+    <a:masterClrMapping/>
+  </p:clrMapOvr>
+</p:sld>
+</file>
+
+<file path=ppt/slides/slide35.xml><?xml version="1.0" encoding="utf-8"?>
+<p:sld xmlns:a="http://schemas.openxmlformats.org/drawingml/2006/main" xmlns:r="http://schemas.openxmlformats.org/officeDocument/2006/relationships" xmlns:p="http://schemas.openxmlformats.org/presentationml/2006/main">
+  <p:cSld>
+    <p:spTree>
+      <p:nvGrpSpPr>
+        <p:cNvPr id="1" name=""/>
+        <p:cNvGrpSpPr/>
+        <p:nvPr/>
+      </p:nvGrpSpPr>
+      <p:grpSpPr>
+        <a:xfrm>
+          <a:off x="0" y="0"/>
+          <a:ext cx="0" cy="0"/>
+          <a:chOff x="0" y="0"/>
+          <a:chExt cx="0" cy="0"/>
+        </a:xfrm>
+      </p:grpSpPr>
+      <p:sp>
+        <p:nvSpPr>
+          <p:cNvPr id="2" name="Title 1"/>
+          <p:cNvSpPr>
+            <a:spLocks noGrp="1"/>
+          </p:cNvSpPr>
+          <p:nvPr>
+            <p:ph type="title"/>
+          </p:nvPr>
+        </p:nvSpPr>
+        <p:spPr/>
+        <p:txBody>
+          <a:bodyPr/>
+          <a:lstStyle/>
+          <a:p>
+            <a:r>
+              <a:rPr lang="en-US" dirty="0" smtClean="0"/>
               <a:t>ES</a:t>
             </a:r>
             <a:endParaRPr lang="en-US" dirty="0"/>
@@ -6244,7 +6358,7 @@
 </p:sld>
 </file>
 
-<file path=ppt/slides/slide35.xml><?xml version="1.0" encoding="utf-8"?>
+<file path=ppt/slides/slide36.xml><?xml version="1.0" encoding="utf-8"?>
 <p:sld xmlns:a="http://schemas.openxmlformats.org/drawingml/2006/main" xmlns:r="http://schemas.openxmlformats.org/officeDocument/2006/relationships" xmlns:p="http://schemas.openxmlformats.org/presentationml/2006/main">
   <p:cSld>
     <p:spTree>
@@ -6446,7 +6560,7 @@
           <a:p>
             <a:r>
               <a:rPr lang="en-US" dirty="0" err="1" smtClean="0"/>
-              <a:t>Solr</a:t>
+              <a:t>Lucene</a:t>
             </a:r>
             <a:endParaRPr lang="en-US" dirty="0"/>
           </a:p>
